--- a/Cloud Box_ppt.pptx
+++ b/Cloud Box_ppt.pptx
@@ -10,11 +10,11 @@
     <p:sldId id="272" r:id="rId4"/>
     <p:sldId id="258" r:id="rId5"/>
     <p:sldId id="259" r:id="rId6"/>
-    <p:sldId id="260" r:id="rId7"/>
-    <p:sldId id="261" r:id="rId8"/>
-    <p:sldId id="262" r:id="rId9"/>
-    <p:sldId id="264" r:id="rId10"/>
-    <p:sldId id="266" r:id="rId11"/>
+    <p:sldId id="261" r:id="rId7"/>
+    <p:sldId id="262" r:id="rId8"/>
+    <p:sldId id="264" r:id="rId9"/>
+    <p:sldId id="266" r:id="rId10"/>
+    <p:sldId id="260" r:id="rId11"/>
     <p:sldId id="267" r:id="rId12"/>
     <p:sldId id="268" r:id="rId13"/>
     <p:sldId id="269" r:id="rId14"/>
@@ -123,7 +123,7 @@
 <file path=ppt/charts/chart1.xml><?xml version="1.0" encoding="utf-8"?>
 <c:chartSpace xmlns:c="http://schemas.openxmlformats.org/drawingml/2006/chart" xmlns:a="http://schemas.openxmlformats.org/drawingml/2006/main" xmlns:r="http://schemas.openxmlformats.org/officeDocument/2006/relationships">
   <c:date1904 val="0"/>
-  <c:lang val="en-CA"/>
+  <c:lang val="en-US"/>
   <c:roundedCorners val="0"/>
   <mc:AlternateContent xmlns:mc="http://schemas.openxmlformats.org/markup-compatibility/2006">
     <mc:Choice xmlns:c14="http://schemas.microsoft.com/office/drawing/2007/8/2/chart" Requires="c14">
@@ -179,37 +179,37 @@
               <c:formatCode>#,##0_ "hrs"</c:formatCode>
               <c:ptCount val="11"/>
               <c:pt idx="0">
-                <c:v>0</c:v>
+                <c:v>0.0</c:v>
               </c:pt>
               <c:pt idx="1">
-                <c:v>0</c:v>
+                <c:v>0.0</c:v>
               </c:pt>
               <c:pt idx="2">
-                <c:v>124</c:v>
+                <c:v>124.0</c:v>
               </c:pt>
               <c:pt idx="3">
-                <c:v>120</c:v>
+                <c:v>120.0</c:v>
               </c:pt>
               <c:pt idx="4">
-                <c:v>0</c:v>
+                <c:v>0.0</c:v>
               </c:pt>
               <c:pt idx="5">
-                <c:v>0</c:v>
+                <c:v>0.0</c:v>
               </c:pt>
               <c:pt idx="6">
-                <c:v>0</c:v>
+                <c:v>0.0</c:v>
               </c:pt>
               <c:pt idx="7">
-                <c:v>0</c:v>
+                <c:v>0.0</c:v>
               </c:pt>
               <c:pt idx="8">
-                <c:v>0</c:v>
+                <c:v>0.0</c:v>
               </c:pt>
               <c:pt idx="9">
-                <c:v>32</c:v>
+                <c:v>32.0</c:v>
               </c:pt>
               <c:pt idx="10">
-                <c:v>16</c:v>
+                <c:v>16.0</c:v>
               </c:pt>
             </c:numLit>
           </c:val>
@@ -252,37 +252,37 @@
               <c:formatCode>#,##0_ "hrs"</c:formatCode>
               <c:ptCount val="11"/>
               <c:pt idx="0">
-                <c:v>0</c:v>
+                <c:v>0.0</c:v>
               </c:pt>
               <c:pt idx="1">
-                <c:v>0</c:v>
+                <c:v>0.0</c:v>
               </c:pt>
               <c:pt idx="2">
-                <c:v>288.63333333333333</c:v>
+                <c:v>288.6333333333334</c:v>
               </c:pt>
               <c:pt idx="3">
-                <c:v>265.63333333333333</c:v>
+                <c:v>265.6333333333334</c:v>
               </c:pt>
               <c:pt idx="4">
-                <c:v>0</c:v>
+                <c:v>0.0</c:v>
               </c:pt>
               <c:pt idx="5">
-                <c:v>0</c:v>
+                <c:v>0.0</c:v>
               </c:pt>
               <c:pt idx="6">
-                <c:v>0</c:v>
+                <c:v>0.0</c:v>
               </c:pt>
               <c:pt idx="7">
-                <c:v>0</c:v>
+                <c:v>0.0</c:v>
               </c:pt>
               <c:pt idx="8">
-                <c:v>0</c:v>
+                <c:v>0.0</c:v>
               </c:pt>
               <c:pt idx="9">
-                <c:v>276.63333333333333</c:v>
+                <c:v>276.6333333333334</c:v>
               </c:pt>
               <c:pt idx="10">
-                <c:v>292.63333333333333</c:v>
+                <c:v>292.6333333333334</c:v>
               </c:pt>
             </c:numLit>
           </c:val>
@@ -297,8 +297,8 @@
         </c:dLbls>
         <c:gapWidth val="219"/>
         <c:overlap val="100"/>
-        <c:axId val="71374720"/>
-        <c:axId val="50475008"/>
+        <c:axId val="2089709336"/>
+        <c:axId val="2089037576"/>
       </c:barChart>
       <c:lineChart>
         <c:grouping val="standard"/>
@@ -355,37 +355,37 @@
               <c:formatCode>#,##0_ "hrs"</c:formatCode>
               <c:ptCount val="11"/>
               <c:pt idx="0">
-                <c:v>0</c:v>
+                <c:v>0.0</c:v>
               </c:pt>
               <c:pt idx="1">
-                <c:v>0</c:v>
+                <c:v>0.0</c:v>
               </c:pt>
               <c:pt idx="2">
-                <c:v>0</c:v>
+                <c:v>0.0</c:v>
               </c:pt>
               <c:pt idx="3">
-                <c:v>0</c:v>
+                <c:v>0.0</c:v>
               </c:pt>
               <c:pt idx="4">
-                <c:v>0</c:v>
+                <c:v>0.0</c:v>
               </c:pt>
               <c:pt idx="5">
-                <c:v>0</c:v>
+                <c:v>0.0</c:v>
               </c:pt>
               <c:pt idx="6">
-                <c:v>0</c:v>
+                <c:v>0.0</c:v>
               </c:pt>
               <c:pt idx="7">
-                <c:v>0</c:v>
+                <c:v>0.0</c:v>
               </c:pt>
               <c:pt idx="8">
-                <c:v>0</c:v>
+                <c:v>0.0</c:v>
               </c:pt>
               <c:pt idx="9">
-                <c:v>0</c:v>
+                <c:v>0.0</c:v>
               </c:pt>
               <c:pt idx="10">
-                <c:v>0</c:v>
+                <c:v>0.0</c:v>
               </c:pt>
             </c:numLit>
           </c:val>
@@ -401,11 +401,11 @@
         </c:dLbls>
         <c:marker val="1"/>
         <c:smooth val="0"/>
-        <c:axId val="71374720"/>
-        <c:axId val="50475008"/>
+        <c:axId val="2089709336"/>
+        <c:axId val="2089037576"/>
       </c:lineChart>
       <c:catAx>
-        <c:axId val="71374720"/>
+        <c:axId val="2089709336"/>
         <c:scaling>
           <c:orientation val="minMax"/>
         </c:scaling>
@@ -448,7 +448,7 @@
             <a:endParaRPr lang="en-US"/>
           </a:p>
         </c:txPr>
-        <c:crossAx val="50475008"/>
+        <c:crossAx val="2089037576"/>
         <c:crosses val="autoZero"/>
         <c:auto val="1"/>
         <c:lblAlgn val="ctr"/>
@@ -456,7 +456,7 @@
         <c:noMultiLvlLbl val="0"/>
       </c:catAx>
       <c:valAx>
-        <c:axId val="50475008"/>
+        <c:axId val="2089037576"/>
         <c:scaling>
           <c:orientation val="minMax"/>
         </c:scaling>
@@ -507,7 +507,7 @@
             <a:endParaRPr lang="en-US"/>
           </a:p>
         </c:txPr>
-        <c:crossAx val="71374720"/>
+        <c:crossAx val="2089709336"/>
         <c:crosses val="autoZero"/>
         <c:crossBetween val="between"/>
       </c:valAx>
@@ -1009,7 +1009,7 @@
           <a:p>
             <a:fld id="{98F748B1-DC6F-4870-8D1C-AA1B251EDBCA}" type="datetimeFigureOut">
               <a:rPr lang="en-CA" smtClean="0"/>
-              <a:t>2014-07-08</a:t>
+              <a:t>2014-07-09</a:t>
             </a:fld>
             <a:endParaRPr lang="en-CA"/>
           </a:p>
@@ -1100,7 +1100,7 @@
   <p:timing>
     <p:tnLst>
       <p:par>
-        <p:cTn id="1" dur="indefinite" restart="never" nodeType="tmRoot"/>
+        <p:cTn xmlns:p14="http://schemas.microsoft.com/office/powerpoint/2010/main" id="1" dur="indefinite" restart="never" nodeType="tmRoot"/>
       </p:par>
     </p:tnLst>
   </p:timing>
@@ -1221,7 +1221,7 @@
           <a:p>
             <a:fld id="{98F748B1-DC6F-4870-8D1C-AA1B251EDBCA}" type="datetimeFigureOut">
               <a:rPr lang="en-CA" smtClean="0"/>
-              <a:t>2014-07-08</a:t>
+              <a:t>2014-07-09</a:t>
             </a:fld>
             <a:endParaRPr lang="en-CA"/>
           </a:p>
@@ -1277,7 +1277,7 @@
   <p:timing>
     <p:tnLst>
       <p:par>
-        <p:cTn id="1" dur="indefinite" restart="never" nodeType="tmRoot"/>
+        <p:cTn xmlns:p14="http://schemas.microsoft.com/office/powerpoint/2010/main" id="1" dur="indefinite" restart="never" nodeType="tmRoot"/>
       </p:par>
     </p:tnLst>
   </p:timing>
@@ -1408,7 +1408,7 @@
           <a:p>
             <a:fld id="{98F748B1-DC6F-4870-8D1C-AA1B251EDBCA}" type="datetimeFigureOut">
               <a:rPr lang="en-CA" smtClean="0"/>
-              <a:t>2014-07-08</a:t>
+              <a:t>2014-07-09</a:t>
             </a:fld>
             <a:endParaRPr lang="en-CA"/>
           </a:p>
@@ -1464,7 +1464,7 @@
   <p:timing>
     <p:tnLst>
       <p:par>
-        <p:cTn id="1" dur="indefinite" restart="never" nodeType="tmRoot"/>
+        <p:cTn xmlns:p14="http://schemas.microsoft.com/office/powerpoint/2010/main" id="1" dur="indefinite" restart="never" nodeType="tmRoot"/>
       </p:par>
     </p:tnLst>
   </p:timing>
@@ -1505,7 +1505,7 @@
           <a:p>
             <a:fld id="{98F748B1-DC6F-4870-8D1C-AA1B251EDBCA}" type="datetimeFigureOut">
               <a:rPr lang="en-CA" smtClean="0"/>
-              <a:t>2014-07-08</a:t>
+              <a:t>2014-07-09</a:t>
             </a:fld>
             <a:endParaRPr lang="en-CA"/>
           </a:p>
@@ -1641,7 +1641,7 @@
   <p:timing>
     <p:tnLst>
       <p:par>
-        <p:cTn id="1" dur="indefinite" restart="never" nodeType="tmRoot"/>
+        <p:cTn xmlns:p14="http://schemas.microsoft.com/office/powerpoint/2010/main" id="1" dur="indefinite" restart="never" nodeType="tmRoot"/>
       </p:par>
     </p:tnLst>
   </p:timing>
@@ -2101,7 +2101,7 @@
           <a:p>
             <a:fld id="{98F748B1-DC6F-4870-8D1C-AA1B251EDBCA}" type="datetimeFigureOut">
               <a:rPr lang="en-CA" smtClean="0"/>
-              <a:t>2014-07-08</a:t>
+              <a:t>2014-07-09</a:t>
             </a:fld>
             <a:endParaRPr lang="en-CA"/>
           </a:p>
@@ -2157,7 +2157,7 @@
   <p:timing>
     <p:tnLst>
       <p:par>
-        <p:cTn id="1" dur="indefinite" restart="never" nodeType="tmRoot"/>
+        <p:cTn xmlns:p14="http://schemas.microsoft.com/office/powerpoint/2010/main" id="1" dur="indefinite" restart="never" nodeType="tmRoot"/>
       </p:par>
     </p:tnLst>
   </p:timing>
@@ -2198,7 +2198,7 @@
           <a:p>
             <a:fld id="{98F748B1-DC6F-4870-8D1C-AA1B251EDBCA}" type="datetimeFigureOut">
               <a:rPr lang="en-CA" smtClean="0"/>
-              <a:t>2014-07-08</a:t>
+              <a:t>2014-07-09</a:t>
             </a:fld>
             <a:endParaRPr lang="en-CA"/>
           </a:p>
@@ -2391,7 +2391,7 @@
   <p:timing>
     <p:tnLst>
       <p:par>
-        <p:cTn id="1" dur="indefinite" restart="never" nodeType="tmRoot"/>
+        <p:cTn xmlns:p14="http://schemas.microsoft.com/office/powerpoint/2010/main" id="1" dur="indefinite" restart="never" nodeType="tmRoot"/>
       </p:par>
     </p:tnLst>
   </p:timing>
@@ -2803,7 +2803,7 @@
           <a:p>
             <a:fld id="{98F748B1-DC6F-4870-8D1C-AA1B251EDBCA}" type="datetimeFigureOut">
               <a:rPr lang="en-CA" smtClean="0"/>
-              <a:t>2014-07-08</a:t>
+              <a:t>2014-07-09</a:t>
             </a:fld>
             <a:endParaRPr lang="en-CA"/>
           </a:p>
@@ -2882,7 +2882,7 @@
   <p:timing>
     <p:tnLst>
       <p:par>
-        <p:cTn id="1" dur="indefinite" restart="never" nodeType="tmRoot"/>
+        <p:cTn xmlns:p14="http://schemas.microsoft.com/office/powerpoint/2010/main" id="1" dur="indefinite" restart="never" nodeType="tmRoot"/>
       </p:par>
     </p:tnLst>
   </p:timing>
@@ -2946,7 +2946,7 @@
           <a:p>
             <a:fld id="{98F748B1-DC6F-4870-8D1C-AA1B251EDBCA}" type="datetimeFigureOut">
               <a:rPr lang="en-CA" smtClean="0"/>
-              <a:t>2014-07-08</a:t>
+              <a:t>2014-07-09</a:t>
             </a:fld>
             <a:endParaRPr lang="en-CA"/>
           </a:p>
@@ -3002,7 +3002,7 @@
   <p:timing>
     <p:tnLst>
       <p:par>
-        <p:cTn id="1" dur="indefinite" restart="never" nodeType="tmRoot"/>
+        <p:cTn xmlns:p14="http://schemas.microsoft.com/office/powerpoint/2010/main" id="1" dur="indefinite" restart="never" nodeType="tmRoot"/>
       </p:par>
     </p:tnLst>
   </p:timing>
@@ -3043,7 +3043,7 @@
           <a:p>
             <a:fld id="{98F748B1-DC6F-4870-8D1C-AA1B251EDBCA}" type="datetimeFigureOut">
               <a:rPr lang="en-CA" smtClean="0"/>
-              <a:t>2014-07-08</a:t>
+              <a:t>2014-07-09</a:t>
             </a:fld>
             <a:endParaRPr lang="en-CA"/>
           </a:p>
@@ -3099,7 +3099,7 @@
   <p:timing>
     <p:tnLst>
       <p:par>
-        <p:cTn id="1" dur="indefinite" restart="never" nodeType="tmRoot"/>
+        <p:cTn xmlns:p14="http://schemas.microsoft.com/office/powerpoint/2010/main" id="1" dur="indefinite" restart="never" nodeType="tmRoot"/>
       </p:par>
     </p:tnLst>
   </p:timing>
@@ -3327,7 +3327,7 @@
           <a:p>
             <a:fld id="{98F748B1-DC6F-4870-8D1C-AA1B251EDBCA}" type="datetimeFigureOut">
               <a:rPr lang="en-CA" smtClean="0"/>
-              <a:t>2014-07-08</a:t>
+              <a:t>2014-07-09</a:t>
             </a:fld>
             <a:endParaRPr lang="en-CA"/>
           </a:p>
@@ -3383,7 +3383,7 @@
   <p:timing>
     <p:tnLst>
       <p:par>
-        <p:cTn id="1" dur="indefinite" restart="never" nodeType="tmRoot"/>
+        <p:cTn xmlns:p14="http://schemas.microsoft.com/office/powerpoint/2010/main" id="1" dur="indefinite" restart="never" nodeType="tmRoot"/>
       </p:par>
     </p:tnLst>
   </p:timing>
@@ -3849,7 +3849,7 @@
           <a:p>
             <a:fld id="{98F748B1-DC6F-4870-8D1C-AA1B251EDBCA}" type="datetimeFigureOut">
               <a:rPr lang="en-CA" smtClean="0"/>
-              <a:t>2014-07-08</a:t>
+              <a:t>2014-07-09</a:t>
             </a:fld>
             <a:endParaRPr lang="en-CA"/>
           </a:p>
@@ -3939,7 +3939,7 @@
   <p:timing>
     <p:tnLst>
       <p:par>
-        <p:cTn id="1" dur="indefinite" restart="never" nodeType="tmRoot"/>
+        <p:cTn xmlns:p14="http://schemas.microsoft.com/office/powerpoint/2010/main" id="1" dur="indefinite" restart="never" nodeType="tmRoot"/>
       </p:par>
     </p:tnLst>
   </p:timing>
@@ -4369,7 +4369,7 @@
           <a:p>
             <a:fld id="{98F748B1-DC6F-4870-8D1C-AA1B251EDBCA}" type="datetimeFigureOut">
               <a:rPr lang="en-CA" smtClean="0"/>
-              <a:t>2014-07-08</a:t>
+              <a:t>2014-07-09</a:t>
             </a:fld>
             <a:endParaRPr lang="en-CA"/>
           </a:p>
@@ -4474,7 +4474,7 @@
   <p:timing>
     <p:tnLst>
       <p:par>
-        <p:cTn id="1" dur="indefinite" restart="never" nodeType="tmRoot"/>
+        <p:cTn xmlns:p14="http://schemas.microsoft.com/office/powerpoint/2010/main" id="1" dur="indefinite" restart="never" nodeType="tmRoot"/>
       </p:par>
     </p:tnLst>
   </p:timing>
@@ -5012,14 +5012,14 @@
             <a:noFill/>
           </a:ln>
           <a:extLst>
-            <a:ext uri="{909E8E84-426E-40DD-AFC4-6F175D3DCCD1}">
+            <a:ext uri="{909E8E84-426E-40dd-AFC4-6F175D3DCCD1}">
               <a14:hiddenFill xmlns:a14="http://schemas.microsoft.com/office/drawing/2010/main">
                 <a:solidFill>
                   <a:schemeClr val="accent1"/>
                 </a:solidFill>
               </a14:hiddenFill>
             </a:ext>
-            <a:ext uri="{91240B29-F687-4F45-9708-019B960494DF}">
+            <a:ext uri="{91240B29-F687-4f45-9708-019B960494DF}">
               <a14:hiddenLine xmlns:a14="http://schemas.microsoft.com/office/drawing/2010/main" w="9525">
                 <a:solidFill>
                   <a:schemeClr val="tx1"/>
@@ -5045,7 +5045,7 @@
   <p:timing>
     <p:tnLst>
       <p:par>
-        <p:cTn id="1" dur="indefinite" restart="never" nodeType="tmRoot"/>
+        <p:cTn xmlns:p14="http://schemas.microsoft.com/office/powerpoint/2010/main" id="1" dur="indefinite" restart="never" nodeType="tmRoot"/>
       </p:par>
     </p:tnLst>
   </p:timing>
@@ -5069,115 +5069,86 @@
           <a:chExt cx="0" cy="0"/>
         </a:xfrm>
       </p:grpSpPr>
-      <p:pic>
-        <p:nvPicPr>
-          <p:cNvPr id="4" name="Picture 3"/>
-          <p:cNvPicPr>
-            <a:picLocks noChangeAspect="1"/>
-          </p:cNvPicPr>
-          <p:nvPr/>
-        </p:nvPicPr>
-        <p:blipFill>
-          <a:blip r:embed="rId2">
-            <a:extLst>
-              <a:ext uri="{28A0092B-C50C-407E-A947-70E740481C1C}">
-                <a14:useLocalDpi xmlns:a14="http://schemas.microsoft.com/office/drawing/2010/main" val="0"/>
-              </a:ext>
-            </a:extLst>
-          </a:blip>
-          <a:stretch>
-            <a:fillRect/>
-          </a:stretch>
-        </p:blipFill>
+      <p:sp>
+        <p:nvSpPr>
+          <p:cNvPr id="2" name="Title 1"/>
+          <p:cNvSpPr>
+            <a:spLocks noGrp="1"/>
+          </p:cNvSpPr>
+          <p:nvPr>
+            <p:ph type="title"/>
+          </p:nvPr>
+        </p:nvSpPr>
         <p:spPr>
           <a:xfrm>
-            <a:off x="899592" y="548680"/>
-            <a:ext cx="7031980" cy="4896544"/>
+            <a:off x="251520" y="4653136"/>
+            <a:ext cx="8640960" cy="1143000"/>
           </a:xfrm>
-          <a:prstGeom prst="rect">
-            <a:avLst/>
-          </a:prstGeom>
         </p:spPr>
-      </p:pic>
-      <p:sp>
-        <p:nvSpPr>
-          <p:cNvPr id="5" name="TextBox 4"/>
-          <p:cNvSpPr txBox="1"/>
-          <p:nvPr/>
+        <p:txBody>
+          <a:bodyPr/>
+          <a:lstStyle/>
+          <a:p>
+            <a:pPr marL="0" indent="0">
+              <a:buNone/>
+            </a:pPr>
+            <a:r>
+              <a:rPr lang="en-CA" sz="4000" dirty="0" smtClean="0"/>
+              <a:t>Communication</a:t>
+            </a:r>
+            <a:endParaRPr lang="en-CA" sz="4000" dirty="0"/>
+          </a:p>
+        </p:txBody>
+      </p:sp>
+      <p:sp>
+        <p:nvSpPr>
+          <p:cNvPr id="3" name="Content Placeholder 2"/>
+          <p:cNvSpPr>
+            <a:spLocks noGrp="1"/>
+          </p:cNvSpPr>
+          <p:nvPr>
+            <p:ph sz="quarter" idx="13"/>
+          </p:nvPr>
         </p:nvSpPr>
         <p:spPr>
           <a:xfrm>
-            <a:off x="2945339" y="5661248"/>
-            <a:ext cx="2831224" cy="323165"/>
+            <a:off x="1143000" y="731520"/>
+            <a:ext cx="6400800" cy="3474720"/>
           </a:xfrm>
-          <a:prstGeom prst="rect">
-            <a:avLst/>
-          </a:prstGeom>
-          <a:noFill/>
         </p:spPr>
         <p:txBody>
-          <a:bodyPr wrap="none" rtlCol="0">
-            <a:spAutoFit/>
+          <a:bodyPr>
+            <a:normAutofit fontScale="92500"/>
           </a:bodyPr>
           <a:lstStyle/>
           <a:p>
             <a:r>
-              <a:rPr lang="en-CA" sz="1500" dirty="0" smtClean="0"/>
-              <a:t>Data recovery of server failure</a:t>
-            </a:r>
-          </a:p>
-        </p:txBody>
-      </p:sp>
-      <p:sp>
-        <p:nvSpPr>
-          <p:cNvPr id="6" name="Rectangle 5"/>
-          <p:cNvSpPr/>
-          <p:nvPr/>
-        </p:nvSpPr>
-        <p:spPr>
-          <a:xfrm>
-            <a:off x="4139952" y="2999414"/>
-            <a:ext cx="4572000" cy="923330"/>
-          </a:xfrm>
-          <a:prstGeom prst="rect">
-            <a:avLst/>
-          </a:prstGeom>
-        </p:spPr>
-        <p:txBody>
-          <a:bodyPr>
-            <a:spAutoFit/>
-          </a:bodyPr>
-          <a:lstStyle/>
-          <a:p>
-            <a:pPr marL="228600" indent="-182880">
-              <a:lnSpc>
-                <a:spcPct val="90000"/>
-              </a:lnSpc>
-              <a:spcBef>
-                <a:spcPct val="20000"/>
-              </a:spcBef>
-              <a:spcAft>
-                <a:spcPts val="300"/>
-              </a:spcAft>
-              <a:buClr>
-                <a:schemeClr val="accent6">
-                  <a:lumMod val="75000"/>
-                </a:schemeClr>
-              </a:buClr>
-              <a:buSzPct val="130000"/>
-              <a:buFont typeface="Georgia" pitchFamily="18" charset="0"/>
-              <a:buChar char="*"/>
-            </a:pPr>
-            <a:r>
-              <a:rPr lang="en-CA" sz="2000" dirty="0">
-                <a:solidFill>
-                  <a:schemeClr val="tx1">
-                    <a:lumMod val="75000"/>
-                    <a:lumOff val="25000"/>
-                  </a:schemeClr>
-                </a:solidFill>
-              </a:rPr>
-              <a:t>Before a server starts receiving connections, updates its files with latest version</a:t>
+              <a:rPr lang="en-CA" dirty="0" smtClean="0"/>
+              <a:t>Sockets are used for communication between nodes.</a:t>
+            </a:r>
+          </a:p>
+          <a:p>
+            <a:r>
+              <a:rPr lang="en-CA" dirty="0" smtClean="0"/>
+              <a:t>Communication between nodes is asynchronous.</a:t>
+            </a:r>
+          </a:p>
+          <a:p>
+            <a:r>
+              <a:rPr lang="en-CA" dirty="0" smtClean="0"/>
+              <a:t>Multithreading used for creating sockets.</a:t>
+            </a:r>
+          </a:p>
+          <a:p>
+            <a:r>
+              <a:rPr lang="en-CA" dirty="0" smtClean="0"/>
+              <a:t>Client communicates with one server when accesses the same file.</a:t>
+            </a:r>
+          </a:p>
+          <a:p>
+            <a:r>
+              <a:rPr lang="en-CA" dirty="0" smtClean="0"/>
+              <a:t>One service server communicate with all other servers for message passing and only transfer data to backup servers.</a:t>
             </a:r>
           </a:p>
         </p:txBody>
@@ -5185,7 +5156,7 @@
     </p:spTree>
     <p:extLst>
       <p:ext uri="{BB962C8B-B14F-4D97-AF65-F5344CB8AC3E}">
-        <p14:creationId xmlns:p14="http://schemas.microsoft.com/office/powerpoint/2010/main" val="4103187566"/>
+        <p14:creationId xmlns:p14="http://schemas.microsoft.com/office/powerpoint/2010/main" val="3901946312"/>
       </p:ext>
     </p:extLst>
   </p:cSld>
@@ -5195,7 +5166,7 @@
   <p:timing>
     <p:tnLst>
       <p:par>
-        <p:cTn id="1" dur="indefinite" restart="never" nodeType="tmRoot"/>
+        <p:cTn xmlns:p14="http://schemas.microsoft.com/office/powerpoint/2010/main" id="1" dur="indefinite" restart="never" nodeType="tmRoot"/>
       </p:par>
     </p:tnLst>
   </p:timing>
@@ -5323,7 +5294,7 @@
   <p:timing>
     <p:tnLst>
       <p:par>
-        <p:cTn id="1" dur="indefinite" restart="never" nodeType="tmRoot"/>
+        <p:cTn xmlns:p14="http://schemas.microsoft.com/office/powerpoint/2010/main" id="1" dur="indefinite" restart="never" nodeType="tmRoot"/>
       </p:par>
     </p:tnLst>
   </p:timing>
@@ -5391,7 +5362,7 @@
         <p:spPr/>
         <p:txBody>
           <a:bodyPr>
-            <a:normAutofit lnSpcReduction="10000"/>
+            <a:normAutofit fontScale="92500" lnSpcReduction="20000"/>
           </a:bodyPr>
           <a:lstStyle/>
           <a:p>
@@ -5453,8 +5424,37 @@
             </a:pPr>
             <a:r>
               <a:rPr lang="en-CA" dirty="0" smtClean="0"/>
-              <a:t>MS Azure</a:t>
-            </a:r>
+              <a:t>MS </a:t>
+            </a:r>
+            <a:r>
+              <a:rPr lang="en-CA" dirty="0" smtClean="0"/>
+              <a:t>Azure</a:t>
+            </a:r>
+          </a:p>
+          <a:p>
+            <a:pPr lvl="1">
+              <a:buFont typeface="Wingdings" panose="05000000000000000000" pitchFamily="2" charset="2"/>
+              <a:buChar char="q"/>
+            </a:pPr>
+            <a:r>
+              <a:rPr lang="en-US" dirty="0" smtClean="0"/>
+              <a:t>B</a:t>
+            </a:r>
+            <a:r>
+              <a:rPr lang="en-CA" dirty="0" smtClean="0"/>
+              <a:t>lob for data storage</a:t>
+            </a:r>
+          </a:p>
+          <a:p>
+            <a:pPr lvl="1">
+              <a:buFont typeface="Wingdings" panose="05000000000000000000" pitchFamily="2" charset="2"/>
+              <a:buChar char="q"/>
+            </a:pPr>
+            <a:r>
+              <a:rPr lang="en-CA" dirty="0" smtClean="0"/>
+              <a:t>VM runs server side application</a:t>
+            </a:r>
+            <a:endParaRPr lang="en-CA" dirty="0" smtClean="0"/>
           </a:p>
           <a:p>
             <a:pPr>
@@ -5494,7 +5494,7 @@
   <p:timing>
     <p:tnLst>
       <p:par>
-        <p:cTn id="1" dur="indefinite" restart="never" nodeType="tmRoot"/>
+        <p:cTn xmlns:p14="http://schemas.microsoft.com/office/powerpoint/2010/main" id="1" dur="indefinite" restart="never" nodeType="tmRoot"/>
       </p:par>
     </p:tnLst>
   </p:timing>
@@ -5620,14 +5620,14 @@
               <a:noFill/>
             </a:ln>
             <a:extLst>
-              <a:ext uri="{909E8E84-426E-40DD-AFC4-6F175D3DCCD1}">
+              <a:ext uri="{909E8E84-426E-40dd-AFC4-6F175D3DCCD1}">
                 <a14:hiddenFill xmlns:a14="http://schemas.microsoft.com/office/drawing/2010/main">
                   <a:solidFill>
                     <a:schemeClr val="accent1"/>
                   </a:solidFill>
                 </a14:hiddenFill>
               </a:ext>
-              <a:ext uri="{91240B29-F687-4F45-9708-019B960494DF}">
+              <a:ext uri="{91240B29-F687-4f45-9708-019B960494DF}">
                 <a14:hiddenLine xmlns:a14="http://schemas.microsoft.com/office/drawing/2010/main" w="9525">
                   <a:solidFill>
                     <a:schemeClr val="tx1"/>
@@ -5672,14 +5672,14 @@
               <a:noFill/>
             </a:ln>
             <a:extLst>
-              <a:ext uri="{909E8E84-426E-40DD-AFC4-6F175D3DCCD1}">
+              <a:ext uri="{909E8E84-426E-40dd-AFC4-6F175D3DCCD1}">
                 <a14:hiddenFill xmlns:a14="http://schemas.microsoft.com/office/drawing/2010/main">
                   <a:solidFill>
                     <a:schemeClr val="accent1"/>
                   </a:solidFill>
                 </a14:hiddenFill>
               </a:ext>
-              <a:ext uri="{91240B29-F687-4F45-9708-019B960494DF}">
+              <a:ext uri="{91240B29-F687-4f45-9708-019B960494DF}">
                 <a14:hiddenLine xmlns:a14="http://schemas.microsoft.com/office/drawing/2010/main" w="9525">
                   <a:solidFill>
                     <a:schemeClr val="tx1"/>
@@ -5706,7 +5706,7 @@
   <p:timing>
     <p:tnLst>
       <p:par>
-        <p:cTn id="1" dur="indefinite" restart="never" nodeType="tmRoot"/>
+        <p:cTn xmlns:p14="http://schemas.microsoft.com/office/powerpoint/2010/main" id="1" dur="indefinite" restart="never" nodeType="tmRoot"/>
       </p:par>
     </p:tnLst>
   </p:timing>
@@ -5822,7 +5822,7 @@
         </p:nvGraphicFramePr>
         <p:xfrm>
           <a:off x="5010727" y="1286593"/>
-          <a:ext cx="4025769" cy="3983676"/>
+          <a:ext cx="4025769" cy="3983583"/>
         </p:xfrm>
         <a:graphic>
           <a:graphicData uri="http://schemas.openxmlformats.org/drawingml/2006/table">
@@ -7207,14 +7207,14 @@
           </a:ln>
           <a:effectLst/>
           <a:extLst>
-            <a:ext uri="{909E8E84-426E-40DD-AFC4-6F175D3DCCD1}">
+            <a:ext uri="{909E8E84-426E-40dd-AFC4-6F175D3DCCD1}">
               <a14:hiddenFill xmlns:a14="http://schemas.microsoft.com/office/drawing/2010/main">
                 <a:solidFill>
                   <a:schemeClr val="accent1"/>
                 </a:solidFill>
               </a14:hiddenFill>
             </a:ext>
-            <a:ext uri="{91240B29-F687-4F45-9708-019B960494DF}">
+            <a:ext uri="{91240B29-F687-4f45-9708-019B960494DF}">
               <a14:hiddenLine xmlns:a14="http://schemas.microsoft.com/office/drawing/2010/main" w="9525">
                 <a:solidFill>
                   <a:schemeClr val="tx1"/>
@@ -7224,7 +7224,7 @@
                 <a:tailEnd/>
               </a14:hiddenLine>
             </a:ext>
-            <a:ext uri="{AF507438-7753-43E0-B8FC-AC1667EBCBE1}">
+            <a:ext uri="{AF507438-7753-43e0-B8FC-AC1667EBCBE1}">
               <a14:hiddenEffects xmlns:a14="http://schemas.microsoft.com/office/drawing/2010/main">
                 <a:effectLst>
                   <a:outerShdw dist="35921" dir="2700000" algn="ctr" rotWithShape="0">
@@ -7287,7 +7287,7 @@
   <p:timing>
     <p:tnLst>
       <p:par>
-        <p:cTn id="1" dur="indefinite" restart="never" nodeType="tmRoot"/>
+        <p:cTn xmlns:p14="http://schemas.microsoft.com/office/powerpoint/2010/main" id="1" dur="indefinite" restart="never" nodeType="tmRoot"/>
       </p:par>
     </p:tnLst>
   </p:timing>
@@ -7408,7 +7408,7 @@
   <p:timing>
     <p:tnLst>
       <p:par>
-        <p:cTn id="1" dur="indefinite" restart="never" nodeType="tmRoot"/>
+        <p:cTn xmlns:p14="http://schemas.microsoft.com/office/powerpoint/2010/main" id="1" dur="indefinite" restart="never" nodeType="tmRoot"/>
       </p:par>
     </p:tnLst>
   </p:timing>
@@ -7575,7 +7575,7 @@
   <p:timing>
     <p:tnLst>
       <p:par>
-        <p:cTn id="1" dur="indefinite" restart="never" nodeType="tmRoot"/>
+        <p:cTn xmlns:p14="http://schemas.microsoft.com/office/powerpoint/2010/main" id="1" dur="indefinite" restart="never" nodeType="tmRoot"/>
       </p:par>
     </p:tnLst>
   </p:timing>
@@ -7721,14 +7721,14 @@
           </a:ln>
           <a:effectLst/>
           <a:extLst>
-            <a:ext uri="{909E8E84-426E-40DD-AFC4-6F175D3DCCD1}">
+            <a:ext uri="{909E8E84-426E-40dd-AFC4-6F175D3DCCD1}">
               <a14:hiddenFill xmlns:a14="http://schemas.microsoft.com/office/drawing/2010/main">
                 <a:solidFill>
                   <a:schemeClr val="accent1"/>
                 </a:solidFill>
               </a14:hiddenFill>
             </a:ext>
-            <a:ext uri="{91240B29-F687-4F45-9708-019B960494DF}">
+            <a:ext uri="{91240B29-F687-4f45-9708-019B960494DF}">
               <a14:hiddenLine xmlns:a14="http://schemas.microsoft.com/office/drawing/2010/main" w="9525">
                 <a:solidFill>
                   <a:schemeClr val="tx1"/>
@@ -7738,7 +7738,7 @@
                 <a:tailEnd/>
               </a14:hiddenLine>
             </a:ext>
-            <a:ext uri="{AF507438-7753-43E0-B8FC-AC1667EBCBE1}">
+            <a:ext uri="{AF507438-7753-43e0-B8FC-AC1667EBCBE1}">
               <a14:hiddenEffects xmlns:a14="http://schemas.microsoft.com/office/drawing/2010/main">
                 <a:effectLst>
                   <a:outerShdw dist="35921" dir="2700000" algn="ctr" rotWithShape="0">
@@ -7763,7 +7763,7 @@
   <p:timing>
     <p:tnLst>
       <p:par>
-        <p:cTn id="1" dur="indefinite" restart="never" nodeType="tmRoot"/>
+        <p:cTn xmlns:p14="http://schemas.microsoft.com/office/powerpoint/2010/main" id="1" dur="indefinite" restart="never" nodeType="tmRoot"/>
       </p:par>
     </p:tnLst>
   </p:timing>
@@ -7922,14 +7922,14 @@
           </a:ln>
           <a:effectLst/>
           <a:extLst>
-            <a:ext uri="{909E8E84-426E-40DD-AFC4-6F175D3DCCD1}">
+            <a:ext uri="{909E8E84-426E-40dd-AFC4-6F175D3DCCD1}">
               <a14:hiddenFill xmlns:a14="http://schemas.microsoft.com/office/drawing/2010/main">
                 <a:solidFill>
                   <a:schemeClr val="accent1"/>
                 </a:solidFill>
               </a14:hiddenFill>
             </a:ext>
-            <a:ext uri="{91240B29-F687-4F45-9708-019B960494DF}">
+            <a:ext uri="{91240B29-F687-4f45-9708-019B960494DF}">
               <a14:hiddenLine xmlns:a14="http://schemas.microsoft.com/office/drawing/2010/main" w="9525">
                 <a:solidFill>
                   <a:schemeClr val="tx1"/>
@@ -7939,7 +7939,7 @@
                 <a:tailEnd/>
               </a14:hiddenLine>
             </a:ext>
-            <a:ext uri="{AF507438-7753-43E0-B8FC-AC1667EBCBE1}">
+            <a:ext uri="{AF507438-7753-43e0-B8FC-AC1667EBCBE1}">
               <a14:hiddenEffects xmlns:a14="http://schemas.microsoft.com/office/drawing/2010/main">
                 <a:effectLst>
                   <a:outerShdw dist="35921" dir="2700000" algn="ctr" rotWithShape="0">
@@ -7964,7 +7964,7 @@
   <p:timing>
     <p:tnLst>
       <p:par>
-        <p:cTn id="1" dur="indefinite" restart="never" nodeType="tmRoot"/>
+        <p:cTn xmlns:p14="http://schemas.microsoft.com/office/powerpoint/2010/main" id="1" dur="indefinite" restart="never" nodeType="tmRoot"/>
       </p:par>
     </p:tnLst>
   </p:timing>
@@ -8000,8 +8000,8 @@
         </p:nvSpPr>
         <p:spPr>
           <a:xfrm>
-            <a:off x="251520" y="4653136"/>
-            <a:ext cx="8640960" cy="1143000"/>
+            <a:off x="2123728" y="5229200"/>
+            <a:ext cx="6512511" cy="1143000"/>
           </a:xfrm>
         </p:spPr>
         <p:txBody>
@@ -8012,10 +8012,10 @@
               <a:buNone/>
             </a:pPr>
             <a:r>
-              <a:rPr lang="en-CA" sz="4000" dirty="0" smtClean="0"/>
-              <a:t>Communication</a:t>
-            </a:r>
-            <a:endParaRPr lang="en-CA" sz="4000" dirty="0"/>
+              <a:rPr lang="en-CA" dirty="0" smtClean="0"/>
+              <a:t>Synchronization</a:t>
+            </a:r>
+            <a:endParaRPr lang="en-CA" dirty="0"/>
           </a:p>
         </p:txBody>
       </p:sp>
@@ -8032,50 +8032,72 @@
         <p:spPr>
           <a:xfrm>
             <a:off x="1143000" y="731520"/>
-            <a:ext cx="6400800" cy="3474720"/>
+            <a:ext cx="6400800" cy="4209648"/>
           </a:xfrm>
         </p:spPr>
         <p:txBody>
           <a:bodyPr>
-            <a:normAutofit fontScale="92500"/>
+            <a:normAutofit fontScale="92500" lnSpcReduction="10000"/>
           </a:bodyPr>
           <a:lstStyle/>
           <a:p>
             <a:r>
               <a:rPr lang="en-CA" dirty="0" smtClean="0"/>
-              <a:t>Sockets are used for communication between nodes.</a:t>
+              <a:t>Client- Server synchronization is achieved by using the Routing Table which is present in all the servers.</a:t>
             </a:r>
           </a:p>
           <a:p>
             <a:r>
               <a:rPr lang="en-CA" dirty="0" smtClean="0"/>
-              <a:t>Communication between nodes is asynchronous.</a:t>
-            </a:r>
-          </a:p>
-          <a:p>
+              <a:t>Routing Tables will have the information regarding location of files in each server and file owner’s username, all Routing Tables will have consistent entries.</a:t>
+            </a:r>
+          </a:p>
+          <a:p>
+            <a:r>
+              <a:rPr lang="en-CA" dirty="0"/>
+              <a:t>Similarly for Server-Backup </a:t>
+            </a:r>
             <a:r>
               <a:rPr lang="en-CA" dirty="0" smtClean="0"/>
-              <a:t>Multithreading used for creating sockets.</a:t>
-            </a:r>
-          </a:p>
-          <a:p>
+              <a:t>Server, </a:t>
+            </a:r>
+            <a:r>
+              <a:rPr lang="en-CA" dirty="0"/>
+              <a:t>the files are synchronized </a:t>
+            </a:r>
             <a:r>
               <a:rPr lang="en-CA" dirty="0" smtClean="0"/>
-              <a:t>Client communicates with one server when accesses the same file.</a:t>
-            </a:r>
+              <a:t>on the fly.</a:t>
+            </a:r>
+            <a:endParaRPr lang="en-CA" dirty="0" smtClean="0"/>
           </a:p>
           <a:p>
             <a:r>
               <a:rPr lang="en-CA" dirty="0" smtClean="0"/>
-              <a:t>One service server communicate with all other servers for message passing and only transfer data to backup servers.</a:t>
-            </a:r>
+              <a:t>One service server will synchronize data with backup servers, and routing table entries with all other servers.</a:t>
+            </a:r>
+          </a:p>
+          <a:p>
+            <a:r>
+              <a:rPr lang="en-CA" dirty="0" smtClean="0"/>
+              <a:t>Clients are synchronized with the server by a click of a button at client side.</a:t>
+            </a:r>
+          </a:p>
+          <a:p>
+            <a:endParaRPr lang="en-CA" dirty="0" smtClean="0"/>
+          </a:p>
+          <a:p>
+            <a:pPr marL="45720" indent="0">
+              <a:buNone/>
+            </a:pPr>
+            <a:endParaRPr lang="en-CA" dirty="0" smtClean="0"/>
           </a:p>
         </p:txBody>
       </p:sp>
     </p:spTree>
     <p:extLst>
       <p:ext uri="{BB962C8B-B14F-4D97-AF65-F5344CB8AC3E}">
-        <p14:creationId xmlns:p14="http://schemas.microsoft.com/office/powerpoint/2010/main" val="3901946312"/>
+        <p14:creationId xmlns:p14="http://schemas.microsoft.com/office/powerpoint/2010/main" val="3567556762"/>
       </p:ext>
     </p:extLst>
   </p:cSld>
@@ -8085,7 +8107,7 @@
   <p:timing>
     <p:tnLst>
       <p:par>
-        <p:cTn id="1" dur="indefinite" restart="never" nodeType="tmRoot"/>
+        <p:cTn xmlns:p14="http://schemas.microsoft.com/office/powerpoint/2010/main" id="1" dur="indefinite" restart="never" nodeType="tmRoot"/>
       </p:par>
     </p:tnLst>
   </p:timing>
@@ -8121,140 +8143,6 @@
         </p:nvSpPr>
         <p:spPr>
           <a:xfrm>
-            <a:off x="2123728" y="5229200"/>
-            <a:ext cx="6512511" cy="1143000"/>
-          </a:xfrm>
-        </p:spPr>
-        <p:txBody>
-          <a:bodyPr/>
-          <a:lstStyle/>
-          <a:p>
-            <a:pPr marL="0" indent="0">
-              <a:buNone/>
-            </a:pPr>
-            <a:r>
-              <a:rPr lang="en-CA" dirty="0" smtClean="0"/>
-              <a:t>Synchronization</a:t>
-            </a:r>
-            <a:endParaRPr lang="en-CA" dirty="0"/>
-          </a:p>
-        </p:txBody>
-      </p:sp>
-      <p:sp>
-        <p:nvSpPr>
-          <p:cNvPr id="3" name="Content Placeholder 2"/>
-          <p:cNvSpPr>
-            <a:spLocks noGrp="1"/>
-          </p:cNvSpPr>
-          <p:nvPr>
-            <p:ph sz="quarter" idx="13"/>
-          </p:nvPr>
-        </p:nvSpPr>
-        <p:spPr>
-          <a:xfrm>
-            <a:off x="1143000" y="731520"/>
-            <a:ext cx="6400800" cy="4209648"/>
-          </a:xfrm>
-        </p:spPr>
-        <p:txBody>
-          <a:bodyPr>
-            <a:normAutofit fontScale="92500" lnSpcReduction="10000"/>
-          </a:bodyPr>
-          <a:lstStyle/>
-          <a:p>
-            <a:r>
-              <a:rPr lang="en-CA" dirty="0" smtClean="0"/>
-              <a:t>Client- Server synchronization is achieved by using the Routing Table which is present in all the servers.</a:t>
-            </a:r>
-          </a:p>
-          <a:p>
-            <a:r>
-              <a:rPr lang="en-CA" dirty="0" smtClean="0"/>
-              <a:t>Routing Tables will have the information regarding location of files in each server and file owner’s username, all Routing Tables will have consistent entries.</a:t>
-            </a:r>
-          </a:p>
-          <a:p>
-            <a:r>
-              <a:rPr lang="en-CA" dirty="0"/>
-              <a:t>Similarly for Server-Backup Server , the files are synchronized in regular intervals</a:t>
-            </a:r>
-            <a:r>
-              <a:rPr lang="en-CA" dirty="0" smtClean="0"/>
-              <a:t>.</a:t>
-            </a:r>
-          </a:p>
-          <a:p>
-            <a:r>
-              <a:rPr lang="en-CA" dirty="0" smtClean="0"/>
-              <a:t>One service server will synchronize data with backup servers, and routing table entries with all other servers.</a:t>
-            </a:r>
-          </a:p>
-          <a:p>
-            <a:r>
-              <a:rPr lang="en-CA" dirty="0" smtClean="0"/>
-              <a:t>Clients are synchronized with the server by a click of a button at client side.</a:t>
-            </a:r>
-          </a:p>
-          <a:p>
-            <a:endParaRPr lang="en-CA" dirty="0" smtClean="0"/>
-          </a:p>
-          <a:p>
-            <a:pPr marL="45720" indent="0">
-              <a:buNone/>
-            </a:pPr>
-            <a:endParaRPr lang="en-CA" dirty="0" smtClean="0"/>
-          </a:p>
-        </p:txBody>
-      </p:sp>
-    </p:spTree>
-    <p:extLst>
-      <p:ext uri="{BB962C8B-B14F-4D97-AF65-F5344CB8AC3E}">
-        <p14:creationId xmlns:p14="http://schemas.microsoft.com/office/powerpoint/2010/main" val="3567556762"/>
-      </p:ext>
-    </p:extLst>
-  </p:cSld>
-  <p:clrMapOvr>
-    <a:masterClrMapping/>
-  </p:clrMapOvr>
-  <p:timing>
-    <p:tnLst>
-      <p:par>
-        <p:cTn id="1" dur="indefinite" restart="never" nodeType="tmRoot"/>
-      </p:par>
-    </p:tnLst>
-  </p:timing>
-</p:sld>
-</file>
-
-<file path=ppt/slides/slide8.xml><?xml version="1.0" encoding="utf-8"?>
-<p:sld xmlns:a="http://schemas.openxmlformats.org/drawingml/2006/main" xmlns:r="http://schemas.openxmlformats.org/officeDocument/2006/relationships" xmlns:p="http://schemas.openxmlformats.org/presentationml/2006/main">
-  <p:cSld>
-    <p:spTree>
-      <p:nvGrpSpPr>
-        <p:cNvPr id="1" name=""/>
-        <p:cNvGrpSpPr/>
-        <p:nvPr/>
-      </p:nvGrpSpPr>
-      <p:grpSpPr>
-        <a:xfrm>
-          <a:off x="0" y="0"/>
-          <a:ext cx="0" cy="0"/>
-          <a:chOff x="0" y="0"/>
-          <a:chExt cx="0" cy="0"/>
-        </a:xfrm>
-      </p:grpSpPr>
-      <p:sp>
-        <p:nvSpPr>
-          <p:cNvPr id="2" name="Title 1"/>
-          <p:cNvSpPr>
-            <a:spLocks noGrp="1"/>
-          </p:cNvSpPr>
-          <p:nvPr>
-            <p:ph type="title"/>
-          </p:nvPr>
-        </p:nvSpPr>
-        <p:spPr>
-          <a:xfrm>
             <a:off x="1793289" y="5382344"/>
             <a:ext cx="6512511" cy="1143000"/>
           </a:xfrm>
@@ -8331,14 +8219,14 @@
   <p:timing>
     <p:tnLst>
       <p:par>
-        <p:cTn id="1" dur="indefinite" restart="never" nodeType="tmRoot"/>
+        <p:cTn xmlns:p14="http://schemas.microsoft.com/office/powerpoint/2010/main" id="1" dur="indefinite" restart="never" nodeType="tmRoot"/>
       </p:par>
     </p:tnLst>
   </p:timing>
 </p:sld>
 </file>
 
-<file path=ppt/slides/slide9.xml><?xml version="1.0" encoding="utf-8"?>
+<file path=ppt/slides/slide8.xml><?xml version="1.0" encoding="utf-8"?>
 <p:sld xmlns:a="http://schemas.openxmlformats.org/drawingml/2006/main" xmlns:r="http://schemas.openxmlformats.org/officeDocument/2006/relationships" xmlns:p="http://schemas.openxmlformats.org/presentationml/2006/main">
   <p:cSld>
     <p:spTree>
@@ -8478,7 +8366,157 @@
   <p:timing>
     <p:tnLst>
       <p:par>
-        <p:cTn id="1" dur="indefinite" restart="never" nodeType="tmRoot"/>
+        <p:cTn xmlns:p14="http://schemas.microsoft.com/office/powerpoint/2010/main" id="1" dur="indefinite" restart="never" nodeType="tmRoot"/>
+      </p:par>
+    </p:tnLst>
+  </p:timing>
+</p:sld>
+</file>
+
+<file path=ppt/slides/slide9.xml><?xml version="1.0" encoding="utf-8"?>
+<p:sld xmlns:a="http://schemas.openxmlformats.org/drawingml/2006/main" xmlns:r="http://schemas.openxmlformats.org/officeDocument/2006/relationships" xmlns:p="http://schemas.openxmlformats.org/presentationml/2006/main">
+  <p:cSld>
+    <p:spTree>
+      <p:nvGrpSpPr>
+        <p:cNvPr id="1" name=""/>
+        <p:cNvGrpSpPr/>
+        <p:nvPr/>
+      </p:nvGrpSpPr>
+      <p:grpSpPr>
+        <a:xfrm>
+          <a:off x="0" y="0"/>
+          <a:ext cx="0" cy="0"/>
+          <a:chOff x="0" y="0"/>
+          <a:chExt cx="0" cy="0"/>
+        </a:xfrm>
+      </p:grpSpPr>
+      <p:pic>
+        <p:nvPicPr>
+          <p:cNvPr id="4" name="Picture 3"/>
+          <p:cNvPicPr>
+            <a:picLocks noChangeAspect="1"/>
+          </p:cNvPicPr>
+          <p:nvPr/>
+        </p:nvPicPr>
+        <p:blipFill>
+          <a:blip r:embed="rId2">
+            <a:extLst>
+              <a:ext uri="{28A0092B-C50C-407E-A947-70E740481C1C}">
+                <a14:useLocalDpi xmlns:a14="http://schemas.microsoft.com/office/drawing/2010/main" val="0"/>
+              </a:ext>
+            </a:extLst>
+          </a:blip>
+          <a:stretch>
+            <a:fillRect/>
+          </a:stretch>
+        </p:blipFill>
+        <p:spPr>
+          <a:xfrm>
+            <a:off x="899592" y="548680"/>
+            <a:ext cx="7031980" cy="4896544"/>
+          </a:xfrm>
+          <a:prstGeom prst="rect">
+            <a:avLst/>
+          </a:prstGeom>
+        </p:spPr>
+      </p:pic>
+      <p:sp>
+        <p:nvSpPr>
+          <p:cNvPr id="5" name="TextBox 4"/>
+          <p:cNvSpPr txBox="1"/>
+          <p:nvPr/>
+        </p:nvSpPr>
+        <p:spPr>
+          <a:xfrm>
+            <a:off x="2945339" y="5661248"/>
+            <a:ext cx="2831224" cy="323165"/>
+          </a:xfrm>
+          <a:prstGeom prst="rect">
+            <a:avLst/>
+          </a:prstGeom>
+          <a:noFill/>
+        </p:spPr>
+        <p:txBody>
+          <a:bodyPr wrap="none" rtlCol="0">
+            <a:spAutoFit/>
+          </a:bodyPr>
+          <a:lstStyle/>
+          <a:p>
+            <a:r>
+              <a:rPr lang="en-CA" sz="1500" dirty="0" smtClean="0"/>
+              <a:t>Data recovery of server failure</a:t>
+            </a:r>
+          </a:p>
+        </p:txBody>
+      </p:sp>
+      <p:sp>
+        <p:nvSpPr>
+          <p:cNvPr id="6" name="Rectangle 5"/>
+          <p:cNvSpPr/>
+          <p:nvPr/>
+        </p:nvSpPr>
+        <p:spPr>
+          <a:xfrm>
+            <a:off x="4139952" y="2999414"/>
+            <a:ext cx="4572000" cy="923330"/>
+          </a:xfrm>
+          <a:prstGeom prst="rect">
+            <a:avLst/>
+          </a:prstGeom>
+        </p:spPr>
+        <p:txBody>
+          <a:bodyPr>
+            <a:spAutoFit/>
+          </a:bodyPr>
+          <a:lstStyle/>
+          <a:p>
+            <a:pPr marL="228600" indent="-182880">
+              <a:lnSpc>
+                <a:spcPct val="90000"/>
+              </a:lnSpc>
+              <a:spcBef>
+                <a:spcPct val="20000"/>
+              </a:spcBef>
+              <a:spcAft>
+                <a:spcPts val="300"/>
+              </a:spcAft>
+              <a:buClr>
+                <a:schemeClr val="accent6">
+                  <a:lumMod val="75000"/>
+                </a:schemeClr>
+              </a:buClr>
+              <a:buSzPct val="130000"/>
+              <a:buFont typeface="Georgia" pitchFamily="18" charset="0"/>
+              <a:buChar char="*"/>
+            </a:pPr>
+            <a:r>
+              <a:rPr lang="en-CA" sz="2000" dirty="0">
+                <a:solidFill>
+                  <a:schemeClr val="tx1">
+                    <a:lumMod val="75000"/>
+                    <a:lumOff val="25000"/>
+                  </a:schemeClr>
+                </a:solidFill>
+              </a:rPr>
+              <a:t>Before a server starts receiving connections, updates its files with latest version</a:t>
+            </a:r>
+          </a:p>
+        </p:txBody>
+      </p:sp>
+    </p:spTree>
+    <p:extLst>
+      <p:ext uri="{BB962C8B-B14F-4D97-AF65-F5344CB8AC3E}">
+        <p14:creationId xmlns:p14="http://schemas.microsoft.com/office/powerpoint/2010/main" val="4103187566"/>
+      </p:ext>
+    </p:extLst>
+  </p:cSld>
+  <p:clrMapOvr>
+    <a:masterClrMapping/>
+  </p:clrMapOvr>
+  <p:timing>
+    <p:tnLst>
+      <p:par>
+        <p:cTn xmlns:p14="http://schemas.microsoft.com/office/powerpoint/2010/main" id="1" dur="indefinite" restart="never" nodeType="tmRoot"/>
       </p:par>
     </p:tnLst>
   </p:timing>

--- a/Cloud Box_ppt.pptx
+++ b/Cloud Box_ppt.pptx
@@ -4,6 +4,9 @@
   <p:sldMasterIdLst>
     <p:sldMasterId id="2147483924" r:id="rId1"/>
   </p:sldMasterIdLst>
+  <p:notesMasterIdLst>
+    <p:notesMasterId r:id="rId16"/>
+  </p:notesMasterIdLst>
   <p:sldIdLst>
     <p:sldId id="256" r:id="rId2"/>
     <p:sldId id="257" r:id="rId3"/>
@@ -179,37 +182,37 @@
               <c:formatCode>#,##0_ "hrs"</c:formatCode>
               <c:ptCount val="11"/>
               <c:pt idx="0">
-                <c:v>0.0</c:v>
+                <c:v>0</c:v>
               </c:pt>
               <c:pt idx="1">
-                <c:v>0.0</c:v>
+                <c:v>0</c:v>
               </c:pt>
               <c:pt idx="2">
-                <c:v>124.0</c:v>
+                <c:v>124</c:v>
               </c:pt>
               <c:pt idx="3">
-                <c:v>120.0</c:v>
+                <c:v>120</c:v>
               </c:pt>
               <c:pt idx="4">
-                <c:v>0.0</c:v>
+                <c:v>0</c:v>
               </c:pt>
               <c:pt idx="5">
-                <c:v>0.0</c:v>
+                <c:v>0</c:v>
               </c:pt>
               <c:pt idx="6">
-                <c:v>0.0</c:v>
+                <c:v>0</c:v>
               </c:pt>
               <c:pt idx="7">
-                <c:v>0.0</c:v>
+                <c:v>0</c:v>
               </c:pt>
               <c:pt idx="8">
-                <c:v>0.0</c:v>
+                <c:v>0</c:v>
               </c:pt>
               <c:pt idx="9">
-                <c:v>32.0</c:v>
+                <c:v>32</c:v>
               </c:pt>
               <c:pt idx="10">
-                <c:v>16.0</c:v>
+                <c:v>16</c:v>
               </c:pt>
             </c:numLit>
           </c:val>
@@ -252,37 +255,37 @@
               <c:formatCode>#,##0_ "hrs"</c:formatCode>
               <c:ptCount val="11"/>
               <c:pt idx="0">
-                <c:v>0.0</c:v>
+                <c:v>0</c:v>
               </c:pt>
               <c:pt idx="1">
-                <c:v>0.0</c:v>
+                <c:v>0</c:v>
               </c:pt>
               <c:pt idx="2">
-                <c:v>288.6333333333334</c:v>
+                <c:v>288.63333333333338</c:v>
               </c:pt>
               <c:pt idx="3">
-                <c:v>265.6333333333334</c:v>
+                <c:v>265.63333333333338</c:v>
               </c:pt>
               <c:pt idx="4">
-                <c:v>0.0</c:v>
+                <c:v>0</c:v>
               </c:pt>
               <c:pt idx="5">
-                <c:v>0.0</c:v>
+                <c:v>0</c:v>
               </c:pt>
               <c:pt idx="6">
-                <c:v>0.0</c:v>
+                <c:v>0</c:v>
               </c:pt>
               <c:pt idx="7">
-                <c:v>0.0</c:v>
+                <c:v>0</c:v>
               </c:pt>
               <c:pt idx="8">
-                <c:v>0.0</c:v>
+                <c:v>0</c:v>
               </c:pt>
               <c:pt idx="9">
-                <c:v>276.6333333333334</c:v>
+                <c:v>276.63333333333338</c:v>
               </c:pt>
               <c:pt idx="10">
-                <c:v>292.6333333333334</c:v>
+                <c:v>292.63333333333338</c:v>
               </c:pt>
             </c:numLit>
           </c:val>
@@ -297,8 +300,8 @@
         </c:dLbls>
         <c:gapWidth val="219"/>
         <c:overlap val="100"/>
-        <c:axId val="2089709336"/>
-        <c:axId val="2089037576"/>
+        <c:axId val="68019328"/>
+        <c:axId val="68021248"/>
       </c:barChart>
       <c:lineChart>
         <c:grouping val="standard"/>
@@ -355,37 +358,37 @@
               <c:formatCode>#,##0_ "hrs"</c:formatCode>
               <c:ptCount val="11"/>
               <c:pt idx="0">
-                <c:v>0.0</c:v>
+                <c:v>0</c:v>
               </c:pt>
               <c:pt idx="1">
-                <c:v>0.0</c:v>
+                <c:v>0</c:v>
               </c:pt>
               <c:pt idx="2">
-                <c:v>0.0</c:v>
+                <c:v>0</c:v>
               </c:pt>
               <c:pt idx="3">
-                <c:v>0.0</c:v>
+                <c:v>0</c:v>
               </c:pt>
               <c:pt idx="4">
-                <c:v>0.0</c:v>
+                <c:v>0</c:v>
               </c:pt>
               <c:pt idx="5">
-                <c:v>0.0</c:v>
+                <c:v>0</c:v>
               </c:pt>
               <c:pt idx="6">
-                <c:v>0.0</c:v>
+                <c:v>0</c:v>
               </c:pt>
               <c:pt idx="7">
-                <c:v>0.0</c:v>
+                <c:v>0</c:v>
               </c:pt>
               <c:pt idx="8">
-                <c:v>0.0</c:v>
+                <c:v>0</c:v>
               </c:pt>
               <c:pt idx="9">
-                <c:v>0.0</c:v>
+                <c:v>0</c:v>
               </c:pt>
               <c:pt idx="10">
-                <c:v>0.0</c:v>
+                <c:v>0</c:v>
               </c:pt>
             </c:numLit>
           </c:val>
@@ -401,11 +404,11 @@
         </c:dLbls>
         <c:marker val="1"/>
         <c:smooth val="0"/>
-        <c:axId val="2089709336"/>
-        <c:axId val="2089037576"/>
+        <c:axId val="68019328"/>
+        <c:axId val="68021248"/>
       </c:lineChart>
       <c:catAx>
-        <c:axId val="2089709336"/>
+        <c:axId val="68019328"/>
         <c:scaling>
           <c:orientation val="minMax"/>
         </c:scaling>
@@ -448,7 +451,7 @@
             <a:endParaRPr lang="en-US"/>
           </a:p>
         </c:txPr>
-        <c:crossAx val="2089037576"/>
+        <c:crossAx val="68021248"/>
         <c:crosses val="autoZero"/>
         <c:auto val="1"/>
         <c:lblAlgn val="ctr"/>
@@ -456,7 +459,7 @@
         <c:noMultiLvlLbl val="0"/>
       </c:catAx>
       <c:valAx>
-        <c:axId val="2089037576"/>
+        <c:axId val="68021248"/>
         <c:scaling>
           <c:orientation val="minMax"/>
         </c:scaling>
@@ -507,7 +510,7 @@
             <a:endParaRPr lang="en-US"/>
           </a:p>
         </c:txPr>
-        <c:crossAx val="2089709336"/>
+        <c:crossAx val="68019328"/>
         <c:crosses val="autoZero"/>
         <c:crossBetween val="between"/>
       </c:valAx>
@@ -585,6 +588,356 @@
     <c:autoUpdate val="0"/>
   </c:externalData>
 </c:chartSpace>
+</file>
+
+<file path=ppt/notesMasters/notesMaster1.xml><?xml version="1.0" encoding="utf-8"?>
+<p:notesMaster xmlns:a="http://schemas.openxmlformats.org/drawingml/2006/main" xmlns:r="http://schemas.openxmlformats.org/officeDocument/2006/relationships" xmlns:p="http://schemas.openxmlformats.org/presentationml/2006/main">
+  <p:cSld>
+    <p:bg>
+      <p:bgRef idx="1001">
+        <a:schemeClr val="bg1"/>
+      </p:bgRef>
+    </p:bg>
+    <p:spTree>
+      <p:nvGrpSpPr>
+        <p:cNvPr id="1" name=""/>
+        <p:cNvGrpSpPr/>
+        <p:nvPr/>
+      </p:nvGrpSpPr>
+      <p:grpSpPr>
+        <a:xfrm>
+          <a:off x="0" y="0"/>
+          <a:ext cx="0" cy="0"/>
+          <a:chOff x="0" y="0"/>
+          <a:chExt cx="0" cy="0"/>
+        </a:xfrm>
+      </p:grpSpPr>
+      <p:sp>
+        <p:nvSpPr>
+          <p:cNvPr id="2" name="Header Placeholder 1"/>
+          <p:cNvSpPr>
+            <a:spLocks noGrp="1"/>
+          </p:cNvSpPr>
+          <p:nvPr>
+            <p:ph type="hdr" sz="quarter"/>
+          </p:nvPr>
+        </p:nvSpPr>
+        <p:spPr>
+          <a:xfrm>
+            <a:off x="0" y="0"/>
+            <a:ext cx="2971800" cy="457200"/>
+          </a:xfrm>
+          <a:prstGeom prst="rect">
+            <a:avLst/>
+          </a:prstGeom>
+        </p:spPr>
+        <p:txBody>
+          <a:bodyPr vert="horz" lIns="91440" tIns="45720" rIns="91440" bIns="45720" rtlCol="0"/>
+          <a:lstStyle>
+            <a:lvl1pPr algn="l">
+              <a:defRPr sz="1200"/>
+            </a:lvl1pPr>
+          </a:lstStyle>
+          <a:p>
+            <a:endParaRPr lang="en-US"/>
+          </a:p>
+        </p:txBody>
+      </p:sp>
+      <p:sp>
+        <p:nvSpPr>
+          <p:cNvPr id="3" name="Date Placeholder 2"/>
+          <p:cNvSpPr>
+            <a:spLocks noGrp="1"/>
+          </p:cNvSpPr>
+          <p:nvPr>
+            <p:ph type="dt" idx="1"/>
+          </p:nvPr>
+        </p:nvSpPr>
+        <p:spPr>
+          <a:xfrm>
+            <a:off x="3884613" y="0"/>
+            <a:ext cx="2971800" cy="457200"/>
+          </a:xfrm>
+          <a:prstGeom prst="rect">
+            <a:avLst/>
+          </a:prstGeom>
+        </p:spPr>
+        <p:txBody>
+          <a:bodyPr vert="horz" lIns="91440" tIns="45720" rIns="91440" bIns="45720" rtlCol="0"/>
+          <a:lstStyle>
+            <a:lvl1pPr algn="r">
+              <a:defRPr sz="1200"/>
+            </a:lvl1pPr>
+          </a:lstStyle>
+          <a:p>
+            <a:fld id="{95BF0C08-FCD6-43F3-82F6-83D8E9FE6A7C}" type="datetimeFigureOut">
+              <a:rPr lang="en-US" smtClean="0"/>
+              <a:t>7/9/2014</a:t>
+            </a:fld>
+            <a:endParaRPr lang="en-US"/>
+          </a:p>
+        </p:txBody>
+      </p:sp>
+      <p:sp>
+        <p:nvSpPr>
+          <p:cNvPr id="4" name="Slide Image Placeholder 3"/>
+          <p:cNvSpPr>
+            <a:spLocks noGrp="1" noRot="1" noChangeAspect="1"/>
+          </p:cNvSpPr>
+          <p:nvPr>
+            <p:ph type="sldImg" idx="2"/>
+          </p:nvPr>
+        </p:nvSpPr>
+        <p:spPr>
+          <a:xfrm>
+            <a:off x="1143000" y="685800"/>
+            <a:ext cx="4572000" cy="3429000"/>
+          </a:xfrm>
+          <a:prstGeom prst="rect">
+            <a:avLst/>
+          </a:prstGeom>
+          <a:noFill/>
+          <a:ln w="12700">
+            <a:solidFill>
+              <a:prstClr val="black"/>
+            </a:solidFill>
+          </a:ln>
+        </p:spPr>
+        <p:txBody>
+          <a:bodyPr vert="horz" lIns="91440" tIns="45720" rIns="91440" bIns="45720" rtlCol="0" anchor="ctr"/>
+          <a:lstStyle/>
+          <a:p>
+            <a:endParaRPr lang="en-US"/>
+          </a:p>
+        </p:txBody>
+      </p:sp>
+      <p:sp>
+        <p:nvSpPr>
+          <p:cNvPr id="5" name="Notes Placeholder 4"/>
+          <p:cNvSpPr>
+            <a:spLocks noGrp="1"/>
+          </p:cNvSpPr>
+          <p:nvPr>
+            <p:ph type="body" sz="quarter" idx="3"/>
+          </p:nvPr>
+        </p:nvSpPr>
+        <p:spPr>
+          <a:xfrm>
+            <a:off x="685800" y="4343400"/>
+            <a:ext cx="5486400" cy="4114800"/>
+          </a:xfrm>
+          <a:prstGeom prst="rect">
+            <a:avLst/>
+          </a:prstGeom>
+        </p:spPr>
+        <p:txBody>
+          <a:bodyPr vert="horz" lIns="91440" tIns="45720" rIns="91440" bIns="45720" rtlCol="0"/>
+          <a:lstStyle/>
+          <a:p>
+            <a:pPr lvl="0"/>
+            <a:r>
+              <a:rPr lang="en-US" smtClean="0"/>
+              <a:t>Click to edit Master text styles</a:t>
+            </a:r>
+          </a:p>
+          <a:p>
+            <a:pPr lvl="1"/>
+            <a:r>
+              <a:rPr lang="en-US" smtClean="0"/>
+              <a:t>Second level</a:t>
+            </a:r>
+          </a:p>
+          <a:p>
+            <a:pPr lvl="2"/>
+            <a:r>
+              <a:rPr lang="en-US" smtClean="0"/>
+              <a:t>Third level</a:t>
+            </a:r>
+          </a:p>
+          <a:p>
+            <a:pPr lvl="3"/>
+            <a:r>
+              <a:rPr lang="en-US" smtClean="0"/>
+              <a:t>Fourth level</a:t>
+            </a:r>
+          </a:p>
+          <a:p>
+            <a:pPr lvl="4"/>
+            <a:r>
+              <a:rPr lang="en-US" smtClean="0"/>
+              <a:t>Fifth level</a:t>
+            </a:r>
+            <a:endParaRPr lang="en-US"/>
+          </a:p>
+        </p:txBody>
+      </p:sp>
+      <p:sp>
+        <p:nvSpPr>
+          <p:cNvPr id="6" name="Footer Placeholder 5"/>
+          <p:cNvSpPr>
+            <a:spLocks noGrp="1"/>
+          </p:cNvSpPr>
+          <p:nvPr>
+            <p:ph type="ftr" sz="quarter" idx="4"/>
+          </p:nvPr>
+        </p:nvSpPr>
+        <p:spPr>
+          <a:xfrm>
+            <a:off x="0" y="8685213"/>
+            <a:ext cx="2971800" cy="457200"/>
+          </a:xfrm>
+          <a:prstGeom prst="rect">
+            <a:avLst/>
+          </a:prstGeom>
+        </p:spPr>
+        <p:txBody>
+          <a:bodyPr vert="horz" lIns="91440" tIns="45720" rIns="91440" bIns="45720" rtlCol="0" anchor="b"/>
+          <a:lstStyle>
+            <a:lvl1pPr algn="l">
+              <a:defRPr sz="1200"/>
+            </a:lvl1pPr>
+          </a:lstStyle>
+          <a:p>
+            <a:endParaRPr lang="en-US"/>
+          </a:p>
+        </p:txBody>
+      </p:sp>
+      <p:sp>
+        <p:nvSpPr>
+          <p:cNvPr id="7" name="Slide Number Placeholder 6"/>
+          <p:cNvSpPr>
+            <a:spLocks noGrp="1"/>
+          </p:cNvSpPr>
+          <p:nvPr>
+            <p:ph type="sldNum" sz="quarter" idx="5"/>
+          </p:nvPr>
+        </p:nvSpPr>
+        <p:spPr>
+          <a:xfrm>
+            <a:off x="3884613" y="8685213"/>
+            <a:ext cx="2971800" cy="457200"/>
+          </a:xfrm>
+          <a:prstGeom prst="rect">
+            <a:avLst/>
+          </a:prstGeom>
+        </p:spPr>
+        <p:txBody>
+          <a:bodyPr vert="horz" lIns="91440" tIns="45720" rIns="91440" bIns="45720" rtlCol="0" anchor="b"/>
+          <a:lstStyle>
+            <a:lvl1pPr algn="r">
+              <a:defRPr sz="1200"/>
+            </a:lvl1pPr>
+          </a:lstStyle>
+          <a:p>
+            <a:fld id="{99DA6C26-E2F7-4C68-B3C1-E1E26894FEAD}" type="slidenum">
+              <a:rPr lang="en-US" smtClean="0"/>
+              <a:t>‹#›</a:t>
+            </a:fld>
+            <a:endParaRPr lang="en-US"/>
+          </a:p>
+        </p:txBody>
+      </p:sp>
+    </p:spTree>
+    <p:extLst>
+      <p:ext uri="{BB962C8B-B14F-4D97-AF65-F5344CB8AC3E}">
+        <p14:creationId xmlns:p14="http://schemas.microsoft.com/office/powerpoint/2010/main" val="1590303682"/>
+      </p:ext>
+    </p:extLst>
+  </p:cSld>
+  <p:clrMap bg1="lt1" tx1="dk1" bg2="lt2" tx2="dk2" accent1="accent1" accent2="accent2" accent3="accent3" accent4="accent4" accent5="accent5" accent6="accent6" hlink="hlink" folHlink="folHlink"/>
+  <p:notesStyle>
+    <a:lvl1pPr marL="0" algn="l" defTabSz="914400" rtl="0" eaLnBrk="1" latinLnBrk="0" hangingPunct="1">
+      <a:defRPr sz="1200" kern="1200">
+        <a:solidFill>
+          <a:schemeClr val="tx1"/>
+        </a:solidFill>
+        <a:latin typeface="+mn-lt"/>
+        <a:ea typeface="+mn-ea"/>
+        <a:cs typeface="+mn-cs"/>
+      </a:defRPr>
+    </a:lvl1pPr>
+    <a:lvl2pPr marL="457200" algn="l" defTabSz="914400" rtl="0" eaLnBrk="1" latinLnBrk="0" hangingPunct="1">
+      <a:defRPr sz="1200" kern="1200">
+        <a:solidFill>
+          <a:schemeClr val="tx1"/>
+        </a:solidFill>
+        <a:latin typeface="+mn-lt"/>
+        <a:ea typeface="+mn-ea"/>
+        <a:cs typeface="+mn-cs"/>
+      </a:defRPr>
+    </a:lvl2pPr>
+    <a:lvl3pPr marL="914400" algn="l" defTabSz="914400" rtl="0" eaLnBrk="1" latinLnBrk="0" hangingPunct="1">
+      <a:defRPr sz="1200" kern="1200">
+        <a:solidFill>
+          <a:schemeClr val="tx1"/>
+        </a:solidFill>
+        <a:latin typeface="+mn-lt"/>
+        <a:ea typeface="+mn-ea"/>
+        <a:cs typeface="+mn-cs"/>
+      </a:defRPr>
+    </a:lvl3pPr>
+    <a:lvl4pPr marL="1371600" algn="l" defTabSz="914400" rtl="0" eaLnBrk="1" latinLnBrk="0" hangingPunct="1">
+      <a:defRPr sz="1200" kern="1200">
+        <a:solidFill>
+          <a:schemeClr val="tx1"/>
+        </a:solidFill>
+        <a:latin typeface="+mn-lt"/>
+        <a:ea typeface="+mn-ea"/>
+        <a:cs typeface="+mn-cs"/>
+      </a:defRPr>
+    </a:lvl4pPr>
+    <a:lvl5pPr marL="1828800" algn="l" defTabSz="914400" rtl="0" eaLnBrk="1" latinLnBrk="0" hangingPunct="1">
+      <a:defRPr sz="1200" kern="1200">
+        <a:solidFill>
+          <a:schemeClr val="tx1"/>
+        </a:solidFill>
+        <a:latin typeface="+mn-lt"/>
+        <a:ea typeface="+mn-ea"/>
+        <a:cs typeface="+mn-cs"/>
+      </a:defRPr>
+    </a:lvl5pPr>
+    <a:lvl6pPr marL="2286000" algn="l" defTabSz="914400" rtl="0" eaLnBrk="1" latinLnBrk="0" hangingPunct="1">
+      <a:defRPr sz="1200" kern="1200">
+        <a:solidFill>
+          <a:schemeClr val="tx1"/>
+        </a:solidFill>
+        <a:latin typeface="+mn-lt"/>
+        <a:ea typeface="+mn-ea"/>
+        <a:cs typeface="+mn-cs"/>
+      </a:defRPr>
+    </a:lvl6pPr>
+    <a:lvl7pPr marL="2743200" algn="l" defTabSz="914400" rtl="0" eaLnBrk="1" latinLnBrk="0" hangingPunct="1">
+      <a:defRPr sz="1200" kern="1200">
+        <a:solidFill>
+          <a:schemeClr val="tx1"/>
+        </a:solidFill>
+        <a:latin typeface="+mn-lt"/>
+        <a:ea typeface="+mn-ea"/>
+        <a:cs typeface="+mn-cs"/>
+      </a:defRPr>
+    </a:lvl7pPr>
+    <a:lvl8pPr marL="3200400" algn="l" defTabSz="914400" rtl="0" eaLnBrk="1" latinLnBrk="0" hangingPunct="1">
+      <a:defRPr sz="1200" kern="1200">
+        <a:solidFill>
+          <a:schemeClr val="tx1"/>
+        </a:solidFill>
+        <a:latin typeface="+mn-lt"/>
+        <a:ea typeface="+mn-ea"/>
+        <a:cs typeface="+mn-cs"/>
+      </a:defRPr>
+    </a:lvl8pPr>
+    <a:lvl9pPr marL="3657600" algn="l" defTabSz="914400" rtl="0" eaLnBrk="1" latinLnBrk="0" hangingPunct="1">
+      <a:defRPr sz="1200" kern="1200">
+        <a:solidFill>
+          <a:schemeClr val="tx1"/>
+        </a:solidFill>
+        <a:latin typeface="+mn-lt"/>
+        <a:ea typeface="+mn-ea"/>
+        <a:cs typeface="+mn-cs"/>
+      </a:defRPr>
+    </a:lvl9pPr>
+  </p:notesStyle>
+</p:notesMaster>
 </file>
 
 <file path=ppt/slideLayouts/slideLayout1.xml><?xml version="1.0" encoding="utf-8"?>
@@ -1009,7 +1362,7 @@
           <a:p>
             <a:fld id="{98F748B1-DC6F-4870-8D1C-AA1B251EDBCA}" type="datetimeFigureOut">
               <a:rPr lang="en-CA" smtClean="0"/>
-              <a:t>2014-07-09</a:t>
+              <a:t>09/07/2014</a:t>
             </a:fld>
             <a:endParaRPr lang="en-CA"/>
           </a:p>
@@ -1100,7 +1453,7 @@
   <p:timing>
     <p:tnLst>
       <p:par>
-        <p:cTn xmlns:p14="http://schemas.microsoft.com/office/powerpoint/2010/main" id="1" dur="indefinite" restart="never" nodeType="tmRoot"/>
+        <p:cTn id="1" dur="indefinite" restart="never" nodeType="tmRoot"/>
       </p:par>
     </p:tnLst>
   </p:timing>
@@ -1221,7 +1574,7 @@
           <a:p>
             <a:fld id="{98F748B1-DC6F-4870-8D1C-AA1B251EDBCA}" type="datetimeFigureOut">
               <a:rPr lang="en-CA" smtClean="0"/>
-              <a:t>2014-07-09</a:t>
+              <a:t>09/07/2014</a:t>
             </a:fld>
             <a:endParaRPr lang="en-CA"/>
           </a:p>
@@ -1277,7 +1630,7 @@
   <p:timing>
     <p:tnLst>
       <p:par>
-        <p:cTn xmlns:p14="http://schemas.microsoft.com/office/powerpoint/2010/main" id="1" dur="indefinite" restart="never" nodeType="tmRoot"/>
+        <p:cTn id="1" dur="indefinite" restart="never" nodeType="tmRoot"/>
       </p:par>
     </p:tnLst>
   </p:timing>
@@ -1408,7 +1761,7 @@
           <a:p>
             <a:fld id="{98F748B1-DC6F-4870-8D1C-AA1B251EDBCA}" type="datetimeFigureOut">
               <a:rPr lang="en-CA" smtClean="0"/>
-              <a:t>2014-07-09</a:t>
+              <a:t>09/07/2014</a:t>
             </a:fld>
             <a:endParaRPr lang="en-CA"/>
           </a:p>
@@ -1464,7 +1817,7 @@
   <p:timing>
     <p:tnLst>
       <p:par>
-        <p:cTn xmlns:p14="http://schemas.microsoft.com/office/powerpoint/2010/main" id="1" dur="indefinite" restart="never" nodeType="tmRoot"/>
+        <p:cTn id="1" dur="indefinite" restart="never" nodeType="tmRoot"/>
       </p:par>
     </p:tnLst>
   </p:timing>
@@ -1505,7 +1858,7 @@
           <a:p>
             <a:fld id="{98F748B1-DC6F-4870-8D1C-AA1B251EDBCA}" type="datetimeFigureOut">
               <a:rPr lang="en-CA" smtClean="0"/>
-              <a:t>2014-07-09</a:t>
+              <a:t>09/07/2014</a:t>
             </a:fld>
             <a:endParaRPr lang="en-CA"/>
           </a:p>
@@ -1641,7 +1994,7 @@
   <p:timing>
     <p:tnLst>
       <p:par>
-        <p:cTn xmlns:p14="http://schemas.microsoft.com/office/powerpoint/2010/main" id="1" dur="indefinite" restart="never" nodeType="tmRoot"/>
+        <p:cTn id="1" dur="indefinite" restart="never" nodeType="tmRoot"/>
       </p:par>
     </p:tnLst>
   </p:timing>
@@ -2101,7 +2454,7 @@
           <a:p>
             <a:fld id="{98F748B1-DC6F-4870-8D1C-AA1B251EDBCA}" type="datetimeFigureOut">
               <a:rPr lang="en-CA" smtClean="0"/>
-              <a:t>2014-07-09</a:t>
+              <a:t>09/07/2014</a:t>
             </a:fld>
             <a:endParaRPr lang="en-CA"/>
           </a:p>
@@ -2157,7 +2510,7 @@
   <p:timing>
     <p:tnLst>
       <p:par>
-        <p:cTn xmlns:p14="http://schemas.microsoft.com/office/powerpoint/2010/main" id="1" dur="indefinite" restart="never" nodeType="tmRoot"/>
+        <p:cTn id="1" dur="indefinite" restart="never" nodeType="tmRoot"/>
       </p:par>
     </p:tnLst>
   </p:timing>
@@ -2198,7 +2551,7 @@
           <a:p>
             <a:fld id="{98F748B1-DC6F-4870-8D1C-AA1B251EDBCA}" type="datetimeFigureOut">
               <a:rPr lang="en-CA" smtClean="0"/>
-              <a:t>2014-07-09</a:t>
+              <a:t>09/07/2014</a:t>
             </a:fld>
             <a:endParaRPr lang="en-CA"/>
           </a:p>
@@ -2391,7 +2744,7 @@
   <p:timing>
     <p:tnLst>
       <p:par>
-        <p:cTn xmlns:p14="http://schemas.microsoft.com/office/powerpoint/2010/main" id="1" dur="indefinite" restart="never" nodeType="tmRoot"/>
+        <p:cTn id="1" dur="indefinite" restart="never" nodeType="tmRoot"/>
       </p:par>
     </p:tnLst>
   </p:timing>
@@ -2803,7 +3156,7 @@
           <a:p>
             <a:fld id="{98F748B1-DC6F-4870-8D1C-AA1B251EDBCA}" type="datetimeFigureOut">
               <a:rPr lang="en-CA" smtClean="0"/>
-              <a:t>2014-07-09</a:t>
+              <a:t>09/07/2014</a:t>
             </a:fld>
             <a:endParaRPr lang="en-CA"/>
           </a:p>
@@ -2882,7 +3235,7 @@
   <p:timing>
     <p:tnLst>
       <p:par>
-        <p:cTn xmlns:p14="http://schemas.microsoft.com/office/powerpoint/2010/main" id="1" dur="indefinite" restart="never" nodeType="tmRoot"/>
+        <p:cTn id="1" dur="indefinite" restart="never" nodeType="tmRoot"/>
       </p:par>
     </p:tnLst>
   </p:timing>
@@ -2946,7 +3299,7 @@
           <a:p>
             <a:fld id="{98F748B1-DC6F-4870-8D1C-AA1B251EDBCA}" type="datetimeFigureOut">
               <a:rPr lang="en-CA" smtClean="0"/>
-              <a:t>2014-07-09</a:t>
+              <a:t>09/07/2014</a:t>
             </a:fld>
             <a:endParaRPr lang="en-CA"/>
           </a:p>
@@ -3002,7 +3355,7 @@
   <p:timing>
     <p:tnLst>
       <p:par>
-        <p:cTn xmlns:p14="http://schemas.microsoft.com/office/powerpoint/2010/main" id="1" dur="indefinite" restart="never" nodeType="tmRoot"/>
+        <p:cTn id="1" dur="indefinite" restart="never" nodeType="tmRoot"/>
       </p:par>
     </p:tnLst>
   </p:timing>
@@ -3043,7 +3396,7 @@
           <a:p>
             <a:fld id="{98F748B1-DC6F-4870-8D1C-AA1B251EDBCA}" type="datetimeFigureOut">
               <a:rPr lang="en-CA" smtClean="0"/>
-              <a:t>2014-07-09</a:t>
+              <a:t>09/07/2014</a:t>
             </a:fld>
             <a:endParaRPr lang="en-CA"/>
           </a:p>
@@ -3099,7 +3452,7 @@
   <p:timing>
     <p:tnLst>
       <p:par>
-        <p:cTn xmlns:p14="http://schemas.microsoft.com/office/powerpoint/2010/main" id="1" dur="indefinite" restart="never" nodeType="tmRoot"/>
+        <p:cTn id="1" dur="indefinite" restart="never" nodeType="tmRoot"/>
       </p:par>
     </p:tnLst>
   </p:timing>
@@ -3327,7 +3680,7 @@
           <a:p>
             <a:fld id="{98F748B1-DC6F-4870-8D1C-AA1B251EDBCA}" type="datetimeFigureOut">
               <a:rPr lang="en-CA" smtClean="0"/>
-              <a:t>2014-07-09</a:t>
+              <a:t>09/07/2014</a:t>
             </a:fld>
             <a:endParaRPr lang="en-CA"/>
           </a:p>
@@ -3383,7 +3736,7 @@
   <p:timing>
     <p:tnLst>
       <p:par>
-        <p:cTn xmlns:p14="http://schemas.microsoft.com/office/powerpoint/2010/main" id="1" dur="indefinite" restart="never" nodeType="tmRoot"/>
+        <p:cTn id="1" dur="indefinite" restart="never" nodeType="tmRoot"/>
       </p:par>
     </p:tnLst>
   </p:timing>
@@ -3849,7 +4202,7 @@
           <a:p>
             <a:fld id="{98F748B1-DC6F-4870-8D1C-AA1B251EDBCA}" type="datetimeFigureOut">
               <a:rPr lang="en-CA" smtClean="0"/>
-              <a:t>2014-07-09</a:t>
+              <a:t>09/07/2014</a:t>
             </a:fld>
             <a:endParaRPr lang="en-CA"/>
           </a:p>
@@ -3939,7 +4292,7 @@
   <p:timing>
     <p:tnLst>
       <p:par>
-        <p:cTn xmlns:p14="http://schemas.microsoft.com/office/powerpoint/2010/main" id="1" dur="indefinite" restart="never" nodeType="tmRoot"/>
+        <p:cTn id="1" dur="indefinite" restart="never" nodeType="tmRoot"/>
       </p:par>
     </p:tnLst>
   </p:timing>
@@ -4369,7 +4722,7 @@
           <a:p>
             <a:fld id="{98F748B1-DC6F-4870-8D1C-AA1B251EDBCA}" type="datetimeFigureOut">
               <a:rPr lang="en-CA" smtClean="0"/>
-              <a:t>2014-07-09</a:t>
+              <a:t>09/07/2014</a:t>
             </a:fld>
             <a:endParaRPr lang="en-CA"/>
           </a:p>
@@ -4474,7 +4827,7 @@
   <p:timing>
     <p:tnLst>
       <p:par>
-        <p:cTn xmlns:p14="http://schemas.microsoft.com/office/powerpoint/2010/main" id="1" dur="indefinite" restart="never" nodeType="tmRoot"/>
+        <p:cTn id="1" dur="indefinite" restart="never" nodeType="tmRoot"/>
       </p:par>
     </p:tnLst>
   </p:timing>
@@ -4938,37 +5291,6 @@
           <a:chExt cx="0" cy="0"/>
         </a:xfrm>
       </p:grpSpPr>
-      <p:sp>
-        <p:nvSpPr>
-          <p:cNvPr id="2" name="Title 1"/>
-          <p:cNvSpPr>
-            <a:spLocks noGrp="1"/>
-          </p:cNvSpPr>
-          <p:nvPr>
-            <p:ph type="ctrTitle"/>
-          </p:nvPr>
-        </p:nvSpPr>
-        <p:spPr>
-          <a:xfrm>
-            <a:off x="2293193" y="3796073"/>
-            <a:ext cx="7175351" cy="1793167"/>
-          </a:xfrm>
-        </p:spPr>
-        <p:txBody>
-          <a:bodyPr/>
-          <a:lstStyle/>
-          <a:p>
-            <a:pPr marL="182880" indent="0">
-              <a:buNone/>
-            </a:pPr>
-            <a:r>
-              <a:rPr lang="en-CA" dirty="0" smtClean="0"/>
-              <a:t>Cloud Box</a:t>
-            </a:r>
-            <a:endParaRPr lang="en-CA" dirty="0"/>
-          </a:p>
-        </p:txBody>
-      </p:sp>
       <p:pic>
         <p:nvPicPr>
           <p:cNvPr id="3076" name="Picture 4"/>
@@ -5001,37 +5323,240 @@
         </p:blipFill>
         <p:spPr bwMode="auto">
           <a:xfrm>
-            <a:off x="611560" y="874077"/>
+            <a:off x="2339752" y="874077"/>
             <a:ext cx="3790442" cy="2842955"/>
           </a:xfrm>
           <a:prstGeom prst="rect">
             <a:avLst/>
           </a:prstGeom>
-          <a:noFill/>
+          <a:solidFill>
+            <a:schemeClr val="accent1"/>
+          </a:solidFill>
           <a:ln>
             <a:noFill/>
           </a:ln>
-          <a:extLst>
-            <a:ext uri="{909E8E84-426E-40dd-AFC4-6F175D3DCCD1}">
-              <a14:hiddenFill xmlns:a14="http://schemas.microsoft.com/office/drawing/2010/main">
-                <a:solidFill>
-                  <a:schemeClr val="accent1"/>
-                </a:solidFill>
-              </a14:hiddenFill>
-            </a:ext>
-            <a:ext uri="{91240B29-F687-4f45-9708-019B960494DF}">
-              <a14:hiddenLine xmlns:a14="http://schemas.microsoft.com/office/drawing/2010/main" w="9525">
-                <a:solidFill>
-                  <a:schemeClr val="tx1"/>
-                </a:solidFill>
-                <a:miter lim="800000"/>
-                <a:headEnd/>
-                <a:tailEnd/>
-              </a14:hiddenLine>
-            </a:ext>
-          </a:extLst>
+          <a:extLst/>
         </p:spPr>
       </p:pic>
+      <p:sp>
+        <p:nvSpPr>
+          <p:cNvPr id="4" name="Title 1"/>
+          <p:cNvSpPr txBox="1">
+            <a:spLocks/>
+          </p:cNvSpPr>
+          <p:nvPr/>
+        </p:nvSpPr>
+        <p:spPr>
+          <a:xfrm>
+            <a:off x="2445593" y="3948473"/>
+            <a:ext cx="4151015" cy="1073087"/>
+          </a:xfrm>
+          <a:prstGeom prst="rect">
+            <a:avLst/>
+          </a:prstGeom>
+          <a:effectLst/>
+        </p:spPr>
+        <p:txBody>
+          <a:bodyPr vert="horz" lIns="91440" tIns="45720" rIns="91440" bIns="45720" rtlCol="0" anchor="t" anchorCtr="0">
+            <a:noAutofit/>
+          </a:bodyPr>
+          <a:lstStyle>
+            <a:lvl1pPr marL="640080" indent="-457200" algn="l" defTabSz="914400" rtl="0" eaLnBrk="1" latinLnBrk="0" hangingPunct="1">
+              <a:spcBef>
+                <a:spcPct val="0"/>
+              </a:spcBef>
+              <a:buClr>
+                <a:schemeClr val="accent6">
+                  <a:lumMod val="75000"/>
+                </a:schemeClr>
+              </a:buClr>
+              <a:buSzPct val="128000"/>
+              <a:buFont typeface="Georgia" pitchFamily="18" charset="0"/>
+              <a:buChar char="*"/>
+              <a:defRPr sz="5400" b="1" i="0" kern="1200">
+                <a:gradFill>
+                  <a:gsLst>
+                    <a:gs pos="0">
+                      <a:schemeClr val="tx1"/>
+                    </a:gs>
+                    <a:gs pos="40000">
+                      <a:schemeClr val="tx1">
+                        <a:lumMod val="75000"/>
+                        <a:lumOff val="25000"/>
+                      </a:schemeClr>
+                    </a:gs>
+                    <a:gs pos="100000">
+                      <a:schemeClr val="tx2">
+                        <a:alpha val="65000"/>
+                      </a:schemeClr>
+                    </a:gs>
+                  </a:gsLst>
+                  <a:lin ang="5400000" scaled="0"/>
+                </a:gradFill>
+                <a:effectLst>
+                  <a:reflection blurRad="6350" stA="55000" endA="300" endPos="45500" dir="5400000" sy="-100000" algn="bl" rotWithShape="0"/>
+                </a:effectLst>
+                <a:latin typeface="+mj-lt"/>
+                <a:ea typeface="+mj-ea"/>
+                <a:cs typeface="+mj-cs"/>
+              </a:defRPr>
+            </a:lvl1pPr>
+            <a:lvl2pPr eaLnBrk="1" hangingPunct="1">
+              <a:defRPr>
+                <a:solidFill>
+                  <a:schemeClr val="tx2"/>
+                </a:solidFill>
+              </a:defRPr>
+            </a:lvl2pPr>
+            <a:lvl3pPr eaLnBrk="1" hangingPunct="1">
+              <a:defRPr>
+                <a:solidFill>
+                  <a:schemeClr val="tx2"/>
+                </a:solidFill>
+              </a:defRPr>
+            </a:lvl3pPr>
+            <a:lvl4pPr eaLnBrk="1" hangingPunct="1">
+              <a:defRPr>
+                <a:solidFill>
+                  <a:schemeClr val="tx2"/>
+                </a:solidFill>
+              </a:defRPr>
+            </a:lvl4pPr>
+            <a:lvl5pPr eaLnBrk="1" hangingPunct="1">
+              <a:defRPr>
+                <a:solidFill>
+                  <a:schemeClr val="tx2"/>
+                </a:solidFill>
+              </a:defRPr>
+            </a:lvl5pPr>
+            <a:lvl6pPr eaLnBrk="1" hangingPunct="1">
+              <a:defRPr>
+                <a:solidFill>
+                  <a:schemeClr val="tx2"/>
+                </a:solidFill>
+              </a:defRPr>
+            </a:lvl6pPr>
+            <a:lvl7pPr eaLnBrk="1" hangingPunct="1">
+              <a:defRPr>
+                <a:solidFill>
+                  <a:schemeClr val="tx2"/>
+                </a:solidFill>
+              </a:defRPr>
+            </a:lvl7pPr>
+            <a:lvl8pPr eaLnBrk="1" hangingPunct="1">
+              <a:defRPr>
+                <a:solidFill>
+                  <a:schemeClr val="tx2"/>
+                </a:solidFill>
+              </a:defRPr>
+            </a:lvl8pPr>
+            <a:lvl9pPr eaLnBrk="1" hangingPunct="1">
+              <a:defRPr>
+                <a:solidFill>
+                  <a:schemeClr val="tx2"/>
+                </a:solidFill>
+              </a:defRPr>
+            </a:lvl9pPr>
+          </a:lstStyle>
+          <a:p>
+            <a:pPr marL="182880" indent="0">
+              <a:buFont typeface="Georgia" pitchFamily="18" charset="0"/>
+              <a:buNone/>
+            </a:pPr>
+            <a:r>
+              <a:rPr lang="en-CA" smtClean="0"/>
+              <a:t>Cloud Box</a:t>
+            </a:r>
+            <a:endParaRPr lang="en-CA" dirty="0"/>
+          </a:p>
+        </p:txBody>
+      </p:sp>
+      <p:sp>
+        <p:nvSpPr>
+          <p:cNvPr id="3" name="TextBox 2"/>
+          <p:cNvSpPr txBox="1"/>
+          <p:nvPr/>
+        </p:nvSpPr>
+        <p:spPr>
+          <a:xfrm>
+            <a:off x="6372200" y="5157192"/>
+            <a:ext cx="2543293" cy="1354217"/>
+          </a:xfrm>
+          <a:prstGeom prst="rect">
+            <a:avLst/>
+          </a:prstGeom>
+          <a:noFill/>
+        </p:spPr>
+        <p:txBody>
+          <a:bodyPr wrap="square" rtlCol="0">
+            <a:spAutoFit/>
+          </a:bodyPr>
+          <a:lstStyle/>
+          <a:p>
+            <a:r>
+              <a:rPr lang="en-US" sz="1600" dirty="0" smtClean="0"/>
+              <a:t>Group 6</a:t>
+            </a:r>
+          </a:p>
+          <a:p>
+            <a:pPr marL="285750" indent="-285750">
+              <a:buFont typeface="Arial" panose="020B0604020202020204" pitchFamily="34" charset="0"/>
+              <a:buChar char="•"/>
+            </a:pPr>
+            <a:r>
+              <a:rPr lang="en-US" sz="1600" dirty="0" err="1" smtClean="0"/>
+              <a:t>Haohan</a:t>
+            </a:r>
+            <a:r>
+              <a:rPr lang="en-US" sz="1600" dirty="0" smtClean="0"/>
+              <a:t> (Harry) Xu</a:t>
+            </a:r>
+          </a:p>
+          <a:p>
+            <a:pPr marL="285750" indent="-285750">
+              <a:buFont typeface="Arial" panose="020B0604020202020204" pitchFamily="34" charset="0"/>
+              <a:buChar char="•"/>
+            </a:pPr>
+            <a:r>
+              <a:rPr lang="en-US" sz="1600" dirty="0" smtClean="0"/>
+              <a:t>Ignacio Perez</a:t>
+            </a:r>
+          </a:p>
+          <a:p>
+            <a:pPr marL="285750" indent="-285750">
+              <a:buFont typeface="Arial" panose="020B0604020202020204" pitchFamily="34" charset="0"/>
+              <a:buChar char="•"/>
+            </a:pPr>
+            <a:r>
+              <a:rPr lang="en-US" sz="1600" dirty="0" err="1" smtClean="0"/>
+              <a:t>Jitin</a:t>
+            </a:r>
+            <a:r>
+              <a:rPr lang="en-US" sz="1600" dirty="0" smtClean="0"/>
+              <a:t> Jacob</a:t>
+            </a:r>
+          </a:p>
+          <a:p>
+            <a:pPr marL="285750" indent="-285750">
+              <a:buFont typeface="Arial" panose="020B0604020202020204" pitchFamily="34" charset="0"/>
+              <a:buChar char="•"/>
+            </a:pPr>
+            <a:r>
+              <a:rPr lang="en-US" sz="1600" dirty="0" err="1" smtClean="0"/>
+              <a:t>Sashiraj</a:t>
+            </a:r>
+            <a:r>
+              <a:rPr lang="en-US" sz="1600" dirty="0" smtClean="0"/>
+              <a:t> </a:t>
+            </a:r>
+            <a:r>
+              <a:rPr lang="en-US" sz="1600" dirty="0" err="1" smtClean="0"/>
+              <a:t>Dhanrajan</a:t>
+            </a:r>
+            <a:endParaRPr lang="en-US" sz="1600" dirty="0"/>
+          </a:p>
+        </p:txBody>
+      </p:sp>
     </p:spTree>
     <p:extLst>
       <p:ext uri="{BB962C8B-B14F-4D97-AF65-F5344CB8AC3E}">
@@ -5045,7 +5570,7 @@
   <p:timing>
     <p:tnLst>
       <p:par>
-        <p:cTn xmlns:p14="http://schemas.microsoft.com/office/powerpoint/2010/main" id="1" dur="indefinite" restart="never" nodeType="tmRoot"/>
+        <p:cTn id="1" dur="indefinite" restart="never" nodeType="tmRoot"/>
       </p:par>
     </p:tnLst>
   </p:timing>
@@ -5081,7 +5606,7 @@
         </p:nvSpPr>
         <p:spPr>
           <a:xfrm>
-            <a:off x="251520" y="4653136"/>
+            <a:off x="251520" y="5094312"/>
             <a:ext cx="8640960" cy="1143000"/>
           </a:xfrm>
         </p:spPr>
@@ -5112,7 +5637,7 @@
         </p:nvSpPr>
         <p:spPr>
           <a:xfrm>
-            <a:off x="1143000" y="731520"/>
+            <a:off x="1143000" y="1322432"/>
             <a:ext cx="6400800" cy="3474720"/>
           </a:xfrm>
         </p:spPr>
@@ -5153,6 +5678,149 @@
           </a:p>
         </p:txBody>
       </p:sp>
+      <p:grpSp>
+        <p:nvGrpSpPr>
+          <p:cNvPr id="4" name="Group 3"/>
+          <p:cNvGrpSpPr/>
+          <p:nvPr/>
+        </p:nvGrpSpPr>
+        <p:grpSpPr>
+          <a:xfrm>
+            <a:off x="755576" y="360536"/>
+            <a:ext cx="7632848" cy="620192"/>
+            <a:chOff x="755576" y="360536"/>
+            <a:chExt cx="7632848" cy="620192"/>
+          </a:xfrm>
+        </p:grpSpPr>
+        <p:cxnSp>
+          <p:nvCxnSpPr>
+            <p:cNvPr id="5" name="Straight Connector 4"/>
+            <p:cNvCxnSpPr/>
+            <p:nvPr/>
+          </p:nvCxnSpPr>
+          <p:spPr>
+            <a:xfrm>
+              <a:off x="755576" y="980728"/>
+              <a:ext cx="7632848" cy="0"/>
+            </a:xfrm>
+            <a:prstGeom prst="line">
+              <a:avLst/>
+            </a:prstGeom>
+            <a:ln w="31750">
+              <a:solidFill>
+                <a:srgbClr val="C00000"/>
+              </a:solidFill>
+            </a:ln>
+          </p:spPr>
+          <p:style>
+            <a:lnRef idx="1">
+              <a:schemeClr val="accent1"/>
+            </a:lnRef>
+            <a:fillRef idx="0">
+              <a:schemeClr val="accent1"/>
+            </a:fillRef>
+            <a:effectRef idx="0">
+              <a:schemeClr val="accent1"/>
+            </a:effectRef>
+            <a:fontRef idx="minor">
+              <a:schemeClr val="tx1"/>
+            </a:fontRef>
+          </p:style>
+        </p:cxnSp>
+        <p:sp>
+          <p:nvSpPr>
+            <p:cNvPr id="6" name="TextBox 5"/>
+            <p:cNvSpPr txBox="1"/>
+            <p:nvPr/>
+          </p:nvSpPr>
+          <p:spPr>
+            <a:xfrm>
+              <a:off x="1548926" y="594561"/>
+              <a:ext cx="3024336" cy="369332"/>
+            </a:xfrm>
+            <a:prstGeom prst="rect">
+              <a:avLst/>
+            </a:prstGeom>
+            <a:noFill/>
+          </p:spPr>
+          <p:txBody>
+            <a:bodyPr wrap="square" rtlCol="0">
+              <a:spAutoFit/>
+            </a:bodyPr>
+            <a:lstStyle/>
+            <a:p>
+              <a:r>
+                <a:rPr lang="en-US" dirty="0" smtClean="0"/>
+                <a:t>Cloud Box</a:t>
+              </a:r>
+              <a:endParaRPr lang="en-US" dirty="0"/>
+            </a:p>
+          </p:txBody>
+        </p:sp>
+        <p:pic>
+          <p:nvPicPr>
+            <p:cNvPr id="7" name="Picture 4"/>
+            <p:cNvPicPr>
+              <a:picLocks noChangeAspect="1" noChangeArrowheads="1"/>
+            </p:cNvPicPr>
+            <p:nvPr/>
+          </p:nvPicPr>
+          <p:blipFill>
+            <a:blip r:embed="rId2" cstate="print">
+              <a:extLst>
+                <a:ext uri="{BEBA8EAE-BF5A-486C-A8C5-ECC9F3942E4B}">
+                  <a14:imgProps xmlns:a14="http://schemas.microsoft.com/office/drawing/2010/main">
+                    <a14:imgLayer r:embed="rId3">
+                      <a14:imgEffect>
+                        <a14:colorTemperature colorTemp="5900"/>
+                      </a14:imgEffect>
+                    </a14:imgLayer>
+                  </a14:imgProps>
+                </a:ext>
+                <a:ext uri="{28A0092B-C50C-407E-A947-70E740481C1C}">
+                  <a14:useLocalDpi xmlns:a14="http://schemas.microsoft.com/office/drawing/2010/main" val="0"/>
+                </a:ext>
+              </a:extLst>
+            </a:blip>
+            <a:srcRect/>
+            <a:stretch>
+              <a:fillRect/>
+            </a:stretch>
+          </p:blipFill>
+          <p:spPr bwMode="auto">
+            <a:xfrm>
+              <a:off x="755576" y="360536"/>
+              <a:ext cx="730880" cy="548184"/>
+            </a:xfrm>
+            <a:prstGeom prst="rect">
+              <a:avLst/>
+            </a:prstGeom>
+            <a:noFill/>
+            <a:ln>
+              <a:noFill/>
+            </a:ln>
+            <a:extLst>
+              <a:ext uri="{909E8E84-426E-40DD-AFC4-6F175D3DCCD1}">
+                <a14:hiddenFill xmlns:a14="http://schemas.microsoft.com/office/drawing/2010/main">
+                  <a:solidFill>
+                    <a:schemeClr val="accent1"/>
+                  </a:solidFill>
+                </a14:hiddenFill>
+              </a:ext>
+              <a:ext uri="{91240B29-F687-4F45-9708-019B960494DF}">
+                <a14:hiddenLine xmlns:a14="http://schemas.microsoft.com/office/drawing/2010/main" w="9525">
+                  <a:solidFill>
+                    <a:schemeClr val="tx1"/>
+                  </a:solidFill>
+                  <a:miter lim="800000"/>
+                  <a:headEnd/>
+                  <a:tailEnd/>
+                </a14:hiddenLine>
+              </a:ext>
+            </a:extLst>
+          </p:spPr>
+        </p:pic>
+      </p:grpSp>
     </p:spTree>
     <p:extLst>
       <p:ext uri="{BB962C8B-B14F-4D97-AF65-F5344CB8AC3E}">
@@ -5166,7 +5834,7 @@
   <p:timing>
     <p:tnLst>
       <p:par>
-        <p:cTn xmlns:p14="http://schemas.microsoft.com/office/powerpoint/2010/main" id="1" dur="indefinite" restart="never" nodeType="tmRoot"/>
+        <p:cTn id="1" dur="indefinite" restart="never" nodeType="tmRoot"/>
       </p:par>
     </p:tnLst>
   </p:timing>
@@ -5270,10 +5938,10 @@
           <a:p>
             <a:pPr marL="502920" lvl="2"/>
             <a:r>
-              <a:rPr lang="en-CA" dirty="0" smtClean="0"/>
+              <a:rPr lang="en-CA" sz="2000" dirty="0"/>
               <a:t>Select service server to provide service according to both responding time and current work load of server.</a:t>
             </a:r>
-            <a:endParaRPr lang="en-CA" dirty="0"/>
+            <a:endParaRPr lang="en-CA" sz="2000" dirty="0"/>
           </a:p>
           <a:p>
             <a:pPr lvl="1"/>
@@ -5281,6 +5949,149 @@
           </a:p>
         </p:txBody>
       </p:sp>
+      <p:grpSp>
+        <p:nvGrpSpPr>
+          <p:cNvPr id="4" name="Group 3"/>
+          <p:cNvGrpSpPr/>
+          <p:nvPr/>
+        </p:nvGrpSpPr>
+        <p:grpSpPr>
+          <a:xfrm>
+            <a:off x="755576" y="360536"/>
+            <a:ext cx="7632848" cy="620192"/>
+            <a:chOff x="755576" y="360536"/>
+            <a:chExt cx="7632848" cy="620192"/>
+          </a:xfrm>
+        </p:grpSpPr>
+        <p:cxnSp>
+          <p:nvCxnSpPr>
+            <p:cNvPr id="5" name="Straight Connector 4"/>
+            <p:cNvCxnSpPr/>
+            <p:nvPr/>
+          </p:nvCxnSpPr>
+          <p:spPr>
+            <a:xfrm>
+              <a:off x="755576" y="980728"/>
+              <a:ext cx="7632848" cy="0"/>
+            </a:xfrm>
+            <a:prstGeom prst="line">
+              <a:avLst/>
+            </a:prstGeom>
+            <a:ln w="31750">
+              <a:solidFill>
+                <a:srgbClr val="C00000"/>
+              </a:solidFill>
+            </a:ln>
+          </p:spPr>
+          <p:style>
+            <a:lnRef idx="1">
+              <a:schemeClr val="accent1"/>
+            </a:lnRef>
+            <a:fillRef idx="0">
+              <a:schemeClr val="accent1"/>
+            </a:fillRef>
+            <a:effectRef idx="0">
+              <a:schemeClr val="accent1"/>
+            </a:effectRef>
+            <a:fontRef idx="minor">
+              <a:schemeClr val="tx1"/>
+            </a:fontRef>
+          </p:style>
+        </p:cxnSp>
+        <p:sp>
+          <p:nvSpPr>
+            <p:cNvPr id="6" name="TextBox 5"/>
+            <p:cNvSpPr txBox="1"/>
+            <p:nvPr/>
+          </p:nvSpPr>
+          <p:spPr>
+            <a:xfrm>
+              <a:off x="1548926" y="594561"/>
+              <a:ext cx="3024336" cy="369332"/>
+            </a:xfrm>
+            <a:prstGeom prst="rect">
+              <a:avLst/>
+            </a:prstGeom>
+            <a:noFill/>
+          </p:spPr>
+          <p:txBody>
+            <a:bodyPr wrap="square" rtlCol="0">
+              <a:spAutoFit/>
+            </a:bodyPr>
+            <a:lstStyle/>
+            <a:p>
+              <a:r>
+                <a:rPr lang="en-US" dirty="0" smtClean="0"/>
+                <a:t>Cloud Box</a:t>
+              </a:r>
+              <a:endParaRPr lang="en-US" dirty="0"/>
+            </a:p>
+          </p:txBody>
+        </p:sp>
+        <p:pic>
+          <p:nvPicPr>
+            <p:cNvPr id="7" name="Picture 4"/>
+            <p:cNvPicPr>
+              <a:picLocks noChangeAspect="1" noChangeArrowheads="1"/>
+            </p:cNvPicPr>
+            <p:nvPr/>
+          </p:nvPicPr>
+          <p:blipFill>
+            <a:blip r:embed="rId2" cstate="print">
+              <a:extLst>
+                <a:ext uri="{BEBA8EAE-BF5A-486C-A8C5-ECC9F3942E4B}">
+                  <a14:imgProps xmlns:a14="http://schemas.microsoft.com/office/drawing/2010/main">
+                    <a14:imgLayer r:embed="rId3">
+                      <a14:imgEffect>
+                        <a14:colorTemperature colorTemp="5900"/>
+                      </a14:imgEffect>
+                    </a14:imgLayer>
+                  </a14:imgProps>
+                </a:ext>
+                <a:ext uri="{28A0092B-C50C-407E-A947-70E740481C1C}">
+                  <a14:useLocalDpi xmlns:a14="http://schemas.microsoft.com/office/drawing/2010/main" val="0"/>
+                </a:ext>
+              </a:extLst>
+            </a:blip>
+            <a:srcRect/>
+            <a:stretch>
+              <a:fillRect/>
+            </a:stretch>
+          </p:blipFill>
+          <p:spPr bwMode="auto">
+            <a:xfrm>
+              <a:off x="755576" y="360536"/>
+              <a:ext cx="730880" cy="548184"/>
+            </a:xfrm>
+            <a:prstGeom prst="rect">
+              <a:avLst/>
+            </a:prstGeom>
+            <a:noFill/>
+            <a:ln>
+              <a:noFill/>
+            </a:ln>
+            <a:extLst>
+              <a:ext uri="{909E8E84-426E-40DD-AFC4-6F175D3DCCD1}">
+                <a14:hiddenFill xmlns:a14="http://schemas.microsoft.com/office/drawing/2010/main">
+                  <a:solidFill>
+                    <a:schemeClr val="accent1"/>
+                  </a:solidFill>
+                </a14:hiddenFill>
+              </a:ext>
+              <a:ext uri="{91240B29-F687-4F45-9708-019B960494DF}">
+                <a14:hiddenLine xmlns:a14="http://schemas.microsoft.com/office/drawing/2010/main" w="9525">
+                  <a:solidFill>
+                    <a:schemeClr val="tx1"/>
+                  </a:solidFill>
+                  <a:miter lim="800000"/>
+                  <a:headEnd/>
+                  <a:tailEnd/>
+                </a14:hiddenLine>
+              </a:ext>
+            </a:extLst>
+          </p:spPr>
+        </p:pic>
+      </p:grpSp>
     </p:spTree>
     <p:extLst>
       <p:ext uri="{BB962C8B-B14F-4D97-AF65-F5344CB8AC3E}">
@@ -5294,7 +6105,7 @@
   <p:timing>
     <p:tnLst>
       <p:par>
-        <p:cTn xmlns:p14="http://schemas.microsoft.com/office/powerpoint/2010/main" id="1" dur="indefinite" restart="never" nodeType="tmRoot"/>
+        <p:cTn id="1" dur="indefinite" restart="never" nodeType="tmRoot"/>
       </p:par>
     </p:tnLst>
   </p:timing>
@@ -5359,7 +6170,12 @@
             <p:ph sz="quarter" idx="13"/>
           </p:nvPr>
         </p:nvSpPr>
-        <p:spPr/>
+        <p:spPr>
+          <a:xfrm>
+            <a:off x="1143000" y="1484784"/>
+            <a:ext cx="6400800" cy="3474720"/>
+          </a:xfrm>
+        </p:spPr>
         <p:txBody>
           <a:bodyPr>
             <a:normAutofit fontScale="92500" lnSpcReduction="20000"/>
@@ -5424,11 +6240,7 @@
             </a:pPr>
             <a:r>
               <a:rPr lang="en-CA" dirty="0" smtClean="0"/>
-              <a:t>MS </a:t>
-            </a:r>
-            <a:r>
-              <a:rPr lang="en-CA" dirty="0" smtClean="0"/>
-              <a:t>Azure</a:t>
+              <a:t>MS Azure</a:t>
             </a:r>
           </a:p>
           <a:p>
@@ -5454,7 +6266,6 @@
               <a:rPr lang="en-CA" dirty="0" smtClean="0"/>
               <a:t>VM runs server side application</a:t>
             </a:r>
-            <a:endParaRPr lang="en-CA" dirty="0" smtClean="0"/>
           </a:p>
           <a:p>
             <a:pPr>
@@ -5467,8 +6278,9 @@
             </a:r>
             <a:r>
               <a:rPr lang="en-CA" dirty="0" smtClean="0"/>
-              <a:t>/git</a:t>
-            </a:r>
+              <a:t>/Git</a:t>
+            </a:r>
+            <a:endParaRPr lang="en-CA" dirty="0" smtClean="0"/>
           </a:p>
           <a:p>
             <a:pPr marL="45720" indent="0">
@@ -5477,10 +6289,156 @@
             <a:endParaRPr lang="en-CA" dirty="0" smtClean="0"/>
           </a:p>
           <a:p>
+            <a:pPr marL="45720" indent="0">
+              <a:buNone/>
+            </a:pPr>
             <a:endParaRPr lang="en-CA" dirty="0" smtClean="0"/>
           </a:p>
         </p:txBody>
       </p:sp>
+      <p:grpSp>
+        <p:nvGrpSpPr>
+          <p:cNvPr id="4" name="Group 3"/>
+          <p:cNvGrpSpPr/>
+          <p:nvPr/>
+        </p:nvGrpSpPr>
+        <p:grpSpPr>
+          <a:xfrm>
+            <a:off x="755576" y="360536"/>
+            <a:ext cx="7632848" cy="620192"/>
+            <a:chOff x="755576" y="360536"/>
+            <a:chExt cx="7632848" cy="620192"/>
+          </a:xfrm>
+        </p:grpSpPr>
+        <p:cxnSp>
+          <p:nvCxnSpPr>
+            <p:cNvPr id="5" name="Straight Connector 4"/>
+            <p:cNvCxnSpPr/>
+            <p:nvPr/>
+          </p:nvCxnSpPr>
+          <p:spPr>
+            <a:xfrm>
+              <a:off x="755576" y="980728"/>
+              <a:ext cx="7632848" cy="0"/>
+            </a:xfrm>
+            <a:prstGeom prst="line">
+              <a:avLst/>
+            </a:prstGeom>
+            <a:ln w="31750">
+              <a:solidFill>
+                <a:srgbClr val="C00000"/>
+              </a:solidFill>
+            </a:ln>
+          </p:spPr>
+          <p:style>
+            <a:lnRef idx="1">
+              <a:schemeClr val="accent1"/>
+            </a:lnRef>
+            <a:fillRef idx="0">
+              <a:schemeClr val="accent1"/>
+            </a:fillRef>
+            <a:effectRef idx="0">
+              <a:schemeClr val="accent1"/>
+            </a:effectRef>
+            <a:fontRef idx="minor">
+              <a:schemeClr val="tx1"/>
+            </a:fontRef>
+          </p:style>
+        </p:cxnSp>
+        <p:sp>
+          <p:nvSpPr>
+            <p:cNvPr id="6" name="TextBox 5"/>
+            <p:cNvSpPr txBox="1"/>
+            <p:nvPr/>
+          </p:nvSpPr>
+          <p:spPr>
+            <a:xfrm>
+              <a:off x="1548926" y="594561"/>
+              <a:ext cx="3024336" cy="369332"/>
+            </a:xfrm>
+            <a:prstGeom prst="rect">
+              <a:avLst/>
+            </a:prstGeom>
+            <a:noFill/>
+          </p:spPr>
+          <p:txBody>
+            <a:bodyPr wrap="square" rtlCol="0">
+              <a:spAutoFit/>
+            </a:bodyPr>
+            <a:lstStyle/>
+            <a:p>
+              <a:r>
+                <a:rPr lang="en-US" dirty="0" smtClean="0"/>
+                <a:t>Cloud Box</a:t>
+              </a:r>
+              <a:endParaRPr lang="en-US" dirty="0"/>
+            </a:p>
+          </p:txBody>
+        </p:sp>
+        <p:pic>
+          <p:nvPicPr>
+            <p:cNvPr id="7" name="Picture 4"/>
+            <p:cNvPicPr>
+              <a:picLocks noChangeAspect="1" noChangeArrowheads="1"/>
+            </p:cNvPicPr>
+            <p:nvPr/>
+          </p:nvPicPr>
+          <p:blipFill>
+            <a:blip r:embed="rId2" cstate="print">
+              <a:extLst>
+                <a:ext uri="{BEBA8EAE-BF5A-486C-A8C5-ECC9F3942E4B}">
+                  <a14:imgProps xmlns:a14="http://schemas.microsoft.com/office/drawing/2010/main">
+                    <a14:imgLayer r:embed="rId3">
+                      <a14:imgEffect>
+                        <a14:colorTemperature colorTemp="5900"/>
+                      </a14:imgEffect>
+                    </a14:imgLayer>
+                  </a14:imgProps>
+                </a:ext>
+                <a:ext uri="{28A0092B-C50C-407E-A947-70E740481C1C}">
+                  <a14:useLocalDpi xmlns:a14="http://schemas.microsoft.com/office/drawing/2010/main" val="0"/>
+                </a:ext>
+              </a:extLst>
+            </a:blip>
+            <a:srcRect/>
+            <a:stretch>
+              <a:fillRect/>
+            </a:stretch>
+          </p:blipFill>
+          <p:spPr bwMode="auto">
+            <a:xfrm>
+              <a:off x="755576" y="360536"/>
+              <a:ext cx="730880" cy="548184"/>
+            </a:xfrm>
+            <a:prstGeom prst="rect">
+              <a:avLst/>
+            </a:prstGeom>
+            <a:noFill/>
+            <a:ln>
+              <a:noFill/>
+            </a:ln>
+            <a:extLst>
+              <a:ext uri="{909E8E84-426E-40DD-AFC4-6F175D3DCCD1}">
+                <a14:hiddenFill xmlns:a14="http://schemas.microsoft.com/office/drawing/2010/main">
+                  <a:solidFill>
+                    <a:schemeClr val="accent1"/>
+                  </a:solidFill>
+                </a14:hiddenFill>
+              </a:ext>
+              <a:ext uri="{91240B29-F687-4F45-9708-019B960494DF}">
+                <a14:hiddenLine xmlns:a14="http://schemas.microsoft.com/office/drawing/2010/main" w="9525">
+                  <a:solidFill>
+                    <a:schemeClr val="tx1"/>
+                  </a:solidFill>
+                  <a:miter lim="800000"/>
+                  <a:headEnd/>
+                  <a:tailEnd/>
+                </a14:hiddenLine>
+              </a:ext>
+            </a:extLst>
+          </p:spPr>
+        </p:pic>
+      </p:grpSp>
     </p:spTree>
     <p:extLst>
       <p:ext uri="{BB962C8B-B14F-4D97-AF65-F5344CB8AC3E}">
@@ -5494,7 +6452,7 @@
   <p:timing>
     <p:tnLst>
       <p:par>
-        <p:cTn xmlns:p14="http://schemas.microsoft.com/office/powerpoint/2010/main" id="1" dur="indefinite" restart="never" nodeType="tmRoot"/>
+        <p:cTn id="1" dur="indefinite" restart="never" nodeType="tmRoot"/>
       </p:par>
     </p:tnLst>
   </p:timing>
@@ -5530,7 +6488,7 @@
         </p:nvSpPr>
         <p:spPr>
           <a:xfrm>
-            <a:off x="1793289" y="5022304"/>
+            <a:off x="1793289" y="5526360"/>
             <a:ext cx="6512511" cy="1143000"/>
           </a:xfrm>
         </p:spPr>
@@ -5559,7 +6517,12 @@
             <p:ph sz="quarter" idx="13"/>
           </p:nvPr>
         </p:nvSpPr>
-        <p:spPr/>
+        <p:spPr>
+          <a:xfrm>
+            <a:off x="1143000" y="1196752"/>
+            <a:ext cx="6400800" cy="3009488"/>
+          </a:xfrm>
+        </p:spPr>
         <p:txBody>
           <a:bodyPr/>
           <a:lstStyle/>
@@ -5580,7 +6543,7 @@
         </p:nvGrpSpPr>
         <p:grpSpPr>
           <a:xfrm>
-            <a:off x="24261" y="1484784"/>
+            <a:off x="24261" y="1825922"/>
             <a:ext cx="9012235" cy="3547294"/>
             <a:chOff x="24261" y="1340768"/>
             <a:chExt cx="9372275" cy="3691310"/>
@@ -5620,14 +6583,14 @@
               <a:noFill/>
             </a:ln>
             <a:extLst>
-              <a:ext uri="{909E8E84-426E-40dd-AFC4-6F175D3DCCD1}">
+              <a:ext uri="{909E8E84-426E-40DD-AFC4-6F175D3DCCD1}">
                 <a14:hiddenFill xmlns:a14="http://schemas.microsoft.com/office/drawing/2010/main">
                   <a:solidFill>
                     <a:schemeClr val="accent1"/>
                   </a:solidFill>
                 </a14:hiddenFill>
               </a:ext>
-              <a:ext uri="{91240B29-F687-4f45-9708-019B960494DF}">
+              <a:ext uri="{91240B29-F687-4F45-9708-019B960494DF}">
                 <a14:hiddenLine xmlns:a14="http://schemas.microsoft.com/office/drawing/2010/main" w="9525">
                   <a:solidFill>
                     <a:schemeClr val="tx1"/>
@@ -5672,14 +6635,157 @@
               <a:noFill/>
             </a:ln>
             <a:extLst>
-              <a:ext uri="{909E8E84-426E-40dd-AFC4-6F175D3DCCD1}">
+              <a:ext uri="{909E8E84-426E-40DD-AFC4-6F175D3DCCD1}">
                 <a14:hiddenFill xmlns:a14="http://schemas.microsoft.com/office/drawing/2010/main">
                   <a:solidFill>
                     <a:schemeClr val="accent1"/>
                   </a:solidFill>
                 </a14:hiddenFill>
               </a:ext>
-              <a:ext uri="{91240B29-F687-4f45-9708-019B960494DF}">
+              <a:ext uri="{91240B29-F687-4F45-9708-019B960494DF}">
+                <a14:hiddenLine xmlns:a14="http://schemas.microsoft.com/office/drawing/2010/main" w="9525">
+                  <a:solidFill>
+                    <a:schemeClr val="tx1"/>
+                  </a:solidFill>
+                  <a:miter lim="800000"/>
+                  <a:headEnd/>
+                  <a:tailEnd/>
+                </a14:hiddenLine>
+              </a:ext>
+            </a:extLst>
+          </p:spPr>
+        </p:pic>
+      </p:grpSp>
+      <p:grpSp>
+        <p:nvGrpSpPr>
+          <p:cNvPr id="7" name="Group 6"/>
+          <p:cNvGrpSpPr/>
+          <p:nvPr/>
+        </p:nvGrpSpPr>
+        <p:grpSpPr>
+          <a:xfrm>
+            <a:off x="755576" y="360536"/>
+            <a:ext cx="7632848" cy="620192"/>
+            <a:chOff x="755576" y="360536"/>
+            <a:chExt cx="7632848" cy="620192"/>
+          </a:xfrm>
+        </p:grpSpPr>
+        <p:cxnSp>
+          <p:nvCxnSpPr>
+            <p:cNvPr id="8" name="Straight Connector 7"/>
+            <p:cNvCxnSpPr/>
+            <p:nvPr/>
+          </p:nvCxnSpPr>
+          <p:spPr>
+            <a:xfrm>
+              <a:off x="755576" y="980728"/>
+              <a:ext cx="7632848" cy="0"/>
+            </a:xfrm>
+            <a:prstGeom prst="line">
+              <a:avLst/>
+            </a:prstGeom>
+            <a:ln w="31750">
+              <a:solidFill>
+                <a:srgbClr val="C00000"/>
+              </a:solidFill>
+            </a:ln>
+          </p:spPr>
+          <p:style>
+            <a:lnRef idx="1">
+              <a:schemeClr val="accent1"/>
+            </a:lnRef>
+            <a:fillRef idx="0">
+              <a:schemeClr val="accent1"/>
+            </a:fillRef>
+            <a:effectRef idx="0">
+              <a:schemeClr val="accent1"/>
+            </a:effectRef>
+            <a:fontRef idx="minor">
+              <a:schemeClr val="tx1"/>
+            </a:fontRef>
+          </p:style>
+        </p:cxnSp>
+        <p:sp>
+          <p:nvSpPr>
+            <p:cNvPr id="9" name="TextBox 8"/>
+            <p:cNvSpPr txBox="1"/>
+            <p:nvPr/>
+          </p:nvSpPr>
+          <p:spPr>
+            <a:xfrm>
+              <a:off x="1548926" y="594561"/>
+              <a:ext cx="3024336" cy="369332"/>
+            </a:xfrm>
+            <a:prstGeom prst="rect">
+              <a:avLst/>
+            </a:prstGeom>
+            <a:noFill/>
+          </p:spPr>
+          <p:txBody>
+            <a:bodyPr wrap="square" rtlCol="0">
+              <a:spAutoFit/>
+            </a:bodyPr>
+            <a:lstStyle/>
+            <a:p>
+              <a:r>
+                <a:rPr lang="en-US" dirty="0" smtClean="0"/>
+                <a:t>Cloud Box</a:t>
+              </a:r>
+              <a:endParaRPr lang="en-US" dirty="0"/>
+            </a:p>
+          </p:txBody>
+        </p:sp>
+        <p:pic>
+          <p:nvPicPr>
+            <p:cNvPr id="10" name="Picture 4"/>
+            <p:cNvPicPr>
+              <a:picLocks noChangeAspect="1" noChangeArrowheads="1"/>
+            </p:cNvPicPr>
+            <p:nvPr/>
+          </p:nvPicPr>
+          <p:blipFill>
+            <a:blip r:embed="rId4" cstate="print">
+              <a:extLst>
+                <a:ext uri="{BEBA8EAE-BF5A-486C-A8C5-ECC9F3942E4B}">
+                  <a14:imgProps xmlns:a14="http://schemas.microsoft.com/office/drawing/2010/main">
+                    <a14:imgLayer r:embed="rId5">
+                      <a14:imgEffect>
+                        <a14:colorTemperature colorTemp="5900"/>
+                      </a14:imgEffect>
+                    </a14:imgLayer>
+                  </a14:imgProps>
+                </a:ext>
+                <a:ext uri="{28A0092B-C50C-407E-A947-70E740481C1C}">
+                  <a14:useLocalDpi xmlns:a14="http://schemas.microsoft.com/office/drawing/2010/main" val="0"/>
+                </a:ext>
+              </a:extLst>
+            </a:blip>
+            <a:srcRect/>
+            <a:stretch>
+              <a:fillRect/>
+            </a:stretch>
+          </p:blipFill>
+          <p:spPr bwMode="auto">
+            <a:xfrm>
+              <a:off x="755576" y="360536"/>
+              <a:ext cx="730880" cy="548184"/>
+            </a:xfrm>
+            <a:prstGeom prst="rect">
+              <a:avLst/>
+            </a:prstGeom>
+            <a:noFill/>
+            <a:ln>
+              <a:noFill/>
+            </a:ln>
+            <a:extLst>
+              <a:ext uri="{909E8E84-426E-40DD-AFC4-6F175D3DCCD1}">
+                <a14:hiddenFill xmlns:a14="http://schemas.microsoft.com/office/drawing/2010/main">
+                  <a:solidFill>
+                    <a:schemeClr val="accent1"/>
+                  </a:solidFill>
+                </a14:hiddenFill>
+              </a:ext>
+              <a:ext uri="{91240B29-F687-4F45-9708-019B960494DF}">
                 <a14:hiddenLine xmlns:a14="http://schemas.microsoft.com/office/drawing/2010/main" w="9525">
                   <a:solidFill>
                     <a:schemeClr val="tx1"/>
@@ -5706,7 +6812,7 @@
   <p:timing>
     <p:tnLst>
       <p:par>
-        <p:cTn xmlns:p14="http://schemas.microsoft.com/office/powerpoint/2010/main" id="1" dur="indefinite" restart="never" nodeType="tmRoot"/>
+        <p:cTn id="1" dur="indefinite" restart="never" nodeType="tmRoot"/>
       </p:par>
     </p:tnLst>
   </p:timing>
@@ -5740,7 +6846,12 @@
             <p:ph sz="quarter" idx="13"/>
           </p:nvPr>
         </p:nvSpPr>
-        <p:spPr/>
+        <p:spPr>
+          <a:xfrm>
+            <a:off x="467544" y="1114631"/>
+            <a:ext cx="6400800" cy="3474720"/>
+          </a:xfrm>
+        </p:spPr>
         <p:txBody>
           <a:bodyPr/>
           <a:lstStyle/>
@@ -5822,7 +6933,7 @@
         </p:nvGraphicFramePr>
         <p:xfrm>
           <a:off x="5010727" y="1286593"/>
-          <a:ext cx="4025769" cy="3983583"/>
+          <a:ext cx="4025769" cy="3983676"/>
         </p:xfrm>
         <a:graphic>
           <a:graphicData uri="http://schemas.openxmlformats.org/drawingml/2006/table">
@@ -7207,14 +8318,14 @@
           </a:ln>
           <a:effectLst/>
           <a:extLst>
-            <a:ext uri="{909E8E84-426E-40dd-AFC4-6F175D3DCCD1}">
+            <a:ext uri="{909E8E84-426E-40DD-AFC4-6F175D3DCCD1}">
               <a14:hiddenFill xmlns:a14="http://schemas.microsoft.com/office/drawing/2010/main">
                 <a:solidFill>
                   <a:schemeClr val="accent1"/>
                 </a:solidFill>
               </a14:hiddenFill>
             </a:ext>
-            <a:ext uri="{91240B29-F687-4f45-9708-019B960494DF}">
+            <a:ext uri="{91240B29-F687-4F45-9708-019B960494DF}">
               <a14:hiddenLine xmlns:a14="http://schemas.microsoft.com/office/drawing/2010/main" w="9525">
                 <a:solidFill>
                   <a:schemeClr val="tx1"/>
@@ -7224,7 +8335,7 @@
                 <a:tailEnd/>
               </a14:hiddenLine>
             </a:ext>
-            <a:ext uri="{AF507438-7753-43e0-B8FC-AC1667EBCBE1}">
+            <a:ext uri="{AF507438-7753-43E0-B8FC-AC1667EBCBE1}">
               <a14:hiddenEffects xmlns:a14="http://schemas.microsoft.com/office/drawing/2010/main">
                 <a:effectLst>
                   <a:outerShdw dist="35921" dir="2700000" algn="ctr" rotWithShape="0">
@@ -7274,6 +8385,149 @@
           </a:p>
         </p:txBody>
       </p:sp>
+      <p:grpSp>
+        <p:nvGrpSpPr>
+          <p:cNvPr id="10" name="Group 9"/>
+          <p:cNvGrpSpPr/>
+          <p:nvPr/>
+        </p:nvGrpSpPr>
+        <p:grpSpPr>
+          <a:xfrm>
+            <a:off x="755576" y="360536"/>
+            <a:ext cx="7632848" cy="620192"/>
+            <a:chOff x="755576" y="360536"/>
+            <a:chExt cx="7632848" cy="620192"/>
+          </a:xfrm>
+        </p:grpSpPr>
+        <p:cxnSp>
+          <p:nvCxnSpPr>
+            <p:cNvPr id="11" name="Straight Connector 10"/>
+            <p:cNvCxnSpPr/>
+            <p:nvPr/>
+          </p:nvCxnSpPr>
+          <p:spPr>
+            <a:xfrm>
+              <a:off x="755576" y="980728"/>
+              <a:ext cx="7632848" cy="0"/>
+            </a:xfrm>
+            <a:prstGeom prst="line">
+              <a:avLst/>
+            </a:prstGeom>
+            <a:ln w="31750">
+              <a:solidFill>
+                <a:srgbClr val="C00000"/>
+              </a:solidFill>
+            </a:ln>
+          </p:spPr>
+          <p:style>
+            <a:lnRef idx="1">
+              <a:schemeClr val="accent1"/>
+            </a:lnRef>
+            <a:fillRef idx="0">
+              <a:schemeClr val="accent1"/>
+            </a:fillRef>
+            <a:effectRef idx="0">
+              <a:schemeClr val="accent1"/>
+            </a:effectRef>
+            <a:fontRef idx="minor">
+              <a:schemeClr val="tx1"/>
+            </a:fontRef>
+          </p:style>
+        </p:cxnSp>
+        <p:sp>
+          <p:nvSpPr>
+            <p:cNvPr id="12" name="TextBox 11"/>
+            <p:cNvSpPr txBox="1"/>
+            <p:nvPr/>
+          </p:nvSpPr>
+          <p:spPr>
+            <a:xfrm>
+              <a:off x="1548926" y="594561"/>
+              <a:ext cx="3024336" cy="369332"/>
+            </a:xfrm>
+            <a:prstGeom prst="rect">
+              <a:avLst/>
+            </a:prstGeom>
+            <a:noFill/>
+          </p:spPr>
+          <p:txBody>
+            <a:bodyPr wrap="square" rtlCol="0">
+              <a:spAutoFit/>
+            </a:bodyPr>
+            <a:lstStyle/>
+            <a:p>
+              <a:r>
+                <a:rPr lang="en-US" dirty="0" smtClean="0"/>
+                <a:t>Cloud Box</a:t>
+              </a:r>
+              <a:endParaRPr lang="en-US" dirty="0"/>
+            </a:p>
+          </p:txBody>
+        </p:sp>
+        <p:pic>
+          <p:nvPicPr>
+            <p:cNvPr id="13" name="Picture 4"/>
+            <p:cNvPicPr>
+              <a:picLocks noChangeAspect="1" noChangeArrowheads="1"/>
+            </p:cNvPicPr>
+            <p:nvPr/>
+          </p:nvPicPr>
+          <p:blipFill>
+            <a:blip r:embed="rId3" cstate="print">
+              <a:extLst>
+                <a:ext uri="{BEBA8EAE-BF5A-486C-A8C5-ECC9F3942E4B}">
+                  <a14:imgProps xmlns:a14="http://schemas.microsoft.com/office/drawing/2010/main">
+                    <a14:imgLayer r:embed="rId4">
+                      <a14:imgEffect>
+                        <a14:colorTemperature colorTemp="5900"/>
+                      </a14:imgEffect>
+                    </a14:imgLayer>
+                  </a14:imgProps>
+                </a:ext>
+                <a:ext uri="{28A0092B-C50C-407E-A947-70E740481C1C}">
+                  <a14:useLocalDpi xmlns:a14="http://schemas.microsoft.com/office/drawing/2010/main" val="0"/>
+                </a:ext>
+              </a:extLst>
+            </a:blip>
+            <a:srcRect/>
+            <a:stretch>
+              <a:fillRect/>
+            </a:stretch>
+          </p:blipFill>
+          <p:spPr bwMode="auto">
+            <a:xfrm>
+              <a:off x="755576" y="360536"/>
+              <a:ext cx="730880" cy="548184"/>
+            </a:xfrm>
+            <a:prstGeom prst="rect">
+              <a:avLst/>
+            </a:prstGeom>
+            <a:noFill/>
+            <a:ln>
+              <a:noFill/>
+            </a:ln>
+            <a:extLst>
+              <a:ext uri="{909E8E84-426E-40DD-AFC4-6F175D3DCCD1}">
+                <a14:hiddenFill xmlns:a14="http://schemas.microsoft.com/office/drawing/2010/main">
+                  <a:solidFill>
+                    <a:schemeClr val="accent1"/>
+                  </a:solidFill>
+                </a14:hiddenFill>
+              </a:ext>
+              <a:ext uri="{91240B29-F687-4F45-9708-019B960494DF}">
+                <a14:hiddenLine xmlns:a14="http://schemas.microsoft.com/office/drawing/2010/main" w="9525">
+                  <a:solidFill>
+                    <a:schemeClr val="tx1"/>
+                  </a:solidFill>
+                  <a:miter lim="800000"/>
+                  <a:headEnd/>
+                  <a:tailEnd/>
+                </a14:hiddenLine>
+              </a:ext>
+            </a:extLst>
+          </p:spPr>
+        </p:pic>
+      </p:grpSp>
     </p:spTree>
     <p:extLst>
       <p:ext uri="{BB962C8B-B14F-4D97-AF65-F5344CB8AC3E}">
@@ -7287,7 +8541,7 @@
   <p:timing>
     <p:tnLst>
       <p:par>
-        <p:cTn xmlns:p14="http://schemas.microsoft.com/office/powerpoint/2010/main" id="1" dur="indefinite" restart="never" nodeType="tmRoot"/>
+        <p:cTn id="1" dur="indefinite" restart="never" nodeType="tmRoot"/>
       </p:par>
     </p:tnLst>
   </p:timing>
@@ -7321,7 +8575,12 @@
             <p:ph type="title"/>
           </p:nvPr>
         </p:nvSpPr>
-        <p:spPr/>
+        <p:spPr>
+          <a:xfrm>
+            <a:off x="1793289" y="5382344"/>
+            <a:ext cx="6512511" cy="1143000"/>
+          </a:xfrm>
+        </p:spPr>
         <p:txBody>
           <a:bodyPr/>
           <a:lstStyle/>
@@ -7347,7 +8606,12 @@
             <p:ph sz="quarter" idx="13"/>
           </p:nvPr>
         </p:nvSpPr>
-        <p:spPr/>
+        <p:spPr>
+          <a:xfrm>
+            <a:off x="1143000" y="1741696"/>
+            <a:ext cx="6400800" cy="3474720"/>
+          </a:xfrm>
+        </p:spPr>
         <p:txBody>
           <a:bodyPr/>
           <a:lstStyle/>
@@ -7395,6 +8659,149 @@
           </a:p>
         </p:txBody>
       </p:sp>
+      <p:grpSp>
+        <p:nvGrpSpPr>
+          <p:cNvPr id="8" name="Group 7"/>
+          <p:cNvGrpSpPr/>
+          <p:nvPr/>
+        </p:nvGrpSpPr>
+        <p:grpSpPr>
+          <a:xfrm>
+            <a:off x="755576" y="360536"/>
+            <a:ext cx="7632848" cy="620192"/>
+            <a:chOff x="755576" y="360536"/>
+            <a:chExt cx="7632848" cy="620192"/>
+          </a:xfrm>
+        </p:grpSpPr>
+        <p:cxnSp>
+          <p:nvCxnSpPr>
+            <p:cNvPr id="5" name="Straight Connector 4"/>
+            <p:cNvCxnSpPr/>
+            <p:nvPr/>
+          </p:nvCxnSpPr>
+          <p:spPr>
+            <a:xfrm>
+              <a:off x="755576" y="980728"/>
+              <a:ext cx="7632848" cy="0"/>
+            </a:xfrm>
+            <a:prstGeom prst="line">
+              <a:avLst/>
+            </a:prstGeom>
+            <a:ln w="31750">
+              <a:solidFill>
+                <a:srgbClr val="C00000"/>
+              </a:solidFill>
+            </a:ln>
+          </p:spPr>
+          <p:style>
+            <a:lnRef idx="1">
+              <a:schemeClr val="accent1"/>
+            </a:lnRef>
+            <a:fillRef idx="0">
+              <a:schemeClr val="accent1"/>
+            </a:fillRef>
+            <a:effectRef idx="0">
+              <a:schemeClr val="accent1"/>
+            </a:effectRef>
+            <a:fontRef idx="minor">
+              <a:schemeClr val="tx1"/>
+            </a:fontRef>
+          </p:style>
+        </p:cxnSp>
+        <p:sp>
+          <p:nvSpPr>
+            <p:cNvPr id="6" name="TextBox 5"/>
+            <p:cNvSpPr txBox="1"/>
+            <p:nvPr/>
+          </p:nvSpPr>
+          <p:spPr>
+            <a:xfrm>
+              <a:off x="1548926" y="594561"/>
+              <a:ext cx="3024336" cy="369332"/>
+            </a:xfrm>
+            <a:prstGeom prst="rect">
+              <a:avLst/>
+            </a:prstGeom>
+            <a:noFill/>
+          </p:spPr>
+          <p:txBody>
+            <a:bodyPr wrap="square" rtlCol="0">
+              <a:spAutoFit/>
+            </a:bodyPr>
+            <a:lstStyle/>
+            <a:p>
+              <a:r>
+                <a:rPr lang="en-US" dirty="0" smtClean="0"/>
+                <a:t>Cloud Box</a:t>
+              </a:r>
+              <a:endParaRPr lang="en-US" dirty="0"/>
+            </a:p>
+          </p:txBody>
+        </p:sp>
+        <p:pic>
+          <p:nvPicPr>
+            <p:cNvPr id="7" name="Picture 4"/>
+            <p:cNvPicPr>
+              <a:picLocks noChangeAspect="1" noChangeArrowheads="1"/>
+            </p:cNvPicPr>
+            <p:nvPr/>
+          </p:nvPicPr>
+          <p:blipFill>
+            <a:blip r:embed="rId2" cstate="print">
+              <a:extLst>
+                <a:ext uri="{BEBA8EAE-BF5A-486C-A8C5-ECC9F3942E4B}">
+                  <a14:imgProps xmlns:a14="http://schemas.microsoft.com/office/drawing/2010/main">
+                    <a14:imgLayer r:embed="rId3">
+                      <a14:imgEffect>
+                        <a14:colorTemperature colorTemp="5900"/>
+                      </a14:imgEffect>
+                    </a14:imgLayer>
+                  </a14:imgProps>
+                </a:ext>
+                <a:ext uri="{28A0092B-C50C-407E-A947-70E740481C1C}">
+                  <a14:useLocalDpi xmlns:a14="http://schemas.microsoft.com/office/drawing/2010/main" val="0"/>
+                </a:ext>
+              </a:extLst>
+            </a:blip>
+            <a:srcRect/>
+            <a:stretch>
+              <a:fillRect/>
+            </a:stretch>
+          </p:blipFill>
+          <p:spPr bwMode="auto">
+            <a:xfrm>
+              <a:off x="755576" y="360536"/>
+              <a:ext cx="730880" cy="548184"/>
+            </a:xfrm>
+            <a:prstGeom prst="rect">
+              <a:avLst/>
+            </a:prstGeom>
+            <a:noFill/>
+            <a:ln>
+              <a:noFill/>
+            </a:ln>
+            <a:extLst>
+              <a:ext uri="{909E8E84-426E-40DD-AFC4-6F175D3DCCD1}">
+                <a14:hiddenFill xmlns:a14="http://schemas.microsoft.com/office/drawing/2010/main">
+                  <a:solidFill>
+                    <a:schemeClr val="accent1"/>
+                  </a:solidFill>
+                </a14:hiddenFill>
+              </a:ext>
+              <a:ext uri="{91240B29-F687-4F45-9708-019B960494DF}">
+                <a14:hiddenLine xmlns:a14="http://schemas.microsoft.com/office/drawing/2010/main" w="9525">
+                  <a:solidFill>
+                    <a:schemeClr val="tx1"/>
+                  </a:solidFill>
+                  <a:miter lim="800000"/>
+                  <a:headEnd/>
+                  <a:tailEnd/>
+                </a14:hiddenLine>
+              </a:ext>
+            </a:extLst>
+          </p:spPr>
+        </p:pic>
+      </p:grpSp>
     </p:spTree>
     <p:extLst>
       <p:ext uri="{BB962C8B-B14F-4D97-AF65-F5344CB8AC3E}">
@@ -7408,7 +8815,7 @@
   <p:timing>
     <p:tnLst>
       <p:par>
-        <p:cTn xmlns:p14="http://schemas.microsoft.com/office/powerpoint/2010/main" id="1" dur="indefinite" restart="never" nodeType="tmRoot"/>
+        <p:cTn id="1" dur="indefinite" restart="never" nodeType="tmRoot"/>
       </p:par>
     </p:tnLst>
   </p:timing>
@@ -7473,7 +8880,12 @@
             <p:ph sz="quarter" idx="13"/>
           </p:nvPr>
         </p:nvSpPr>
-        <p:spPr/>
+        <p:spPr>
+          <a:xfrm>
+            <a:off x="1143000" y="1340768"/>
+            <a:ext cx="6400800" cy="3474720"/>
+          </a:xfrm>
+        </p:spPr>
         <p:txBody>
           <a:bodyPr>
             <a:normAutofit lnSpcReduction="10000"/>
@@ -7562,6 +8974,149 @@
           </a:p>
         </p:txBody>
       </p:sp>
+      <p:grpSp>
+        <p:nvGrpSpPr>
+          <p:cNvPr id="4" name="Group 3"/>
+          <p:cNvGrpSpPr/>
+          <p:nvPr/>
+        </p:nvGrpSpPr>
+        <p:grpSpPr>
+          <a:xfrm>
+            <a:off x="755576" y="360536"/>
+            <a:ext cx="7632848" cy="620192"/>
+            <a:chOff x="755576" y="360536"/>
+            <a:chExt cx="7632848" cy="620192"/>
+          </a:xfrm>
+        </p:grpSpPr>
+        <p:cxnSp>
+          <p:nvCxnSpPr>
+            <p:cNvPr id="5" name="Straight Connector 4"/>
+            <p:cNvCxnSpPr/>
+            <p:nvPr/>
+          </p:nvCxnSpPr>
+          <p:spPr>
+            <a:xfrm>
+              <a:off x="755576" y="980728"/>
+              <a:ext cx="7632848" cy="0"/>
+            </a:xfrm>
+            <a:prstGeom prst="line">
+              <a:avLst/>
+            </a:prstGeom>
+            <a:ln w="31750">
+              <a:solidFill>
+                <a:srgbClr val="C00000"/>
+              </a:solidFill>
+            </a:ln>
+          </p:spPr>
+          <p:style>
+            <a:lnRef idx="1">
+              <a:schemeClr val="accent1"/>
+            </a:lnRef>
+            <a:fillRef idx="0">
+              <a:schemeClr val="accent1"/>
+            </a:fillRef>
+            <a:effectRef idx="0">
+              <a:schemeClr val="accent1"/>
+            </a:effectRef>
+            <a:fontRef idx="minor">
+              <a:schemeClr val="tx1"/>
+            </a:fontRef>
+          </p:style>
+        </p:cxnSp>
+        <p:sp>
+          <p:nvSpPr>
+            <p:cNvPr id="6" name="TextBox 5"/>
+            <p:cNvSpPr txBox="1"/>
+            <p:nvPr/>
+          </p:nvSpPr>
+          <p:spPr>
+            <a:xfrm>
+              <a:off x="1548926" y="594561"/>
+              <a:ext cx="3024336" cy="369332"/>
+            </a:xfrm>
+            <a:prstGeom prst="rect">
+              <a:avLst/>
+            </a:prstGeom>
+            <a:noFill/>
+          </p:spPr>
+          <p:txBody>
+            <a:bodyPr wrap="square" rtlCol="0">
+              <a:spAutoFit/>
+            </a:bodyPr>
+            <a:lstStyle/>
+            <a:p>
+              <a:r>
+                <a:rPr lang="en-US" dirty="0" smtClean="0"/>
+                <a:t>Cloud Box</a:t>
+              </a:r>
+              <a:endParaRPr lang="en-US" dirty="0"/>
+            </a:p>
+          </p:txBody>
+        </p:sp>
+        <p:pic>
+          <p:nvPicPr>
+            <p:cNvPr id="7" name="Picture 4"/>
+            <p:cNvPicPr>
+              <a:picLocks noChangeAspect="1" noChangeArrowheads="1"/>
+            </p:cNvPicPr>
+            <p:nvPr/>
+          </p:nvPicPr>
+          <p:blipFill>
+            <a:blip r:embed="rId2" cstate="print">
+              <a:extLst>
+                <a:ext uri="{BEBA8EAE-BF5A-486C-A8C5-ECC9F3942E4B}">
+                  <a14:imgProps xmlns:a14="http://schemas.microsoft.com/office/drawing/2010/main">
+                    <a14:imgLayer r:embed="rId3">
+                      <a14:imgEffect>
+                        <a14:colorTemperature colorTemp="5900"/>
+                      </a14:imgEffect>
+                    </a14:imgLayer>
+                  </a14:imgProps>
+                </a:ext>
+                <a:ext uri="{28A0092B-C50C-407E-A947-70E740481C1C}">
+                  <a14:useLocalDpi xmlns:a14="http://schemas.microsoft.com/office/drawing/2010/main" val="0"/>
+                </a:ext>
+              </a:extLst>
+            </a:blip>
+            <a:srcRect/>
+            <a:stretch>
+              <a:fillRect/>
+            </a:stretch>
+          </p:blipFill>
+          <p:spPr bwMode="auto">
+            <a:xfrm>
+              <a:off x="755576" y="360536"/>
+              <a:ext cx="730880" cy="548184"/>
+            </a:xfrm>
+            <a:prstGeom prst="rect">
+              <a:avLst/>
+            </a:prstGeom>
+            <a:noFill/>
+            <a:ln>
+              <a:noFill/>
+            </a:ln>
+            <a:extLst>
+              <a:ext uri="{909E8E84-426E-40DD-AFC4-6F175D3DCCD1}">
+                <a14:hiddenFill xmlns:a14="http://schemas.microsoft.com/office/drawing/2010/main">
+                  <a:solidFill>
+                    <a:schemeClr val="accent1"/>
+                  </a:solidFill>
+                </a14:hiddenFill>
+              </a:ext>
+              <a:ext uri="{91240B29-F687-4F45-9708-019B960494DF}">
+                <a14:hiddenLine xmlns:a14="http://schemas.microsoft.com/office/drawing/2010/main" w="9525">
+                  <a:solidFill>
+                    <a:schemeClr val="tx1"/>
+                  </a:solidFill>
+                  <a:miter lim="800000"/>
+                  <a:headEnd/>
+                  <a:tailEnd/>
+                </a14:hiddenLine>
+              </a:ext>
+            </a:extLst>
+          </p:spPr>
+        </p:pic>
+      </p:grpSp>
     </p:spTree>
     <p:extLst>
       <p:ext uri="{BB962C8B-B14F-4D97-AF65-F5344CB8AC3E}">
@@ -7575,7 +9130,7 @@
   <p:timing>
     <p:tnLst>
       <p:par>
-        <p:cTn xmlns:p14="http://schemas.microsoft.com/office/powerpoint/2010/main" id="1" dur="indefinite" restart="never" nodeType="tmRoot"/>
+        <p:cTn id="1" dur="indefinite" restart="never" nodeType="tmRoot"/>
       </p:par>
     </p:tnLst>
   </p:timing>
@@ -7611,7 +9166,7 @@
         </p:nvSpPr>
         <p:spPr>
           <a:xfrm>
-            <a:off x="1947921" y="5166320"/>
+            <a:off x="1947921" y="5526360"/>
             <a:ext cx="6512511" cy="1143000"/>
           </a:xfrm>
         </p:spPr>
@@ -7642,7 +9197,7 @@
         </p:nvSpPr>
         <p:spPr>
           <a:xfrm>
-            <a:off x="683568" y="731520"/>
+            <a:off x="683568" y="1379592"/>
             <a:ext cx="3024336" cy="4281656"/>
           </a:xfrm>
         </p:spPr>
@@ -7709,7 +9264,7 @@
         </p:blipFill>
         <p:spPr bwMode="auto">
           <a:xfrm>
-            <a:off x="3563888" y="681657"/>
+            <a:off x="3563888" y="1257721"/>
             <a:ext cx="4681537" cy="3827463"/>
           </a:xfrm>
           <a:prstGeom prst="rect">
@@ -7721,14 +9276,14 @@
           </a:ln>
           <a:effectLst/>
           <a:extLst>
-            <a:ext uri="{909E8E84-426E-40dd-AFC4-6F175D3DCCD1}">
+            <a:ext uri="{909E8E84-426E-40DD-AFC4-6F175D3DCCD1}">
               <a14:hiddenFill xmlns:a14="http://schemas.microsoft.com/office/drawing/2010/main">
                 <a:solidFill>
                   <a:schemeClr val="accent1"/>
                 </a:solidFill>
               </a14:hiddenFill>
             </a:ext>
-            <a:ext uri="{91240B29-F687-4f45-9708-019B960494DF}">
+            <a:ext uri="{91240B29-F687-4F45-9708-019B960494DF}">
               <a14:hiddenLine xmlns:a14="http://schemas.microsoft.com/office/drawing/2010/main" w="9525">
                 <a:solidFill>
                   <a:schemeClr val="tx1"/>
@@ -7738,7 +9293,7 @@
                 <a:tailEnd/>
               </a14:hiddenLine>
             </a:ext>
-            <a:ext uri="{AF507438-7753-43e0-B8FC-AC1667EBCBE1}">
+            <a:ext uri="{AF507438-7753-43E0-B8FC-AC1667EBCBE1}">
               <a14:hiddenEffects xmlns:a14="http://schemas.microsoft.com/office/drawing/2010/main">
                 <a:effectLst>
                   <a:outerShdw dist="35921" dir="2700000" algn="ctr" rotWithShape="0">
@@ -7750,6 +9305,149 @@
           </a:extLst>
         </p:spPr>
       </p:pic>
+      <p:grpSp>
+        <p:nvGrpSpPr>
+          <p:cNvPr id="5" name="Group 4"/>
+          <p:cNvGrpSpPr/>
+          <p:nvPr/>
+        </p:nvGrpSpPr>
+        <p:grpSpPr>
+          <a:xfrm>
+            <a:off x="755576" y="360536"/>
+            <a:ext cx="7632848" cy="620192"/>
+            <a:chOff x="755576" y="360536"/>
+            <a:chExt cx="7632848" cy="620192"/>
+          </a:xfrm>
+        </p:grpSpPr>
+        <p:cxnSp>
+          <p:nvCxnSpPr>
+            <p:cNvPr id="7" name="Straight Connector 6"/>
+            <p:cNvCxnSpPr/>
+            <p:nvPr/>
+          </p:nvCxnSpPr>
+          <p:spPr>
+            <a:xfrm>
+              <a:off x="755576" y="980728"/>
+              <a:ext cx="7632848" cy="0"/>
+            </a:xfrm>
+            <a:prstGeom prst="line">
+              <a:avLst/>
+            </a:prstGeom>
+            <a:ln w="31750">
+              <a:solidFill>
+                <a:srgbClr val="C00000"/>
+              </a:solidFill>
+            </a:ln>
+          </p:spPr>
+          <p:style>
+            <a:lnRef idx="1">
+              <a:schemeClr val="accent1"/>
+            </a:lnRef>
+            <a:fillRef idx="0">
+              <a:schemeClr val="accent1"/>
+            </a:fillRef>
+            <a:effectRef idx="0">
+              <a:schemeClr val="accent1"/>
+            </a:effectRef>
+            <a:fontRef idx="minor">
+              <a:schemeClr val="tx1"/>
+            </a:fontRef>
+          </p:style>
+        </p:cxnSp>
+        <p:sp>
+          <p:nvSpPr>
+            <p:cNvPr id="8" name="TextBox 7"/>
+            <p:cNvSpPr txBox="1"/>
+            <p:nvPr/>
+          </p:nvSpPr>
+          <p:spPr>
+            <a:xfrm>
+              <a:off x="1548926" y="594561"/>
+              <a:ext cx="3024336" cy="369332"/>
+            </a:xfrm>
+            <a:prstGeom prst="rect">
+              <a:avLst/>
+            </a:prstGeom>
+            <a:noFill/>
+          </p:spPr>
+          <p:txBody>
+            <a:bodyPr wrap="square" rtlCol="0">
+              <a:spAutoFit/>
+            </a:bodyPr>
+            <a:lstStyle/>
+            <a:p>
+              <a:r>
+                <a:rPr lang="en-US" dirty="0" smtClean="0"/>
+                <a:t>Cloud Box</a:t>
+              </a:r>
+              <a:endParaRPr lang="en-US" dirty="0"/>
+            </a:p>
+          </p:txBody>
+        </p:sp>
+        <p:pic>
+          <p:nvPicPr>
+            <p:cNvPr id="9" name="Picture 4"/>
+            <p:cNvPicPr>
+              <a:picLocks noChangeAspect="1" noChangeArrowheads="1"/>
+            </p:cNvPicPr>
+            <p:nvPr/>
+          </p:nvPicPr>
+          <p:blipFill>
+            <a:blip r:embed="rId3" cstate="print">
+              <a:extLst>
+                <a:ext uri="{BEBA8EAE-BF5A-486C-A8C5-ECC9F3942E4B}">
+                  <a14:imgProps xmlns:a14="http://schemas.microsoft.com/office/drawing/2010/main">
+                    <a14:imgLayer r:embed="rId4">
+                      <a14:imgEffect>
+                        <a14:colorTemperature colorTemp="5900"/>
+                      </a14:imgEffect>
+                    </a14:imgLayer>
+                  </a14:imgProps>
+                </a:ext>
+                <a:ext uri="{28A0092B-C50C-407E-A947-70E740481C1C}">
+                  <a14:useLocalDpi xmlns:a14="http://schemas.microsoft.com/office/drawing/2010/main" val="0"/>
+                </a:ext>
+              </a:extLst>
+            </a:blip>
+            <a:srcRect/>
+            <a:stretch>
+              <a:fillRect/>
+            </a:stretch>
+          </p:blipFill>
+          <p:spPr bwMode="auto">
+            <a:xfrm>
+              <a:off x="755576" y="360536"/>
+              <a:ext cx="730880" cy="548184"/>
+            </a:xfrm>
+            <a:prstGeom prst="rect">
+              <a:avLst/>
+            </a:prstGeom>
+            <a:noFill/>
+            <a:ln>
+              <a:noFill/>
+            </a:ln>
+            <a:extLst>
+              <a:ext uri="{909E8E84-426E-40DD-AFC4-6F175D3DCCD1}">
+                <a14:hiddenFill xmlns:a14="http://schemas.microsoft.com/office/drawing/2010/main">
+                  <a:solidFill>
+                    <a:schemeClr val="accent1"/>
+                  </a:solidFill>
+                </a14:hiddenFill>
+              </a:ext>
+              <a:ext uri="{91240B29-F687-4F45-9708-019B960494DF}">
+                <a14:hiddenLine xmlns:a14="http://schemas.microsoft.com/office/drawing/2010/main" w="9525">
+                  <a:solidFill>
+                    <a:schemeClr val="tx1"/>
+                  </a:solidFill>
+                  <a:miter lim="800000"/>
+                  <a:headEnd/>
+                  <a:tailEnd/>
+                </a14:hiddenLine>
+              </a:ext>
+            </a:extLst>
+          </p:spPr>
+        </p:pic>
+      </p:grpSp>
     </p:spTree>
     <p:extLst>
       <p:ext uri="{BB962C8B-B14F-4D97-AF65-F5344CB8AC3E}">
@@ -7763,7 +9461,7 @@
   <p:timing>
     <p:tnLst>
       <p:par>
-        <p:cTn xmlns:p14="http://schemas.microsoft.com/office/powerpoint/2010/main" id="1" dur="indefinite" restart="never" nodeType="tmRoot"/>
+        <p:cTn id="1" dur="indefinite" restart="never" nodeType="tmRoot"/>
       </p:par>
     </p:tnLst>
   </p:timing>
@@ -7830,8 +9528,8 @@
         </p:nvSpPr>
         <p:spPr>
           <a:xfrm>
-            <a:off x="467544" y="731520"/>
-            <a:ext cx="3672408" cy="4281656"/>
+            <a:off x="467544" y="1595616"/>
+            <a:ext cx="3672408" cy="3345552"/>
           </a:xfrm>
         </p:spPr>
         <p:txBody>
@@ -7910,8 +9608,8 @@
         </p:blipFill>
         <p:spPr bwMode="auto">
           <a:xfrm>
-            <a:off x="5004048" y="332656"/>
-            <a:ext cx="3168352" cy="4752528"/>
+            <a:off x="5292080" y="1196752"/>
+            <a:ext cx="2592288" cy="3888432"/>
           </a:xfrm>
           <a:prstGeom prst="rect">
             <a:avLst/>
@@ -7922,14 +9620,14 @@
           </a:ln>
           <a:effectLst/>
           <a:extLst>
-            <a:ext uri="{909E8E84-426E-40dd-AFC4-6F175D3DCCD1}">
+            <a:ext uri="{909E8E84-426E-40DD-AFC4-6F175D3DCCD1}">
               <a14:hiddenFill xmlns:a14="http://schemas.microsoft.com/office/drawing/2010/main">
                 <a:solidFill>
                   <a:schemeClr val="accent1"/>
                 </a:solidFill>
               </a14:hiddenFill>
             </a:ext>
-            <a:ext uri="{91240B29-F687-4f45-9708-019B960494DF}">
+            <a:ext uri="{91240B29-F687-4F45-9708-019B960494DF}">
               <a14:hiddenLine xmlns:a14="http://schemas.microsoft.com/office/drawing/2010/main" w="9525">
                 <a:solidFill>
                   <a:schemeClr val="tx1"/>
@@ -7939,7 +9637,7 @@
                 <a:tailEnd/>
               </a14:hiddenLine>
             </a:ext>
-            <a:ext uri="{AF507438-7753-43e0-B8FC-AC1667EBCBE1}">
+            <a:ext uri="{AF507438-7753-43E0-B8FC-AC1667EBCBE1}">
               <a14:hiddenEffects xmlns:a14="http://schemas.microsoft.com/office/drawing/2010/main">
                 <a:effectLst>
                   <a:outerShdw dist="35921" dir="2700000" algn="ctr" rotWithShape="0">
@@ -7951,6 +9649,149 @@
           </a:extLst>
         </p:spPr>
       </p:pic>
+      <p:grpSp>
+        <p:nvGrpSpPr>
+          <p:cNvPr id="5" name="Group 4"/>
+          <p:cNvGrpSpPr/>
+          <p:nvPr/>
+        </p:nvGrpSpPr>
+        <p:grpSpPr>
+          <a:xfrm>
+            <a:off x="755576" y="360536"/>
+            <a:ext cx="7632848" cy="620192"/>
+            <a:chOff x="755576" y="360536"/>
+            <a:chExt cx="7632848" cy="620192"/>
+          </a:xfrm>
+        </p:grpSpPr>
+        <p:cxnSp>
+          <p:nvCxnSpPr>
+            <p:cNvPr id="6" name="Straight Connector 5"/>
+            <p:cNvCxnSpPr/>
+            <p:nvPr/>
+          </p:nvCxnSpPr>
+          <p:spPr>
+            <a:xfrm>
+              <a:off x="755576" y="980728"/>
+              <a:ext cx="7632848" cy="0"/>
+            </a:xfrm>
+            <a:prstGeom prst="line">
+              <a:avLst/>
+            </a:prstGeom>
+            <a:ln w="31750">
+              <a:solidFill>
+                <a:srgbClr val="C00000"/>
+              </a:solidFill>
+            </a:ln>
+          </p:spPr>
+          <p:style>
+            <a:lnRef idx="1">
+              <a:schemeClr val="accent1"/>
+            </a:lnRef>
+            <a:fillRef idx="0">
+              <a:schemeClr val="accent1"/>
+            </a:fillRef>
+            <a:effectRef idx="0">
+              <a:schemeClr val="accent1"/>
+            </a:effectRef>
+            <a:fontRef idx="minor">
+              <a:schemeClr val="tx1"/>
+            </a:fontRef>
+          </p:style>
+        </p:cxnSp>
+        <p:sp>
+          <p:nvSpPr>
+            <p:cNvPr id="7" name="TextBox 6"/>
+            <p:cNvSpPr txBox="1"/>
+            <p:nvPr/>
+          </p:nvSpPr>
+          <p:spPr>
+            <a:xfrm>
+              <a:off x="1548926" y="594561"/>
+              <a:ext cx="3024336" cy="369332"/>
+            </a:xfrm>
+            <a:prstGeom prst="rect">
+              <a:avLst/>
+            </a:prstGeom>
+            <a:noFill/>
+          </p:spPr>
+          <p:txBody>
+            <a:bodyPr wrap="square" rtlCol="0">
+              <a:spAutoFit/>
+            </a:bodyPr>
+            <a:lstStyle/>
+            <a:p>
+              <a:r>
+                <a:rPr lang="en-US" dirty="0" smtClean="0"/>
+                <a:t>Cloud Box</a:t>
+              </a:r>
+              <a:endParaRPr lang="en-US" dirty="0"/>
+            </a:p>
+          </p:txBody>
+        </p:sp>
+        <p:pic>
+          <p:nvPicPr>
+            <p:cNvPr id="8" name="Picture 4"/>
+            <p:cNvPicPr>
+              <a:picLocks noChangeAspect="1" noChangeArrowheads="1"/>
+            </p:cNvPicPr>
+            <p:nvPr/>
+          </p:nvPicPr>
+          <p:blipFill>
+            <a:blip r:embed="rId3" cstate="print">
+              <a:extLst>
+                <a:ext uri="{BEBA8EAE-BF5A-486C-A8C5-ECC9F3942E4B}">
+                  <a14:imgProps xmlns:a14="http://schemas.microsoft.com/office/drawing/2010/main">
+                    <a14:imgLayer r:embed="rId4">
+                      <a14:imgEffect>
+                        <a14:colorTemperature colorTemp="5900"/>
+                      </a14:imgEffect>
+                    </a14:imgLayer>
+                  </a14:imgProps>
+                </a:ext>
+                <a:ext uri="{28A0092B-C50C-407E-A947-70E740481C1C}">
+                  <a14:useLocalDpi xmlns:a14="http://schemas.microsoft.com/office/drawing/2010/main" val="0"/>
+                </a:ext>
+              </a:extLst>
+            </a:blip>
+            <a:srcRect/>
+            <a:stretch>
+              <a:fillRect/>
+            </a:stretch>
+          </p:blipFill>
+          <p:spPr bwMode="auto">
+            <a:xfrm>
+              <a:off x="755576" y="360536"/>
+              <a:ext cx="730880" cy="548184"/>
+            </a:xfrm>
+            <a:prstGeom prst="rect">
+              <a:avLst/>
+            </a:prstGeom>
+            <a:noFill/>
+            <a:ln>
+              <a:noFill/>
+            </a:ln>
+            <a:extLst>
+              <a:ext uri="{909E8E84-426E-40DD-AFC4-6F175D3DCCD1}">
+                <a14:hiddenFill xmlns:a14="http://schemas.microsoft.com/office/drawing/2010/main">
+                  <a:solidFill>
+                    <a:schemeClr val="accent1"/>
+                  </a:solidFill>
+                </a14:hiddenFill>
+              </a:ext>
+              <a:ext uri="{91240B29-F687-4F45-9708-019B960494DF}">
+                <a14:hiddenLine xmlns:a14="http://schemas.microsoft.com/office/drawing/2010/main" w="9525">
+                  <a:solidFill>
+                    <a:schemeClr val="tx1"/>
+                  </a:solidFill>
+                  <a:miter lim="800000"/>
+                  <a:headEnd/>
+                  <a:tailEnd/>
+                </a14:hiddenLine>
+              </a:ext>
+            </a:extLst>
+          </p:spPr>
+        </p:pic>
+      </p:grpSp>
     </p:spTree>
     <p:extLst>
       <p:ext uri="{BB962C8B-B14F-4D97-AF65-F5344CB8AC3E}">
@@ -7964,7 +9805,7 @@
   <p:timing>
     <p:tnLst>
       <p:par>
-        <p:cTn xmlns:p14="http://schemas.microsoft.com/office/powerpoint/2010/main" id="1" dur="indefinite" restart="never" nodeType="tmRoot"/>
+        <p:cTn id="1" dur="indefinite" restart="never" nodeType="tmRoot"/>
       </p:par>
     </p:tnLst>
   </p:timing>
@@ -8000,7 +9841,7 @@
         </p:nvSpPr>
         <p:spPr>
           <a:xfrm>
-            <a:off x="2123728" y="5229200"/>
+            <a:off x="2123728" y="5598368"/>
             <a:ext cx="6512511" cy="1143000"/>
           </a:xfrm>
         </p:spPr>
@@ -8031,7 +9872,7 @@
         </p:nvSpPr>
         <p:spPr>
           <a:xfrm>
-            <a:off x="1143000" y="731520"/>
+            <a:off x="1143000" y="1307584"/>
             <a:ext cx="6400800" cy="4209648"/>
           </a:xfrm>
         </p:spPr>
@@ -8069,7 +9910,6 @@
               <a:rPr lang="en-CA" dirty="0" smtClean="0"/>
               <a:t>on the fly.</a:t>
             </a:r>
-            <a:endParaRPr lang="en-CA" dirty="0" smtClean="0"/>
           </a:p>
           <a:p>
             <a:r>
@@ -8094,6 +9934,149 @@
           </a:p>
         </p:txBody>
       </p:sp>
+      <p:grpSp>
+        <p:nvGrpSpPr>
+          <p:cNvPr id="4" name="Group 3"/>
+          <p:cNvGrpSpPr/>
+          <p:nvPr/>
+        </p:nvGrpSpPr>
+        <p:grpSpPr>
+          <a:xfrm>
+            <a:off x="755576" y="360536"/>
+            <a:ext cx="7632848" cy="620192"/>
+            <a:chOff x="755576" y="360536"/>
+            <a:chExt cx="7632848" cy="620192"/>
+          </a:xfrm>
+        </p:grpSpPr>
+        <p:cxnSp>
+          <p:nvCxnSpPr>
+            <p:cNvPr id="5" name="Straight Connector 4"/>
+            <p:cNvCxnSpPr/>
+            <p:nvPr/>
+          </p:nvCxnSpPr>
+          <p:spPr>
+            <a:xfrm>
+              <a:off x="755576" y="980728"/>
+              <a:ext cx="7632848" cy="0"/>
+            </a:xfrm>
+            <a:prstGeom prst="line">
+              <a:avLst/>
+            </a:prstGeom>
+            <a:ln w="31750">
+              <a:solidFill>
+                <a:srgbClr val="C00000"/>
+              </a:solidFill>
+            </a:ln>
+          </p:spPr>
+          <p:style>
+            <a:lnRef idx="1">
+              <a:schemeClr val="accent1"/>
+            </a:lnRef>
+            <a:fillRef idx="0">
+              <a:schemeClr val="accent1"/>
+            </a:fillRef>
+            <a:effectRef idx="0">
+              <a:schemeClr val="accent1"/>
+            </a:effectRef>
+            <a:fontRef idx="minor">
+              <a:schemeClr val="tx1"/>
+            </a:fontRef>
+          </p:style>
+        </p:cxnSp>
+        <p:sp>
+          <p:nvSpPr>
+            <p:cNvPr id="6" name="TextBox 5"/>
+            <p:cNvSpPr txBox="1"/>
+            <p:nvPr/>
+          </p:nvSpPr>
+          <p:spPr>
+            <a:xfrm>
+              <a:off x="1548926" y="594561"/>
+              <a:ext cx="3024336" cy="369332"/>
+            </a:xfrm>
+            <a:prstGeom prst="rect">
+              <a:avLst/>
+            </a:prstGeom>
+            <a:noFill/>
+          </p:spPr>
+          <p:txBody>
+            <a:bodyPr wrap="square" rtlCol="0">
+              <a:spAutoFit/>
+            </a:bodyPr>
+            <a:lstStyle/>
+            <a:p>
+              <a:r>
+                <a:rPr lang="en-US" dirty="0" smtClean="0"/>
+                <a:t>Cloud Box</a:t>
+              </a:r>
+              <a:endParaRPr lang="en-US" dirty="0"/>
+            </a:p>
+          </p:txBody>
+        </p:sp>
+        <p:pic>
+          <p:nvPicPr>
+            <p:cNvPr id="7" name="Picture 4"/>
+            <p:cNvPicPr>
+              <a:picLocks noChangeAspect="1" noChangeArrowheads="1"/>
+            </p:cNvPicPr>
+            <p:nvPr/>
+          </p:nvPicPr>
+          <p:blipFill>
+            <a:blip r:embed="rId2" cstate="print">
+              <a:extLst>
+                <a:ext uri="{BEBA8EAE-BF5A-486C-A8C5-ECC9F3942E4B}">
+                  <a14:imgProps xmlns:a14="http://schemas.microsoft.com/office/drawing/2010/main">
+                    <a14:imgLayer r:embed="rId3">
+                      <a14:imgEffect>
+                        <a14:colorTemperature colorTemp="5900"/>
+                      </a14:imgEffect>
+                    </a14:imgLayer>
+                  </a14:imgProps>
+                </a:ext>
+                <a:ext uri="{28A0092B-C50C-407E-A947-70E740481C1C}">
+                  <a14:useLocalDpi xmlns:a14="http://schemas.microsoft.com/office/drawing/2010/main" val="0"/>
+                </a:ext>
+              </a:extLst>
+            </a:blip>
+            <a:srcRect/>
+            <a:stretch>
+              <a:fillRect/>
+            </a:stretch>
+          </p:blipFill>
+          <p:spPr bwMode="auto">
+            <a:xfrm>
+              <a:off x="755576" y="360536"/>
+              <a:ext cx="730880" cy="548184"/>
+            </a:xfrm>
+            <a:prstGeom prst="rect">
+              <a:avLst/>
+            </a:prstGeom>
+            <a:noFill/>
+            <a:ln>
+              <a:noFill/>
+            </a:ln>
+            <a:extLst>
+              <a:ext uri="{909E8E84-426E-40DD-AFC4-6F175D3DCCD1}">
+                <a14:hiddenFill xmlns:a14="http://schemas.microsoft.com/office/drawing/2010/main">
+                  <a:solidFill>
+                    <a:schemeClr val="accent1"/>
+                  </a:solidFill>
+                </a14:hiddenFill>
+              </a:ext>
+              <a:ext uri="{91240B29-F687-4F45-9708-019B960494DF}">
+                <a14:hiddenLine xmlns:a14="http://schemas.microsoft.com/office/drawing/2010/main" w="9525">
+                  <a:solidFill>
+                    <a:schemeClr val="tx1"/>
+                  </a:solidFill>
+                  <a:miter lim="800000"/>
+                  <a:headEnd/>
+                  <a:tailEnd/>
+                </a14:hiddenLine>
+              </a:ext>
+            </a:extLst>
+          </p:spPr>
+        </p:pic>
+      </p:grpSp>
     </p:spTree>
     <p:extLst>
       <p:ext uri="{BB962C8B-B14F-4D97-AF65-F5344CB8AC3E}">
@@ -8107,7 +10090,7 @@
   <p:timing>
     <p:tnLst>
       <p:par>
-        <p:cTn xmlns:p14="http://schemas.microsoft.com/office/powerpoint/2010/main" id="1" dur="indefinite" restart="never" nodeType="tmRoot"/>
+        <p:cTn id="1" dur="indefinite" restart="never" nodeType="tmRoot"/>
       </p:par>
     </p:tnLst>
   </p:timing>
@@ -8206,6 +10189,149 @@
           </a:p>
         </p:txBody>
       </p:sp>
+      <p:grpSp>
+        <p:nvGrpSpPr>
+          <p:cNvPr id="4" name="Group 3"/>
+          <p:cNvGrpSpPr/>
+          <p:nvPr/>
+        </p:nvGrpSpPr>
+        <p:grpSpPr>
+          <a:xfrm>
+            <a:off x="755576" y="360536"/>
+            <a:ext cx="7632848" cy="620192"/>
+            <a:chOff x="755576" y="360536"/>
+            <a:chExt cx="7632848" cy="620192"/>
+          </a:xfrm>
+        </p:grpSpPr>
+        <p:cxnSp>
+          <p:nvCxnSpPr>
+            <p:cNvPr id="5" name="Straight Connector 4"/>
+            <p:cNvCxnSpPr/>
+            <p:nvPr/>
+          </p:nvCxnSpPr>
+          <p:spPr>
+            <a:xfrm>
+              <a:off x="755576" y="980728"/>
+              <a:ext cx="7632848" cy="0"/>
+            </a:xfrm>
+            <a:prstGeom prst="line">
+              <a:avLst/>
+            </a:prstGeom>
+            <a:ln w="31750">
+              <a:solidFill>
+                <a:srgbClr val="C00000"/>
+              </a:solidFill>
+            </a:ln>
+          </p:spPr>
+          <p:style>
+            <a:lnRef idx="1">
+              <a:schemeClr val="accent1"/>
+            </a:lnRef>
+            <a:fillRef idx="0">
+              <a:schemeClr val="accent1"/>
+            </a:fillRef>
+            <a:effectRef idx="0">
+              <a:schemeClr val="accent1"/>
+            </a:effectRef>
+            <a:fontRef idx="minor">
+              <a:schemeClr val="tx1"/>
+            </a:fontRef>
+          </p:style>
+        </p:cxnSp>
+        <p:sp>
+          <p:nvSpPr>
+            <p:cNvPr id="6" name="TextBox 5"/>
+            <p:cNvSpPr txBox="1"/>
+            <p:nvPr/>
+          </p:nvSpPr>
+          <p:spPr>
+            <a:xfrm>
+              <a:off x="1548926" y="594561"/>
+              <a:ext cx="3024336" cy="369332"/>
+            </a:xfrm>
+            <a:prstGeom prst="rect">
+              <a:avLst/>
+            </a:prstGeom>
+            <a:noFill/>
+          </p:spPr>
+          <p:txBody>
+            <a:bodyPr wrap="square" rtlCol="0">
+              <a:spAutoFit/>
+            </a:bodyPr>
+            <a:lstStyle/>
+            <a:p>
+              <a:r>
+                <a:rPr lang="en-US" dirty="0" smtClean="0"/>
+                <a:t>Cloud Box</a:t>
+              </a:r>
+              <a:endParaRPr lang="en-US" dirty="0"/>
+            </a:p>
+          </p:txBody>
+        </p:sp>
+        <p:pic>
+          <p:nvPicPr>
+            <p:cNvPr id="7" name="Picture 4"/>
+            <p:cNvPicPr>
+              <a:picLocks noChangeAspect="1" noChangeArrowheads="1"/>
+            </p:cNvPicPr>
+            <p:nvPr/>
+          </p:nvPicPr>
+          <p:blipFill>
+            <a:blip r:embed="rId2" cstate="print">
+              <a:extLst>
+                <a:ext uri="{BEBA8EAE-BF5A-486C-A8C5-ECC9F3942E4B}">
+                  <a14:imgProps xmlns:a14="http://schemas.microsoft.com/office/drawing/2010/main">
+                    <a14:imgLayer r:embed="rId3">
+                      <a14:imgEffect>
+                        <a14:colorTemperature colorTemp="5900"/>
+                      </a14:imgEffect>
+                    </a14:imgLayer>
+                  </a14:imgProps>
+                </a:ext>
+                <a:ext uri="{28A0092B-C50C-407E-A947-70E740481C1C}">
+                  <a14:useLocalDpi xmlns:a14="http://schemas.microsoft.com/office/drawing/2010/main" val="0"/>
+                </a:ext>
+              </a:extLst>
+            </a:blip>
+            <a:srcRect/>
+            <a:stretch>
+              <a:fillRect/>
+            </a:stretch>
+          </p:blipFill>
+          <p:spPr bwMode="auto">
+            <a:xfrm>
+              <a:off x="755576" y="360536"/>
+              <a:ext cx="730880" cy="548184"/>
+            </a:xfrm>
+            <a:prstGeom prst="rect">
+              <a:avLst/>
+            </a:prstGeom>
+            <a:noFill/>
+            <a:ln>
+              <a:noFill/>
+            </a:ln>
+            <a:extLst>
+              <a:ext uri="{909E8E84-426E-40DD-AFC4-6F175D3DCCD1}">
+                <a14:hiddenFill xmlns:a14="http://schemas.microsoft.com/office/drawing/2010/main">
+                  <a:solidFill>
+                    <a:schemeClr val="accent1"/>
+                  </a:solidFill>
+                </a14:hiddenFill>
+              </a:ext>
+              <a:ext uri="{91240B29-F687-4F45-9708-019B960494DF}">
+                <a14:hiddenLine xmlns:a14="http://schemas.microsoft.com/office/drawing/2010/main" w="9525">
+                  <a:solidFill>
+                    <a:schemeClr val="tx1"/>
+                  </a:solidFill>
+                  <a:miter lim="800000"/>
+                  <a:headEnd/>
+                  <a:tailEnd/>
+                </a14:hiddenLine>
+              </a:ext>
+            </a:extLst>
+          </p:spPr>
+        </p:pic>
+      </p:grpSp>
     </p:spTree>
     <p:extLst>
       <p:ext uri="{BB962C8B-B14F-4D97-AF65-F5344CB8AC3E}">
@@ -8219,7 +10345,7 @@
   <p:timing>
     <p:tnLst>
       <p:par>
-        <p:cTn xmlns:p14="http://schemas.microsoft.com/office/powerpoint/2010/main" id="1" dur="indefinite" restart="never" nodeType="tmRoot"/>
+        <p:cTn id="1" dur="indefinite" restart="never" nodeType="tmRoot"/>
       </p:par>
     </p:tnLst>
   </p:timing>
@@ -8267,8 +10393,8 @@
         </p:blipFill>
         <p:spPr>
           <a:xfrm>
-            <a:off x="395537" y="476672"/>
-            <a:ext cx="7272808" cy="5505480"/>
+            <a:off x="832983" y="1025856"/>
+            <a:ext cx="6547329" cy="4956296"/>
           </a:xfrm>
         </p:spPr>
       </p:pic>
@@ -8353,6 +10479,149 @@
           </a:p>
         </p:txBody>
       </p:sp>
+      <p:grpSp>
+        <p:nvGrpSpPr>
+          <p:cNvPr id="5" name="Group 4"/>
+          <p:cNvGrpSpPr/>
+          <p:nvPr/>
+        </p:nvGrpSpPr>
+        <p:grpSpPr>
+          <a:xfrm>
+            <a:off x="755576" y="360536"/>
+            <a:ext cx="7632848" cy="620192"/>
+            <a:chOff x="755576" y="360536"/>
+            <a:chExt cx="7632848" cy="620192"/>
+          </a:xfrm>
+        </p:grpSpPr>
+        <p:cxnSp>
+          <p:nvCxnSpPr>
+            <p:cNvPr id="8" name="Straight Connector 7"/>
+            <p:cNvCxnSpPr/>
+            <p:nvPr/>
+          </p:nvCxnSpPr>
+          <p:spPr>
+            <a:xfrm>
+              <a:off x="755576" y="980728"/>
+              <a:ext cx="7632848" cy="0"/>
+            </a:xfrm>
+            <a:prstGeom prst="line">
+              <a:avLst/>
+            </a:prstGeom>
+            <a:ln w="31750">
+              <a:solidFill>
+                <a:srgbClr val="C00000"/>
+              </a:solidFill>
+            </a:ln>
+          </p:spPr>
+          <p:style>
+            <a:lnRef idx="1">
+              <a:schemeClr val="accent1"/>
+            </a:lnRef>
+            <a:fillRef idx="0">
+              <a:schemeClr val="accent1"/>
+            </a:fillRef>
+            <a:effectRef idx="0">
+              <a:schemeClr val="accent1"/>
+            </a:effectRef>
+            <a:fontRef idx="minor">
+              <a:schemeClr val="tx1"/>
+            </a:fontRef>
+          </p:style>
+        </p:cxnSp>
+        <p:sp>
+          <p:nvSpPr>
+            <p:cNvPr id="9" name="TextBox 8"/>
+            <p:cNvSpPr txBox="1"/>
+            <p:nvPr/>
+          </p:nvSpPr>
+          <p:spPr>
+            <a:xfrm>
+              <a:off x="1548926" y="594561"/>
+              <a:ext cx="3024336" cy="369332"/>
+            </a:xfrm>
+            <a:prstGeom prst="rect">
+              <a:avLst/>
+            </a:prstGeom>
+            <a:noFill/>
+          </p:spPr>
+          <p:txBody>
+            <a:bodyPr wrap="square" rtlCol="0">
+              <a:spAutoFit/>
+            </a:bodyPr>
+            <a:lstStyle/>
+            <a:p>
+              <a:r>
+                <a:rPr lang="en-US" dirty="0" smtClean="0"/>
+                <a:t>Cloud Box</a:t>
+              </a:r>
+              <a:endParaRPr lang="en-US" dirty="0"/>
+            </a:p>
+          </p:txBody>
+        </p:sp>
+        <p:pic>
+          <p:nvPicPr>
+            <p:cNvPr id="10" name="Picture 4"/>
+            <p:cNvPicPr>
+              <a:picLocks noChangeAspect="1" noChangeArrowheads="1"/>
+            </p:cNvPicPr>
+            <p:nvPr/>
+          </p:nvPicPr>
+          <p:blipFill>
+            <a:blip r:embed="rId3" cstate="print">
+              <a:extLst>
+                <a:ext uri="{BEBA8EAE-BF5A-486C-A8C5-ECC9F3942E4B}">
+                  <a14:imgProps xmlns:a14="http://schemas.microsoft.com/office/drawing/2010/main">
+                    <a14:imgLayer r:embed="rId4">
+                      <a14:imgEffect>
+                        <a14:colorTemperature colorTemp="5900"/>
+                      </a14:imgEffect>
+                    </a14:imgLayer>
+                  </a14:imgProps>
+                </a:ext>
+                <a:ext uri="{28A0092B-C50C-407E-A947-70E740481C1C}">
+                  <a14:useLocalDpi xmlns:a14="http://schemas.microsoft.com/office/drawing/2010/main" val="0"/>
+                </a:ext>
+              </a:extLst>
+            </a:blip>
+            <a:srcRect/>
+            <a:stretch>
+              <a:fillRect/>
+            </a:stretch>
+          </p:blipFill>
+          <p:spPr bwMode="auto">
+            <a:xfrm>
+              <a:off x="755576" y="360536"/>
+              <a:ext cx="730880" cy="548184"/>
+            </a:xfrm>
+            <a:prstGeom prst="rect">
+              <a:avLst/>
+            </a:prstGeom>
+            <a:noFill/>
+            <a:ln>
+              <a:noFill/>
+            </a:ln>
+            <a:extLst>
+              <a:ext uri="{909E8E84-426E-40DD-AFC4-6F175D3DCCD1}">
+                <a14:hiddenFill xmlns:a14="http://schemas.microsoft.com/office/drawing/2010/main">
+                  <a:solidFill>
+                    <a:schemeClr val="accent1"/>
+                  </a:solidFill>
+                </a14:hiddenFill>
+              </a:ext>
+              <a:ext uri="{91240B29-F687-4F45-9708-019B960494DF}">
+                <a14:hiddenLine xmlns:a14="http://schemas.microsoft.com/office/drawing/2010/main" w="9525">
+                  <a:solidFill>
+                    <a:schemeClr val="tx1"/>
+                  </a:solidFill>
+                  <a:miter lim="800000"/>
+                  <a:headEnd/>
+                  <a:tailEnd/>
+                </a14:hiddenLine>
+              </a:ext>
+            </a:extLst>
+          </p:spPr>
+        </p:pic>
+      </p:grpSp>
     </p:spTree>
     <p:extLst>
       <p:ext uri="{BB962C8B-B14F-4D97-AF65-F5344CB8AC3E}">
@@ -8366,7 +10635,7 @@
   <p:timing>
     <p:tnLst>
       <p:par>
-        <p:cTn xmlns:p14="http://schemas.microsoft.com/office/powerpoint/2010/main" id="1" dur="indefinite" restart="never" nodeType="tmRoot"/>
+        <p:cTn id="1" dur="indefinite" restart="never" nodeType="tmRoot"/>
       </p:par>
     </p:tnLst>
   </p:timing>
@@ -8412,7 +10681,7 @@
         </p:blipFill>
         <p:spPr>
           <a:xfrm>
-            <a:off x="899592" y="548680"/>
+            <a:off x="899592" y="1233627"/>
             <a:ext cx="7031980" cy="4896544"/>
           </a:xfrm>
           <a:prstGeom prst="rect">
@@ -8428,7 +10697,7 @@
         </p:nvSpPr>
         <p:spPr>
           <a:xfrm>
-            <a:off x="2945339" y="5661248"/>
+            <a:off x="2945339" y="6346195"/>
             <a:ext cx="2831224" cy="323165"/>
           </a:xfrm>
           <a:prstGeom prst="rect">
@@ -8457,7 +10726,7 @@
         </p:nvSpPr>
         <p:spPr>
           <a:xfrm>
-            <a:off x="4139952" y="2999414"/>
+            <a:off x="4139952" y="3585790"/>
             <a:ext cx="4572000" cy="923330"/>
           </a:xfrm>
           <a:prstGeom prst="rect">
@@ -8503,6 +10772,149 @@
           </a:p>
         </p:txBody>
       </p:sp>
+      <p:grpSp>
+        <p:nvGrpSpPr>
+          <p:cNvPr id="7" name="Group 6"/>
+          <p:cNvGrpSpPr/>
+          <p:nvPr/>
+        </p:nvGrpSpPr>
+        <p:grpSpPr>
+          <a:xfrm>
+            <a:off x="755576" y="360536"/>
+            <a:ext cx="7632848" cy="620192"/>
+            <a:chOff x="755576" y="360536"/>
+            <a:chExt cx="7632848" cy="620192"/>
+          </a:xfrm>
+        </p:grpSpPr>
+        <p:cxnSp>
+          <p:nvCxnSpPr>
+            <p:cNvPr id="8" name="Straight Connector 7"/>
+            <p:cNvCxnSpPr/>
+            <p:nvPr/>
+          </p:nvCxnSpPr>
+          <p:spPr>
+            <a:xfrm>
+              <a:off x="755576" y="980728"/>
+              <a:ext cx="7632848" cy="0"/>
+            </a:xfrm>
+            <a:prstGeom prst="line">
+              <a:avLst/>
+            </a:prstGeom>
+            <a:ln w="31750">
+              <a:solidFill>
+                <a:srgbClr val="C00000"/>
+              </a:solidFill>
+            </a:ln>
+          </p:spPr>
+          <p:style>
+            <a:lnRef idx="1">
+              <a:schemeClr val="accent1"/>
+            </a:lnRef>
+            <a:fillRef idx="0">
+              <a:schemeClr val="accent1"/>
+            </a:fillRef>
+            <a:effectRef idx="0">
+              <a:schemeClr val="accent1"/>
+            </a:effectRef>
+            <a:fontRef idx="minor">
+              <a:schemeClr val="tx1"/>
+            </a:fontRef>
+          </p:style>
+        </p:cxnSp>
+        <p:sp>
+          <p:nvSpPr>
+            <p:cNvPr id="9" name="TextBox 8"/>
+            <p:cNvSpPr txBox="1"/>
+            <p:nvPr/>
+          </p:nvSpPr>
+          <p:spPr>
+            <a:xfrm>
+              <a:off x="1548926" y="594561"/>
+              <a:ext cx="3024336" cy="369332"/>
+            </a:xfrm>
+            <a:prstGeom prst="rect">
+              <a:avLst/>
+            </a:prstGeom>
+            <a:noFill/>
+          </p:spPr>
+          <p:txBody>
+            <a:bodyPr wrap="square" rtlCol="0">
+              <a:spAutoFit/>
+            </a:bodyPr>
+            <a:lstStyle/>
+            <a:p>
+              <a:r>
+                <a:rPr lang="en-US" dirty="0" smtClean="0"/>
+                <a:t>Cloud Box</a:t>
+              </a:r>
+              <a:endParaRPr lang="en-US" dirty="0"/>
+            </a:p>
+          </p:txBody>
+        </p:sp>
+        <p:pic>
+          <p:nvPicPr>
+            <p:cNvPr id="10" name="Picture 4"/>
+            <p:cNvPicPr>
+              <a:picLocks noChangeAspect="1" noChangeArrowheads="1"/>
+            </p:cNvPicPr>
+            <p:nvPr/>
+          </p:nvPicPr>
+          <p:blipFill>
+            <a:blip r:embed="rId3" cstate="print">
+              <a:extLst>
+                <a:ext uri="{BEBA8EAE-BF5A-486C-A8C5-ECC9F3942E4B}">
+                  <a14:imgProps xmlns:a14="http://schemas.microsoft.com/office/drawing/2010/main">
+                    <a14:imgLayer r:embed="rId4">
+                      <a14:imgEffect>
+                        <a14:colorTemperature colorTemp="5900"/>
+                      </a14:imgEffect>
+                    </a14:imgLayer>
+                  </a14:imgProps>
+                </a:ext>
+                <a:ext uri="{28A0092B-C50C-407E-A947-70E740481C1C}">
+                  <a14:useLocalDpi xmlns:a14="http://schemas.microsoft.com/office/drawing/2010/main" val="0"/>
+                </a:ext>
+              </a:extLst>
+            </a:blip>
+            <a:srcRect/>
+            <a:stretch>
+              <a:fillRect/>
+            </a:stretch>
+          </p:blipFill>
+          <p:spPr bwMode="auto">
+            <a:xfrm>
+              <a:off x="755576" y="360536"/>
+              <a:ext cx="730880" cy="548184"/>
+            </a:xfrm>
+            <a:prstGeom prst="rect">
+              <a:avLst/>
+            </a:prstGeom>
+            <a:noFill/>
+            <a:ln>
+              <a:noFill/>
+            </a:ln>
+            <a:extLst>
+              <a:ext uri="{909E8E84-426E-40DD-AFC4-6F175D3DCCD1}">
+                <a14:hiddenFill xmlns:a14="http://schemas.microsoft.com/office/drawing/2010/main">
+                  <a:solidFill>
+                    <a:schemeClr val="accent1"/>
+                  </a:solidFill>
+                </a14:hiddenFill>
+              </a:ext>
+              <a:ext uri="{91240B29-F687-4F45-9708-019B960494DF}">
+                <a14:hiddenLine xmlns:a14="http://schemas.microsoft.com/office/drawing/2010/main" w="9525">
+                  <a:solidFill>
+                    <a:schemeClr val="tx1"/>
+                  </a:solidFill>
+                  <a:miter lim="800000"/>
+                  <a:headEnd/>
+                  <a:tailEnd/>
+                </a14:hiddenLine>
+              </a:ext>
+            </a:extLst>
+          </p:spPr>
+        </p:pic>
+      </p:grpSp>
     </p:spTree>
     <p:extLst>
       <p:ext uri="{BB962C8B-B14F-4D97-AF65-F5344CB8AC3E}">
@@ -8516,7 +10928,7 @@
   <p:timing>
     <p:tnLst>
       <p:par>
-        <p:cTn xmlns:p14="http://schemas.microsoft.com/office/powerpoint/2010/main" id="1" dur="indefinite" restart="never" nodeType="tmRoot"/>
+        <p:cTn id="1" dur="indefinite" restart="never" nodeType="tmRoot"/>
       </p:par>
     </p:tnLst>
   </p:timing>
@@ -8823,4 +11235,289 @@
   <a:objectDefaults/>
   <a:extraClrSchemeLst/>
 </a:theme>
+</file>
+
+<file path=ppt/theme/theme2.xml><?xml version="1.0" encoding="utf-8"?>
+<a:theme xmlns:a="http://schemas.openxmlformats.org/drawingml/2006/main" name="Office Theme">
+  <a:themeElements>
+    <a:clrScheme name="Office">
+      <a:dk1>
+        <a:sysClr val="windowText" lastClr="000000"/>
+      </a:dk1>
+      <a:lt1>
+        <a:sysClr val="window" lastClr="FFFFFF"/>
+      </a:lt1>
+      <a:dk2>
+        <a:srgbClr val="1F497D"/>
+      </a:dk2>
+      <a:lt2>
+        <a:srgbClr val="EEECE1"/>
+      </a:lt2>
+      <a:accent1>
+        <a:srgbClr val="4F81BD"/>
+      </a:accent1>
+      <a:accent2>
+        <a:srgbClr val="C0504D"/>
+      </a:accent2>
+      <a:accent3>
+        <a:srgbClr val="9BBB59"/>
+      </a:accent3>
+      <a:accent4>
+        <a:srgbClr val="8064A2"/>
+      </a:accent4>
+      <a:accent5>
+        <a:srgbClr val="4BACC6"/>
+      </a:accent5>
+      <a:accent6>
+        <a:srgbClr val="F79646"/>
+      </a:accent6>
+      <a:hlink>
+        <a:srgbClr val="0000FF"/>
+      </a:hlink>
+      <a:folHlink>
+        <a:srgbClr val="800080"/>
+      </a:folHlink>
+    </a:clrScheme>
+    <a:fontScheme name="Office">
+      <a:majorFont>
+        <a:latin typeface="Calibri"/>
+        <a:ea typeface=""/>
+        <a:cs typeface=""/>
+        <a:font script="Jpan" typeface="ＭＳ Ｐゴシック"/>
+        <a:font script="Hang" typeface="맑은 고딕"/>
+        <a:font script="Hans" typeface="宋体"/>
+        <a:font script="Hant" typeface="新細明體"/>
+        <a:font script="Arab" typeface="Times New Roman"/>
+        <a:font script="Hebr" typeface="Times New Roman"/>
+        <a:font script="Thai" typeface="Angsana New"/>
+        <a:font script="Ethi" typeface="Nyala"/>
+        <a:font script="Beng" typeface="Vrinda"/>
+        <a:font script="Gujr" typeface="Shruti"/>
+        <a:font script="Khmr" typeface="MoolBoran"/>
+        <a:font script="Knda" typeface="Tunga"/>
+        <a:font script="Guru" typeface="Raavi"/>
+        <a:font script="Cans" typeface="Euphemia"/>
+        <a:font script="Cher" typeface="Plantagenet Cherokee"/>
+        <a:font script="Yiii" typeface="Microsoft Yi Baiti"/>
+        <a:font script="Tibt" typeface="Microsoft Himalaya"/>
+        <a:font script="Thaa" typeface="MV Boli"/>
+        <a:font script="Deva" typeface="Mangal"/>
+        <a:font script="Telu" typeface="Gautami"/>
+        <a:font script="Taml" typeface="Latha"/>
+        <a:font script="Syrc" typeface="Estrangelo Edessa"/>
+        <a:font script="Orya" typeface="Kalinga"/>
+        <a:font script="Mlym" typeface="Kartika"/>
+        <a:font script="Laoo" typeface="DokChampa"/>
+        <a:font script="Sinh" typeface="Iskoola Pota"/>
+        <a:font script="Mong" typeface="Mongolian Baiti"/>
+        <a:font script="Viet" typeface="Times New Roman"/>
+        <a:font script="Uigh" typeface="Microsoft Uighur"/>
+        <a:font script="Geor" typeface="Sylfaen"/>
+      </a:majorFont>
+      <a:minorFont>
+        <a:latin typeface="Calibri"/>
+        <a:ea typeface=""/>
+        <a:cs typeface=""/>
+        <a:font script="Jpan" typeface="ＭＳ Ｐゴシック"/>
+        <a:font script="Hang" typeface="맑은 고딕"/>
+        <a:font script="Hans" typeface="宋体"/>
+        <a:font script="Hant" typeface="新細明體"/>
+        <a:font script="Arab" typeface="Arial"/>
+        <a:font script="Hebr" typeface="Arial"/>
+        <a:font script="Thai" typeface="Cordia New"/>
+        <a:font script="Ethi" typeface="Nyala"/>
+        <a:font script="Beng" typeface="Vrinda"/>
+        <a:font script="Gujr" typeface="Shruti"/>
+        <a:font script="Khmr" typeface="DaunPenh"/>
+        <a:font script="Knda" typeface="Tunga"/>
+        <a:font script="Guru" typeface="Raavi"/>
+        <a:font script="Cans" typeface="Euphemia"/>
+        <a:font script="Cher" typeface="Plantagenet Cherokee"/>
+        <a:font script="Yiii" typeface="Microsoft Yi Baiti"/>
+        <a:font script="Tibt" typeface="Microsoft Himalaya"/>
+        <a:font script="Thaa" typeface="MV Boli"/>
+        <a:font script="Deva" typeface="Mangal"/>
+        <a:font script="Telu" typeface="Gautami"/>
+        <a:font script="Taml" typeface="Latha"/>
+        <a:font script="Syrc" typeface="Estrangelo Edessa"/>
+        <a:font script="Orya" typeface="Kalinga"/>
+        <a:font script="Mlym" typeface="Kartika"/>
+        <a:font script="Laoo" typeface="DokChampa"/>
+        <a:font script="Sinh" typeface="Iskoola Pota"/>
+        <a:font script="Mong" typeface="Mongolian Baiti"/>
+        <a:font script="Viet" typeface="Arial"/>
+        <a:font script="Uigh" typeface="Microsoft Uighur"/>
+        <a:font script="Geor" typeface="Sylfaen"/>
+      </a:minorFont>
+    </a:fontScheme>
+    <a:fmtScheme name="Office">
+      <a:fillStyleLst>
+        <a:solidFill>
+          <a:schemeClr val="phClr"/>
+        </a:solidFill>
+        <a:gradFill rotWithShape="1">
+          <a:gsLst>
+            <a:gs pos="0">
+              <a:schemeClr val="phClr">
+                <a:tint val="50000"/>
+                <a:satMod val="300000"/>
+              </a:schemeClr>
+            </a:gs>
+            <a:gs pos="35000">
+              <a:schemeClr val="phClr">
+                <a:tint val="37000"/>
+                <a:satMod val="300000"/>
+              </a:schemeClr>
+            </a:gs>
+            <a:gs pos="100000">
+              <a:schemeClr val="phClr">
+                <a:tint val="15000"/>
+                <a:satMod val="350000"/>
+              </a:schemeClr>
+            </a:gs>
+          </a:gsLst>
+          <a:lin ang="16200000" scaled="1"/>
+        </a:gradFill>
+        <a:gradFill rotWithShape="1">
+          <a:gsLst>
+            <a:gs pos="0">
+              <a:schemeClr val="phClr">
+                <a:shade val="51000"/>
+                <a:satMod val="130000"/>
+              </a:schemeClr>
+            </a:gs>
+            <a:gs pos="80000">
+              <a:schemeClr val="phClr">
+                <a:shade val="93000"/>
+                <a:satMod val="130000"/>
+              </a:schemeClr>
+            </a:gs>
+            <a:gs pos="100000">
+              <a:schemeClr val="phClr">
+                <a:shade val="94000"/>
+                <a:satMod val="135000"/>
+              </a:schemeClr>
+            </a:gs>
+          </a:gsLst>
+          <a:lin ang="16200000" scaled="0"/>
+        </a:gradFill>
+      </a:fillStyleLst>
+      <a:lnStyleLst>
+        <a:ln w="9525" cap="flat" cmpd="sng" algn="ctr">
+          <a:solidFill>
+            <a:schemeClr val="phClr">
+              <a:shade val="95000"/>
+              <a:satMod val="105000"/>
+            </a:schemeClr>
+          </a:solidFill>
+          <a:prstDash val="solid"/>
+        </a:ln>
+        <a:ln w="25400" cap="flat" cmpd="sng" algn="ctr">
+          <a:solidFill>
+            <a:schemeClr val="phClr"/>
+          </a:solidFill>
+          <a:prstDash val="solid"/>
+        </a:ln>
+        <a:ln w="38100" cap="flat" cmpd="sng" algn="ctr">
+          <a:solidFill>
+            <a:schemeClr val="phClr"/>
+          </a:solidFill>
+          <a:prstDash val="solid"/>
+        </a:ln>
+      </a:lnStyleLst>
+      <a:effectStyleLst>
+        <a:effectStyle>
+          <a:effectLst>
+            <a:outerShdw blurRad="40000" dist="20000" dir="5400000" rotWithShape="0">
+              <a:srgbClr val="000000">
+                <a:alpha val="38000"/>
+              </a:srgbClr>
+            </a:outerShdw>
+          </a:effectLst>
+        </a:effectStyle>
+        <a:effectStyle>
+          <a:effectLst>
+            <a:outerShdw blurRad="40000" dist="23000" dir="5400000" rotWithShape="0">
+              <a:srgbClr val="000000">
+                <a:alpha val="35000"/>
+              </a:srgbClr>
+            </a:outerShdw>
+          </a:effectLst>
+        </a:effectStyle>
+        <a:effectStyle>
+          <a:effectLst>
+            <a:outerShdw blurRad="40000" dist="23000" dir="5400000" rotWithShape="0">
+              <a:srgbClr val="000000">
+                <a:alpha val="35000"/>
+              </a:srgbClr>
+            </a:outerShdw>
+          </a:effectLst>
+          <a:scene3d>
+            <a:camera prst="orthographicFront">
+              <a:rot lat="0" lon="0" rev="0"/>
+            </a:camera>
+            <a:lightRig rig="threePt" dir="t">
+              <a:rot lat="0" lon="0" rev="1200000"/>
+            </a:lightRig>
+          </a:scene3d>
+          <a:sp3d>
+            <a:bevelT w="63500" h="25400"/>
+          </a:sp3d>
+        </a:effectStyle>
+      </a:effectStyleLst>
+      <a:bgFillStyleLst>
+        <a:solidFill>
+          <a:schemeClr val="phClr"/>
+        </a:solidFill>
+        <a:gradFill rotWithShape="1">
+          <a:gsLst>
+            <a:gs pos="0">
+              <a:schemeClr val="phClr">
+                <a:tint val="40000"/>
+                <a:satMod val="350000"/>
+              </a:schemeClr>
+            </a:gs>
+            <a:gs pos="40000">
+              <a:schemeClr val="phClr">
+                <a:tint val="45000"/>
+                <a:shade val="99000"/>
+                <a:satMod val="350000"/>
+              </a:schemeClr>
+            </a:gs>
+            <a:gs pos="100000">
+              <a:schemeClr val="phClr">
+                <a:shade val="20000"/>
+                <a:satMod val="255000"/>
+              </a:schemeClr>
+            </a:gs>
+          </a:gsLst>
+          <a:path path="circle">
+            <a:fillToRect l="50000" t="-80000" r="50000" b="180000"/>
+          </a:path>
+        </a:gradFill>
+        <a:gradFill rotWithShape="1">
+          <a:gsLst>
+            <a:gs pos="0">
+              <a:schemeClr val="phClr">
+                <a:tint val="80000"/>
+                <a:satMod val="300000"/>
+              </a:schemeClr>
+            </a:gs>
+            <a:gs pos="100000">
+              <a:schemeClr val="phClr">
+                <a:shade val="30000"/>
+                <a:satMod val="200000"/>
+              </a:schemeClr>
+            </a:gs>
+          </a:gsLst>
+          <a:path path="circle">
+            <a:fillToRect l="50000" t="50000" r="50000" b="50000"/>
+          </a:path>
+        </a:gradFill>
+      </a:bgFillStyleLst>
+    </a:fmtScheme>
+  </a:themeElements>
+  <a:objectDefaults/>
+  <a:extraClrSchemeLst/>
+</a:theme>
 </file>
--- a/Cloud Box_ppt.pptx
+++ b/Cloud Box_ppt.pptx
@@ -182,37 +182,37 @@
               <c:formatCode>#,##0_ "hrs"</c:formatCode>
               <c:ptCount val="11"/>
               <c:pt idx="0">
-                <c:v>0</c:v>
+                <c:v>0.0</c:v>
               </c:pt>
               <c:pt idx="1">
-                <c:v>0</c:v>
+                <c:v>0.0</c:v>
               </c:pt>
               <c:pt idx="2">
-                <c:v>124</c:v>
+                <c:v>124.0</c:v>
               </c:pt>
               <c:pt idx="3">
-                <c:v>120</c:v>
+                <c:v>120.0</c:v>
               </c:pt>
               <c:pt idx="4">
-                <c:v>0</c:v>
+                <c:v>0.0</c:v>
               </c:pt>
               <c:pt idx="5">
-                <c:v>0</c:v>
+                <c:v>0.0</c:v>
               </c:pt>
               <c:pt idx="6">
-                <c:v>0</c:v>
+                <c:v>0.0</c:v>
               </c:pt>
               <c:pt idx="7">
-                <c:v>0</c:v>
+                <c:v>0.0</c:v>
               </c:pt>
               <c:pt idx="8">
-                <c:v>0</c:v>
+                <c:v>0.0</c:v>
               </c:pt>
               <c:pt idx="9">
-                <c:v>32</c:v>
+                <c:v>32.0</c:v>
               </c:pt>
               <c:pt idx="10">
-                <c:v>16</c:v>
+                <c:v>16.0</c:v>
               </c:pt>
             </c:numLit>
           </c:val>
@@ -255,37 +255,37 @@
               <c:formatCode>#,##0_ "hrs"</c:formatCode>
               <c:ptCount val="11"/>
               <c:pt idx="0">
-                <c:v>0</c:v>
+                <c:v>0.0</c:v>
               </c:pt>
               <c:pt idx="1">
-                <c:v>0</c:v>
+                <c:v>0.0</c:v>
               </c:pt>
               <c:pt idx="2">
-                <c:v>288.63333333333338</c:v>
+                <c:v>288.6333333333334</c:v>
               </c:pt>
               <c:pt idx="3">
-                <c:v>265.63333333333338</c:v>
+                <c:v>265.6333333333334</c:v>
               </c:pt>
               <c:pt idx="4">
-                <c:v>0</c:v>
+                <c:v>0.0</c:v>
               </c:pt>
               <c:pt idx="5">
-                <c:v>0</c:v>
+                <c:v>0.0</c:v>
               </c:pt>
               <c:pt idx="6">
-                <c:v>0</c:v>
+                <c:v>0.0</c:v>
               </c:pt>
               <c:pt idx="7">
-                <c:v>0</c:v>
+                <c:v>0.0</c:v>
               </c:pt>
               <c:pt idx="8">
-                <c:v>0</c:v>
+                <c:v>0.0</c:v>
               </c:pt>
               <c:pt idx="9">
-                <c:v>276.63333333333338</c:v>
+                <c:v>276.6333333333334</c:v>
               </c:pt>
               <c:pt idx="10">
-                <c:v>292.63333333333338</c:v>
+                <c:v>292.6333333333334</c:v>
               </c:pt>
             </c:numLit>
           </c:val>
@@ -300,8 +300,8 @@
         </c:dLbls>
         <c:gapWidth val="219"/>
         <c:overlap val="100"/>
-        <c:axId val="68019328"/>
-        <c:axId val="68021248"/>
+        <c:axId val="2129618632"/>
+        <c:axId val="2129621832"/>
       </c:barChart>
       <c:lineChart>
         <c:grouping val="standard"/>
@@ -358,37 +358,37 @@
               <c:formatCode>#,##0_ "hrs"</c:formatCode>
               <c:ptCount val="11"/>
               <c:pt idx="0">
-                <c:v>0</c:v>
+                <c:v>0.0</c:v>
               </c:pt>
               <c:pt idx="1">
-                <c:v>0</c:v>
+                <c:v>0.0</c:v>
               </c:pt>
               <c:pt idx="2">
-                <c:v>0</c:v>
+                <c:v>0.0</c:v>
               </c:pt>
               <c:pt idx="3">
-                <c:v>0</c:v>
+                <c:v>0.0</c:v>
               </c:pt>
               <c:pt idx="4">
-                <c:v>0</c:v>
+                <c:v>0.0</c:v>
               </c:pt>
               <c:pt idx="5">
-                <c:v>0</c:v>
+                <c:v>0.0</c:v>
               </c:pt>
               <c:pt idx="6">
-                <c:v>0</c:v>
+                <c:v>0.0</c:v>
               </c:pt>
               <c:pt idx="7">
-                <c:v>0</c:v>
+                <c:v>0.0</c:v>
               </c:pt>
               <c:pt idx="8">
-                <c:v>0</c:v>
+                <c:v>0.0</c:v>
               </c:pt>
               <c:pt idx="9">
-                <c:v>0</c:v>
+                <c:v>0.0</c:v>
               </c:pt>
               <c:pt idx="10">
-                <c:v>0</c:v>
+                <c:v>0.0</c:v>
               </c:pt>
             </c:numLit>
           </c:val>
@@ -404,11 +404,11 @@
         </c:dLbls>
         <c:marker val="1"/>
         <c:smooth val="0"/>
-        <c:axId val="68019328"/>
-        <c:axId val="68021248"/>
+        <c:axId val="2129618632"/>
+        <c:axId val="2129621832"/>
       </c:lineChart>
       <c:catAx>
-        <c:axId val="68019328"/>
+        <c:axId val="2129618632"/>
         <c:scaling>
           <c:orientation val="minMax"/>
         </c:scaling>
@@ -451,7 +451,7 @@
             <a:endParaRPr lang="en-US"/>
           </a:p>
         </c:txPr>
-        <c:crossAx val="68021248"/>
+        <c:crossAx val="2129621832"/>
         <c:crosses val="autoZero"/>
         <c:auto val="1"/>
         <c:lblAlgn val="ctr"/>
@@ -459,7 +459,7 @@
         <c:noMultiLvlLbl val="0"/>
       </c:catAx>
       <c:valAx>
-        <c:axId val="68021248"/>
+        <c:axId val="2129621832"/>
         <c:scaling>
           <c:orientation val="minMax"/>
         </c:scaling>
@@ -510,7 +510,7 @@
             <a:endParaRPr lang="en-US"/>
           </a:p>
         </c:txPr>
-        <c:crossAx val="68019328"/>
+        <c:crossAx val="2129618632"/>
         <c:crosses val="autoZero"/>
         <c:crossBetween val="between"/>
       </c:valAx>
@@ -672,7 +672,7 @@
           <a:p>
             <a:fld id="{95BF0C08-FCD6-43F3-82F6-83D8E9FE6A7C}" type="datetimeFigureOut">
               <a:rPr lang="en-US" smtClean="0"/>
-              <a:t>7/9/2014</a:t>
+              <a:t>2014-07-09</a:t>
             </a:fld>
             <a:endParaRPr lang="en-US"/>
           </a:p>
@@ -1362,7 +1362,7 @@
           <a:p>
             <a:fld id="{98F748B1-DC6F-4870-8D1C-AA1B251EDBCA}" type="datetimeFigureOut">
               <a:rPr lang="en-CA" smtClean="0"/>
-              <a:t>09/07/2014</a:t>
+              <a:t>2014-07-09</a:t>
             </a:fld>
             <a:endParaRPr lang="en-CA"/>
           </a:p>
@@ -1453,7 +1453,7 @@
   <p:timing>
     <p:tnLst>
       <p:par>
-        <p:cTn id="1" dur="indefinite" restart="never" nodeType="tmRoot"/>
+        <p:cTn xmlns:p14="http://schemas.microsoft.com/office/powerpoint/2010/main" id="1" dur="indefinite" restart="never" nodeType="tmRoot"/>
       </p:par>
     </p:tnLst>
   </p:timing>
@@ -1574,7 +1574,7 @@
           <a:p>
             <a:fld id="{98F748B1-DC6F-4870-8D1C-AA1B251EDBCA}" type="datetimeFigureOut">
               <a:rPr lang="en-CA" smtClean="0"/>
-              <a:t>09/07/2014</a:t>
+              <a:t>2014-07-09</a:t>
             </a:fld>
             <a:endParaRPr lang="en-CA"/>
           </a:p>
@@ -1630,7 +1630,7 @@
   <p:timing>
     <p:tnLst>
       <p:par>
-        <p:cTn id="1" dur="indefinite" restart="never" nodeType="tmRoot"/>
+        <p:cTn xmlns:p14="http://schemas.microsoft.com/office/powerpoint/2010/main" id="1" dur="indefinite" restart="never" nodeType="tmRoot"/>
       </p:par>
     </p:tnLst>
   </p:timing>
@@ -1761,7 +1761,7 @@
           <a:p>
             <a:fld id="{98F748B1-DC6F-4870-8D1C-AA1B251EDBCA}" type="datetimeFigureOut">
               <a:rPr lang="en-CA" smtClean="0"/>
-              <a:t>09/07/2014</a:t>
+              <a:t>2014-07-09</a:t>
             </a:fld>
             <a:endParaRPr lang="en-CA"/>
           </a:p>
@@ -1817,7 +1817,7 @@
   <p:timing>
     <p:tnLst>
       <p:par>
-        <p:cTn id="1" dur="indefinite" restart="never" nodeType="tmRoot"/>
+        <p:cTn xmlns:p14="http://schemas.microsoft.com/office/powerpoint/2010/main" id="1" dur="indefinite" restart="never" nodeType="tmRoot"/>
       </p:par>
     </p:tnLst>
   </p:timing>
@@ -1858,7 +1858,7 @@
           <a:p>
             <a:fld id="{98F748B1-DC6F-4870-8D1C-AA1B251EDBCA}" type="datetimeFigureOut">
               <a:rPr lang="en-CA" smtClean="0"/>
-              <a:t>09/07/2014</a:t>
+              <a:t>2014-07-09</a:t>
             </a:fld>
             <a:endParaRPr lang="en-CA"/>
           </a:p>
@@ -1994,7 +1994,7 @@
   <p:timing>
     <p:tnLst>
       <p:par>
-        <p:cTn id="1" dur="indefinite" restart="never" nodeType="tmRoot"/>
+        <p:cTn xmlns:p14="http://schemas.microsoft.com/office/powerpoint/2010/main" id="1" dur="indefinite" restart="never" nodeType="tmRoot"/>
       </p:par>
     </p:tnLst>
   </p:timing>
@@ -2454,7 +2454,7 @@
           <a:p>
             <a:fld id="{98F748B1-DC6F-4870-8D1C-AA1B251EDBCA}" type="datetimeFigureOut">
               <a:rPr lang="en-CA" smtClean="0"/>
-              <a:t>09/07/2014</a:t>
+              <a:t>2014-07-09</a:t>
             </a:fld>
             <a:endParaRPr lang="en-CA"/>
           </a:p>
@@ -2510,7 +2510,7 @@
   <p:timing>
     <p:tnLst>
       <p:par>
-        <p:cTn id="1" dur="indefinite" restart="never" nodeType="tmRoot"/>
+        <p:cTn xmlns:p14="http://schemas.microsoft.com/office/powerpoint/2010/main" id="1" dur="indefinite" restart="never" nodeType="tmRoot"/>
       </p:par>
     </p:tnLst>
   </p:timing>
@@ -2551,7 +2551,7 @@
           <a:p>
             <a:fld id="{98F748B1-DC6F-4870-8D1C-AA1B251EDBCA}" type="datetimeFigureOut">
               <a:rPr lang="en-CA" smtClean="0"/>
-              <a:t>09/07/2014</a:t>
+              <a:t>2014-07-09</a:t>
             </a:fld>
             <a:endParaRPr lang="en-CA"/>
           </a:p>
@@ -2744,7 +2744,7 @@
   <p:timing>
     <p:tnLst>
       <p:par>
-        <p:cTn id="1" dur="indefinite" restart="never" nodeType="tmRoot"/>
+        <p:cTn xmlns:p14="http://schemas.microsoft.com/office/powerpoint/2010/main" id="1" dur="indefinite" restart="never" nodeType="tmRoot"/>
       </p:par>
     </p:tnLst>
   </p:timing>
@@ -3156,7 +3156,7 @@
           <a:p>
             <a:fld id="{98F748B1-DC6F-4870-8D1C-AA1B251EDBCA}" type="datetimeFigureOut">
               <a:rPr lang="en-CA" smtClean="0"/>
-              <a:t>09/07/2014</a:t>
+              <a:t>2014-07-09</a:t>
             </a:fld>
             <a:endParaRPr lang="en-CA"/>
           </a:p>
@@ -3235,7 +3235,7 @@
   <p:timing>
     <p:tnLst>
       <p:par>
-        <p:cTn id="1" dur="indefinite" restart="never" nodeType="tmRoot"/>
+        <p:cTn xmlns:p14="http://schemas.microsoft.com/office/powerpoint/2010/main" id="1" dur="indefinite" restart="never" nodeType="tmRoot"/>
       </p:par>
     </p:tnLst>
   </p:timing>
@@ -3299,7 +3299,7 @@
           <a:p>
             <a:fld id="{98F748B1-DC6F-4870-8D1C-AA1B251EDBCA}" type="datetimeFigureOut">
               <a:rPr lang="en-CA" smtClean="0"/>
-              <a:t>09/07/2014</a:t>
+              <a:t>2014-07-09</a:t>
             </a:fld>
             <a:endParaRPr lang="en-CA"/>
           </a:p>
@@ -3355,7 +3355,7 @@
   <p:timing>
     <p:tnLst>
       <p:par>
-        <p:cTn id="1" dur="indefinite" restart="never" nodeType="tmRoot"/>
+        <p:cTn xmlns:p14="http://schemas.microsoft.com/office/powerpoint/2010/main" id="1" dur="indefinite" restart="never" nodeType="tmRoot"/>
       </p:par>
     </p:tnLst>
   </p:timing>
@@ -3396,7 +3396,7 @@
           <a:p>
             <a:fld id="{98F748B1-DC6F-4870-8D1C-AA1B251EDBCA}" type="datetimeFigureOut">
               <a:rPr lang="en-CA" smtClean="0"/>
-              <a:t>09/07/2014</a:t>
+              <a:t>2014-07-09</a:t>
             </a:fld>
             <a:endParaRPr lang="en-CA"/>
           </a:p>
@@ -3452,7 +3452,7 @@
   <p:timing>
     <p:tnLst>
       <p:par>
-        <p:cTn id="1" dur="indefinite" restart="never" nodeType="tmRoot"/>
+        <p:cTn xmlns:p14="http://schemas.microsoft.com/office/powerpoint/2010/main" id="1" dur="indefinite" restart="never" nodeType="tmRoot"/>
       </p:par>
     </p:tnLst>
   </p:timing>
@@ -3680,7 +3680,7 @@
           <a:p>
             <a:fld id="{98F748B1-DC6F-4870-8D1C-AA1B251EDBCA}" type="datetimeFigureOut">
               <a:rPr lang="en-CA" smtClean="0"/>
-              <a:t>09/07/2014</a:t>
+              <a:t>2014-07-09</a:t>
             </a:fld>
             <a:endParaRPr lang="en-CA"/>
           </a:p>
@@ -3736,7 +3736,7 @@
   <p:timing>
     <p:tnLst>
       <p:par>
-        <p:cTn id="1" dur="indefinite" restart="never" nodeType="tmRoot"/>
+        <p:cTn xmlns:p14="http://schemas.microsoft.com/office/powerpoint/2010/main" id="1" dur="indefinite" restart="never" nodeType="tmRoot"/>
       </p:par>
     </p:tnLst>
   </p:timing>
@@ -4202,7 +4202,7 @@
           <a:p>
             <a:fld id="{98F748B1-DC6F-4870-8D1C-AA1B251EDBCA}" type="datetimeFigureOut">
               <a:rPr lang="en-CA" smtClean="0"/>
-              <a:t>09/07/2014</a:t>
+              <a:t>2014-07-09</a:t>
             </a:fld>
             <a:endParaRPr lang="en-CA"/>
           </a:p>
@@ -4292,7 +4292,7 @@
   <p:timing>
     <p:tnLst>
       <p:par>
-        <p:cTn id="1" dur="indefinite" restart="never" nodeType="tmRoot"/>
+        <p:cTn xmlns:p14="http://schemas.microsoft.com/office/powerpoint/2010/main" id="1" dur="indefinite" restart="never" nodeType="tmRoot"/>
       </p:par>
     </p:tnLst>
   </p:timing>
@@ -4722,7 +4722,7 @@
           <a:p>
             <a:fld id="{98F748B1-DC6F-4870-8D1C-AA1B251EDBCA}" type="datetimeFigureOut">
               <a:rPr lang="en-CA" smtClean="0"/>
-              <a:t>09/07/2014</a:t>
+              <a:t>2014-07-09</a:t>
             </a:fld>
             <a:endParaRPr lang="en-CA"/>
           </a:p>
@@ -4827,7 +4827,7 @@
   <p:timing>
     <p:tnLst>
       <p:par>
-        <p:cTn id="1" dur="indefinite" restart="never" nodeType="tmRoot"/>
+        <p:cTn xmlns:p14="http://schemas.microsoft.com/office/powerpoint/2010/main" id="1" dur="indefinite" restart="never" nodeType="tmRoot"/>
       </p:par>
     </p:tnLst>
   </p:timing>
@@ -5570,7 +5570,7 @@
   <p:timing>
     <p:tnLst>
       <p:par>
-        <p:cTn id="1" dur="indefinite" restart="never" nodeType="tmRoot"/>
+        <p:cTn xmlns:p14="http://schemas.microsoft.com/office/powerpoint/2010/main" id="1" dur="indefinite" restart="never" nodeType="tmRoot"/>
       </p:par>
     </p:tnLst>
   </p:timing>
@@ -5643,36 +5643,42 @@
         </p:spPr>
         <p:txBody>
           <a:bodyPr>
-            <a:normAutofit fontScale="92500"/>
+            <a:normAutofit fontScale="92500" lnSpcReduction="20000"/>
           </a:bodyPr>
           <a:lstStyle/>
           <a:p>
             <a:r>
-              <a:rPr lang="en-CA" dirty="0" smtClean="0"/>
+              <a:rPr lang="en-CA" dirty="0"/>
               <a:t>Sockets are used for communication between nodes.</a:t>
             </a:r>
           </a:p>
           <a:p>
             <a:r>
-              <a:rPr lang="en-CA" dirty="0" smtClean="0"/>
-              <a:t>Communication between nodes is asynchronous.</a:t>
-            </a:r>
-          </a:p>
-          <a:p>
-            <a:r>
-              <a:rPr lang="en-CA" dirty="0" smtClean="0"/>
-              <a:t>Multithreading used for creating sockets.</a:t>
-            </a:r>
-          </a:p>
-          <a:p>
-            <a:r>
-              <a:rPr lang="en-CA" dirty="0" smtClean="0"/>
+              <a:rPr lang="en-CA" dirty="0"/>
+              <a:t>Communication between servers is asynchronous.</a:t>
+            </a:r>
+          </a:p>
+          <a:p>
+            <a:r>
+              <a:rPr lang="en-CA" dirty="0"/>
+              <a:t>Communication between client and server is synchronous.</a:t>
+            </a:r>
+          </a:p>
+          <a:p>
+            <a:r>
+              <a:rPr lang="en-CA" dirty="0"/>
+              <a:t>Multithreading in server and single thread in client.</a:t>
+            </a:r>
+          </a:p>
+          <a:p>
+            <a:r>
+              <a:rPr lang="en-CA" dirty="0"/>
               <a:t>Client communicates with one server when accesses the same file.</a:t>
             </a:r>
           </a:p>
           <a:p>
             <a:r>
-              <a:rPr lang="en-CA" dirty="0" smtClean="0"/>
+              <a:rPr lang="en-CA" dirty="0"/>
               <a:t>One service server communicate with all other servers for message passing and only transfer data to backup servers.</a:t>
             </a:r>
           </a:p>
@@ -5800,14 +5806,14 @@
               <a:noFill/>
             </a:ln>
             <a:extLst>
-              <a:ext uri="{909E8E84-426E-40DD-AFC4-6F175D3DCCD1}">
+              <a:ext uri="{909E8E84-426E-40dd-AFC4-6F175D3DCCD1}">
                 <a14:hiddenFill xmlns:a14="http://schemas.microsoft.com/office/drawing/2010/main">
                   <a:solidFill>
                     <a:schemeClr val="accent1"/>
                   </a:solidFill>
                 </a14:hiddenFill>
               </a:ext>
-              <a:ext uri="{91240B29-F687-4F45-9708-019B960494DF}">
+              <a:ext uri="{91240B29-F687-4f45-9708-019B960494DF}">
                 <a14:hiddenLine xmlns:a14="http://schemas.microsoft.com/office/drawing/2010/main" w="9525">
                   <a:solidFill>
                     <a:schemeClr val="tx1"/>
@@ -5834,7 +5840,7 @@
   <p:timing>
     <p:tnLst>
       <p:par>
-        <p:cTn id="1" dur="indefinite" restart="never" nodeType="tmRoot"/>
+        <p:cTn xmlns:p14="http://schemas.microsoft.com/office/powerpoint/2010/main" id="1" dur="indefinite" restart="never" nodeType="tmRoot"/>
       </p:par>
     </p:tnLst>
   </p:timing>
@@ -5941,7 +5947,6 @@
               <a:rPr lang="en-CA" sz="2000" dirty="0"/>
               <a:t>Select service server to provide service according to both responding time and current work load of server.</a:t>
             </a:r>
-            <a:endParaRPr lang="en-CA" sz="2000" dirty="0"/>
           </a:p>
           <a:p>
             <a:pPr lvl="1"/>
@@ -6071,14 +6076,14 @@
               <a:noFill/>
             </a:ln>
             <a:extLst>
-              <a:ext uri="{909E8E84-426E-40DD-AFC4-6F175D3DCCD1}">
+              <a:ext uri="{909E8E84-426E-40dd-AFC4-6F175D3DCCD1}">
                 <a14:hiddenFill xmlns:a14="http://schemas.microsoft.com/office/drawing/2010/main">
                   <a:solidFill>
                     <a:schemeClr val="accent1"/>
                   </a:solidFill>
                 </a14:hiddenFill>
               </a:ext>
-              <a:ext uri="{91240B29-F687-4F45-9708-019B960494DF}">
+              <a:ext uri="{91240B29-F687-4f45-9708-019B960494DF}">
                 <a14:hiddenLine xmlns:a14="http://schemas.microsoft.com/office/drawing/2010/main" w="9525">
                   <a:solidFill>
                     <a:schemeClr val="tx1"/>
@@ -6105,7 +6110,7 @@
   <p:timing>
     <p:tnLst>
       <p:par>
-        <p:cTn id="1" dur="indefinite" restart="never" nodeType="tmRoot"/>
+        <p:cTn xmlns:p14="http://schemas.microsoft.com/office/powerpoint/2010/main" id="1" dur="indefinite" restart="never" nodeType="tmRoot"/>
       </p:par>
     </p:tnLst>
   </p:timing>
@@ -6280,7 +6285,6 @@
               <a:rPr lang="en-CA" dirty="0" smtClean="0"/>
               <a:t>/Git</a:t>
             </a:r>
-            <a:endParaRPr lang="en-CA" dirty="0" smtClean="0"/>
           </a:p>
           <a:p>
             <a:pPr marL="45720" indent="0">
@@ -6418,14 +6422,14 @@
               <a:noFill/>
             </a:ln>
             <a:extLst>
-              <a:ext uri="{909E8E84-426E-40DD-AFC4-6F175D3DCCD1}">
+              <a:ext uri="{909E8E84-426E-40dd-AFC4-6F175D3DCCD1}">
                 <a14:hiddenFill xmlns:a14="http://schemas.microsoft.com/office/drawing/2010/main">
                   <a:solidFill>
                     <a:schemeClr val="accent1"/>
                   </a:solidFill>
                 </a14:hiddenFill>
               </a:ext>
-              <a:ext uri="{91240B29-F687-4F45-9708-019B960494DF}">
+              <a:ext uri="{91240B29-F687-4f45-9708-019B960494DF}">
                 <a14:hiddenLine xmlns:a14="http://schemas.microsoft.com/office/drawing/2010/main" w="9525">
                   <a:solidFill>
                     <a:schemeClr val="tx1"/>
@@ -6452,7 +6456,7 @@
   <p:timing>
     <p:tnLst>
       <p:par>
-        <p:cTn id="1" dur="indefinite" restart="never" nodeType="tmRoot"/>
+        <p:cTn xmlns:p14="http://schemas.microsoft.com/office/powerpoint/2010/main" id="1" dur="indefinite" restart="never" nodeType="tmRoot"/>
       </p:par>
     </p:tnLst>
   </p:timing>
@@ -6583,14 +6587,14 @@
               <a:noFill/>
             </a:ln>
             <a:extLst>
-              <a:ext uri="{909E8E84-426E-40DD-AFC4-6F175D3DCCD1}">
+              <a:ext uri="{909E8E84-426E-40dd-AFC4-6F175D3DCCD1}">
                 <a14:hiddenFill xmlns:a14="http://schemas.microsoft.com/office/drawing/2010/main">
                   <a:solidFill>
                     <a:schemeClr val="accent1"/>
                   </a:solidFill>
                 </a14:hiddenFill>
               </a:ext>
-              <a:ext uri="{91240B29-F687-4F45-9708-019B960494DF}">
+              <a:ext uri="{91240B29-F687-4f45-9708-019B960494DF}">
                 <a14:hiddenLine xmlns:a14="http://schemas.microsoft.com/office/drawing/2010/main" w="9525">
                   <a:solidFill>
                     <a:schemeClr val="tx1"/>
@@ -6635,14 +6639,14 @@
               <a:noFill/>
             </a:ln>
             <a:extLst>
-              <a:ext uri="{909E8E84-426E-40DD-AFC4-6F175D3DCCD1}">
+              <a:ext uri="{909E8E84-426E-40dd-AFC4-6F175D3DCCD1}">
                 <a14:hiddenFill xmlns:a14="http://schemas.microsoft.com/office/drawing/2010/main">
                   <a:solidFill>
                     <a:schemeClr val="accent1"/>
                   </a:solidFill>
                 </a14:hiddenFill>
               </a:ext>
-              <a:ext uri="{91240B29-F687-4F45-9708-019B960494DF}">
+              <a:ext uri="{91240B29-F687-4f45-9708-019B960494DF}">
                 <a14:hiddenLine xmlns:a14="http://schemas.microsoft.com/office/drawing/2010/main" w="9525">
                   <a:solidFill>
                     <a:schemeClr val="tx1"/>
@@ -6778,14 +6782,14 @@
               <a:noFill/>
             </a:ln>
             <a:extLst>
-              <a:ext uri="{909E8E84-426E-40DD-AFC4-6F175D3DCCD1}">
+              <a:ext uri="{909E8E84-426E-40dd-AFC4-6F175D3DCCD1}">
                 <a14:hiddenFill xmlns:a14="http://schemas.microsoft.com/office/drawing/2010/main">
                   <a:solidFill>
                     <a:schemeClr val="accent1"/>
                   </a:solidFill>
                 </a14:hiddenFill>
               </a:ext>
-              <a:ext uri="{91240B29-F687-4F45-9708-019B960494DF}">
+              <a:ext uri="{91240B29-F687-4f45-9708-019B960494DF}">
                 <a14:hiddenLine xmlns:a14="http://schemas.microsoft.com/office/drawing/2010/main" w="9525">
                   <a:solidFill>
                     <a:schemeClr val="tx1"/>
@@ -6812,7 +6816,7 @@
   <p:timing>
     <p:tnLst>
       <p:par>
-        <p:cTn id="1" dur="indefinite" restart="never" nodeType="tmRoot"/>
+        <p:cTn xmlns:p14="http://schemas.microsoft.com/office/powerpoint/2010/main" id="1" dur="indefinite" restart="never" nodeType="tmRoot"/>
       </p:par>
     </p:tnLst>
   </p:timing>
@@ -6933,7 +6937,7 @@
         </p:nvGraphicFramePr>
         <p:xfrm>
           <a:off x="5010727" y="1286593"/>
-          <a:ext cx="4025769" cy="3983676"/>
+          <a:ext cx="4025769" cy="3983583"/>
         </p:xfrm>
         <a:graphic>
           <a:graphicData uri="http://schemas.openxmlformats.org/drawingml/2006/table">
@@ -8318,14 +8322,14 @@
           </a:ln>
           <a:effectLst/>
           <a:extLst>
-            <a:ext uri="{909E8E84-426E-40DD-AFC4-6F175D3DCCD1}">
+            <a:ext uri="{909E8E84-426E-40dd-AFC4-6F175D3DCCD1}">
               <a14:hiddenFill xmlns:a14="http://schemas.microsoft.com/office/drawing/2010/main">
                 <a:solidFill>
                   <a:schemeClr val="accent1"/>
                 </a:solidFill>
               </a14:hiddenFill>
             </a:ext>
-            <a:ext uri="{91240B29-F687-4F45-9708-019B960494DF}">
+            <a:ext uri="{91240B29-F687-4f45-9708-019B960494DF}">
               <a14:hiddenLine xmlns:a14="http://schemas.microsoft.com/office/drawing/2010/main" w="9525">
                 <a:solidFill>
                   <a:schemeClr val="tx1"/>
@@ -8335,7 +8339,7 @@
                 <a:tailEnd/>
               </a14:hiddenLine>
             </a:ext>
-            <a:ext uri="{AF507438-7753-43E0-B8FC-AC1667EBCBE1}">
+            <a:ext uri="{AF507438-7753-43e0-B8FC-AC1667EBCBE1}">
               <a14:hiddenEffects xmlns:a14="http://schemas.microsoft.com/office/drawing/2010/main">
                 <a:effectLst>
                   <a:outerShdw dist="35921" dir="2700000" algn="ctr" rotWithShape="0">
@@ -8507,14 +8511,14 @@
               <a:noFill/>
             </a:ln>
             <a:extLst>
-              <a:ext uri="{909E8E84-426E-40DD-AFC4-6F175D3DCCD1}">
+              <a:ext uri="{909E8E84-426E-40dd-AFC4-6F175D3DCCD1}">
                 <a14:hiddenFill xmlns:a14="http://schemas.microsoft.com/office/drawing/2010/main">
                   <a:solidFill>
                     <a:schemeClr val="accent1"/>
                   </a:solidFill>
                 </a14:hiddenFill>
               </a:ext>
-              <a:ext uri="{91240B29-F687-4F45-9708-019B960494DF}">
+              <a:ext uri="{91240B29-F687-4f45-9708-019B960494DF}">
                 <a14:hiddenLine xmlns:a14="http://schemas.microsoft.com/office/drawing/2010/main" w="9525">
                   <a:solidFill>
                     <a:schemeClr val="tx1"/>
@@ -8541,7 +8545,7 @@
   <p:timing>
     <p:tnLst>
       <p:par>
-        <p:cTn id="1" dur="indefinite" restart="never" nodeType="tmRoot"/>
+        <p:cTn xmlns:p14="http://schemas.microsoft.com/office/powerpoint/2010/main" id="1" dur="indefinite" restart="never" nodeType="tmRoot"/>
       </p:par>
     </p:tnLst>
   </p:timing>
@@ -8781,14 +8785,14 @@
               <a:noFill/>
             </a:ln>
             <a:extLst>
-              <a:ext uri="{909E8E84-426E-40DD-AFC4-6F175D3DCCD1}">
+              <a:ext uri="{909E8E84-426E-40dd-AFC4-6F175D3DCCD1}">
                 <a14:hiddenFill xmlns:a14="http://schemas.microsoft.com/office/drawing/2010/main">
                   <a:solidFill>
                     <a:schemeClr val="accent1"/>
                   </a:solidFill>
                 </a14:hiddenFill>
               </a:ext>
-              <a:ext uri="{91240B29-F687-4F45-9708-019B960494DF}">
+              <a:ext uri="{91240B29-F687-4f45-9708-019B960494DF}">
                 <a14:hiddenLine xmlns:a14="http://schemas.microsoft.com/office/drawing/2010/main" w="9525">
                   <a:solidFill>
                     <a:schemeClr val="tx1"/>
@@ -8815,7 +8819,7 @@
   <p:timing>
     <p:tnLst>
       <p:par>
-        <p:cTn id="1" dur="indefinite" restart="never" nodeType="tmRoot"/>
+        <p:cTn xmlns:p14="http://schemas.microsoft.com/office/powerpoint/2010/main" id="1" dur="indefinite" restart="never" nodeType="tmRoot"/>
       </p:par>
     </p:tnLst>
   </p:timing>
@@ -9096,14 +9100,14 @@
               <a:noFill/>
             </a:ln>
             <a:extLst>
-              <a:ext uri="{909E8E84-426E-40DD-AFC4-6F175D3DCCD1}">
+              <a:ext uri="{909E8E84-426E-40dd-AFC4-6F175D3DCCD1}">
                 <a14:hiddenFill xmlns:a14="http://schemas.microsoft.com/office/drawing/2010/main">
                   <a:solidFill>
                     <a:schemeClr val="accent1"/>
                   </a:solidFill>
                 </a14:hiddenFill>
               </a:ext>
-              <a:ext uri="{91240B29-F687-4F45-9708-019B960494DF}">
+              <a:ext uri="{91240B29-F687-4f45-9708-019B960494DF}">
                 <a14:hiddenLine xmlns:a14="http://schemas.microsoft.com/office/drawing/2010/main" w="9525">
                   <a:solidFill>
                     <a:schemeClr val="tx1"/>
@@ -9130,7 +9134,7 @@
   <p:timing>
     <p:tnLst>
       <p:par>
-        <p:cTn id="1" dur="indefinite" restart="never" nodeType="tmRoot"/>
+        <p:cTn xmlns:p14="http://schemas.microsoft.com/office/powerpoint/2010/main" id="1" dur="indefinite" restart="never" nodeType="tmRoot"/>
       </p:par>
     </p:tnLst>
   </p:timing>
@@ -9276,14 +9280,14 @@
           </a:ln>
           <a:effectLst/>
           <a:extLst>
-            <a:ext uri="{909E8E84-426E-40DD-AFC4-6F175D3DCCD1}">
+            <a:ext uri="{909E8E84-426E-40dd-AFC4-6F175D3DCCD1}">
               <a14:hiddenFill xmlns:a14="http://schemas.microsoft.com/office/drawing/2010/main">
                 <a:solidFill>
                   <a:schemeClr val="accent1"/>
                 </a:solidFill>
               </a14:hiddenFill>
             </a:ext>
-            <a:ext uri="{91240B29-F687-4F45-9708-019B960494DF}">
+            <a:ext uri="{91240B29-F687-4f45-9708-019B960494DF}">
               <a14:hiddenLine xmlns:a14="http://schemas.microsoft.com/office/drawing/2010/main" w="9525">
                 <a:solidFill>
                   <a:schemeClr val="tx1"/>
@@ -9293,7 +9297,7 @@
                 <a:tailEnd/>
               </a14:hiddenLine>
             </a:ext>
-            <a:ext uri="{AF507438-7753-43E0-B8FC-AC1667EBCBE1}">
+            <a:ext uri="{AF507438-7753-43e0-B8FC-AC1667EBCBE1}">
               <a14:hiddenEffects xmlns:a14="http://schemas.microsoft.com/office/drawing/2010/main">
                 <a:effectLst>
                   <a:outerShdw dist="35921" dir="2700000" algn="ctr" rotWithShape="0">
@@ -9427,14 +9431,14 @@
               <a:noFill/>
             </a:ln>
             <a:extLst>
-              <a:ext uri="{909E8E84-426E-40DD-AFC4-6F175D3DCCD1}">
+              <a:ext uri="{909E8E84-426E-40dd-AFC4-6F175D3DCCD1}">
                 <a14:hiddenFill xmlns:a14="http://schemas.microsoft.com/office/drawing/2010/main">
                   <a:solidFill>
                     <a:schemeClr val="accent1"/>
                   </a:solidFill>
                 </a14:hiddenFill>
               </a:ext>
-              <a:ext uri="{91240B29-F687-4F45-9708-019B960494DF}">
+              <a:ext uri="{91240B29-F687-4f45-9708-019B960494DF}">
                 <a14:hiddenLine xmlns:a14="http://schemas.microsoft.com/office/drawing/2010/main" w="9525">
                   <a:solidFill>
                     <a:schemeClr val="tx1"/>
@@ -9461,7 +9465,7 @@
   <p:timing>
     <p:tnLst>
       <p:par>
-        <p:cTn id="1" dur="indefinite" restart="never" nodeType="tmRoot"/>
+        <p:cTn xmlns:p14="http://schemas.microsoft.com/office/powerpoint/2010/main" id="1" dur="indefinite" restart="never" nodeType="tmRoot"/>
       </p:par>
     </p:tnLst>
   </p:timing>
@@ -9620,14 +9624,14 @@
           </a:ln>
           <a:effectLst/>
           <a:extLst>
-            <a:ext uri="{909E8E84-426E-40DD-AFC4-6F175D3DCCD1}">
+            <a:ext uri="{909E8E84-426E-40dd-AFC4-6F175D3DCCD1}">
               <a14:hiddenFill xmlns:a14="http://schemas.microsoft.com/office/drawing/2010/main">
                 <a:solidFill>
                   <a:schemeClr val="accent1"/>
                 </a:solidFill>
               </a14:hiddenFill>
             </a:ext>
-            <a:ext uri="{91240B29-F687-4F45-9708-019B960494DF}">
+            <a:ext uri="{91240B29-F687-4f45-9708-019B960494DF}">
               <a14:hiddenLine xmlns:a14="http://schemas.microsoft.com/office/drawing/2010/main" w="9525">
                 <a:solidFill>
                   <a:schemeClr val="tx1"/>
@@ -9637,7 +9641,7 @@
                 <a:tailEnd/>
               </a14:hiddenLine>
             </a:ext>
-            <a:ext uri="{AF507438-7753-43E0-B8FC-AC1667EBCBE1}">
+            <a:ext uri="{AF507438-7753-43e0-B8FC-AC1667EBCBE1}">
               <a14:hiddenEffects xmlns:a14="http://schemas.microsoft.com/office/drawing/2010/main">
                 <a:effectLst>
                   <a:outerShdw dist="35921" dir="2700000" algn="ctr" rotWithShape="0">
@@ -9771,14 +9775,14 @@
               <a:noFill/>
             </a:ln>
             <a:extLst>
-              <a:ext uri="{909E8E84-426E-40DD-AFC4-6F175D3DCCD1}">
+              <a:ext uri="{909E8E84-426E-40dd-AFC4-6F175D3DCCD1}">
                 <a14:hiddenFill xmlns:a14="http://schemas.microsoft.com/office/drawing/2010/main">
                   <a:solidFill>
                     <a:schemeClr val="accent1"/>
                   </a:solidFill>
                 </a14:hiddenFill>
               </a:ext>
-              <a:ext uri="{91240B29-F687-4F45-9708-019B960494DF}">
+              <a:ext uri="{91240B29-F687-4f45-9708-019B960494DF}">
                 <a14:hiddenLine xmlns:a14="http://schemas.microsoft.com/office/drawing/2010/main" w="9525">
                   <a:solidFill>
                     <a:schemeClr val="tx1"/>
@@ -9805,7 +9809,7 @@
   <p:timing>
     <p:tnLst>
       <p:par>
-        <p:cTn id="1" dur="indefinite" restart="never" nodeType="tmRoot"/>
+        <p:cTn xmlns:p14="http://schemas.microsoft.com/office/powerpoint/2010/main" id="1" dur="indefinite" restart="never" nodeType="tmRoot"/>
       </p:par>
     </p:tnLst>
   </p:timing>
@@ -10056,14 +10060,14 @@
               <a:noFill/>
             </a:ln>
             <a:extLst>
-              <a:ext uri="{909E8E84-426E-40DD-AFC4-6F175D3DCCD1}">
+              <a:ext uri="{909E8E84-426E-40dd-AFC4-6F175D3DCCD1}">
                 <a14:hiddenFill xmlns:a14="http://schemas.microsoft.com/office/drawing/2010/main">
                   <a:solidFill>
                     <a:schemeClr val="accent1"/>
                   </a:solidFill>
                 </a14:hiddenFill>
               </a:ext>
-              <a:ext uri="{91240B29-F687-4F45-9708-019B960494DF}">
+              <a:ext uri="{91240B29-F687-4f45-9708-019B960494DF}">
                 <a14:hiddenLine xmlns:a14="http://schemas.microsoft.com/office/drawing/2010/main" w="9525">
                   <a:solidFill>
                     <a:schemeClr val="tx1"/>
@@ -10090,7 +10094,7 @@
   <p:timing>
     <p:tnLst>
       <p:par>
-        <p:cTn id="1" dur="indefinite" restart="never" nodeType="tmRoot"/>
+        <p:cTn xmlns:p14="http://schemas.microsoft.com/office/powerpoint/2010/main" id="1" dur="indefinite" restart="never" nodeType="tmRoot"/>
       </p:par>
     </p:tnLst>
   </p:timing>
@@ -10311,14 +10315,14 @@
               <a:noFill/>
             </a:ln>
             <a:extLst>
-              <a:ext uri="{909E8E84-426E-40DD-AFC4-6F175D3DCCD1}">
+              <a:ext uri="{909E8E84-426E-40dd-AFC4-6F175D3DCCD1}">
                 <a14:hiddenFill xmlns:a14="http://schemas.microsoft.com/office/drawing/2010/main">
                   <a:solidFill>
                     <a:schemeClr val="accent1"/>
                   </a:solidFill>
                 </a14:hiddenFill>
               </a:ext>
-              <a:ext uri="{91240B29-F687-4F45-9708-019B960494DF}">
+              <a:ext uri="{91240B29-F687-4f45-9708-019B960494DF}">
                 <a14:hiddenLine xmlns:a14="http://schemas.microsoft.com/office/drawing/2010/main" w="9525">
                   <a:solidFill>
                     <a:schemeClr val="tx1"/>
@@ -10345,7 +10349,7 @@
   <p:timing>
     <p:tnLst>
       <p:par>
-        <p:cTn id="1" dur="indefinite" restart="never" nodeType="tmRoot"/>
+        <p:cTn xmlns:p14="http://schemas.microsoft.com/office/powerpoint/2010/main" id="1" dur="indefinite" restart="never" nodeType="tmRoot"/>
       </p:par>
     </p:tnLst>
   </p:timing>
@@ -10601,14 +10605,14 @@
               <a:noFill/>
             </a:ln>
             <a:extLst>
-              <a:ext uri="{909E8E84-426E-40DD-AFC4-6F175D3DCCD1}">
+              <a:ext uri="{909E8E84-426E-40dd-AFC4-6F175D3DCCD1}">
                 <a14:hiddenFill xmlns:a14="http://schemas.microsoft.com/office/drawing/2010/main">
                   <a:solidFill>
                     <a:schemeClr val="accent1"/>
                   </a:solidFill>
                 </a14:hiddenFill>
               </a:ext>
-              <a:ext uri="{91240B29-F687-4F45-9708-019B960494DF}">
+              <a:ext uri="{91240B29-F687-4f45-9708-019B960494DF}">
                 <a14:hiddenLine xmlns:a14="http://schemas.microsoft.com/office/drawing/2010/main" w="9525">
                   <a:solidFill>
                     <a:schemeClr val="tx1"/>
@@ -10635,7 +10639,7 @@
   <p:timing>
     <p:tnLst>
       <p:par>
-        <p:cTn id="1" dur="indefinite" restart="never" nodeType="tmRoot"/>
+        <p:cTn xmlns:p14="http://schemas.microsoft.com/office/powerpoint/2010/main" id="1" dur="indefinite" restart="never" nodeType="tmRoot"/>
       </p:par>
     </p:tnLst>
   </p:timing>
@@ -10894,14 +10898,14 @@
               <a:noFill/>
             </a:ln>
             <a:extLst>
-              <a:ext uri="{909E8E84-426E-40DD-AFC4-6F175D3DCCD1}">
+              <a:ext uri="{909E8E84-426E-40dd-AFC4-6F175D3DCCD1}">
                 <a14:hiddenFill xmlns:a14="http://schemas.microsoft.com/office/drawing/2010/main">
                   <a:solidFill>
                     <a:schemeClr val="accent1"/>
                   </a:solidFill>
                 </a14:hiddenFill>
               </a:ext>
-              <a:ext uri="{91240B29-F687-4F45-9708-019B960494DF}">
+              <a:ext uri="{91240B29-F687-4f45-9708-019B960494DF}">
                 <a14:hiddenLine xmlns:a14="http://schemas.microsoft.com/office/drawing/2010/main" w="9525">
                   <a:solidFill>
                     <a:schemeClr val="tx1"/>
@@ -10928,7 +10932,7 @@
   <p:timing>
     <p:tnLst>
       <p:par>
-        <p:cTn id="1" dur="indefinite" restart="never" nodeType="tmRoot"/>
+        <p:cTn xmlns:p14="http://schemas.microsoft.com/office/powerpoint/2010/main" id="1" dur="indefinite" restart="never" nodeType="tmRoot"/>
       </p:par>
     </p:tnLst>
   </p:timing>

--- a/Cloud Box_ppt.pptx
+++ b/Cloud Box_ppt.pptx
@@ -4,9 +4,6 @@
   <p:sldMasterIdLst>
     <p:sldMasterId id="2147483924" r:id="rId1"/>
   </p:sldMasterIdLst>
-  <p:notesMasterIdLst>
-    <p:notesMasterId r:id="rId16"/>
-  </p:notesMasterIdLst>
   <p:sldIdLst>
     <p:sldId id="256" r:id="rId2"/>
     <p:sldId id="257" r:id="rId3"/>
@@ -182,37 +179,37 @@
               <c:formatCode>#,##0_ "hrs"</c:formatCode>
               <c:ptCount val="11"/>
               <c:pt idx="0">
-                <c:v>0</c:v>
+                <c:v>0.0</c:v>
               </c:pt>
               <c:pt idx="1">
-                <c:v>0</c:v>
+                <c:v>0.0</c:v>
               </c:pt>
               <c:pt idx="2">
-                <c:v>124</c:v>
+                <c:v>124.0</c:v>
               </c:pt>
               <c:pt idx="3">
-                <c:v>120</c:v>
+                <c:v>120.0</c:v>
               </c:pt>
               <c:pt idx="4">
-                <c:v>0</c:v>
+                <c:v>0.0</c:v>
               </c:pt>
               <c:pt idx="5">
-                <c:v>0</c:v>
+                <c:v>0.0</c:v>
               </c:pt>
               <c:pt idx="6">
-                <c:v>0</c:v>
+                <c:v>0.0</c:v>
               </c:pt>
               <c:pt idx="7">
-                <c:v>0</c:v>
+                <c:v>0.0</c:v>
               </c:pt>
               <c:pt idx="8">
-                <c:v>0</c:v>
+                <c:v>0.0</c:v>
               </c:pt>
               <c:pt idx="9">
-                <c:v>32</c:v>
+                <c:v>32.0</c:v>
               </c:pt>
               <c:pt idx="10">
-                <c:v>16</c:v>
+                <c:v>16.0</c:v>
               </c:pt>
             </c:numLit>
           </c:val>
@@ -255,37 +252,37 @@
               <c:formatCode>#,##0_ "hrs"</c:formatCode>
               <c:ptCount val="11"/>
               <c:pt idx="0">
-                <c:v>0</c:v>
+                <c:v>0.0</c:v>
               </c:pt>
               <c:pt idx="1">
-                <c:v>0</c:v>
+                <c:v>0.0</c:v>
               </c:pt>
               <c:pt idx="2">
-                <c:v>288.63333333333338</c:v>
+                <c:v>288.6333333333334</c:v>
               </c:pt>
               <c:pt idx="3">
-                <c:v>265.63333333333338</c:v>
+                <c:v>265.6333333333334</c:v>
               </c:pt>
               <c:pt idx="4">
-                <c:v>0</c:v>
+                <c:v>0.0</c:v>
               </c:pt>
               <c:pt idx="5">
-                <c:v>0</c:v>
+                <c:v>0.0</c:v>
               </c:pt>
               <c:pt idx="6">
-                <c:v>0</c:v>
+                <c:v>0.0</c:v>
               </c:pt>
               <c:pt idx="7">
-                <c:v>0</c:v>
+                <c:v>0.0</c:v>
               </c:pt>
               <c:pt idx="8">
-                <c:v>0</c:v>
+                <c:v>0.0</c:v>
               </c:pt>
               <c:pt idx="9">
-                <c:v>276.63333333333338</c:v>
+                <c:v>276.6333333333334</c:v>
               </c:pt>
               <c:pt idx="10">
-                <c:v>292.63333333333338</c:v>
+                <c:v>292.6333333333334</c:v>
               </c:pt>
             </c:numLit>
           </c:val>
@@ -300,8 +297,8 @@
         </c:dLbls>
         <c:gapWidth val="219"/>
         <c:overlap val="100"/>
-        <c:axId val="68019328"/>
-        <c:axId val="68021248"/>
+        <c:axId val="2089709336"/>
+        <c:axId val="2089037576"/>
       </c:barChart>
       <c:lineChart>
         <c:grouping val="standard"/>
@@ -358,37 +355,37 @@
               <c:formatCode>#,##0_ "hrs"</c:formatCode>
               <c:ptCount val="11"/>
               <c:pt idx="0">
-                <c:v>0</c:v>
+                <c:v>0.0</c:v>
               </c:pt>
               <c:pt idx="1">
-                <c:v>0</c:v>
+                <c:v>0.0</c:v>
               </c:pt>
               <c:pt idx="2">
-                <c:v>0</c:v>
+                <c:v>0.0</c:v>
               </c:pt>
               <c:pt idx="3">
-                <c:v>0</c:v>
+                <c:v>0.0</c:v>
               </c:pt>
               <c:pt idx="4">
-                <c:v>0</c:v>
+                <c:v>0.0</c:v>
               </c:pt>
               <c:pt idx="5">
-                <c:v>0</c:v>
+                <c:v>0.0</c:v>
               </c:pt>
               <c:pt idx="6">
-                <c:v>0</c:v>
+                <c:v>0.0</c:v>
               </c:pt>
               <c:pt idx="7">
-                <c:v>0</c:v>
+                <c:v>0.0</c:v>
               </c:pt>
               <c:pt idx="8">
-                <c:v>0</c:v>
+                <c:v>0.0</c:v>
               </c:pt>
               <c:pt idx="9">
-                <c:v>0</c:v>
+                <c:v>0.0</c:v>
               </c:pt>
               <c:pt idx="10">
-                <c:v>0</c:v>
+                <c:v>0.0</c:v>
               </c:pt>
             </c:numLit>
           </c:val>
@@ -404,11 +401,11 @@
         </c:dLbls>
         <c:marker val="1"/>
         <c:smooth val="0"/>
-        <c:axId val="68019328"/>
-        <c:axId val="68021248"/>
+        <c:axId val="2089709336"/>
+        <c:axId val="2089037576"/>
       </c:lineChart>
       <c:catAx>
-        <c:axId val="68019328"/>
+        <c:axId val="2089709336"/>
         <c:scaling>
           <c:orientation val="minMax"/>
         </c:scaling>
@@ -451,7 +448,7 @@
             <a:endParaRPr lang="en-US"/>
           </a:p>
         </c:txPr>
-        <c:crossAx val="68021248"/>
+        <c:crossAx val="2089037576"/>
         <c:crosses val="autoZero"/>
         <c:auto val="1"/>
         <c:lblAlgn val="ctr"/>
@@ -459,7 +456,7 @@
         <c:noMultiLvlLbl val="0"/>
       </c:catAx>
       <c:valAx>
-        <c:axId val="68021248"/>
+        <c:axId val="2089037576"/>
         <c:scaling>
           <c:orientation val="minMax"/>
         </c:scaling>
@@ -510,7 +507,7 @@
             <a:endParaRPr lang="en-US"/>
           </a:p>
         </c:txPr>
-        <c:crossAx val="68019328"/>
+        <c:crossAx val="2089709336"/>
         <c:crosses val="autoZero"/>
         <c:crossBetween val="between"/>
       </c:valAx>
@@ -588,356 +585,6 @@
     <c:autoUpdate val="0"/>
   </c:externalData>
 </c:chartSpace>
-</file>
-
-<file path=ppt/notesMasters/notesMaster1.xml><?xml version="1.0" encoding="utf-8"?>
-<p:notesMaster xmlns:a="http://schemas.openxmlformats.org/drawingml/2006/main" xmlns:r="http://schemas.openxmlformats.org/officeDocument/2006/relationships" xmlns:p="http://schemas.openxmlformats.org/presentationml/2006/main">
-  <p:cSld>
-    <p:bg>
-      <p:bgRef idx="1001">
-        <a:schemeClr val="bg1"/>
-      </p:bgRef>
-    </p:bg>
-    <p:spTree>
-      <p:nvGrpSpPr>
-        <p:cNvPr id="1" name=""/>
-        <p:cNvGrpSpPr/>
-        <p:nvPr/>
-      </p:nvGrpSpPr>
-      <p:grpSpPr>
-        <a:xfrm>
-          <a:off x="0" y="0"/>
-          <a:ext cx="0" cy="0"/>
-          <a:chOff x="0" y="0"/>
-          <a:chExt cx="0" cy="0"/>
-        </a:xfrm>
-      </p:grpSpPr>
-      <p:sp>
-        <p:nvSpPr>
-          <p:cNvPr id="2" name="Header Placeholder 1"/>
-          <p:cNvSpPr>
-            <a:spLocks noGrp="1"/>
-          </p:cNvSpPr>
-          <p:nvPr>
-            <p:ph type="hdr" sz="quarter"/>
-          </p:nvPr>
-        </p:nvSpPr>
-        <p:spPr>
-          <a:xfrm>
-            <a:off x="0" y="0"/>
-            <a:ext cx="2971800" cy="457200"/>
-          </a:xfrm>
-          <a:prstGeom prst="rect">
-            <a:avLst/>
-          </a:prstGeom>
-        </p:spPr>
-        <p:txBody>
-          <a:bodyPr vert="horz" lIns="91440" tIns="45720" rIns="91440" bIns="45720" rtlCol="0"/>
-          <a:lstStyle>
-            <a:lvl1pPr algn="l">
-              <a:defRPr sz="1200"/>
-            </a:lvl1pPr>
-          </a:lstStyle>
-          <a:p>
-            <a:endParaRPr lang="en-US"/>
-          </a:p>
-        </p:txBody>
-      </p:sp>
-      <p:sp>
-        <p:nvSpPr>
-          <p:cNvPr id="3" name="Date Placeholder 2"/>
-          <p:cNvSpPr>
-            <a:spLocks noGrp="1"/>
-          </p:cNvSpPr>
-          <p:nvPr>
-            <p:ph type="dt" idx="1"/>
-          </p:nvPr>
-        </p:nvSpPr>
-        <p:spPr>
-          <a:xfrm>
-            <a:off x="3884613" y="0"/>
-            <a:ext cx="2971800" cy="457200"/>
-          </a:xfrm>
-          <a:prstGeom prst="rect">
-            <a:avLst/>
-          </a:prstGeom>
-        </p:spPr>
-        <p:txBody>
-          <a:bodyPr vert="horz" lIns="91440" tIns="45720" rIns="91440" bIns="45720" rtlCol="0"/>
-          <a:lstStyle>
-            <a:lvl1pPr algn="r">
-              <a:defRPr sz="1200"/>
-            </a:lvl1pPr>
-          </a:lstStyle>
-          <a:p>
-            <a:fld id="{95BF0C08-FCD6-43F3-82F6-83D8E9FE6A7C}" type="datetimeFigureOut">
-              <a:rPr lang="en-US" smtClean="0"/>
-              <a:t>7/9/2014</a:t>
-            </a:fld>
-            <a:endParaRPr lang="en-US"/>
-          </a:p>
-        </p:txBody>
-      </p:sp>
-      <p:sp>
-        <p:nvSpPr>
-          <p:cNvPr id="4" name="Slide Image Placeholder 3"/>
-          <p:cNvSpPr>
-            <a:spLocks noGrp="1" noRot="1" noChangeAspect="1"/>
-          </p:cNvSpPr>
-          <p:nvPr>
-            <p:ph type="sldImg" idx="2"/>
-          </p:nvPr>
-        </p:nvSpPr>
-        <p:spPr>
-          <a:xfrm>
-            <a:off x="1143000" y="685800"/>
-            <a:ext cx="4572000" cy="3429000"/>
-          </a:xfrm>
-          <a:prstGeom prst="rect">
-            <a:avLst/>
-          </a:prstGeom>
-          <a:noFill/>
-          <a:ln w="12700">
-            <a:solidFill>
-              <a:prstClr val="black"/>
-            </a:solidFill>
-          </a:ln>
-        </p:spPr>
-        <p:txBody>
-          <a:bodyPr vert="horz" lIns="91440" tIns="45720" rIns="91440" bIns="45720" rtlCol="0" anchor="ctr"/>
-          <a:lstStyle/>
-          <a:p>
-            <a:endParaRPr lang="en-US"/>
-          </a:p>
-        </p:txBody>
-      </p:sp>
-      <p:sp>
-        <p:nvSpPr>
-          <p:cNvPr id="5" name="Notes Placeholder 4"/>
-          <p:cNvSpPr>
-            <a:spLocks noGrp="1"/>
-          </p:cNvSpPr>
-          <p:nvPr>
-            <p:ph type="body" sz="quarter" idx="3"/>
-          </p:nvPr>
-        </p:nvSpPr>
-        <p:spPr>
-          <a:xfrm>
-            <a:off x="685800" y="4343400"/>
-            <a:ext cx="5486400" cy="4114800"/>
-          </a:xfrm>
-          <a:prstGeom prst="rect">
-            <a:avLst/>
-          </a:prstGeom>
-        </p:spPr>
-        <p:txBody>
-          <a:bodyPr vert="horz" lIns="91440" tIns="45720" rIns="91440" bIns="45720" rtlCol="0"/>
-          <a:lstStyle/>
-          <a:p>
-            <a:pPr lvl="0"/>
-            <a:r>
-              <a:rPr lang="en-US" smtClean="0"/>
-              <a:t>Click to edit Master text styles</a:t>
-            </a:r>
-          </a:p>
-          <a:p>
-            <a:pPr lvl="1"/>
-            <a:r>
-              <a:rPr lang="en-US" smtClean="0"/>
-              <a:t>Second level</a:t>
-            </a:r>
-          </a:p>
-          <a:p>
-            <a:pPr lvl="2"/>
-            <a:r>
-              <a:rPr lang="en-US" smtClean="0"/>
-              <a:t>Third level</a:t>
-            </a:r>
-          </a:p>
-          <a:p>
-            <a:pPr lvl="3"/>
-            <a:r>
-              <a:rPr lang="en-US" smtClean="0"/>
-              <a:t>Fourth level</a:t>
-            </a:r>
-          </a:p>
-          <a:p>
-            <a:pPr lvl="4"/>
-            <a:r>
-              <a:rPr lang="en-US" smtClean="0"/>
-              <a:t>Fifth level</a:t>
-            </a:r>
-            <a:endParaRPr lang="en-US"/>
-          </a:p>
-        </p:txBody>
-      </p:sp>
-      <p:sp>
-        <p:nvSpPr>
-          <p:cNvPr id="6" name="Footer Placeholder 5"/>
-          <p:cNvSpPr>
-            <a:spLocks noGrp="1"/>
-          </p:cNvSpPr>
-          <p:nvPr>
-            <p:ph type="ftr" sz="quarter" idx="4"/>
-          </p:nvPr>
-        </p:nvSpPr>
-        <p:spPr>
-          <a:xfrm>
-            <a:off x="0" y="8685213"/>
-            <a:ext cx="2971800" cy="457200"/>
-          </a:xfrm>
-          <a:prstGeom prst="rect">
-            <a:avLst/>
-          </a:prstGeom>
-        </p:spPr>
-        <p:txBody>
-          <a:bodyPr vert="horz" lIns="91440" tIns="45720" rIns="91440" bIns="45720" rtlCol="0" anchor="b"/>
-          <a:lstStyle>
-            <a:lvl1pPr algn="l">
-              <a:defRPr sz="1200"/>
-            </a:lvl1pPr>
-          </a:lstStyle>
-          <a:p>
-            <a:endParaRPr lang="en-US"/>
-          </a:p>
-        </p:txBody>
-      </p:sp>
-      <p:sp>
-        <p:nvSpPr>
-          <p:cNvPr id="7" name="Slide Number Placeholder 6"/>
-          <p:cNvSpPr>
-            <a:spLocks noGrp="1"/>
-          </p:cNvSpPr>
-          <p:nvPr>
-            <p:ph type="sldNum" sz="quarter" idx="5"/>
-          </p:nvPr>
-        </p:nvSpPr>
-        <p:spPr>
-          <a:xfrm>
-            <a:off x="3884613" y="8685213"/>
-            <a:ext cx="2971800" cy="457200"/>
-          </a:xfrm>
-          <a:prstGeom prst="rect">
-            <a:avLst/>
-          </a:prstGeom>
-        </p:spPr>
-        <p:txBody>
-          <a:bodyPr vert="horz" lIns="91440" tIns="45720" rIns="91440" bIns="45720" rtlCol="0" anchor="b"/>
-          <a:lstStyle>
-            <a:lvl1pPr algn="r">
-              <a:defRPr sz="1200"/>
-            </a:lvl1pPr>
-          </a:lstStyle>
-          <a:p>
-            <a:fld id="{99DA6C26-E2F7-4C68-B3C1-E1E26894FEAD}" type="slidenum">
-              <a:rPr lang="en-US" smtClean="0"/>
-              <a:t>‹#›</a:t>
-            </a:fld>
-            <a:endParaRPr lang="en-US"/>
-          </a:p>
-        </p:txBody>
-      </p:sp>
-    </p:spTree>
-    <p:extLst>
-      <p:ext uri="{BB962C8B-B14F-4D97-AF65-F5344CB8AC3E}">
-        <p14:creationId xmlns:p14="http://schemas.microsoft.com/office/powerpoint/2010/main" val="1590303682"/>
-      </p:ext>
-    </p:extLst>
-  </p:cSld>
-  <p:clrMap bg1="lt1" tx1="dk1" bg2="lt2" tx2="dk2" accent1="accent1" accent2="accent2" accent3="accent3" accent4="accent4" accent5="accent5" accent6="accent6" hlink="hlink" folHlink="folHlink"/>
-  <p:notesStyle>
-    <a:lvl1pPr marL="0" algn="l" defTabSz="914400" rtl="0" eaLnBrk="1" latinLnBrk="0" hangingPunct="1">
-      <a:defRPr sz="1200" kern="1200">
-        <a:solidFill>
-          <a:schemeClr val="tx1"/>
-        </a:solidFill>
-        <a:latin typeface="+mn-lt"/>
-        <a:ea typeface="+mn-ea"/>
-        <a:cs typeface="+mn-cs"/>
-      </a:defRPr>
-    </a:lvl1pPr>
-    <a:lvl2pPr marL="457200" algn="l" defTabSz="914400" rtl="0" eaLnBrk="1" latinLnBrk="0" hangingPunct="1">
-      <a:defRPr sz="1200" kern="1200">
-        <a:solidFill>
-          <a:schemeClr val="tx1"/>
-        </a:solidFill>
-        <a:latin typeface="+mn-lt"/>
-        <a:ea typeface="+mn-ea"/>
-        <a:cs typeface="+mn-cs"/>
-      </a:defRPr>
-    </a:lvl2pPr>
-    <a:lvl3pPr marL="914400" algn="l" defTabSz="914400" rtl="0" eaLnBrk="1" latinLnBrk="0" hangingPunct="1">
-      <a:defRPr sz="1200" kern="1200">
-        <a:solidFill>
-          <a:schemeClr val="tx1"/>
-        </a:solidFill>
-        <a:latin typeface="+mn-lt"/>
-        <a:ea typeface="+mn-ea"/>
-        <a:cs typeface="+mn-cs"/>
-      </a:defRPr>
-    </a:lvl3pPr>
-    <a:lvl4pPr marL="1371600" algn="l" defTabSz="914400" rtl="0" eaLnBrk="1" latinLnBrk="0" hangingPunct="1">
-      <a:defRPr sz="1200" kern="1200">
-        <a:solidFill>
-          <a:schemeClr val="tx1"/>
-        </a:solidFill>
-        <a:latin typeface="+mn-lt"/>
-        <a:ea typeface="+mn-ea"/>
-        <a:cs typeface="+mn-cs"/>
-      </a:defRPr>
-    </a:lvl4pPr>
-    <a:lvl5pPr marL="1828800" algn="l" defTabSz="914400" rtl="0" eaLnBrk="1" latinLnBrk="0" hangingPunct="1">
-      <a:defRPr sz="1200" kern="1200">
-        <a:solidFill>
-          <a:schemeClr val="tx1"/>
-        </a:solidFill>
-        <a:latin typeface="+mn-lt"/>
-        <a:ea typeface="+mn-ea"/>
-        <a:cs typeface="+mn-cs"/>
-      </a:defRPr>
-    </a:lvl5pPr>
-    <a:lvl6pPr marL="2286000" algn="l" defTabSz="914400" rtl="0" eaLnBrk="1" latinLnBrk="0" hangingPunct="1">
-      <a:defRPr sz="1200" kern="1200">
-        <a:solidFill>
-          <a:schemeClr val="tx1"/>
-        </a:solidFill>
-        <a:latin typeface="+mn-lt"/>
-        <a:ea typeface="+mn-ea"/>
-        <a:cs typeface="+mn-cs"/>
-      </a:defRPr>
-    </a:lvl6pPr>
-    <a:lvl7pPr marL="2743200" algn="l" defTabSz="914400" rtl="0" eaLnBrk="1" latinLnBrk="0" hangingPunct="1">
-      <a:defRPr sz="1200" kern="1200">
-        <a:solidFill>
-          <a:schemeClr val="tx1"/>
-        </a:solidFill>
-        <a:latin typeface="+mn-lt"/>
-        <a:ea typeface="+mn-ea"/>
-        <a:cs typeface="+mn-cs"/>
-      </a:defRPr>
-    </a:lvl7pPr>
-    <a:lvl8pPr marL="3200400" algn="l" defTabSz="914400" rtl="0" eaLnBrk="1" latinLnBrk="0" hangingPunct="1">
-      <a:defRPr sz="1200" kern="1200">
-        <a:solidFill>
-          <a:schemeClr val="tx1"/>
-        </a:solidFill>
-        <a:latin typeface="+mn-lt"/>
-        <a:ea typeface="+mn-ea"/>
-        <a:cs typeface="+mn-cs"/>
-      </a:defRPr>
-    </a:lvl8pPr>
-    <a:lvl9pPr marL="3657600" algn="l" defTabSz="914400" rtl="0" eaLnBrk="1" latinLnBrk="0" hangingPunct="1">
-      <a:defRPr sz="1200" kern="1200">
-        <a:solidFill>
-          <a:schemeClr val="tx1"/>
-        </a:solidFill>
-        <a:latin typeface="+mn-lt"/>
-        <a:ea typeface="+mn-ea"/>
-        <a:cs typeface="+mn-cs"/>
-      </a:defRPr>
-    </a:lvl9pPr>
-  </p:notesStyle>
-</p:notesMaster>
 </file>
 
 <file path=ppt/slideLayouts/slideLayout1.xml><?xml version="1.0" encoding="utf-8"?>
@@ -1362,7 +1009,7 @@
           <a:p>
             <a:fld id="{98F748B1-DC6F-4870-8D1C-AA1B251EDBCA}" type="datetimeFigureOut">
               <a:rPr lang="en-CA" smtClean="0"/>
-              <a:t>09/07/2014</a:t>
+              <a:t>2014-07-09</a:t>
             </a:fld>
             <a:endParaRPr lang="en-CA"/>
           </a:p>
@@ -1453,7 +1100,7 @@
   <p:timing>
     <p:tnLst>
       <p:par>
-        <p:cTn id="1" dur="indefinite" restart="never" nodeType="tmRoot"/>
+        <p:cTn xmlns:p14="http://schemas.microsoft.com/office/powerpoint/2010/main" id="1" dur="indefinite" restart="never" nodeType="tmRoot"/>
       </p:par>
     </p:tnLst>
   </p:timing>
@@ -1574,7 +1221,7 @@
           <a:p>
             <a:fld id="{98F748B1-DC6F-4870-8D1C-AA1B251EDBCA}" type="datetimeFigureOut">
               <a:rPr lang="en-CA" smtClean="0"/>
-              <a:t>09/07/2014</a:t>
+              <a:t>2014-07-09</a:t>
             </a:fld>
             <a:endParaRPr lang="en-CA"/>
           </a:p>
@@ -1630,7 +1277,7 @@
   <p:timing>
     <p:tnLst>
       <p:par>
-        <p:cTn id="1" dur="indefinite" restart="never" nodeType="tmRoot"/>
+        <p:cTn xmlns:p14="http://schemas.microsoft.com/office/powerpoint/2010/main" id="1" dur="indefinite" restart="never" nodeType="tmRoot"/>
       </p:par>
     </p:tnLst>
   </p:timing>
@@ -1761,7 +1408,7 @@
           <a:p>
             <a:fld id="{98F748B1-DC6F-4870-8D1C-AA1B251EDBCA}" type="datetimeFigureOut">
               <a:rPr lang="en-CA" smtClean="0"/>
-              <a:t>09/07/2014</a:t>
+              <a:t>2014-07-09</a:t>
             </a:fld>
             <a:endParaRPr lang="en-CA"/>
           </a:p>
@@ -1817,7 +1464,7 @@
   <p:timing>
     <p:tnLst>
       <p:par>
-        <p:cTn id="1" dur="indefinite" restart="never" nodeType="tmRoot"/>
+        <p:cTn xmlns:p14="http://schemas.microsoft.com/office/powerpoint/2010/main" id="1" dur="indefinite" restart="never" nodeType="tmRoot"/>
       </p:par>
     </p:tnLst>
   </p:timing>
@@ -1858,7 +1505,7 @@
           <a:p>
             <a:fld id="{98F748B1-DC6F-4870-8D1C-AA1B251EDBCA}" type="datetimeFigureOut">
               <a:rPr lang="en-CA" smtClean="0"/>
-              <a:t>09/07/2014</a:t>
+              <a:t>2014-07-09</a:t>
             </a:fld>
             <a:endParaRPr lang="en-CA"/>
           </a:p>
@@ -1994,7 +1641,7 @@
   <p:timing>
     <p:tnLst>
       <p:par>
-        <p:cTn id="1" dur="indefinite" restart="never" nodeType="tmRoot"/>
+        <p:cTn xmlns:p14="http://schemas.microsoft.com/office/powerpoint/2010/main" id="1" dur="indefinite" restart="never" nodeType="tmRoot"/>
       </p:par>
     </p:tnLst>
   </p:timing>
@@ -2454,7 +2101,7 @@
           <a:p>
             <a:fld id="{98F748B1-DC6F-4870-8D1C-AA1B251EDBCA}" type="datetimeFigureOut">
               <a:rPr lang="en-CA" smtClean="0"/>
-              <a:t>09/07/2014</a:t>
+              <a:t>2014-07-09</a:t>
             </a:fld>
             <a:endParaRPr lang="en-CA"/>
           </a:p>
@@ -2510,7 +2157,7 @@
   <p:timing>
     <p:tnLst>
       <p:par>
-        <p:cTn id="1" dur="indefinite" restart="never" nodeType="tmRoot"/>
+        <p:cTn xmlns:p14="http://schemas.microsoft.com/office/powerpoint/2010/main" id="1" dur="indefinite" restart="never" nodeType="tmRoot"/>
       </p:par>
     </p:tnLst>
   </p:timing>
@@ -2551,7 +2198,7 @@
           <a:p>
             <a:fld id="{98F748B1-DC6F-4870-8D1C-AA1B251EDBCA}" type="datetimeFigureOut">
               <a:rPr lang="en-CA" smtClean="0"/>
-              <a:t>09/07/2014</a:t>
+              <a:t>2014-07-09</a:t>
             </a:fld>
             <a:endParaRPr lang="en-CA"/>
           </a:p>
@@ -2744,7 +2391,7 @@
   <p:timing>
     <p:tnLst>
       <p:par>
-        <p:cTn id="1" dur="indefinite" restart="never" nodeType="tmRoot"/>
+        <p:cTn xmlns:p14="http://schemas.microsoft.com/office/powerpoint/2010/main" id="1" dur="indefinite" restart="never" nodeType="tmRoot"/>
       </p:par>
     </p:tnLst>
   </p:timing>
@@ -3156,7 +2803,7 @@
           <a:p>
             <a:fld id="{98F748B1-DC6F-4870-8D1C-AA1B251EDBCA}" type="datetimeFigureOut">
               <a:rPr lang="en-CA" smtClean="0"/>
-              <a:t>09/07/2014</a:t>
+              <a:t>2014-07-09</a:t>
             </a:fld>
             <a:endParaRPr lang="en-CA"/>
           </a:p>
@@ -3235,7 +2882,7 @@
   <p:timing>
     <p:tnLst>
       <p:par>
-        <p:cTn id="1" dur="indefinite" restart="never" nodeType="tmRoot"/>
+        <p:cTn xmlns:p14="http://schemas.microsoft.com/office/powerpoint/2010/main" id="1" dur="indefinite" restart="never" nodeType="tmRoot"/>
       </p:par>
     </p:tnLst>
   </p:timing>
@@ -3299,7 +2946,7 @@
           <a:p>
             <a:fld id="{98F748B1-DC6F-4870-8D1C-AA1B251EDBCA}" type="datetimeFigureOut">
               <a:rPr lang="en-CA" smtClean="0"/>
-              <a:t>09/07/2014</a:t>
+              <a:t>2014-07-09</a:t>
             </a:fld>
             <a:endParaRPr lang="en-CA"/>
           </a:p>
@@ -3355,7 +3002,7 @@
   <p:timing>
     <p:tnLst>
       <p:par>
-        <p:cTn id="1" dur="indefinite" restart="never" nodeType="tmRoot"/>
+        <p:cTn xmlns:p14="http://schemas.microsoft.com/office/powerpoint/2010/main" id="1" dur="indefinite" restart="never" nodeType="tmRoot"/>
       </p:par>
     </p:tnLst>
   </p:timing>
@@ -3396,7 +3043,7 @@
           <a:p>
             <a:fld id="{98F748B1-DC6F-4870-8D1C-AA1B251EDBCA}" type="datetimeFigureOut">
               <a:rPr lang="en-CA" smtClean="0"/>
-              <a:t>09/07/2014</a:t>
+              <a:t>2014-07-09</a:t>
             </a:fld>
             <a:endParaRPr lang="en-CA"/>
           </a:p>
@@ -3452,7 +3099,7 @@
   <p:timing>
     <p:tnLst>
       <p:par>
-        <p:cTn id="1" dur="indefinite" restart="never" nodeType="tmRoot"/>
+        <p:cTn xmlns:p14="http://schemas.microsoft.com/office/powerpoint/2010/main" id="1" dur="indefinite" restart="never" nodeType="tmRoot"/>
       </p:par>
     </p:tnLst>
   </p:timing>
@@ -3680,7 +3327,7 @@
           <a:p>
             <a:fld id="{98F748B1-DC6F-4870-8D1C-AA1B251EDBCA}" type="datetimeFigureOut">
               <a:rPr lang="en-CA" smtClean="0"/>
-              <a:t>09/07/2014</a:t>
+              <a:t>2014-07-09</a:t>
             </a:fld>
             <a:endParaRPr lang="en-CA"/>
           </a:p>
@@ -3736,7 +3383,7 @@
   <p:timing>
     <p:tnLst>
       <p:par>
-        <p:cTn id="1" dur="indefinite" restart="never" nodeType="tmRoot"/>
+        <p:cTn xmlns:p14="http://schemas.microsoft.com/office/powerpoint/2010/main" id="1" dur="indefinite" restart="never" nodeType="tmRoot"/>
       </p:par>
     </p:tnLst>
   </p:timing>
@@ -4202,7 +3849,7 @@
           <a:p>
             <a:fld id="{98F748B1-DC6F-4870-8D1C-AA1B251EDBCA}" type="datetimeFigureOut">
               <a:rPr lang="en-CA" smtClean="0"/>
-              <a:t>09/07/2014</a:t>
+              <a:t>2014-07-09</a:t>
             </a:fld>
             <a:endParaRPr lang="en-CA"/>
           </a:p>
@@ -4292,7 +3939,7 @@
   <p:timing>
     <p:tnLst>
       <p:par>
-        <p:cTn id="1" dur="indefinite" restart="never" nodeType="tmRoot"/>
+        <p:cTn xmlns:p14="http://schemas.microsoft.com/office/powerpoint/2010/main" id="1" dur="indefinite" restart="never" nodeType="tmRoot"/>
       </p:par>
     </p:tnLst>
   </p:timing>
@@ -4722,7 +4369,7 @@
           <a:p>
             <a:fld id="{98F748B1-DC6F-4870-8D1C-AA1B251EDBCA}" type="datetimeFigureOut">
               <a:rPr lang="en-CA" smtClean="0"/>
-              <a:t>09/07/2014</a:t>
+              <a:t>2014-07-09</a:t>
             </a:fld>
             <a:endParaRPr lang="en-CA"/>
           </a:p>
@@ -4827,7 +4474,7 @@
   <p:timing>
     <p:tnLst>
       <p:par>
-        <p:cTn id="1" dur="indefinite" restart="never" nodeType="tmRoot"/>
+        <p:cTn xmlns:p14="http://schemas.microsoft.com/office/powerpoint/2010/main" id="1" dur="indefinite" restart="never" nodeType="tmRoot"/>
       </p:par>
     </p:tnLst>
   </p:timing>
@@ -5291,6 +4938,37 @@
           <a:chExt cx="0" cy="0"/>
         </a:xfrm>
       </p:grpSpPr>
+      <p:sp>
+        <p:nvSpPr>
+          <p:cNvPr id="2" name="Title 1"/>
+          <p:cNvSpPr>
+            <a:spLocks noGrp="1"/>
+          </p:cNvSpPr>
+          <p:nvPr>
+            <p:ph type="ctrTitle"/>
+          </p:nvPr>
+        </p:nvSpPr>
+        <p:spPr>
+          <a:xfrm>
+            <a:off x="2293193" y="3796073"/>
+            <a:ext cx="7175351" cy="1793167"/>
+          </a:xfrm>
+        </p:spPr>
+        <p:txBody>
+          <a:bodyPr/>
+          <a:lstStyle/>
+          <a:p>
+            <a:pPr marL="182880" indent="0">
+              <a:buNone/>
+            </a:pPr>
+            <a:r>
+              <a:rPr lang="en-CA" dirty="0" smtClean="0"/>
+              <a:t>Cloud Box</a:t>
+            </a:r>
+            <a:endParaRPr lang="en-CA" dirty="0"/>
+          </a:p>
+        </p:txBody>
+      </p:sp>
       <p:pic>
         <p:nvPicPr>
           <p:cNvPr id="3076" name="Picture 4"/>
@@ -5323,240 +5001,37 @@
         </p:blipFill>
         <p:spPr bwMode="auto">
           <a:xfrm>
-            <a:off x="2339752" y="874077"/>
+            <a:off x="611560" y="874077"/>
             <a:ext cx="3790442" cy="2842955"/>
           </a:xfrm>
           <a:prstGeom prst="rect">
             <a:avLst/>
           </a:prstGeom>
-          <a:solidFill>
-            <a:schemeClr val="accent1"/>
-          </a:solidFill>
+          <a:noFill/>
           <a:ln>
             <a:noFill/>
           </a:ln>
-          <a:extLst/>
+          <a:extLst>
+            <a:ext uri="{909E8E84-426E-40dd-AFC4-6F175D3DCCD1}">
+              <a14:hiddenFill xmlns:a14="http://schemas.microsoft.com/office/drawing/2010/main">
+                <a:solidFill>
+                  <a:schemeClr val="accent1"/>
+                </a:solidFill>
+              </a14:hiddenFill>
+            </a:ext>
+            <a:ext uri="{91240B29-F687-4f45-9708-019B960494DF}">
+              <a14:hiddenLine xmlns:a14="http://schemas.microsoft.com/office/drawing/2010/main" w="9525">
+                <a:solidFill>
+                  <a:schemeClr val="tx1"/>
+                </a:solidFill>
+                <a:miter lim="800000"/>
+                <a:headEnd/>
+                <a:tailEnd/>
+              </a14:hiddenLine>
+            </a:ext>
+          </a:extLst>
         </p:spPr>
       </p:pic>
-      <p:sp>
-        <p:nvSpPr>
-          <p:cNvPr id="4" name="Title 1"/>
-          <p:cNvSpPr txBox="1">
-            <a:spLocks/>
-          </p:cNvSpPr>
-          <p:nvPr/>
-        </p:nvSpPr>
-        <p:spPr>
-          <a:xfrm>
-            <a:off x="2445593" y="3948473"/>
-            <a:ext cx="4151015" cy="1073087"/>
-          </a:xfrm>
-          <a:prstGeom prst="rect">
-            <a:avLst/>
-          </a:prstGeom>
-          <a:effectLst/>
-        </p:spPr>
-        <p:txBody>
-          <a:bodyPr vert="horz" lIns="91440" tIns="45720" rIns="91440" bIns="45720" rtlCol="0" anchor="t" anchorCtr="0">
-            <a:noAutofit/>
-          </a:bodyPr>
-          <a:lstStyle>
-            <a:lvl1pPr marL="640080" indent="-457200" algn="l" defTabSz="914400" rtl="0" eaLnBrk="1" latinLnBrk="0" hangingPunct="1">
-              <a:spcBef>
-                <a:spcPct val="0"/>
-              </a:spcBef>
-              <a:buClr>
-                <a:schemeClr val="accent6">
-                  <a:lumMod val="75000"/>
-                </a:schemeClr>
-              </a:buClr>
-              <a:buSzPct val="128000"/>
-              <a:buFont typeface="Georgia" pitchFamily="18" charset="0"/>
-              <a:buChar char="*"/>
-              <a:defRPr sz="5400" b="1" i="0" kern="1200">
-                <a:gradFill>
-                  <a:gsLst>
-                    <a:gs pos="0">
-                      <a:schemeClr val="tx1"/>
-                    </a:gs>
-                    <a:gs pos="40000">
-                      <a:schemeClr val="tx1">
-                        <a:lumMod val="75000"/>
-                        <a:lumOff val="25000"/>
-                      </a:schemeClr>
-                    </a:gs>
-                    <a:gs pos="100000">
-                      <a:schemeClr val="tx2">
-                        <a:alpha val="65000"/>
-                      </a:schemeClr>
-                    </a:gs>
-                  </a:gsLst>
-                  <a:lin ang="5400000" scaled="0"/>
-                </a:gradFill>
-                <a:effectLst>
-                  <a:reflection blurRad="6350" stA="55000" endA="300" endPos="45500" dir="5400000" sy="-100000" algn="bl" rotWithShape="0"/>
-                </a:effectLst>
-                <a:latin typeface="+mj-lt"/>
-                <a:ea typeface="+mj-ea"/>
-                <a:cs typeface="+mj-cs"/>
-              </a:defRPr>
-            </a:lvl1pPr>
-            <a:lvl2pPr eaLnBrk="1" hangingPunct="1">
-              <a:defRPr>
-                <a:solidFill>
-                  <a:schemeClr val="tx2"/>
-                </a:solidFill>
-              </a:defRPr>
-            </a:lvl2pPr>
-            <a:lvl3pPr eaLnBrk="1" hangingPunct="1">
-              <a:defRPr>
-                <a:solidFill>
-                  <a:schemeClr val="tx2"/>
-                </a:solidFill>
-              </a:defRPr>
-            </a:lvl3pPr>
-            <a:lvl4pPr eaLnBrk="1" hangingPunct="1">
-              <a:defRPr>
-                <a:solidFill>
-                  <a:schemeClr val="tx2"/>
-                </a:solidFill>
-              </a:defRPr>
-            </a:lvl4pPr>
-            <a:lvl5pPr eaLnBrk="1" hangingPunct="1">
-              <a:defRPr>
-                <a:solidFill>
-                  <a:schemeClr val="tx2"/>
-                </a:solidFill>
-              </a:defRPr>
-            </a:lvl5pPr>
-            <a:lvl6pPr eaLnBrk="1" hangingPunct="1">
-              <a:defRPr>
-                <a:solidFill>
-                  <a:schemeClr val="tx2"/>
-                </a:solidFill>
-              </a:defRPr>
-            </a:lvl6pPr>
-            <a:lvl7pPr eaLnBrk="1" hangingPunct="1">
-              <a:defRPr>
-                <a:solidFill>
-                  <a:schemeClr val="tx2"/>
-                </a:solidFill>
-              </a:defRPr>
-            </a:lvl7pPr>
-            <a:lvl8pPr eaLnBrk="1" hangingPunct="1">
-              <a:defRPr>
-                <a:solidFill>
-                  <a:schemeClr val="tx2"/>
-                </a:solidFill>
-              </a:defRPr>
-            </a:lvl8pPr>
-            <a:lvl9pPr eaLnBrk="1" hangingPunct="1">
-              <a:defRPr>
-                <a:solidFill>
-                  <a:schemeClr val="tx2"/>
-                </a:solidFill>
-              </a:defRPr>
-            </a:lvl9pPr>
-          </a:lstStyle>
-          <a:p>
-            <a:pPr marL="182880" indent="0">
-              <a:buFont typeface="Georgia" pitchFamily="18" charset="0"/>
-              <a:buNone/>
-            </a:pPr>
-            <a:r>
-              <a:rPr lang="en-CA" smtClean="0"/>
-              <a:t>Cloud Box</a:t>
-            </a:r>
-            <a:endParaRPr lang="en-CA" dirty="0"/>
-          </a:p>
-        </p:txBody>
-      </p:sp>
-      <p:sp>
-        <p:nvSpPr>
-          <p:cNvPr id="3" name="TextBox 2"/>
-          <p:cNvSpPr txBox="1"/>
-          <p:nvPr/>
-        </p:nvSpPr>
-        <p:spPr>
-          <a:xfrm>
-            <a:off x="6372200" y="5157192"/>
-            <a:ext cx="2543293" cy="1354217"/>
-          </a:xfrm>
-          <a:prstGeom prst="rect">
-            <a:avLst/>
-          </a:prstGeom>
-          <a:noFill/>
-        </p:spPr>
-        <p:txBody>
-          <a:bodyPr wrap="square" rtlCol="0">
-            <a:spAutoFit/>
-          </a:bodyPr>
-          <a:lstStyle/>
-          <a:p>
-            <a:r>
-              <a:rPr lang="en-US" sz="1600" dirty="0" smtClean="0"/>
-              <a:t>Group 6</a:t>
-            </a:r>
-          </a:p>
-          <a:p>
-            <a:pPr marL="285750" indent="-285750">
-              <a:buFont typeface="Arial" panose="020B0604020202020204" pitchFamily="34" charset="0"/>
-              <a:buChar char="•"/>
-            </a:pPr>
-            <a:r>
-              <a:rPr lang="en-US" sz="1600" dirty="0" err="1" smtClean="0"/>
-              <a:t>Haohan</a:t>
-            </a:r>
-            <a:r>
-              <a:rPr lang="en-US" sz="1600" dirty="0" smtClean="0"/>
-              <a:t> (Harry) Xu</a:t>
-            </a:r>
-          </a:p>
-          <a:p>
-            <a:pPr marL="285750" indent="-285750">
-              <a:buFont typeface="Arial" panose="020B0604020202020204" pitchFamily="34" charset="0"/>
-              <a:buChar char="•"/>
-            </a:pPr>
-            <a:r>
-              <a:rPr lang="en-US" sz="1600" dirty="0" smtClean="0"/>
-              <a:t>Ignacio Perez</a:t>
-            </a:r>
-          </a:p>
-          <a:p>
-            <a:pPr marL="285750" indent="-285750">
-              <a:buFont typeface="Arial" panose="020B0604020202020204" pitchFamily="34" charset="0"/>
-              <a:buChar char="•"/>
-            </a:pPr>
-            <a:r>
-              <a:rPr lang="en-US" sz="1600" dirty="0" err="1" smtClean="0"/>
-              <a:t>Jitin</a:t>
-            </a:r>
-            <a:r>
-              <a:rPr lang="en-US" sz="1600" dirty="0" smtClean="0"/>
-              <a:t> Jacob</a:t>
-            </a:r>
-          </a:p>
-          <a:p>
-            <a:pPr marL="285750" indent="-285750">
-              <a:buFont typeface="Arial" panose="020B0604020202020204" pitchFamily="34" charset="0"/>
-              <a:buChar char="•"/>
-            </a:pPr>
-            <a:r>
-              <a:rPr lang="en-US" sz="1600" dirty="0" err="1" smtClean="0"/>
-              <a:t>Sashiraj</a:t>
-            </a:r>
-            <a:r>
-              <a:rPr lang="en-US" sz="1600" dirty="0" smtClean="0"/>
-              <a:t> </a:t>
-            </a:r>
-            <a:r>
-              <a:rPr lang="en-US" sz="1600" dirty="0" err="1" smtClean="0"/>
-              <a:t>Dhanrajan</a:t>
-            </a:r>
-            <a:endParaRPr lang="en-US" sz="1600" dirty="0"/>
-          </a:p>
-        </p:txBody>
-      </p:sp>
     </p:spTree>
     <p:extLst>
       <p:ext uri="{BB962C8B-B14F-4D97-AF65-F5344CB8AC3E}">
@@ -5570,7 +5045,7 @@
   <p:timing>
     <p:tnLst>
       <p:par>
-        <p:cTn id="1" dur="indefinite" restart="never" nodeType="tmRoot"/>
+        <p:cTn xmlns:p14="http://schemas.microsoft.com/office/powerpoint/2010/main" id="1" dur="indefinite" restart="never" nodeType="tmRoot"/>
       </p:par>
     </p:tnLst>
   </p:timing>
@@ -5606,7 +5081,7 @@
         </p:nvSpPr>
         <p:spPr>
           <a:xfrm>
-            <a:off x="251520" y="5094312"/>
+            <a:off x="251520" y="4653136"/>
             <a:ext cx="8640960" cy="1143000"/>
           </a:xfrm>
         </p:spPr>
@@ -5637,7 +5112,7 @@
         </p:nvSpPr>
         <p:spPr>
           <a:xfrm>
-            <a:off x="1143000" y="1322432"/>
+            <a:off x="1143000" y="731520"/>
             <a:ext cx="6400800" cy="3474720"/>
           </a:xfrm>
         </p:spPr>
@@ -5678,149 +5153,6 @@
           </a:p>
         </p:txBody>
       </p:sp>
-      <p:grpSp>
-        <p:nvGrpSpPr>
-          <p:cNvPr id="4" name="Group 3"/>
-          <p:cNvGrpSpPr/>
-          <p:nvPr/>
-        </p:nvGrpSpPr>
-        <p:grpSpPr>
-          <a:xfrm>
-            <a:off x="755576" y="360536"/>
-            <a:ext cx="7632848" cy="620192"/>
-            <a:chOff x="755576" y="360536"/>
-            <a:chExt cx="7632848" cy="620192"/>
-          </a:xfrm>
-        </p:grpSpPr>
-        <p:cxnSp>
-          <p:nvCxnSpPr>
-            <p:cNvPr id="5" name="Straight Connector 4"/>
-            <p:cNvCxnSpPr/>
-            <p:nvPr/>
-          </p:nvCxnSpPr>
-          <p:spPr>
-            <a:xfrm>
-              <a:off x="755576" y="980728"/>
-              <a:ext cx="7632848" cy="0"/>
-            </a:xfrm>
-            <a:prstGeom prst="line">
-              <a:avLst/>
-            </a:prstGeom>
-            <a:ln w="31750">
-              <a:solidFill>
-                <a:srgbClr val="C00000"/>
-              </a:solidFill>
-            </a:ln>
-          </p:spPr>
-          <p:style>
-            <a:lnRef idx="1">
-              <a:schemeClr val="accent1"/>
-            </a:lnRef>
-            <a:fillRef idx="0">
-              <a:schemeClr val="accent1"/>
-            </a:fillRef>
-            <a:effectRef idx="0">
-              <a:schemeClr val="accent1"/>
-            </a:effectRef>
-            <a:fontRef idx="minor">
-              <a:schemeClr val="tx1"/>
-            </a:fontRef>
-          </p:style>
-        </p:cxnSp>
-        <p:sp>
-          <p:nvSpPr>
-            <p:cNvPr id="6" name="TextBox 5"/>
-            <p:cNvSpPr txBox="1"/>
-            <p:nvPr/>
-          </p:nvSpPr>
-          <p:spPr>
-            <a:xfrm>
-              <a:off x="1548926" y="594561"/>
-              <a:ext cx="3024336" cy="369332"/>
-            </a:xfrm>
-            <a:prstGeom prst="rect">
-              <a:avLst/>
-            </a:prstGeom>
-            <a:noFill/>
-          </p:spPr>
-          <p:txBody>
-            <a:bodyPr wrap="square" rtlCol="0">
-              <a:spAutoFit/>
-            </a:bodyPr>
-            <a:lstStyle/>
-            <a:p>
-              <a:r>
-                <a:rPr lang="en-US" dirty="0" smtClean="0"/>
-                <a:t>Cloud Box</a:t>
-              </a:r>
-              <a:endParaRPr lang="en-US" dirty="0"/>
-            </a:p>
-          </p:txBody>
-        </p:sp>
-        <p:pic>
-          <p:nvPicPr>
-            <p:cNvPr id="7" name="Picture 4"/>
-            <p:cNvPicPr>
-              <a:picLocks noChangeAspect="1" noChangeArrowheads="1"/>
-            </p:cNvPicPr>
-            <p:nvPr/>
-          </p:nvPicPr>
-          <p:blipFill>
-            <a:blip r:embed="rId2" cstate="print">
-              <a:extLst>
-                <a:ext uri="{BEBA8EAE-BF5A-486C-A8C5-ECC9F3942E4B}">
-                  <a14:imgProps xmlns:a14="http://schemas.microsoft.com/office/drawing/2010/main">
-                    <a14:imgLayer r:embed="rId3">
-                      <a14:imgEffect>
-                        <a14:colorTemperature colorTemp="5900"/>
-                      </a14:imgEffect>
-                    </a14:imgLayer>
-                  </a14:imgProps>
-                </a:ext>
-                <a:ext uri="{28A0092B-C50C-407E-A947-70E740481C1C}">
-                  <a14:useLocalDpi xmlns:a14="http://schemas.microsoft.com/office/drawing/2010/main" val="0"/>
-                </a:ext>
-              </a:extLst>
-            </a:blip>
-            <a:srcRect/>
-            <a:stretch>
-              <a:fillRect/>
-            </a:stretch>
-          </p:blipFill>
-          <p:spPr bwMode="auto">
-            <a:xfrm>
-              <a:off x="755576" y="360536"/>
-              <a:ext cx="730880" cy="548184"/>
-            </a:xfrm>
-            <a:prstGeom prst="rect">
-              <a:avLst/>
-            </a:prstGeom>
-            <a:noFill/>
-            <a:ln>
-              <a:noFill/>
-            </a:ln>
-            <a:extLst>
-              <a:ext uri="{909E8E84-426E-40DD-AFC4-6F175D3DCCD1}">
-                <a14:hiddenFill xmlns:a14="http://schemas.microsoft.com/office/drawing/2010/main">
-                  <a:solidFill>
-                    <a:schemeClr val="accent1"/>
-                  </a:solidFill>
-                </a14:hiddenFill>
-              </a:ext>
-              <a:ext uri="{91240B29-F687-4F45-9708-019B960494DF}">
-                <a14:hiddenLine xmlns:a14="http://schemas.microsoft.com/office/drawing/2010/main" w="9525">
-                  <a:solidFill>
-                    <a:schemeClr val="tx1"/>
-                  </a:solidFill>
-                  <a:miter lim="800000"/>
-                  <a:headEnd/>
-                  <a:tailEnd/>
-                </a14:hiddenLine>
-              </a:ext>
-            </a:extLst>
-          </p:spPr>
-        </p:pic>
-      </p:grpSp>
     </p:spTree>
     <p:extLst>
       <p:ext uri="{BB962C8B-B14F-4D97-AF65-F5344CB8AC3E}">
@@ -5834,7 +5166,7 @@
   <p:timing>
     <p:tnLst>
       <p:par>
-        <p:cTn id="1" dur="indefinite" restart="never" nodeType="tmRoot"/>
+        <p:cTn xmlns:p14="http://schemas.microsoft.com/office/powerpoint/2010/main" id="1" dur="indefinite" restart="never" nodeType="tmRoot"/>
       </p:par>
     </p:tnLst>
   </p:timing>
@@ -5938,10 +5270,10 @@
           <a:p>
             <a:pPr marL="502920" lvl="2"/>
             <a:r>
-              <a:rPr lang="en-CA" sz="2000" dirty="0"/>
+              <a:rPr lang="en-CA" dirty="0" smtClean="0"/>
               <a:t>Select service server to provide service according to both responding time and current work load of server.</a:t>
             </a:r>
-            <a:endParaRPr lang="en-CA" sz="2000" dirty="0"/>
+            <a:endParaRPr lang="en-CA" dirty="0"/>
           </a:p>
           <a:p>
             <a:pPr lvl="1"/>
@@ -5949,149 +5281,6 @@
           </a:p>
         </p:txBody>
       </p:sp>
-      <p:grpSp>
-        <p:nvGrpSpPr>
-          <p:cNvPr id="4" name="Group 3"/>
-          <p:cNvGrpSpPr/>
-          <p:nvPr/>
-        </p:nvGrpSpPr>
-        <p:grpSpPr>
-          <a:xfrm>
-            <a:off x="755576" y="360536"/>
-            <a:ext cx="7632848" cy="620192"/>
-            <a:chOff x="755576" y="360536"/>
-            <a:chExt cx="7632848" cy="620192"/>
-          </a:xfrm>
-        </p:grpSpPr>
-        <p:cxnSp>
-          <p:nvCxnSpPr>
-            <p:cNvPr id="5" name="Straight Connector 4"/>
-            <p:cNvCxnSpPr/>
-            <p:nvPr/>
-          </p:nvCxnSpPr>
-          <p:spPr>
-            <a:xfrm>
-              <a:off x="755576" y="980728"/>
-              <a:ext cx="7632848" cy="0"/>
-            </a:xfrm>
-            <a:prstGeom prst="line">
-              <a:avLst/>
-            </a:prstGeom>
-            <a:ln w="31750">
-              <a:solidFill>
-                <a:srgbClr val="C00000"/>
-              </a:solidFill>
-            </a:ln>
-          </p:spPr>
-          <p:style>
-            <a:lnRef idx="1">
-              <a:schemeClr val="accent1"/>
-            </a:lnRef>
-            <a:fillRef idx="0">
-              <a:schemeClr val="accent1"/>
-            </a:fillRef>
-            <a:effectRef idx="0">
-              <a:schemeClr val="accent1"/>
-            </a:effectRef>
-            <a:fontRef idx="minor">
-              <a:schemeClr val="tx1"/>
-            </a:fontRef>
-          </p:style>
-        </p:cxnSp>
-        <p:sp>
-          <p:nvSpPr>
-            <p:cNvPr id="6" name="TextBox 5"/>
-            <p:cNvSpPr txBox="1"/>
-            <p:nvPr/>
-          </p:nvSpPr>
-          <p:spPr>
-            <a:xfrm>
-              <a:off x="1548926" y="594561"/>
-              <a:ext cx="3024336" cy="369332"/>
-            </a:xfrm>
-            <a:prstGeom prst="rect">
-              <a:avLst/>
-            </a:prstGeom>
-            <a:noFill/>
-          </p:spPr>
-          <p:txBody>
-            <a:bodyPr wrap="square" rtlCol="0">
-              <a:spAutoFit/>
-            </a:bodyPr>
-            <a:lstStyle/>
-            <a:p>
-              <a:r>
-                <a:rPr lang="en-US" dirty="0" smtClean="0"/>
-                <a:t>Cloud Box</a:t>
-              </a:r>
-              <a:endParaRPr lang="en-US" dirty="0"/>
-            </a:p>
-          </p:txBody>
-        </p:sp>
-        <p:pic>
-          <p:nvPicPr>
-            <p:cNvPr id="7" name="Picture 4"/>
-            <p:cNvPicPr>
-              <a:picLocks noChangeAspect="1" noChangeArrowheads="1"/>
-            </p:cNvPicPr>
-            <p:nvPr/>
-          </p:nvPicPr>
-          <p:blipFill>
-            <a:blip r:embed="rId2" cstate="print">
-              <a:extLst>
-                <a:ext uri="{BEBA8EAE-BF5A-486C-A8C5-ECC9F3942E4B}">
-                  <a14:imgProps xmlns:a14="http://schemas.microsoft.com/office/drawing/2010/main">
-                    <a14:imgLayer r:embed="rId3">
-                      <a14:imgEffect>
-                        <a14:colorTemperature colorTemp="5900"/>
-                      </a14:imgEffect>
-                    </a14:imgLayer>
-                  </a14:imgProps>
-                </a:ext>
-                <a:ext uri="{28A0092B-C50C-407E-A947-70E740481C1C}">
-                  <a14:useLocalDpi xmlns:a14="http://schemas.microsoft.com/office/drawing/2010/main" val="0"/>
-                </a:ext>
-              </a:extLst>
-            </a:blip>
-            <a:srcRect/>
-            <a:stretch>
-              <a:fillRect/>
-            </a:stretch>
-          </p:blipFill>
-          <p:spPr bwMode="auto">
-            <a:xfrm>
-              <a:off x="755576" y="360536"/>
-              <a:ext cx="730880" cy="548184"/>
-            </a:xfrm>
-            <a:prstGeom prst="rect">
-              <a:avLst/>
-            </a:prstGeom>
-            <a:noFill/>
-            <a:ln>
-              <a:noFill/>
-            </a:ln>
-            <a:extLst>
-              <a:ext uri="{909E8E84-426E-40DD-AFC4-6F175D3DCCD1}">
-                <a14:hiddenFill xmlns:a14="http://schemas.microsoft.com/office/drawing/2010/main">
-                  <a:solidFill>
-                    <a:schemeClr val="accent1"/>
-                  </a:solidFill>
-                </a14:hiddenFill>
-              </a:ext>
-              <a:ext uri="{91240B29-F687-4F45-9708-019B960494DF}">
-                <a14:hiddenLine xmlns:a14="http://schemas.microsoft.com/office/drawing/2010/main" w="9525">
-                  <a:solidFill>
-                    <a:schemeClr val="tx1"/>
-                  </a:solidFill>
-                  <a:miter lim="800000"/>
-                  <a:headEnd/>
-                  <a:tailEnd/>
-                </a14:hiddenLine>
-              </a:ext>
-            </a:extLst>
-          </p:spPr>
-        </p:pic>
-      </p:grpSp>
     </p:spTree>
     <p:extLst>
       <p:ext uri="{BB962C8B-B14F-4D97-AF65-F5344CB8AC3E}">
@@ -6105,7 +5294,7 @@
   <p:timing>
     <p:tnLst>
       <p:par>
-        <p:cTn id="1" dur="indefinite" restart="never" nodeType="tmRoot"/>
+        <p:cTn xmlns:p14="http://schemas.microsoft.com/office/powerpoint/2010/main" id="1" dur="indefinite" restart="never" nodeType="tmRoot"/>
       </p:par>
     </p:tnLst>
   </p:timing>
@@ -6170,12 +5359,7 @@
             <p:ph sz="quarter" idx="13"/>
           </p:nvPr>
         </p:nvSpPr>
-        <p:spPr>
-          <a:xfrm>
-            <a:off x="1143000" y="1484784"/>
-            <a:ext cx="6400800" cy="3474720"/>
-          </a:xfrm>
-        </p:spPr>
+        <p:spPr/>
         <p:txBody>
           <a:bodyPr>
             <a:normAutofit fontScale="92500" lnSpcReduction="20000"/>
@@ -6240,7 +5424,11 @@
             </a:pPr>
             <a:r>
               <a:rPr lang="en-CA" dirty="0" smtClean="0"/>
-              <a:t>MS Azure</a:t>
+              <a:t>MS </a:t>
+            </a:r>
+            <a:r>
+              <a:rPr lang="en-CA" dirty="0" smtClean="0"/>
+              <a:t>Azure</a:t>
             </a:r>
           </a:p>
           <a:p>
@@ -6266,6 +5454,7 @@
               <a:rPr lang="en-CA" dirty="0" smtClean="0"/>
               <a:t>VM runs server side application</a:t>
             </a:r>
+            <a:endParaRPr lang="en-CA" dirty="0" smtClean="0"/>
           </a:p>
           <a:p>
             <a:pPr>
@@ -6278,9 +5467,8 @@
             </a:r>
             <a:r>
               <a:rPr lang="en-CA" dirty="0" smtClean="0"/>
-              <a:t>/Git</a:t>
-            </a:r>
-            <a:endParaRPr lang="en-CA" dirty="0" smtClean="0"/>
+              <a:t>/git</a:t>
+            </a:r>
           </a:p>
           <a:p>
             <a:pPr marL="45720" indent="0">
@@ -6289,156 +5477,10 @@
             <a:endParaRPr lang="en-CA" dirty="0" smtClean="0"/>
           </a:p>
           <a:p>
-            <a:pPr marL="45720" indent="0">
-              <a:buNone/>
-            </a:pPr>
             <a:endParaRPr lang="en-CA" dirty="0" smtClean="0"/>
           </a:p>
         </p:txBody>
       </p:sp>
-      <p:grpSp>
-        <p:nvGrpSpPr>
-          <p:cNvPr id="4" name="Group 3"/>
-          <p:cNvGrpSpPr/>
-          <p:nvPr/>
-        </p:nvGrpSpPr>
-        <p:grpSpPr>
-          <a:xfrm>
-            <a:off x="755576" y="360536"/>
-            <a:ext cx="7632848" cy="620192"/>
-            <a:chOff x="755576" y="360536"/>
-            <a:chExt cx="7632848" cy="620192"/>
-          </a:xfrm>
-        </p:grpSpPr>
-        <p:cxnSp>
-          <p:nvCxnSpPr>
-            <p:cNvPr id="5" name="Straight Connector 4"/>
-            <p:cNvCxnSpPr/>
-            <p:nvPr/>
-          </p:nvCxnSpPr>
-          <p:spPr>
-            <a:xfrm>
-              <a:off x="755576" y="980728"/>
-              <a:ext cx="7632848" cy="0"/>
-            </a:xfrm>
-            <a:prstGeom prst="line">
-              <a:avLst/>
-            </a:prstGeom>
-            <a:ln w="31750">
-              <a:solidFill>
-                <a:srgbClr val="C00000"/>
-              </a:solidFill>
-            </a:ln>
-          </p:spPr>
-          <p:style>
-            <a:lnRef idx="1">
-              <a:schemeClr val="accent1"/>
-            </a:lnRef>
-            <a:fillRef idx="0">
-              <a:schemeClr val="accent1"/>
-            </a:fillRef>
-            <a:effectRef idx="0">
-              <a:schemeClr val="accent1"/>
-            </a:effectRef>
-            <a:fontRef idx="minor">
-              <a:schemeClr val="tx1"/>
-            </a:fontRef>
-          </p:style>
-        </p:cxnSp>
-        <p:sp>
-          <p:nvSpPr>
-            <p:cNvPr id="6" name="TextBox 5"/>
-            <p:cNvSpPr txBox="1"/>
-            <p:nvPr/>
-          </p:nvSpPr>
-          <p:spPr>
-            <a:xfrm>
-              <a:off x="1548926" y="594561"/>
-              <a:ext cx="3024336" cy="369332"/>
-            </a:xfrm>
-            <a:prstGeom prst="rect">
-              <a:avLst/>
-            </a:prstGeom>
-            <a:noFill/>
-          </p:spPr>
-          <p:txBody>
-            <a:bodyPr wrap="square" rtlCol="0">
-              <a:spAutoFit/>
-            </a:bodyPr>
-            <a:lstStyle/>
-            <a:p>
-              <a:r>
-                <a:rPr lang="en-US" dirty="0" smtClean="0"/>
-                <a:t>Cloud Box</a:t>
-              </a:r>
-              <a:endParaRPr lang="en-US" dirty="0"/>
-            </a:p>
-          </p:txBody>
-        </p:sp>
-        <p:pic>
-          <p:nvPicPr>
-            <p:cNvPr id="7" name="Picture 4"/>
-            <p:cNvPicPr>
-              <a:picLocks noChangeAspect="1" noChangeArrowheads="1"/>
-            </p:cNvPicPr>
-            <p:nvPr/>
-          </p:nvPicPr>
-          <p:blipFill>
-            <a:blip r:embed="rId2" cstate="print">
-              <a:extLst>
-                <a:ext uri="{BEBA8EAE-BF5A-486C-A8C5-ECC9F3942E4B}">
-                  <a14:imgProps xmlns:a14="http://schemas.microsoft.com/office/drawing/2010/main">
-                    <a14:imgLayer r:embed="rId3">
-                      <a14:imgEffect>
-                        <a14:colorTemperature colorTemp="5900"/>
-                      </a14:imgEffect>
-                    </a14:imgLayer>
-                  </a14:imgProps>
-                </a:ext>
-                <a:ext uri="{28A0092B-C50C-407E-A947-70E740481C1C}">
-                  <a14:useLocalDpi xmlns:a14="http://schemas.microsoft.com/office/drawing/2010/main" val="0"/>
-                </a:ext>
-              </a:extLst>
-            </a:blip>
-            <a:srcRect/>
-            <a:stretch>
-              <a:fillRect/>
-            </a:stretch>
-          </p:blipFill>
-          <p:spPr bwMode="auto">
-            <a:xfrm>
-              <a:off x="755576" y="360536"/>
-              <a:ext cx="730880" cy="548184"/>
-            </a:xfrm>
-            <a:prstGeom prst="rect">
-              <a:avLst/>
-            </a:prstGeom>
-            <a:noFill/>
-            <a:ln>
-              <a:noFill/>
-            </a:ln>
-            <a:extLst>
-              <a:ext uri="{909E8E84-426E-40DD-AFC4-6F175D3DCCD1}">
-                <a14:hiddenFill xmlns:a14="http://schemas.microsoft.com/office/drawing/2010/main">
-                  <a:solidFill>
-                    <a:schemeClr val="accent1"/>
-                  </a:solidFill>
-                </a14:hiddenFill>
-              </a:ext>
-              <a:ext uri="{91240B29-F687-4F45-9708-019B960494DF}">
-                <a14:hiddenLine xmlns:a14="http://schemas.microsoft.com/office/drawing/2010/main" w="9525">
-                  <a:solidFill>
-                    <a:schemeClr val="tx1"/>
-                  </a:solidFill>
-                  <a:miter lim="800000"/>
-                  <a:headEnd/>
-                  <a:tailEnd/>
-                </a14:hiddenLine>
-              </a:ext>
-            </a:extLst>
-          </p:spPr>
-        </p:pic>
-      </p:grpSp>
     </p:spTree>
     <p:extLst>
       <p:ext uri="{BB962C8B-B14F-4D97-AF65-F5344CB8AC3E}">
@@ -6452,7 +5494,7 @@
   <p:timing>
     <p:tnLst>
       <p:par>
-        <p:cTn id="1" dur="indefinite" restart="never" nodeType="tmRoot"/>
+        <p:cTn xmlns:p14="http://schemas.microsoft.com/office/powerpoint/2010/main" id="1" dur="indefinite" restart="never" nodeType="tmRoot"/>
       </p:par>
     </p:tnLst>
   </p:timing>
@@ -6488,7 +5530,7 @@
         </p:nvSpPr>
         <p:spPr>
           <a:xfrm>
-            <a:off x="1793289" y="5526360"/>
+            <a:off x="1793289" y="5022304"/>
             <a:ext cx="6512511" cy="1143000"/>
           </a:xfrm>
         </p:spPr>
@@ -6517,12 +5559,7 @@
             <p:ph sz="quarter" idx="13"/>
           </p:nvPr>
         </p:nvSpPr>
-        <p:spPr>
-          <a:xfrm>
-            <a:off x="1143000" y="1196752"/>
-            <a:ext cx="6400800" cy="3009488"/>
-          </a:xfrm>
-        </p:spPr>
+        <p:spPr/>
         <p:txBody>
           <a:bodyPr/>
           <a:lstStyle/>
@@ -6543,7 +5580,7 @@
         </p:nvGrpSpPr>
         <p:grpSpPr>
           <a:xfrm>
-            <a:off x="24261" y="1825922"/>
+            <a:off x="24261" y="1484784"/>
             <a:ext cx="9012235" cy="3547294"/>
             <a:chOff x="24261" y="1340768"/>
             <a:chExt cx="9372275" cy="3691310"/>
@@ -6583,14 +5620,14 @@
               <a:noFill/>
             </a:ln>
             <a:extLst>
-              <a:ext uri="{909E8E84-426E-40DD-AFC4-6F175D3DCCD1}">
+              <a:ext uri="{909E8E84-426E-40dd-AFC4-6F175D3DCCD1}">
                 <a14:hiddenFill xmlns:a14="http://schemas.microsoft.com/office/drawing/2010/main">
                   <a:solidFill>
                     <a:schemeClr val="accent1"/>
                   </a:solidFill>
                 </a14:hiddenFill>
               </a:ext>
-              <a:ext uri="{91240B29-F687-4F45-9708-019B960494DF}">
+              <a:ext uri="{91240B29-F687-4f45-9708-019B960494DF}">
                 <a14:hiddenLine xmlns:a14="http://schemas.microsoft.com/office/drawing/2010/main" w="9525">
                   <a:solidFill>
                     <a:schemeClr val="tx1"/>
@@ -6635,157 +5672,14 @@
               <a:noFill/>
             </a:ln>
             <a:extLst>
-              <a:ext uri="{909E8E84-426E-40DD-AFC4-6F175D3DCCD1}">
+              <a:ext uri="{909E8E84-426E-40dd-AFC4-6F175D3DCCD1}">
                 <a14:hiddenFill xmlns:a14="http://schemas.microsoft.com/office/drawing/2010/main">
                   <a:solidFill>
                     <a:schemeClr val="accent1"/>
                   </a:solidFill>
                 </a14:hiddenFill>
               </a:ext>
-              <a:ext uri="{91240B29-F687-4F45-9708-019B960494DF}">
-                <a14:hiddenLine xmlns:a14="http://schemas.microsoft.com/office/drawing/2010/main" w="9525">
-                  <a:solidFill>
-                    <a:schemeClr val="tx1"/>
-                  </a:solidFill>
-                  <a:miter lim="800000"/>
-                  <a:headEnd/>
-                  <a:tailEnd/>
-                </a14:hiddenLine>
-              </a:ext>
-            </a:extLst>
-          </p:spPr>
-        </p:pic>
-      </p:grpSp>
-      <p:grpSp>
-        <p:nvGrpSpPr>
-          <p:cNvPr id="7" name="Group 6"/>
-          <p:cNvGrpSpPr/>
-          <p:nvPr/>
-        </p:nvGrpSpPr>
-        <p:grpSpPr>
-          <a:xfrm>
-            <a:off x="755576" y="360536"/>
-            <a:ext cx="7632848" cy="620192"/>
-            <a:chOff x="755576" y="360536"/>
-            <a:chExt cx="7632848" cy="620192"/>
-          </a:xfrm>
-        </p:grpSpPr>
-        <p:cxnSp>
-          <p:nvCxnSpPr>
-            <p:cNvPr id="8" name="Straight Connector 7"/>
-            <p:cNvCxnSpPr/>
-            <p:nvPr/>
-          </p:nvCxnSpPr>
-          <p:spPr>
-            <a:xfrm>
-              <a:off x="755576" y="980728"/>
-              <a:ext cx="7632848" cy="0"/>
-            </a:xfrm>
-            <a:prstGeom prst="line">
-              <a:avLst/>
-            </a:prstGeom>
-            <a:ln w="31750">
-              <a:solidFill>
-                <a:srgbClr val="C00000"/>
-              </a:solidFill>
-            </a:ln>
-          </p:spPr>
-          <p:style>
-            <a:lnRef idx="1">
-              <a:schemeClr val="accent1"/>
-            </a:lnRef>
-            <a:fillRef idx="0">
-              <a:schemeClr val="accent1"/>
-            </a:fillRef>
-            <a:effectRef idx="0">
-              <a:schemeClr val="accent1"/>
-            </a:effectRef>
-            <a:fontRef idx="minor">
-              <a:schemeClr val="tx1"/>
-            </a:fontRef>
-          </p:style>
-        </p:cxnSp>
-        <p:sp>
-          <p:nvSpPr>
-            <p:cNvPr id="9" name="TextBox 8"/>
-            <p:cNvSpPr txBox="1"/>
-            <p:nvPr/>
-          </p:nvSpPr>
-          <p:spPr>
-            <a:xfrm>
-              <a:off x="1548926" y="594561"/>
-              <a:ext cx="3024336" cy="369332"/>
-            </a:xfrm>
-            <a:prstGeom prst="rect">
-              <a:avLst/>
-            </a:prstGeom>
-            <a:noFill/>
-          </p:spPr>
-          <p:txBody>
-            <a:bodyPr wrap="square" rtlCol="0">
-              <a:spAutoFit/>
-            </a:bodyPr>
-            <a:lstStyle/>
-            <a:p>
-              <a:r>
-                <a:rPr lang="en-US" dirty="0" smtClean="0"/>
-                <a:t>Cloud Box</a:t>
-              </a:r>
-              <a:endParaRPr lang="en-US" dirty="0"/>
-            </a:p>
-          </p:txBody>
-        </p:sp>
-        <p:pic>
-          <p:nvPicPr>
-            <p:cNvPr id="10" name="Picture 4"/>
-            <p:cNvPicPr>
-              <a:picLocks noChangeAspect="1" noChangeArrowheads="1"/>
-            </p:cNvPicPr>
-            <p:nvPr/>
-          </p:nvPicPr>
-          <p:blipFill>
-            <a:blip r:embed="rId4" cstate="print">
-              <a:extLst>
-                <a:ext uri="{BEBA8EAE-BF5A-486C-A8C5-ECC9F3942E4B}">
-                  <a14:imgProps xmlns:a14="http://schemas.microsoft.com/office/drawing/2010/main">
-                    <a14:imgLayer r:embed="rId5">
-                      <a14:imgEffect>
-                        <a14:colorTemperature colorTemp="5900"/>
-                      </a14:imgEffect>
-                    </a14:imgLayer>
-                  </a14:imgProps>
-                </a:ext>
-                <a:ext uri="{28A0092B-C50C-407E-A947-70E740481C1C}">
-                  <a14:useLocalDpi xmlns:a14="http://schemas.microsoft.com/office/drawing/2010/main" val="0"/>
-                </a:ext>
-              </a:extLst>
-            </a:blip>
-            <a:srcRect/>
-            <a:stretch>
-              <a:fillRect/>
-            </a:stretch>
-          </p:blipFill>
-          <p:spPr bwMode="auto">
-            <a:xfrm>
-              <a:off x="755576" y="360536"/>
-              <a:ext cx="730880" cy="548184"/>
-            </a:xfrm>
-            <a:prstGeom prst="rect">
-              <a:avLst/>
-            </a:prstGeom>
-            <a:noFill/>
-            <a:ln>
-              <a:noFill/>
-            </a:ln>
-            <a:extLst>
-              <a:ext uri="{909E8E84-426E-40DD-AFC4-6F175D3DCCD1}">
-                <a14:hiddenFill xmlns:a14="http://schemas.microsoft.com/office/drawing/2010/main">
-                  <a:solidFill>
-                    <a:schemeClr val="accent1"/>
-                  </a:solidFill>
-                </a14:hiddenFill>
-              </a:ext>
-              <a:ext uri="{91240B29-F687-4F45-9708-019B960494DF}">
+              <a:ext uri="{91240B29-F687-4f45-9708-019B960494DF}">
                 <a14:hiddenLine xmlns:a14="http://schemas.microsoft.com/office/drawing/2010/main" w="9525">
                   <a:solidFill>
                     <a:schemeClr val="tx1"/>
@@ -6812,7 +5706,7 @@
   <p:timing>
     <p:tnLst>
       <p:par>
-        <p:cTn id="1" dur="indefinite" restart="never" nodeType="tmRoot"/>
+        <p:cTn xmlns:p14="http://schemas.microsoft.com/office/powerpoint/2010/main" id="1" dur="indefinite" restart="never" nodeType="tmRoot"/>
       </p:par>
     </p:tnLst>
   </p:timing>
@@ -6846,12 +5740,7 @@
             <p:ph sz="quarter" idx="13"/>
           </p:nvPr>
         </p:nvSpPr>
-        <p:spPr>
-          <a:xfrm>
-            <a:off x="467544" y="1114631"/>
-            <a:ext cx="6400800" cy="3474720"/>
-          </a:xfrm>
-        </p:spPr>
+        <p:spPr/>
         <p:txBody>
           <a:bodyPr/>
           <a:lstStyle/>
@@ -6933,7 +5822,7 @@
         </p:nvGraphicFramePr>
         <p:xfrm>
           <a:off x="5010727" y="1286593"/>
-          <a:ext cx="4025769" cy="3983676"/>
+          <a:ext cx="4025769" cy="3983583"/>
         </p:xfrm>
         <a:graphic>
           <a:graphicData uri="http://schemas.openxmlformats.org/drawingml/2006/table">
@@ -8318,14 +7207,14 @@
           </a:ln>
           <a:effectLst/>
           <a:extLst>
-            <a:ext uri="{909E8E84-426E-40DD-AFC4-6F175D3DCCD1}">
+            <a:ext uri="{909E8E84-426E-40dd-AFC4-6F175D3DCCD1}">
               <a14:hiddenFill xmlns:a14="http://schemas.microsoft.com/office/drawing/2010/main">
                 <a:solidFill>
                   <a:schemeClr val="accent1"/>
                 </a:solidFill>
               </a14:hiddenFill>
             </a:ext>
-            <a:ext uri="{91240B29-F687-4F45-9708-019B960494DF}">
+            <a:ext uri="{91240B29-F687-4f45-9708-019B960494DF}">
               <a14:hiddenLine xmlns:a14="http://schemas.microsoft.com/office/drawing/2010/main" w="9525">
                 <a:solidFill>
                   <a:schemeClr val="tx1"/>
@@ -8335,7 +7224,7 @@
                 <a:tailEnd/>
               </a14:hiddenLine>
             </a:ext>
-            <a:ext uri="{AF507438-7753-43E0-B8FC-AC1667EBCBE1}">
+            <a:ext uri="{AF507438-7753-43e0-B8FC-AC1667EBCBE1}">
               <a14:hiddenEffects xmlns:a14="http://schemas.microsoft.com/office/drawing/2010/main">
                 <a:effectLst>
                   <a:outerShdw dist="35921" dir="2700000" algn="ctr" rotWithShape="0">
@@ -8385,149 +7274,6 @@
           </a:p>
         </p:txBody>
       </p:sp>
-      <p:grpSp>
-        <p:nvGrpSpPr>
-          <p:cNvPr id="10" name="Group 9"/>
-          <p:cNvGrpSpPr/>
-          <p:nvPr/>
-        </p:nvGrpSpPr>
-        <p:grpSpPr>
-          <a:xfrm>
-            <a:off x="755576" y="360536"/>
-            <a:ext cx="7632848" cy="620192"/>
-            <a:chOff x="755576" y="360536"/>
-            <a:chExt cx="7632848" cy="620192"/>
-          </a:xfrm>
-        </p:grpSpPr>
-        <p:cxnSp>
-          <p:nvCxnSpPr>
-            <p:cNvPr id="11" name="Straight Connector 10"/>
-            <p:cNvCxnSpPr/>
-            <p:nvPr/>
-          </p:nvCxnSpPr>
-          <p:spPr>
-            <a:xfrm>
-              <a:off x="755576" y="980728"/>
-              <a:ext cx="7632848" cy="0"/>
-            </a:xfrm>
-            <a:prstGeom prst="line">
-              <a:avLst/>
-            </a:prstGeom>
-            <a:ln w="31750">
-              <a:solidFill>
-                <a:srgbClr val="C00000"/>
-              </a:solidFill>
-            </a:ln>
-          </p:spPr>
-          <p:style>
-            <a:lnRef idx="1">
-              <a:schemeClr val="accent1"/>
-            </a:lnRef>
-            <a:fillRef idx="0">
-              <a:schemeClr val="accent1"/>
-            </a:fillRef>
-            <a:effectRef idx="0">
-              <a:schemeClr val="accent1"/>
-            </a:effectRef>
-            <a:fontRef idx="minor">
-              <a:schemeClr val="tx1"/>
-            </a:fontRef>
-          </p:style>
-        </p:cxnSp>
-        <p:sp>
-          <p:nvSpPr>
-            <p:cNvPr id="12" name="TextBox 11"/>
-            <p:cNvSpPr txBox="1"/>
-            <p:nvPr/>
-          </p:nvSpPr>
-          <p:spPr>
-            <a:xfrm>
-              <a:off x="1548926" y="594561"/>
-              <a:ext cx="3024336" cy="369332"/>
-            </a:xfrm>
-            <a:prstGeom prst="rect">
-              <a:avLst/>
-            </a:prstGeom>
-            <a:noFill/>
-          </p:spPr>
-          <p:txBody>
-            <a:bodyPr wrap="square" rtlCol="0">
-              <a:spAutoFit/>
-            </a:bodyPr>
-            <a:lstStyle/>
-            <a:p>
-              <a:r>
-                <a:rPr lang="en-US" dirty="0" smtClean="0"/>
-                <a:t>Cloud Box</a:t>
-              </a:r>
-              <a:endParaRPr lang="en-US" dirty="0"/>
-            </a:p>
-          </p:txBody>
-        </p:sp>
-        <p:pic>
-          <p:nvPicPr>
-            <p:cNvPr id="13" name="Picture 4"/>
-            <p:cNvPicPr>
-              <a:picLocks noChangeAspect="1" noChangeArrowheads="1"/>
-            </p:cNvPicPr>
-            <p:nvPr/>
-          </p:nvPicPr>
-          <p:blipFill>
-            <a:blip r:embed="rId3" cstate="print">
-              <a:extLst>
-                <a:ext uri="{BEBA8EAE-BF5A-486C-A8C5-ECC9F3942E4B}">
-                  <a14:imgProps xmlns:a14="http://schemas.microsoft.com/office/drawing/2010/main">
-                    <a14:imgLayer r:embed="rId4">
-                      <a14:imgEffect>
-                        <a14:colorTemperature colorTemp="5900"/>
-                      </a14:imgEffect>
-                    </a14:imgLayer>
-                  </a14:imgProps>
-                </a:ext>
-                <a:ext uri="{28A0092B-C50C-407E-A947-70E740481C1C}">
-                  <a14:useLocalDpi xmlns:a14="http://schemas.microsoft.com/office/drawing/2010/main" val="0"/>
-                </a:ext>
-              </a:extLst>
-            </a:blip>
-            <a:srcRect/>
-            <a:stretch>
-              <a:fillRect/>
-            </a:stretch>
-          </p:blipFill>
-          <p:spPr bwMode="auto">
-            <a:xfrm>
-              <a:off x="755576" y="360536"/>
-              <a:ext cx="730880" cy="548184"/>
-            </a:xfrm>
-            <a:prstGeom prst="rect">
-              <a:avLst/>
-            </a:prstGeom>
-            <a:noFill/>
-            <a:ln>
-              <a:noFill/>
-            </a:ln>
-            <a:extLst>
-              <a:ext uri="{909E8E84-426E-40DD-AFC4-6F175D3DCCD1}">
-                <a14:hiddenFill xmlns:a14="http://schemas.microsoft.com/office/drawing/2010/main">
-                  <a:solidFill>
-                    <a:schemeClr val="accent1"/>
-                  </a:solidFill>
-                </a14:hiddenFill>
-              </a:ext>
-              <a:ext uri="{91240B29-F687-4F45-9708-019B960494DF}">
-                <a14:hiddenLine xmlns:a14="http://schemas.microsoft.com/office/drawing/2010/main" w="9525">
-                  <a:solidFill>
-                    <a:schemeClr val="tx1"/>
-                  </a:solidFill>
-                  <a:miter lim="800000"/>
-                  <a:headEnd/>
-                  <a:tailEnd/>
-                </a14:hiddenLine>
-              </a:ext>
-            </a:extLst>
-          </p:spPr>
-        </p:pic>
-      </p:grpSp>
     </p:spTree>
     <p:extLst>
       <p:ext uri="{BB962C8B-B14F-4D97-AF65-F5344CB8AC3E}">
@@ -8541,7 +7287,7 @@
   <p:timing>
     <p:tnLst>
       <p:par>
-        <p:cTn id="1" dur="indefinite" restart="never" nodeType="tmRoot"/>
+        <p:cTn xmlns:p14="http://schemas.microsoft.com/office/powerpoint/2010/main" id="1" dur="indefinite" restart="never" nodeType="tmRoot"/>
       </p:par>
     </p:tnLst>
   </p:timing>
@@ -8575,12 +7321,7 @@
             <p:ph type="title"/>
           </p:nvPr>
         </p:nvSpPr>
-        <p:spPr>
-          <a:xfrm>
-            <a:off x="1793289" y="5382344"/>
-            <a:ext cx="6512511" cy="1143000"/>
-          </a:xfrm>
-        </p:spPr>
+        <p:spPr/>
         <p:txBody>
           <a:bodyPr/>
           <a:lstStyle/>
@@ -8606,12 +7347,7 @@
             <p:ph sz="quarter" idx="13"/>
           </p:nvPr>
         </p:nvSpPr>
-        <p:spPr>
-          <a:xfrm>
-            <a:off x="1143000" y="1741696"/>
-            <a:ext cx="6400800" cy="3474720"/>
-          </a:xfrm>
-        </p:spPr>
+        <p:spPr/>
         <p:txBody>
           <a:bodyPr/>
           <a:lstStyle/>
@@ -8659,149 +7395,6 @@
           </a:p>
         </p:txBody>
       </p:sp>
-      <p:grpSp>
-        <p:nvGrpSpPr>
-          <p:cNvPr id="8" name="Group 7"/>
-          <p:cNvGrpSpPr/>
-          <p:nvPr/>
-        </p:nvGrpSpPr>
-        <p:grpSpPr>
-          <a:xfrm>
-            <a:off x="755576" y="360536"/>
-            <a:ext cx="7632848" cy="620192"/>
-            <a:chOff x="755576" y="360536"/>
-            <a:chExt cx="7632848" cy="620192"/>
-          </a:xfrm>
-        </p:grpSpPr>
-        <p:cxnSp>
-          <p:nvCxnSpPr>
-            <p:cNvPr id="5" name="Straight Connector 4"/>
-            <p:cNvCxnSpPr/>
-            <p:nvPr/>
-          </p:nvCxnSpPr>
-          <p:spPr>
-            <a:xfrm>
-              <a:off x="755576" y="980728"/>
-              <a:ext cx="7632848" cy="0"/>
-            </a:xfrm>
-            <a:prstGeom prst="line">
-              <a:avLst/>
-            </a:prstGeom>
-            <a:ln w="31750">
-              <a:solidFill>
-                <a:srgbClr val="C00000"/>
-              </a:solidFill>
-            </a:ln>
-          </p:spPr>
-          <p:style>
-            <a:lnRef idx="1">
-              <a:schemeClr val="accent1"/>
-            </a:lnRef>
-            <a:fillRef idx="0">
-              <a:schemeClr val="accent1"/>
-            </a:fillRef>
-            <a:effectRef idx="0">
-              <a:schemeClr val="accent1"/>
-            </a:effectRef>
-            <a:fontRef idx="minor">
-              <a:schemeClr val="tx1"/>
-            </a:fontRef>
-          </p:style>
-        </p:cxnSp>
-        <p:sp>
-          <p:nvSpPr>
-            <p:cNvPr id="6" name="TextBox 5"/>
-            <p:cNvSpPr txBox="1"/>
-            <p:nvPr/>
-          </p:nvSpPr>
-          <p:spPr>
-            <a:xfrm>
-              <a:off x="1548926" y="594561"/>
-              <a:ext cx="3024336" cy="369332"/>
-            </a:xfrm>
-            <a:prstGeom prst="rect">
-              <a:avLst/>
-            </a:prstGeom>
-            <a:noFill/>
-          </p:spPr>
-          <p:txBody>
-            <a:bodyPr wrap="square" rtlCol="0">
-              <a:spAutoFit/>
-            </a:bodyPr>
-            <a:lstStyle/>
-            <a:p>
-              <a:r>
-                <a:rPr lang="en-US" dirty="0" smtClean="0"/>
-                <a:t>Cloud Box</a:t>
-              </a:r>
-              <a:endParaRPr lang="en-US" dirty="0"/>
-            </a:p>
-          </p:txBody>
-        </p:sp>
-        <p:pic>
-          <p:nvPicPr>
-            <p:cNvPr id="7" name="Picture 4"/>
-            <p:cNvPicPr>
-              <a:picLocks noChangeAspect="1" noChangeArrowheads="1"/>
-            </p:cNvPicPr>
-            <p:nvPr/>
-          </p:nvPicPr>
-          <p:blipFill>
-            <a:blip r:embed="rId2" cstate="print">
-              <a:extLst>
-                <a:ext uri="{BEBA8EAE-BF5A-486C-A8C5-ECC9F3942E4B}">
-                  <a14:imgProps xmlns:a14="http://schemas.microsoft.com/office/drawing/2010/main">
-                    <a14:imgLayer r:embed="rId3">
-                      <a14:imgEffect>
-                        <a14:colorTemperature colorTemp="5900"/>
-                      </a14:imgEffect>
-                    </a14:imgLayer>
-                  </a14:imgProps>
-                </a:ext>
-                <a:ext uri="{28A0092B-C50C-407E-A947-70E740481C1C}">
-                  <a14:useLocalDpi xmlns:a14="http://schemas.microsoft.com/office/drawing/2010/main" val="0"/>
-                </a:ext>
-              </a:extLst>
-            </a:blip>
-            <a:srcRect/>
-            <a:stretch>
-              <a:fillRect/>
-            </a:stretch>
-          </p:blipFill>
-          <p:spPr bwMode="auto">
-            <a:xfrm>
-              <a:off x="755576" y="360536"/>
-              <a:ext cx="730880" cy="548184"/>
-            </a:xfrm>
-            <a:prstGeom prst="rect">
-              <a:avLst/>
-            </a:prstGeom>
-            <a:noFill/>
-            <a:ln>
-              <a:noFill/>
-            </a:ln>
-            <a:extLst>
-              <a:ext uri="{909E8E84-426E-40DD-AFC4-6F175D3DCCD1}">
-                <a14:hiddenFill xmlns:a14="http://schemas.microsoft.com/office/drawing/2010/main">
-                  <a:solidFill>
-                    <a:schemeClr val="accent1"/>
-                  </a:solidFill>
-                </a14:hiddenFill>
-              </a:ext>
-              <a:ext uri="{91240B29-F687-4F45-9708-019B960494DF}">
-                <a14:hiddenLine xmlns:a14="http://schemas.microsoft.com/office/drawing/2010/main" w="9525">
-                  <a:solidFill>
-                    <a:schemeClr val="tx1"/>
-                  </a:solidFill>
-                  <a:miter lim="800000"/>
-                  <a:headEnd/>
-                  <a:tailEnd/>
-                </a14:hiddenLine>
-              </a:ext>
-            </a:extLst>
-          </p:spPr>
-        </p:pic>
-      </p:grpSp>
     </p:spTree>
     <p:extLst>
       <p:ext uri="{BB962C8B-B14F-4D97-AF65-F5344CB8AC3E}">
@@ -8815,7 +7408,7 @@
   <p:timing>
     <p:tnLst>
       <p:par>
-        <p:cTn id="1" dur="indefinite" restart="never" nodeType="tmRoot"/>
+        <p:cTn xmlns:p14="http://schemas.microsoft.com/office/powerpoint/2010/main" id="1" dur="indefinite" restart="never" nodeType="tmRoot"/>
       </p:par>
     </p:tnLst>
   </p:timing>
@@ -8880,12 +7473,7 @@
             <p:ph sz="quarter" idx="13"/>
           </p:nvPr>
         </p:nvSpPr>
-        <p:spPr>
-          <a:xfrm>
-            <a:off x="1143000" y="1340768"/>
-            <a:ext cx="6400800" cy="3474720"/>
-          </a:xfrm>
-        </p:spPr>
+        <p:spPr/>
         <p:txBody>
           <a:bodyPr>
             <a:normAutofit lnSpcReduction="10000"/>
@@ -8974,149 +7562,6 @@
           </a:p>
         </p:txBody>
       </p:sp>
-      <p:grpSp>
-        <p:nvGrpSpPr>
-          <p:cNvPr id="4" name="Group 3"/>
-          <p:cNvGrpSpPr/>
-          <p:nvPr/>
-        </p:nvGrpSpPr>
-        <p:grpSpPr>
-          <a:xfrm>
-            <a:off x="755576" y="360536"/>
-            <a:ext cx="7632848" cy="620192"/>
-            <a:chOff x="755576" y="360536"/>
-            <a:chExt cx="7632848" cy="620192"/>
-          </a:xfrm>
-        </p:grpSpPr>
-        <p:cxnSp>
-          <p:nvCxnSpPr>
-            <p:cNvPr id="5" name="Straight Connector 4"/>
-            <p:cNvCxnSpPr/>
-            <p:nvPr/>
-          </p:nvCxnSpPr>
-          <p:spPr>
-            <a:xfrm>
-              <a:off x="755576" y="980728"/>
-              <a:ext cx="7632848" cy="0"/>
-            </a:xfrm>
-            <a:prstGeom prst="line">
-              <a:avLst/>
-            </a:prstGeom>
-            <a:ln w="31750">
-              <a:solidFill>
-                <a:srgbClr val="C00000"/>
-              </a:solidFill>
-            </a:ln>
-          </p:spPr>
-          <p:style>
-            <a:lnRef idx="1">
-              <a:schemeClr val="accent1"/>
-            </a:lnRef>
-            <a:fillRef idx="0">
-              <a:schemeClr val="accent1"/>
-            </a:fillRef>
-            <a:effectRef idx="0">
-              <a:schemeClr val="accent1"/>
-            </a:effectRef>
-            <a:fontRef idx="minor">
-              <a:schemeClr val="tx1"/>
-            </a:fontRef>
-          </p:style>
-        </p:cxnSp>
-        <p:sp>
-          <p:nvSpPr>
-            <p:cNvPr id="6" name="TextBox 5"/>
-            <p:cNvSpPr txBox="1"/>
-            <p:nvPr/>
-          </p:nvSpPr>
-          <p:spPr>
-            <a:xfrm>
-              <a:off x="1548926" y="594561"/>
-              <a:ext cx="3024336" cy="369332"/>
-            </a:xfrm>
-            <a:prstGeom prst="rect">
-              <a:avLst/>
-            </a:prstGeom>
-            <a:noFill/>
-          </p:spPr>
-          <p:txBody>
-            <a:bodyPr wrap="square" rtlCol="0">
-              <a:spAutoFit/>
-            </a:bodyPr>
-            <a:lstStyle/>
-            <a:p>
-              <a:r>
-                <a:rPr lang="en-US" dirty="0" smtClean="0"/>
-                <a:t>Cloud Box</a:t>
-              </a:r>
-              <a:endParaRPr lang="en-US" dirty="0"/>
-            </a:p>
-          </p:txBody>
-        </p:sp>
-        <p:pic>
-          <p:nvPicPr>
-            <p:cNvPr id="7" name="Picture 4"/>
-            <p:cNvPicPr>
-              <a:picLocks noChangeAspect="1" noChangeArrowheads="1"/>
-            </p:cNvPicPr>
-            <p:nvPr/>
-          </p:nvPicPr>
-          <p:blipFill>
-            <a:blip r:embed="rId2" cstate="print">
-              <a:extLst>
-                <a:ext uri="{BEBA8EAE-BF5A-486C-A8C5-ECC9F3942E4B}">
-                  <a14:imgProps xmlns:a14="http://schemas.microsoft.com/office/drawing/2010/main">
-                    <a14:imgLayer r:embed="rId3">
-                      <a14:imgEffect>
-                        <a14:colorTemperature colorTemp="5900"/>
-                      </a14:imgEffect>
-                    </a14:imgLayer>
-                  </a14:imgProps>
-                </a:ext>
-                <a:ext uri="{28A0092B-C50C-407E-A947-70E740481C1C}">
-                  <a14:useLocalDpi xmlns:a14="http://schemas.microsoft.com/office/drawing/2010/main" val="0"/>
-                </a:ext>
-              </a:extLst>
-            </a:blip>
-            <a:srcRect/>
-            <a:stretch>
-              <a:fillRect/>
-            </a:stretch>
-          </p:blipFill>
-          <p:spPr bwMode="auto">
-            <a:xfrm>
-              <a:off x="755576" y="360536"/>
-              <a:ext cx="730880" cy="548184"/>
-            </a:xfrm>
-            <a:prstGeom prst="rect">
-              <a:avLst/>
-            </a:prstGeom>
-            <a:noFill/>
-            <a:ln>
-              <a:noFill/>
-            </a:ln>
-            <a:extLst>
-              <a:ext uri="{909E8E84-426E-40DD-AFC4-6F175D3DCCD1}">
-                <a14:hiddenFill xmlns:a14="http://schemas.microsoft.com/office/drawing/2010/main">
-                  <a:solidFill>
-                    <a:schemeClr val="accent1"/>
-                  </a:solidFill>
-                </a14:hiddenFill>
-              </a:ext>
-              <a:ext uri="{91240B29-F687-4F45-9708-019B960494DF}">
-                <a14:hiddenLine xmlns:a14="http://schemas.microsoft.com/office/drawing/2010/main" w="9525">
-                  <a:solidFill>
-                    <a:schemeClr val="tx1"/>
-                  </a:solidFill>
-                  <a:miter lim="800000"/>
-                  <a:headEnd/>
-                  <a:tailEnd/>
-                </a14:hiddenLine>
-              </a:ext>
-            </a:extLst>
-          </p:spPr>
-        </p:pic>
-      </p:grpSp>
     </p:spTree>
     <p:extLst>
       <p:ext uri="{BB962C8B-B14F-4D97-AF65-F5344CB8AC3E}">
@@ -9130,7 +7575,7 @@
   <p:timing>
     <p:tnLst>
       <p:par>
-        <p:cTn id="1" dur="indefinite" restart="never" nodeType="tmRoot"/>
+        <p:cTn xmlns:p14="http://schemas.microsoft.com/office/powerpoint/2010/main" id="1" dur="indefinite" restart="never" nodeType="tmRoot"/>
       </p:par>
     </p:tnLst>
   </p:timing>
@@ -9166,7 +7611,7 @@
         </p:nvSpPr>
         <p:spPr>
           <a:xfrm>
-            <a:off x="1947921" y="5526360"/>
+            <a:off x="1947921" y="5166320"/>
             <a:ext cx="6512511" cy="1143000"/>
           </a:xfrm>
         </p:spPr>
@@ -9197,7 +7642,7 @@
         </p:nvSpPr>
         <p:spPr>
           <a:xfrm>
-            <a:off x="683568" y="1379592"/>
+            <a:off x="683568" y="731520"/>
             <a:ext cx="3024336" cy="4281656"/>
           </a:xfrm>
         </p:spPr>
@@ -9264,7 +7709,7 @@
         </p:blipFill>
         <p:spPr bwMode="auto">
           <a:xfrm>
-            <a:off x="3563888" y="1257721"/>
+            <a:off x="3563888" y="681657"/>
             <a:ext cx="4681537" cy="3827463"/>
           </a:xfrm>
           <a:prstGeom prst="rect">
@@ -9276,14 +7721,14 @@
           </a:ln>
           <a:effectLst/>
           <a:extLst>
-            <a:ext uri="{909E8E84-426E-40DD-AFC4-6F175D3DCCD1}">
+            <a:ext uri="{909E8E84-426E-40dd-AFC4-6F175D3DCCD1}">
               <a14:hiddenFill xmlns:a14="http://schemas.microsoft.com/office/drawing/2010/main">
                 <a:solidFill>
                   <a:schemeClr val="accent1"/>
                 </a:solidFill>
               </a14:hiddenFill>
             </a:ext>
-            <a:ext uri="{91240B29-F687-4F45-9708-019B960494DF}">
+            <a:ext uri="{91240B29-F687-4f45-9708-019B960494DF}">
               <a14:hiddenLine xmlns:a14="http://schemas.microsoft.com/office/drawing/2010/main" w="9525">
                 <a:solidFill>
                   <a:schemeClr val="tx1"/>
@@ -9293,7 +7738,7 @@
                 <a:tailEnd/>
               </a14:hiddenLine>
             </a:ext>
-            <a:ext uri="{AF507438-7753-43E0-B8FC-AC1667EBCBE1}">
+            <a:ext uri="{AF507438-7753-43e0-B8FC-AC1667EBCBE1}">
               <a14:hiddenEffects xmlns:a14="http://schemas.microsoft.com/office/drawing/2010/main">
                 <a:effectLst>
                   <a:outerShdw dist="35921" dir="2700000" algn="ctr" rotWithShape="0">
@@ -9305,149 +7750,6 @@
           </a:extLst>
         </p:spPr>
       </p:pic>
-      <p:grpSp>
-        <p:nvGrpSpPr>
-          <p:cNvPr id="5" name="Group 4"/>
-          <p:cNvGrpSpPr/>
-          <p:nvPr/>
-        </p:nvGrpSpPr>
-        <p:grpSpPr>
-          <a:xfrm>
-            <a:off x="755576" y="360536"/>
-            <a:ext cx="7632848" cy="620192"/>
-            <a:chOff x="755576" y="360536"/>
-            <a:chExt cx="7632848" cy="620192"/>
-          </a:xfrm>
-        </p:grpSpPr>
-        <p:cxnSp>
-          <p:nvCxnSpPr>
-            <p:cNvPr id="7" name="Straight Connector 6"/>
-            <p:cNvCxnSpPr/>
-            <p:nvPr/>
-          </p:nvCxnSpPr>
-          <p:spPr>
-            <a:xfrm>
-              <a:off x="755576" y="980728"/>
-              <a:ext cx="7632848" cy="0"/>
-            </a:xfrm>
-            <a:prstGeom prst="line">
-              <a:avLst/>
-            </a:prstGeom>
-            <a:ln w="31750">
-              <a:solidFill>
-                <a:srgbClr val="C00000"/>
-              </a:solidFill>
-            </a:ln>
-          </p:spPr>
-          <p:style>
-            <a:lnRef idx="1">
-              <a:schemeClr val="accent1"/>
-            </a:lnRef>
-            <a:fillRef idx="0">
-              <a:schemeClr val="accent1"/>
-            </a:fillRef>
-            <a:effectRef idx="0">
-              <a:schemeClr val="accent1"/>
-            </a:effectRef>
-            <a:fontRef idx="minor">
-              <a:schemeClr val="tx1"/>
-            </a:fontRef>
-          </p:style>
-        </p:cxnSp>
-        <p:sp>
-          <p:nvSpPr>
-            <p:cNvPr id="8" name="TextBox 7"/>
-            <p:cNvSpPr txBox="1"/>
-            <p:nvPr/>
-          </p:nvSpPr>
-          <p:spPr>
-            <a:xfrm>
-              <a:off x="1548926" y="594561"/>
-              <a:ext cx="3024336" cy="369332"/>
-            </a:xfrm>
-            <a:prstGeom prst="rect">
-              <a:avLst/>
-            </a:prstGeom>
-            <a:noFill/>
-          </p:spPr>
-          <p:txBody>
-            <a:bodyPr wrap="square" rtlCol="0">
-              <a:spAutoFit/>
-            </a:bodyPr>
-            <a:lstStyle/>
-            <a:p>
-              <a:r>
-                <a:rPr lang="en-US" dirty="0" smtClean="0"/>
-                <a:t>Cloud Box</a:t>
-              </a:r>
-              <a:endParaRPr lang="en-US" dirty="0"/>
-            </a:p>
-          </p:txBody>
-        </p:sp>
-        <p:pic>
-          <p:nvPicPr>
-            <p:cNvPr id="9" name="Picture 4"/>
-            <p:cNvPicPr>
-              <a:picLocks noChangeAspect="1" noChangeArrowheads="1"/>
-            </p:cNvPicPr>
-            <p:nvPr/>
-          </p:nvPicPr>
-          <p:blipFill>
-            <a:blip r:embed="rId3" cstate="print">
-              <a:extLst>
-                <a:ext uri="{BEBA8EAE-BF5A-486C-A8C5-ECC9F3942E4B}">
-                  <a14:imgProps xmlns:a14="http://schemas.microsoft.com/office/drawing/2010/main">
-                    <a14:imgLayer r:embed="rId4">
-                      <a14:imgEffect>
-                        <a14:colorTemperature colorTemp="5900"/>
-                      </a14:imgEffect>
-                    </a14:imgLayer>
-                  </a14:imgProps>
-                </a:ext>
-                <a:ext uri="{28A0092B-C50C-407E-A947-70E740481C1C}">
-                  <a14:useLocalDpi xmlns:a14="http://schemas.microsoft.com/office/drawing/2010/main" val="0"/>
-                </a:ext>
-              </a:extLst>
-            </a:blip>
-            <a:srcRect/>
-            <a:stretch>
-              <a:fillRect/>
-            </a:stretch>
-          </p:blipFill>
-          <p:spPr bwMode="auto">
-            <a:xfrm>
-              <a:off x="755576" y="360536"/>
-              <a:ext cx="730880" cy="548184"/>
-            </a:xfrm>
-            <a:prstGeom prst="rect">
-              <a:avLst/>
-            </a:prstGeom>
-            <a:noFill/>
-            <a:ln>
-              <a:noFill/>
-            </a:ln>
-            <a:extLst>
-              <a:ext uri="{909E8E84-426E-40DD-AFC4-6F175D3DCCD1}">
-                <a14:hiddenFill xmlns:a14="http://schemas.microsoft.com/office/drawing/2010/main">
-                  <a:solidFill>
-                    <a:schemeClr val="accent1"/>
-                  </a:solidFill>
-                </a14:hiddenFill>
-              </a:ext>
-              <a:ext uri="{91240B29-F687-4F45-9708-019B960494DF}">
-                <a14:hiddenLine xmlns:a14="http://schemas.microsoft.com/office/drawing/2010/main" w="9525">
-                  <a:solidFill>
-                    <a:schemeClr val="tx1"/>
-                  </a:solidFill>
-                  <a:miter lim="800000"/>
-                  <a:headEnd/>
-                  <a:tailEnd/>
-                </a14:hiddenLine>
-              </a:ext>
-            </a:extLst>
-          </p:spPr>
-        </p:pic>
-      </p:grpSp>
     </p:spTree>
     <p:extLst>
       <p:ext uri="{BB962C8B-B14F-4D97-AF65-F5344CB8AC3E}">
@@ -9461,7 +7763,7 @@
   <p:timing>
     <p:tnLst>
       <p:par>
-        <p:cTn id="1" dur="indefinite" restart="never" nodeType="tmRoot"/>
+        <p:cTn xmlns:p14="http://schemas.microsoft.com/office/powerpoint/2010/main" id="1" dur="indefinite" restart="never" nodeType="tmRoot"/>
       </p:par>
     </p:tnLst>
   </p:timing>
@@ -9528,8 +7830,8 @@
         </p:nvSpPr>
         <p:spPr>
           <a:xfrm>
-            <a:off x="467544" y="1595616"/>
-            <a:ext cx="3672408" cy="3345552"/>
+            <a:off x="467544" y="731520"/>
+            <a:ext cx="3672408" cy="4281656"/>
           </a:xfrm>
         </p:spPr>
         <p:txBody>
@@ -9608,8 +7910,8 @@
         </p:blipFill>
         <p:spPr bwMode="auto">
           <a:xfrm>
-            <a:off x="5292080" y="1196752"/>
-            <a:ext cx="2592288" cy="3888432"/>
+            <a:off x="5004048" y="332656"/>
+            <a:ext cx="3168352" cy="4752528"/>
           </a:xfrm>
           <a:prstGeom prst="rect">
             <a:avLst/>
@@ -9620,14 +7922,14 @@
           </a:ln>
           <a:effectLst/>
           <a:extLst>
-            <a:ext uri="{909E8E84-426E-40DD-AFC4-6F175D3DCCD1}">
+            <a:ext uri="{909E8E84-426E-40dd-AFC4-6F175D3DCCD1}">
               <a14:hiddenFill xmlns:a14="http://schemas.microsoft.com/office/drawing/2010/main">
                 <a:solidFill>
                   <a:schemeClr val="accent1"/>
                 </a:solidFill>
               </a14:hiddenFill>
             </a:ext>
-            <a:ext uri="{91240B29-F687-4F45-9708-019B960494DF}">
+            <a:ext uri="{91240B29-F687-4f45-9708-019B960494DF}">
               <a14:hiddenLine xmlns:a14="http://schemas.microsoft.com/office/drawing/2010/main" w="9525">
                 <a:solidFill>
                   <a:schemeClr val="tx1"/>
@@ -9637,7 +7939,7 @@
                 <a:tailEnd/>
               </a14:hiddenLine>
             </a:ext>
-            <a:ext uri="{AF507438-7753-43E0-B8FC-AC1667EBCBE1}">
+            <a:ext uri="{AF507438-7753-43e0-B8FC-AC1667EBCBE1}">
               <a14:hiddenEffects xmlns:a14="http://schemas.microsoft.com/office/drawing/2010/main">
                 <a:effectLst>
                   <a:outerShdw dist="35921" dir="2700000" algn="ctr" rotWithShape="0">
@@ -9649,149 +7951,6 @@
           </a:extLst>
         </p:spPr>
       </p:pic>
-      <p:grpSp>
-        <p:nvGrpSpPr>
-          <p:cNvPr id="5" name="Group 4"/>
-          <p:cNvGrpSpPr/>
-          <p:nvPr/>
-        </p:nvGrpSpPr>
-        <p:grpSpPr>
-          <a:xfrm>
-            <a:off x="755576" y="360536"/>
-            <a:ext cx="7632848" cy="620192"/>
-            <a:chOff x="755576" y="360536"/>
-            <a:chExt cx="7632848" cy="620192"/>
-          </a:xfrm>
-        </p:grpSpPr>
-        <p:cxnSp>
-          <p:nvCxnSpPr>
-            <p:cNvPr id="6" name="Straight Connector 5"/>
-            <p:cNvCxnSpPr/>
-            <p:nvPr/>
-          </p:nvCxnSpPr>
-          <p:spPr>
-            <a:xfrm>
-              <a:off x="755576" y="980728"/>
-              <a:ext cx="7632848" cy="0"/>
-            </a:xfrm>
-            <a:prstGeom prst="line">
-              <a:avLst/>
-            </a:prstGeom>
-            <a:ln w="31750">
-              <a:solidFill>
-                <a:srgbClr val="C00000"/>
-              </a:solidFill>
-            </a:ln>
-          </p:spPr>
-          <p:style>
-            <a:lnRef idx="1">
-              <a:schemeClr val="accent1"/>
-            </a:lnRef>
-            <a:fillRef idx="0">
-              <a:schemeClr val="accent1"/>
-            </a:fillRef>
-            <a:effectRef idx="0">
-              <a:schemeClr val="accent1"/>
-            </a:effectRef>
-            <a:fontRef idx="minor">
-              <a:schemeClr val="tx1"/>
-            </a:fontRef>
-          </p:style>
-        </p:cxnSp>
-        <p:sp>
-          <p:nvSpPr>
-            <p:cNvPr id="7" name="TextBox 6"/>
-            <p:cNvSpPr txBox="1"/>
-            <p:nvPr/>
-          </p:nvSpPr>
-          <p:spPr>
-            <a:xfrm>
-              <a:off x="1548926" y="594561"/>
-              <a:ext cx="3024336" cy="369332"/>
-            </a:xfrm>
-            <a:prstGeom prst="rect">
-              <a:avLst/>
-            </a:prstGeom>
-            <a:noFill/>
-          </p:spPr>
-          <p:txBody>
-            <a:bodyPr wrap="square" rtlCol="0">
-              <a:spAutoFit/>
-            </a:bodyPr>
-            <a:lstStyle/>
-            <a:p>
-              <a:r>
-                <a:rPr lang="en-US" dirty="0" smtClean="0"/>
-                <a:t>Cloud Box</a:t>
-              </a:r>
-              <a:endParaRPr lang="en-US" dirty="0"/>
-            </a:p>
-          </p:txBody>
-        </p:sp>
-        <p:pic>
-          <p:nvPicPr>
-            <p:cNvPr id="8" name="Picture 4"/>
-            <p:cNvPicPr>
-              <a:picLocks noChangeAspect="1" noChangeArrowheads="1"/>
-            </p:cNvPicPr>
-            <p:nvPr/>
-          </p:nvPicPr>
-          <p:blipFill>
-            <a:blip r:embed="rId3" cstate="print">
-              <a:extLst>
-                <a:ext uri="{BEBA8EAE-BF5A-486C-A8C5-ECC9F3942E4B}">
-                  <a14:imgProps xmlns:a14="http://schemas.microsoft.com/office/drawing/2010/main">
-                    <a14:imgLayer r:embed="rId4">
-                      <a14:imgEffect>
-                        <a14:colorTemperature colorTemp="5900"/>
-                      </a14:imgEffect>
-                    </a14:imgLayer>
-                  </a14:imgProps>
-                </a:ext>
-                <a:ext uri="{28A0092B-C50C-407E-A947-70E740481C1C}">
-                  <a14:useLocalDpi xmlns:a14="http://schemas.microsoft.com/office/drawing/2010/main" val="0"/>
-                </a:ext>
-              </a:extLst>
-            </a:blip>
-            <a:srcRect/>
-            <a:stretch>
-              <a:fillRect/>
-            </a:stretch>
-          </p:blipFill>
-          <p:spPr bwMode="auto">
-            <a:xfrm>
-              <a:off x="755576" y="360536"/>
-              <a:ext cx="730880" cy="548184"/>
-            </a:xfrm>
-            <a:prstGeom prst="rect">
-              <a:avLst/>
-            </a:prstGeom>
-            <a:noFill/>
-            <a:ln>
-              <a:noFill/>
-            </a:ln>
-            <a:extLst>
-              <a:ext uri="{909E8E84-426E-40DD-AFC4-6F175D3DCCD1}">
-                <a14:hiddenFill xmlns:a14="http://schemas.microsoft.com/office/drawing/2010/main">
-                  <a:solidFill>
-                    <a:schemeClr val="accent1"/>
-                  </a:solidFill>
-                </a14:hiddenFill>
-              </a:ext>
-              <a:ext uri="{91240B29-F687-4F45-9708-019B960494DF}">
-                <a14:hiddenLine xmlns:a14="http://schemas.microsoft.com/office/drawing/2010/main" w="9525">
-                  <a:solidFill>
-                    <a:schemeClr val="tx1"/>
-                  </a:solidFill>
-                  <a:miter lim="800000"/>
-                  <a:headEnd/>
-                  <a:tailEnd/>
-                </a14:hiddenLine>
-              </a:ext>
-            </a:extLst>
-          </p:spPr>
-        </p:pic>
-      </p:grpSp>
     </p:spTree>
     <p:extLst>
       <p:ext uri="{BB962C8B-B14F-4D97-AF65-F5344CB8AC3E}">
@@ -9805,7 +7964,7 @@
   <p:timing>
     <p:tnLst>
       <p:par>
-        <p:cTn id="1" dur="indefinite" restart="never" nodeType="tmRoot"/>
+        <p:cTn xmlns:p14="http://schemas.microsoft.com/office/powerpoint/2010/main" id="1" dur="indefinite" restart="never" nodeType="tmRoot"/>
       </p:par>
     </p:tnLst>
   </p:timing>
@@ -9841,7 +8000,7 @@
         </p:nvSpPr>
         <p:spPr>
           <a:xfrm>
-            <a:off x="2123728" y="5598368"/>
+            <a:off x="2123728" y="5229200"/>
             <a:ext cx="6512511" cy="1143000"/>
           </a:xfrm>
         </p:spPr>
@@ -9872,7 +8031,7 @@
         </p:nvSpPr>
         <p:spPr>
           <a:xfrm>
-            <a:off x="1143000" y="1307584"/>
+            <a:off x="1143000" y="731520"/>
             <a:ext cx="6400800" cy="4209648"/>
           </a:xfrm>
         </p:spPr>
@@ -9910,6 +8069,7 @@
               <a:rPr lang="en-CA" dirty="0" smtClean="0"/>
               <a:t>on the fly.</a:t>
             </a:r>
+            <a:endParaRPr lang="en-CA" dirty="0" smtClean="0"/>
           </a:p>
           <a:p>
             <a:r>
@@ -9934,149 +8094,6 @@
           </a:p>
         </p:txBody>
       </p:sp>
-      <p:grpSp>
-        <p:nvGrpSpPr>
-          <p:cNvPr id="4" name="Group 3"/>
-          <p:cNvGrpSpPr/>
-          <p:nvPr/>
-        </p:nvGrpSpPr>
-        <p:grpSpPr>
-          <a:xfrm>
-            <a:off x="755576" y="360536"/>
-            <a:ext cx="7632848" cy="620192"/>
-            <a:chOff x="755576" y="360536"/>
-            <a:chExt cx="7632848" cy="620192"/>
-          </a:xfrm>
-        </p:grpSpPr>
-        <p:cxnSp>
-          <p:nvCxnSpPr>
-            <p:cNvPr id="5" name="Straight Connector 4"/>
-            <p:cNvCxnSpPr/>
-            <p:nvPr/>
-          </p:nvCxnSpPr>
-          <p:spPr>
-            <a:xfrm>
-              <a:off x="755576" y="980728"/>
-              <a:ext cx="7632848" cy="0"/>
-            </a:xfrm>
-            <a:prstGeom prst="line">
-              <a:avLst/>
-            </a:prstGeom>
-            <a:ln w="31750">
-              <a:solidFill>
-                <a:srgbClr val="C00000"/>
-              </a:solidFill>
-            </a:ln>
-          </p:spPr>
-          <p:style>
-            <a:lnRef idx="1">
-              <a:schemeClr val="accent1"/>
-            </a:lnRef>
-            <a:fillRef idx="0">
-              <a:schemeClr val="accent1"/>
-            </a:fillRef>
-            <a:effectRef idx="0">
-              <a:schemeClr val="accent1"/>
-            </a:effectRef>
-            <a:fontRef idx="minor">
-              <a:schemeClr val="tx1"/>
-            </a:fontRef>
-          </p:style>
-        </p:cxnSp>
-        <p:sp>
-          <p:nvSpPr>
-            <p:cNvPr id="6" name="TextBox 5"/>
-            <p:cNvSpPr txBox="1"/>
-            <p:nvPr/>
-          </p:nvSpPr>
-          <p:spPr>
-            <a:xfrm>
-              <a:off x="1548926" y="594561"/>
-              <a:ext cx="3024336" cy="369332"/>
-            </a:xfrm>
-            <a:prstGeom prst="rect">
-              <a:avLst/>
-            </a:prstGeom>
-            <a:noFill/>
-          </p:spPr>
-          <p:txBody>
-            <a:bodyPr wrap="square" rtlCol="0">
-              <a:spAutoFit/>
-            </a:bodyPr>
-            <a:lstStyle/>
-            <a:p>
-              <a:r>
-                <a:rPr lang="en-US" dirty="0" smtClean="0"/>
-                <a:t>Cloud Box</a:t>
-              </a:r>
-              <a:endParaRPr lang="en-US" dirty="0"/>
-            </a:p>
-          </p:txBody>
-        </p:sp>
-        <p:pic>
-          <p:nvPicPr>
-            <p:cNvPr id="7" name="Picture 4"/>
-            <p:cNvPicPr>
-              <a:picLocks noChangeAspect="1" noChangeArrowheads="1"/>
-            </p:cNvPicPr>
-            <p:nvPr/>
-          </p:nvPicPr>
-          <p:blipFill>
-            <a:blip r:embed="rId2" cstate="print">
-              <a:extLst>
-                <a:ext uri="{BEBA8EAE-BF5A-486C-A8C5-ECC9F3942E4B}">
-                  <a14:imgProps xmlns:a14="http://schemas.microsoft.com/office/drawing/2010/main">
-                    <a14:imgLayer r:embed="rId3">
-                      <a14:imgEffect>
-                        <a14:colorTemperature colorTemp="5900"/>
-                      </a14:imgEffect>
-                    </a14:imgLayer>
-                  </a14:imgProps>
-                </a:ext>
-                <a:ext uri="{28A0092B-C50C-407E-A947-70E740481C1C}">
-                  <a14:useLocalDpi xmlns:a14="http://schemas.microsoft.com/office/drawing/2010/main" val="0"/>
-                </a:ext>
-              </a:extLst>
-            </a:blip>
-            <a:srcRect/>
-            <a:stretch>
-              <a:fillRect/>
-            </a:stretch>
-          </p:blipFill>
-          <p:spPr bwMode="auto">
-            <a:xfrm>
-              <a:off x="755576" y="360536"/>
-              <a:ext cx="730880" cy="548184"/>
-            </a:xfrm>
-            <a:prstGeom prst="rect">
-              <a:avLst/>
-            </a:prstGeom>
-            <a:noFill/>
-            <a:ln>
-              <a:noFill/>
-            </a:ln>
-            <a:extLst>
-              <a:ext uri="{909E8E84-426E-40DD-AFC4-6F175D3DCCD1}">
-                <a14:hiddenFill xmlns:a14="http://schemas.microsoft.com/office/drawing/2010/main">
-                  <a:solidFill>
-                    <a:schemeClr val="accent1"/>
-                  </a:solidFill>
-                </a14:hiddenFill>
-              </a:ext>
-              <a:ext uri="{91240B29-F687-4F45-9708-019B960494DF}">
-                <a14:hiddenLine xmlns:a14="http://schemas.microsoft.com/office/drawing/2010/main" w="9525">
-                  <a:solidFill>
-                    <a:schemeClr val="tx1"/>
-                  </a:solidFill>
-                  <a:miter lim="800000"/>
-                  <a:headEnd/>
-                  <a:tailEnd/>
-                </a14:hiddenLine>
-              </a:ext>
-            </a:extLst>
-          </p:spPr>
-        </p:pic>
-      </p:grpSp>
     </p:spTree>
     <p:extLst>
       <p:ext uri="{BB962C8B-B14F-4D97-AF65-F5344CB8AC3E}">
@@ -10090,7 +8107,7 @@
   <p:timing>
     <p:tnLst>
       <p:par>
-        <p:cTn id="1" dur="indefinite" restart="never" nodeType="tmRoot"/>
+        <p:cTn xmlns:p14="http://schemas.microsoft.com/office/powerpoint/2010/main" id="1" dur="indefinite" restart="never" nodeType="tmRoot"/>
       </p:par>
     </p:tnLst>
   </p:timing>
@@ -10189,149 +8206,6 @@
           </a:p>
         </p:txBody>
       </p:sp>
-      <p:grpSp>
-        <p:nvGrpSpPr>
-          <p:cNvPr id="4" name="Group 3"/>
-          <p:cNvGrpSpPr/>
-          <p:nvPr/>
-        </p:nvGrpSpPr>
-        <p:grpSpPr>
-          <a:xfrm>
-            <a:off x="755576" y="360536"/>
-            <a:ext cx="7632848" cy="620192"/>
-            <a:chOff x="755576" y="360536"/>
-            <a:chExt cx="7632848" cy="620192"/>
-          </a:xfrm>
-        </p:grpSpPr>
-        <p:cxnSp>
-          <p:nvCxnSpPr>
-            <p:cNvPr id="5" name="Straight Connector 4"/>
-            <p:cNvCxnSpPr/>
-            <p:nvPr/>
-          </p:nvCxnSpPr>
-          <p:spPr>
-            <a:xfrm>
-              <a:off x="755576" y="980728"/>
-              <a:ext cx="7632848" cy="0"/>
-            </a:xfrm>
-            <a:prstGeom prst="line">
-              <a:avLst/>
-            </a:prstGeom>
-            <a:ln w="31750">
-              <a:solidFill>
-                <a:srgbClr val="C00000"/>
-              </a:solidFill>
-            </a:ln>
-          </p:spPr>
-          <p:style>
-            <a:lnRef idx="1">
-              <a:schemeClr val="accent1"/>
-            </a:lnRef>
-            <a:fillRef idx="0">
-              <a:schemeClr val="accent1"/>
-            </a:fillRef>
-            <a:effectRef idx="0">
-              <a:schemeClr val="accent1"/>
-            </a:effectRef>
-            <a:fontRef idx="minor">
-              <a:schemeClr val="tx1"/>
-            </a:fontRef>
-          </p:style>
-        </p:cxnSp>
-        <p:sp>
-          <p:nvSpPr>
-            <p:cNvPr id="6" name="TextBox 5"/>
-            <p:cNvSpPr txBox="1"/>
-            <p:nvPr/>
-          </p:nvSpPr>
-          <p:spPr>
-            <a:xfrm>
-              <a:off x="1548926" y="594561"/>
-              <a:ext cx="3024336" cy="369332"/>
-            </a:xfrm>
-            <a:prstGeom prst="rect">
-              <a:avLst/>
-            </a:prstGeom>
-            <a:noFill/>
-          </p:spPr>
-          <p:txBody>
-            <a:bodyPr wrap="square" rtlCol="0">
-              <a:spAutoFit/>
-            </a:bodyPr>
-            <a:lstStyle/>
-            <a:p>
-              <a:r>
-                <a:rPr lang="en-US" dirty="0" smtClean="0"/>
-                <a:t>Cloud Box</a:t>
-              </a:r>
-              <a:endParaRPr lang="en-US" dirty="0"/>
-            </a:p>
-          </p:txBody>
-        </p:sp>
-        <p:pic>
-          <p:nvPicPr>
-            <p:cNvPr id="7" name="Picture 4"/>
-            <p:cNvPicPr>
-              <a:picLocks noChangeAspect="1" noChangeArrowheads="1"/>
-            </p:cNvPicPr>
-            <p:nvPr/>
-          </p:nvPicPr>
-          <p:blipFill>
-            <a:blip r:embed="rId2" cstate="print">
-              <a:extLst>
-                <a:ext uri="{BEBA8EAE-BF5A-486C-A8C5-ECC9F3942E4B}">
-                  <a14:imgProps xmlns:a14="http://schemas.microsoft.com/office/drawing/2010/main">
-                    <a14:imgLayer r:embed="rId3">
-                      <a14:imgEffect>
-                        <a14:colorTemperature colorTemp="5900"/>
-                      </a14:imgEffect>
-                    </a14:imgLayer>
-                  </a14:imgProps>
-                </a:ext>
-                <a:ext uri="{28A0092B-C50C-407E-A947-70E740481C1C}">
-                  <a14:useLocalDpi xmlns:a14="http://schemas.microsoft.com/office/drawing/2010/main" val="0"/>
-                </a:ext>
-              </a:extLst>
-            </a:blip>
-            <a:srcRect/>
-            <a:stretch>
-              <a:fillRect/>
-            </a:stretch>
-          </p:blipFill>
-          <p:spPr bwMode="auto">
-            <a:xfrm>
-              <a:off x="755576" y="360536"/>
-              <a:ext cx="730880" cy="548184"/>
-            </a:xfrm>
-            <a:prstGeom prst="rect">
-              <a:avLst/>
-            </a:prstGeom>
-            <a:noFill/>
-            <a:ln>
-              <a:noFill/>
-            </a:ln>
-            <a:extLst>
-              <a:ext uri="{909E8E84-426E-40DD-AFC4-6F175D3DCCD1}">
-                <a14:hiddenFill xmlns:a14="http://schemas.microsoft.com/office/drawing/2010/main">
-                  <a:solidFill>
-                    <a:schemeClr val="accent1"/>
-                  </a:solidFill>
-                </a14:hiddenFill>
-              </a:ext>
-              <a:ext uri="{91240B29-F687-4F45-9708-019B960494DF}">
-                <a14:hiddenLine xmlns:a14="http://schemas.microsoft.com/office/drawing/2010/main" w="9525">
-                  <a:solidFill>
-                    <a:schemeClr val="tx1"/>
-                  </a:solidFill>
-                  <a:miter lim="800000"/>
-                  <a:headEnd/>
-                  <a:tailEnd/>
-                </a14:hiddenLine>
-              </a:ext>
-            </a:extLst>
-          </p:spPr>
-        </p:pic>
-      </p:grpSp>
     </p:spTree>
     <p:extLst>
       <p:ext uri="{BB962C8B-B14F-4D97-AF65-F5344CB8AC3E}">
@@ -10345,7 +8219,7 @@
   <p:timing>
     <p:tnLst>
       <p:par>
-        <p:cTn id="1" dur="indefinite" restart="never" nodeType="tmRoot"/>
+        <p:cTn xmlns:p14="http://schemas.microsoft.com/office/powerpoint/2010/main" id="1" dur="indefinite" restart="never" nodeType="tmRoot"/>
       </p:par>
     </p:tnLst>
   </p:timing>
@@ -10393,8 +8267,8 @@
         </p:blipFill>
         <p:spPr>
           <a:xfrm>
-            <a:off x="832983" y="1025856"/>
-            <a:ext cx="6547329" cy="4956296"/>
+            <a:off x="395537" y="476672"/>
+            <a:ext cx="7272808" cy="5505480"/>
           </a:xfrm>
         </p:spPr>
       </p:pic>
@@ -10479,149 +8353,6 @@
           </a:p>
         </p:txBody>
       </p:sp>
-      <p:grpSp>
-        <p:nvGrpSpPr>
-          <p:cNvPr id="5" name="Group 4"/>
-          <p:cNvGrpSpPr/>
-          <p:nvPr/>
-        </p:nvGrpSpPr>
-        <p:grpSpPr>
-          <a:xfrm>
-            <a:off x="755576" y="360536"/>
-            <a:ext cx="7632848" cy="620192"/>
-            <a:chOff x="755576" y="360536"/>
-            <a:chExt cx="7632848" cy="620192"/>
-          </a:xfrm>
-        </p:grpSpPr>
-        <p:cxnSp>
-          <p:nvCxnSpPr>
-            <p:cNvPr id="8" name="Straight Connector 7"/>
-            <p:cNvCxnSpPr/>
-            <p:nvPr/>
-          </p:nvCxnSpPr>
-          <p:spPr>
-            <a:xfrm>
-              <a:off x="755576" y="980728"/>
-              <a:ext cx="7632848" cy="0"/>
-            </a:xfrm>
-            <a:prstGeom prst="line">
-              <a:avLst/>
-            </a:prstGeom>
-            <a:ln w="31750">
-              <a:solidFill>
-                <a:srgbClr val="C00000"/>
-              </a:solidFill>
-            </a:ln>
-          </p:spPr>
-          <p:style>
-            <a:lnRef idx="1">
-              <a:schemeClr val="accent1"/>
-            </a:lnRef>
-            <a:fillRef idx="0">
-              <a:schemeClr val="accent1"/>
-            </a:fillRef>
-            <a:effectRef idx="0">
-              <a:schemeClr val="accent1"/>
-            </a:effectRef>
-            <a:fontRef idx="minor">
-              <a:schemeClr val="tx1"/>
-            </a:fontRef>
-          </p:style>
-        </p:cxnSp>
-        <p:sp>
-          <p:nvSpPr>
-            <p:cNvPr id="9" name="TextBox 8"/>
-            <p:cNvSpPr txBox="1"/>
-            <p:nvPr/>
-          </p:nvSpPr>
-          <p:spPr>
-            <a:xfrm>
-              <a:off x="1548926" y="594561"/>
-              <a:ext cx="3024336" cy="369332"/>
-            </a:xfrm>
-            <a:prstGeom prst="rect">
-              <a:avLst/>
-            </a:prstGeom>
-            <a:noFill/>
-          </p:spPr>
-          <p:txBody>
-            <a:bodyPr wrap="square" rtlCol="0">
-              <a:spAutoFit/>
-            </a:bodyPr>
-            <a:lstStyle/>
-            <a:p>
-              <a:r>
-                <a:rPr lang="en-US" dirty="0" smtClean="0"/>
-                <a:t>Cloud Box</a:t>
-              </a:r>
-              <a:endParaRPr lang="en-US" dirty="0"/>
-            </a:p>
-          </p:txBody>
-        </p:sp>
-        <p:pic>
-          <p:nvPicPr>
-            <p:cNvPr id="10" name="Picture 4"/>
-            <p:cNvPicPr>
-              <a:picLocks noChangeAspect="1" noChangeArrowheads="1"/>
-            </p:cNvPicPr>
-            <p:nvPr/>
-          </p:nvPicPr>
-          <p:blipFill>
-            <a:blip r:embed="rId3" cstate="print">
-              <a:extLst>
-                <a:ext uri="{BEBA8EAE-BF5A-486C-A8C5-ECC9F3942E4B}">
-                  <a14:imgProps xmlns:a14="http://schemas.microsoft.com/office/drawing/2010/main">
-                    <a14:imgLayer r:embed="rId4">
-                      <a14:imgEffect>
-                        <a14:colorTemperature colorTemp="5900"/>
-                      </a14:imgEffect>
-                    </a14:imgLayer>
-                  </a14:imgProps>
-                </a:ext>
-                <a:ext uri="{28A0092B-C50C-407E-A947-70E740481C1C}">
-                  <a14:useLocalDpi xmlns:a14="http://schemas.microsoft.com/office/drawing/2010/main" val="0"/>
-                </a:ext>
-              </a:extLst>
-            </a:blip>
-            <a:srcRect/>
-            <a:stretch>
-              <a:fillRect/>
-            </a:stretch>
-          </p:blipFill>
-          <p:spPr bwMode="auto">
-            <a:xfrm>
-              <a:off x="755576" y="360536"/>
-              <a:ext cx="730880" cy="548184"/>
-            </a:xfrm>
-            <a:prstGeom prst="rect">
-              <a:avLst/>
-            </a:prstGeom>
-            <a:noFill/>
-            <a:ln>
-              <a:noFill/>
-            </a:ln>
-            <a:extLst>
-              <a:ext uri="{909E8E84-426E-40DD-AFC4-6F175D3DCCD1}">
-                <a14:hiddenFill xmlns:a14="http://schemas.microsoft.com/office/drawing/2010/main">
-                  <a:solidFill>
-                    <a:schemeClr val="accent1"/>
-                  </a:solidFill>
-                </a14:hiddenFill>
-              </a:ext>
-              <a:ext uri="{91240B29-F687-4F45-9708-019B960494DF}">
-                <a14:hiddenLine xmlns:a14="http://schemas.microsoft.com/office/drawing/2010/main" w="9525">
-                  <a:solidFill>
-                    <a:schemeClr val="tx1"/>
-                  </a:solidFill>
-                  <a:miter lim="800000"/>
-                  <a:headEnd/>
-                  <a:tailEnd/>
-                </a14:hiddenLine>
-              </a:ext>
-            </a:extLst>
-          </p:spPr>
-        </p:pic>
-      </p:grpSp>
     </p:spTree>
     <p:extLst>
       <p:ext uri="{BB962C8B-B14F-4D97-AF65-F5344CB8AC3E}">
@@ -10635,7 +8366,7 @@
   <p:timing>
     <p:tnLst>
       <p:par>
-        <p:cTn id="1" dur="indefinite" restart="never" nodeType="tmRoot"/>
+        <p:cTn xmlns:p14="http://schemas.microsoft.com/office/powerpoint/2010/main" id="1" dur="indefinite" restart="never" nodeType="tmRoot"/>
       </p:par>
     </p:tnLst>
   </p:timing>
@@ -10681,7 +8412,7 @@
         </p:blipFill>
         <p:spPr>
           <a:xfrm>
-            <a:off x="899592" y="1233627"/>
+            <a:off x="899592" y="548680"/>
             <a:ext cx="7031980" cy="4896544"/>
           </a:xfrm>
           <a:prstGeom prst="rect">
@@ -10697,7 +8428,7 @@
         </p:nvSpPr>
         <p:spPr>
           <a:xfrm>
-            <a:off x="2945339" y="6346195"/>
+            <a:off x="2945339" y="5661248"/>
             <a:ext cx="2831224" cy="323165"/>
           </a:xfrm>
           <a:prstGeom prst="rect">
@@ -10726,7 +8457,7 @@
         </p:nvSpPr>
         <p:spPr>
           <a:xfrm>
-            <a:off x="4139952" y="3585790"/>
+            <a:off x="4139952" y="2999414"/>
             <a:ext cx="4572000" cy="923330"/>
           </a:xfrm>
           <a:prstGeom prst="rect">
@@ -10772,149 +8503,6 @@
           </a:p>
         </p:txBody>
       </p:sp>
-      <p:grpSp>
-        <p:nvGrpSpPr>
-          <p:cNvPr id="7" name="Group 6"/>
-          <p:cNvGrpSpPr/>
-          <p:nvPr/>
-        </p:nvGrpSpPr>
-        <p:grpSpPr>
-          <a:xfrm>
-            <a:off x="755576" y="360536"/>
-            <a:ext cx="7632848" cy="620192"/>
-            <a:chOff x="755576" y="360536"/>
-            <a:chExt cx="7632848" cy="620192"/>
-          </a:xfrm>
-        </p:grpSpPr>
-        <p:cxnSp>
-          <p:nvCxnSpPr>
-            <p:cNvPr id="8" name="Straight Connector 7"/>
-            <p:cNvCxnSpPr/>
-            <p:nvPr/>
-          </p:nvCxnSpPr>
-          <p:spPr>
-            <a:xfrm>
-              <a:off x="755576" y="980728"/>
-              <a:ext cx="7632848" cy="0"/>
-            </a:xfrm>
-            <a:prstGeom prst="line">
-              <a:avLst/>
-            </a:prstGeom>
-            <a:ln w="31750">
-              <a:solidFill>
-                <a:srgbClr val="C00000"/>
-              </a:solidFill>
-            </a:ln>
-          </p:spPr>
-          <p:style>
-            <a:lnRef idx="1">
-              <a:schemeClr val="accent1"/>
-            </a:lnRef>
-            <a:fillRef idx="0">
-              <a:schemeClr val="accent1"/>
-            </a:fillRef>
-            <a:effectRef idx="0">
-              <a:schemeClr val="accent1"/>
-            </a:effectRef>
-            <a:fontRef idx="minor">
-              <a:schemeClr val="tx1"/>
-            </a:fontRef>
-          </p:style>
-        </p:cxnSp>
-        <p:sp>
-          <p:nvSpPr>
-            <p:cNvPr id="9" name="TextBox 8"/>
-            <p:cNvSpPr txBox="1"/>
-            <p:nvPr/>
-          </p:nvSpPr>
-          <p:spPr>
-            <a:xfrm>
-              <a:off x="1548926" y="594561"/>
-              <a:ext cx="3024336" cy="369332"/>
-            </a:xfrm>
-            <a:prstGeom prst="rect">
-              <a:avLst/>
-            </a:prstGeom>
-            <a:noFill/>
-          </p:spPr>
-          <p:txBody>
-            <a:bodyPr wrap="square" rtlCol="0">
-              <a:spAutoFit/>
-            </a:bodyPr>
-            <a:lstStyle/>
-            <a:p>
-              <a:r>
-                <a:rPr lang="en-US" dirty="0" smtClean="0"/>
-                <a:t>Cloud Box</a:t>
-              </a:r>
-              <a:endParaRPr lang="en-US" dirty="0"/>
-            </a:p>
-          </p:txBody>
-        </p:sp>
-        <p:pic>
-          <p:nvPicPr>
-            <p:cNvPr id="10" name="Picture 4"/>
-            <p:cNvPicPr>
-              <a:picLocks noChangeAspect="1" noChangeArrowheads="1"/>
-            </p:cNvPicPr>
-            <p:nvPr/>
-          </p:nvPicPr>
-          <p:blipFill>
-            <a:blip r:embed="rId3" cstate="print">
-              <a:extLst>
-                <a:ext uri="{BEBA8EAE-BF5A-486C-A8C5-ECC9F3942E4B}">
-                  <a14:imgProps xmlns:a14="http://schemas.microsoft.com/office/drawing/2010/main">
-                    <a14:imgLayer r:embed="rId4">
-                      <a14:imgEffect>
-                        <a14:colorTemperature colorTemp="5900"/>
-                      </a14:imgEffect>
-                    </a14:imgLayer>
-                  </a14:imgProps>
-                </a:ext>
-                <a:ext uri="{28A0092B-C50C-407E-A947-70E740481C1C}">
-                  <a14:useLocalDpi xmlns:a14="http://schemas.microsoft.com/office/drawing/2010/main" val="0"/>
-                </a:ext>
-              </a:extLst>
-            </a:blip>
-            <a:srcRect/>
-            <a:stretch>
-              <a:fillRect/>
-            </a:stretch>
-          </p:blipFill>
-          <p:spPr bwMode="auto">
-            <a:xfrm>
-              <a:off x="755576" y="360536"/>
-              <a:ext cx="730880" cy="548184"/>
-            </a:xfrm>
-            <a:prstGeom prst="rect">
-              <a:avLst/>
-            </a:prstGeom>
-            <a:noFill/>
-            <a:ln>
-              <a:noFill/>
-            </a:ln>
-            <a:extLst>
-              <a:ext uri="{909E8E84-426E-40DD-AFC4-6F175D3DCCD1}">
-                <a14:hiddenFill xmlns:a14="http://schemas.microsoft.com/office/drawing/2010/main">
-                  <a:solidFill>
-                    <a:schemeClr val="accent1"/>
-                  </a:solidFill>
-                </a14:hiddenFill>
-              </a:ext>
-              <a:ext uri="{91240B29-F687-4F45-9708-019B960494DF}">
-                <a14:hiddenLine xmlns:a14="http://schemas.microsoft.com/office/drawing/2010/main" w="9525">
-                  <a:solidFill>
-                    <a:schemeClr val="tx1"/>
-                  </a:solidFill>
-                  <a:miter lim="800000"/>
-                  <a:headEnd/>
-                  <a:tailEnd/>
-                </a14:hiddenLine>
-              </a:ext>
-            </a:extLst>
-          </p:spPr>
-        </p:pic>
-      </p:grpSp>
     </p:spTree>
     <p:extLst>
       <p:ext uri="{BB962C8B-B14F-4D97-AF65-F5344CB8AC3E}">
@@ -10928,7 +8516,7 @@
   <p:timing>
     <p:tnLst>
       <p:par>
-        <p:cTn id="1" dur="indefinite" restart="never" nodeType="tmRoot"/>
+        <p:cTn xmlns:p14="http://schemas.microsoft.com/office/powerpoint/2010/main" id="1" dur="indefinite" restart="never" nodeType="tmRoot"/>
       </p:par>
     </p:tnLst>
   </p:timing>
@@ -11235,289 +8823,4 @@
   <a:objectDefaults/>
   <a:extraClrSchemeLst/>
 </a:theme>
-</file>
-
-<file path=ppt/theme/theme2.xml><?xml version="1.0" encoding="utf-8"?>
-<a:theme xmlns:a="http://schemas.openxmlformats.org/drawingml/2006/main" name="Office Theme">
-  <a:themeElements>
-    <a:clrScheme name="Office">
-      <a:dk1>
-        <a:sysClr val="windowText" lastClr="000000"/>
-      </a:dk1>
-      <a:lt1>
-        <a:sysClr val="window" lastClr="FFFFFF"/>
-      </a:lt1>
-      <a:dk2>
-        <a:srgbClr val="1F497D"/>
-      </a:dk2>
-      <a:lt2>
-        <a:srgbClr val="EEECE1"/>
-      </a:lt2>
-      <a:accent1>
-        <a:srgbClr val="4F81BD"/>
-      </a:accent1>
-      <a:accent2>
-        <a:srgbClr val="C0504D"/>
-      </a:accent2>
-      <a:accent3>
-        <a:srgbClr val="9BBB59"/>
-      </a:accent3>
-      <a:accent4>
-        <a:srgbClr val="8064A2"/>
-      </a:accent4>
-      <a:accent5>
-        <a:srgbClr val="4BACC6"/>
-      </a:accent5>
-      <a:accent6>
-        <a:srgbClr val="F79646"/>
-      </a:accent6>
-      <a:hlink>
-        <a:srgbClr val="0000FF"/>
-      </a:hlink>
-      <a:folHlink>
-        <a:srgbClr val="800080"/>
-      </a:folHlink>
-    </a:clrScheme>
-    <a:fontScheme name="Office">
-      <a:majorFont>
-        <a:latin typeface="Calibri"/>
-        <a:ea typeface=""/>
-        <a:cs typeface=""/>
-        <a:font script="Jpan" typeface="ＭＳ Ｐゴシック"/>
-        <a:font script="Hang" typeface="맑은 고딕"/>
-        <a:font script="Hans" typeface="宋体"/>
-        <a:font script="Hant" typeface="新細明體"/>
-        <a:font script="Arab" typeface="Times New Roman"/>
-        <a:font script="Hebr" typeface="Times New Roman"/>
-        <a:font script="Thai" typeface="Angsana New"/>
-        <a:font script="Ethi" typeface="Nyala"/>
-        <a:font script="Beng" typeface="Vrinda"/>
-        <a:font script="Gujr" typeface="Shruti"/>
-        <a:font script="Khmr" typeface="MoolBoran"/>
-        <a:font script="Knda" typeface="Tunga"/>
-        <a:font script="Guru" typeface="Raavi"/>
-        <a:font script="Cans" typeface="Euphemia"/>
-        <a:font script="Cher" typeface="Plantagenet Cherokee"/>
-        <a:font script="Yiii" typeface="Microsoft Yi Baiti"/>
-        <a:font script="Tibt" typeface="Microsoft Himalaya"/>
-        <a:font script="Thaa" typeface="MV Boli"/>
-        <a:font script="Deva" typeface="Mangal"/>
-        <a:font script="Telu" typeface="Gautami"/>
-        <a:font script="Taml" typeface="Latha"/>
-        <a:font script="Syrc" typeface="Estrangelo Edessa"/>
-        <a:font script="Orya" typeface="Kalinga"/>
-        <a:font script="Mlym" typeface="Kartika"/>
-        <a:font script="Laoo" typeface="DokChampa"/>
-        <a:font script="Sinh" typeface="Iskoola Pota"/>
-        <a:font script="Mong" typeface="Mongolian Baiti"/>
-        <a:font script="Viet" typeface="Times New Roman"/>
-        <a:font script="Uigh" typeface="Microsoft Uighur"/>
-        <a:font script="Geor" typeface="Sylfaen"/>
-      </a:majorFont>
-      <a:minorFont>
-        <a:latin typeface="Calibri"/>
-        <a:ea typeface=""/>
-        <a:cs typeface=""/>
-        <a:font script="Jpan" typeface="ＭＳ Ｐゴシック"/>
-        <a:font script="Hang" typeface="맑은 고딕"/>
-        <a:font script="Hans" typeface="宋体"/>
-        <a:font script="Hant" typeface="新細明體"/>
-        <a:font script="Arab" typeface="Arial"/>
-        <a:font script="Hebr" typeface="Arial"/>
-        <a:font script="Thai" typeface="Cordia New"/>
-        <a:font script="Ethi" typeface="Nyala"/>
-        <a:font script="Beng" typeface="Vrinda"/>
-        <a:font script="Gujr" typeface="Shruti"/>
-        <a:font script="Khmr" typeface="DaunPenh"/>
-        <a:font script="Knda" typeface="Tunga"/>
-        <a:font script="Guru" typeface="Raavi"/>
-        <a:font script="Cans" typeface="Euphemia"/>
-        <a:font script="Cher" typeface="Plantagenet Cherokee"/>
-        <a:font script="Yiii" typeface="Microsoft Yi Baiti"/>
-        <a:font script="Tibt" typeface="Microsoft Himalaya"/>
-        <a:font script="Thaa" typeface="MV Boli"/>
-        <a:font script="Deva" typeface="Mangal"/>
-        <a:font script="Telu" typeface="Gautami"/>
-        <a:font script="Taml" typeface="Latha"/>
-        <a:font script="Syrc" typeface="Estrangelo Edessa"/>
-        <a:font script="Orya" typeface="Kalinga"/>
-        <a:font script="Mlym" typeface="Kartika"/>
-        <a:font script="Laoo" typeface="DokChampa"/>
-        <a:font script="Sinh" typeface="Iskoola Pota"/>
-        <a:font script="Mong" typeface="Mongolian Baiti"/>
-        <a:font script="Viet" typeface="Arial"/>
-        <a:font script="Uigh" typeface="Microsoft Uighur"/>
-        <a:font script="Geor" typeface="Sylfaen"/>
-      </a:minorFont>
-    </a:fontScheme>
-    <a:fmtScheme name="Office">
-      <a:fillStyleLst>
-        <a:solidFill>
-          <a:schemeClr val="phClr"/>
-        </a:solidFill>
-        <a:gradFill rotWithShape="1">
-          <a:gsLst>
-            <a:gs pos="0">
-              <a:schemeClr val="phClr">
-                <a:tint val="50000"/>
-                <a:satMod val="300000"/>
-              </a:schemeClr>
-            </a:gs>
-            <a:gs pos="35000">
-              <a:schemeClr val="phClr">
-                <a:tint val="37000"/>
-                <a:satMod val="300000"/>
-              </a:schemeClr>
-            </a:gs>
-            <a:gs pos="100000">
-              <a:schemeClr val="phClr">
-                <a:tint val="15000"/>
-                <a:satMod val="350000"/>
-              </a:schemeClr>
-            </a:gs>
-          </a:gsLst>
-          <a:lin ang="16200000" scaled="1"/>
-        </a:gradFill>
-        <a:gradFill rotWithShape="1">
-          <a:gsLst>
-            <a:gs pos="0">
-              <a:schemeClr val="phClr">
-                <a:shade val="51000"/>
-                <a:satMod val="130000"/>
-              </a:schemeClr>
-            </a:gs>
-            <a:gs pos="80000">
-              <a:schemeClr val="phClr">
-                <a:shade val="93000"/>
-                <a:satMod val="130000"/>
-              </a:schemeClr>
-            </a:gs>
-            <a:gs pos="100000">
-              <a:schemeClr val="phClr">
-                <a:shade val="94000"/>
-                <a:satMod val="135000"/>
-              </a:schemeClr>
-            </a:gs>
-          </a:gsLst>
-          <a:lin ang="16200000" scaled="0"/>
-        </a:gradFill>
-      </a:fillStyleLst>
-      <a:lnStyleLst>
-        <a:ln w="9525" cap="flat" cmpd="sng" algn="ctr">
-          <a:solidFill>
-            <a:schemeClr val="phClr">
-              <a:shade val="95000"/>
-              <a:satMod val="105000"/>
-            </a:schemeClr>
-          </a:solidFill>
-          <a:prstDash val="solid"/>
-        </a:ln>
-        <a:ln w="25400" cap="flat" cmpd="sng" algn="ctr">
-          <a:solidFill>
-            <a:schemeClr val="phClr"/>
-          </a:solidFill>
-          <a:prstDash val="solid"/>
-        </a:ln>
-        <a:ln w="38100" cap="flat" cmpd="sng" algn="ctr">
-          <a:solidFill>
-            <a:schemeClr val="phClr"/>
-          </a:solidFill>
-          <a:prstDash val="solid"/>
-        </a:ln>
-      </a:lnStyleLst>
-      <a:effectStyleLst>
-        <a:effectStyle>
-          <a:effectLst>
-            <a:outerShdw blurRad="40000" dist="20000" dir="5400000" rotWithShape="0">
-              <a:srgbClr val="000000">
-                <a:alpha val="38000"/>
-              </a:srgbClr>
-            </a:outerShdw>
-          </a:effectLst>
-        </a:effectStyle>
-        <a:effectStyle>
-          <a:effectLst>
-            <a:outerShdw blurRad="40000" dist="23000" dir="5400000" rotWithShape="0">
-              <a:srgbClr val="000000">
-                <a:alpha val="35000"/>
-              </a:srgbClr>
-            </a:outerShdw>
-          </a:effectLst>
-        </a:effectStyle>
-        <a:effectStyle>
-          <a:effectLst>
-            <a:outerShdw blurRad="40000" dist="23000" dir="5400000" rotWithShape="0">
-              <a:srgbClr val="000000">
-                <a:alpha val="35000"/>
-              </a:srgbClr>
-            </a:outerShdw>
-          </a:effectLst>
-          <a:scene3d>
-            <a:camera prst="orthographicFront">
-              <a:rot lat="0" lon="0" rev="0"/>
-            </a:camera>
-            <a:lightRig rig="threePt" dir="t">
-              <a:rot lat="0" lon="0" rev="1200000"/>
-            </a:lightRig>
-          </a:scene3d>
-          <a:sp3d>
-            <a:bevelT w="63500" h="25400"/>
-          </a:sp3d>
-        </a:effectStyle>
-      </a:effectStyleLst>
-      <a:bgFillStyleLst>
-        <a:solidFill>
-          <a:schemeClr val="phClr"/>
-        </a:solidFill>
-        <a:gradFill rotWithShape="1">
-          <a:gsLst>
-            <a:gs pos="0">
-              <a:schemeClr val="phClr">
-                <a:tint val="40000"/>
-                <a:satMod val="350000"/>
-              </a:schemeClr>
-            </a:gs>
-            <a:gs pos="40000">
-              <a:schemeClr val="phClr">
-                <a:tint val="45000"/>
-                <a:shade val="99000"/>
-                <a:satMod val="350000"/>
-              </a:schemeClr>
-            </a:gs>
-            <a:gs pos="100000">
-              <a:schemeClr val="phClr">
-                <a:shade val="20000"/>
-                <a:satMod val="255000"/>
-              </a:schemeClr>
-            </a:gs>
-          </a:gsLst>
-          <a:path path="circle">
-            <a:fillToRect l="50000" t="-80000" r="50000" b="180000"/>
-          </a:path>
-        </a:gradFill>
-        <a:gradFill rotWithShape="1">
-          <a:gsLst>
-            <a:gs pos="0">
-              <a:schemeClr val="phClr">
-                <a:tint val="80000"/>
-                <a:satMod val="300000"/>
-              </a:schemeClr>
-            </a:gs>
-            <a:gs pos="100000">
-              <a:schemeClr val="phClr">
-                <a:shade val="30000"/>
-                <a:satMod val="200000"/>
-              </a:schemeClr>
-            </a:gs>
-          </a:gsLst>
-          <a:path path="circle">
-            <a:fillToRect l="50000" t="50000" r="50000" b="50000"/>
-          </a:path>
-        </a:gradFill>
-      </a:bgFillStyleLst>
-    </a:fmtScheme>
-  </a:themeElements>
-  <a:objectDefaults/>
-  <a:extraClrSchemeLst/>
-</a:theme>
 </file>
--- a/Cloud Box_ppt.pptx
+++ b/Cloud Box_ppt.pptx
@@ -5,7 +5,7 @@
     <p:sldMasterId id="2147483924" r:id="rId1"/>
   </p:sldMasterIdLst>
   <p:notesMasterIdLst>
-    <p:notesMasterId r:id="rId16"/>
+    <p:notesMasterId r:id="rId17"/>
   </p:notesMasterIdLst>
   <p:sldIdLst>
     <p:sldId id="256" r:id="rId2"/>
@@ -22,6 +22,7 @@
     <p:sldId id="268" r:id="rId13"/>
     <p:sldId id="269" r:id="rId14"/>
     <p:sldId id="270" r:id="rId15"/>
+    <p:sldId id="273" r:id="rId16"/>
   </p:sldIdLst>
   <p:sldSz cx="9144000" cy="6858000" type="screen4x3"/>
   <p:notesSz cx="6858000" cy="9144000"/>
@@ -300,8 +301,8 @@
         </c:dLbls>
         <c:gapWidth val="219"/>
         <c:overlap val="100"/>
-        <c:axId val="2129618632"/>
-        <c:axId val="2129621832"/>
+        <c:axId val="-2118297016"/>
+        <c:axId val="-2118293816"/>
       </c:barChart>
       <c:lineChart>
         <c:grouping val="standard"/>
@@ -404,11 +405,11 @@
         </c:dLbls>
         <c:marker val="1"/>
         <c:smooth val="0"/>
-        <c:axId val="2129618632"/>
-        <c:axId val="2129621832"/>
+        <c:axId val="-2118297016"/>
+        <c:axId val="-2118293816"/>
       </c:lineChart>
       <c:catAx>
-        <c:axId val="2129618632"/>
+        <c:axId val="-2118297016"/>
         <c:scaling>
           <c:orientation val="minMax"/>
         </c:scaling>
@@ -451,7 +452,7 @@
             <a:endParaRPr lang="en-US"/>
           </a:p>
         </c:txPr>
-        <c:crossAx val="2129621832"/>
+        <c:crossAx val="-2118293816"/>
         <c:crosses val="autoZero"/>
         <c:auto val="1"/>
         <c:lblAlgn val="ctr"/>
@@ -459,7 +460,7 @@
         <c:noMultiLvlLbl val="0"/>
       </c:catAx>
       <c:valAx>
-        <c:axId val="2129621832"/>
+        <c:axId val="-2118293816"/>
         <c:scaling>
           <c:orientation val="minMax"/>
         </c:scaling>
@@ -510,7 +511,7 @@
             <a:endParaRPr lang="en-US"/>
           </a:p>
         </c:txPr>
-        <c:crossAx val="2129618632"/>
+        <c:crossAx val="-2118297016"/>
         <c:crosses val="autoZero"/>
         <c:crossBetween val="between"/>
       </c:valAx>
@@ -8552,6 +8553,67 @@
 </p:sld>
 </file>
 
+<file path=ppt/slides/slide15.xml><?xml version="1.0" encoding="utf-8"?>
+<p:sld xmlns:a="http://schemas.openxmlformats.org/drawingml/2006/main" xmlns:r="http://schemas.openxmlformats.org/officeDocument/2006/relationships" xmlns:p="http://schemas.openxmlformats.org/presentationml/2006/main">
+  <p:cSld>
+    <p:spTree>
+      <p:nvGrpSpPr>
+        <p:cNvPr id="1" name=""/>
+        <p:cNvGrpSpPr/>
+        <p:nvPr/>
+      </p:nvGrpSpPr>
+      <p:grpSpPr>
+        <a:xfrm>
+          <a:off x="0" y="0"/>
+          <a:ext cx="0" cy="0"/>
+          <a:chOff x="0" y="0"/>
+          <a:chExt cx="0" cy="0"/>
+        </a:xfrm>
+      </p:grpSpPr>
+      <p:sp>
+        <p:nvSpPr>
+          <p:cNvPr id="2" name="Title 1"/>
+          <p:cNvSpPr>
+            <a:spLocks noGrp="1"/>
+          </p:cNvSpPr>
+          <p:nvPr>
+            <p:ph type="title"/>
+          </p:nvPr>
+        </p:nvSpPr>
+        <p:spPr>
+          <a:xfrm>
+            <a:off x="2483768" y="2492896"/>
+            <a:ext cx="3416167" cy="1143000"/>
+          </a:xfrm>
+        </p:spPr>
+        <p:txBody>
+          <a:bodyPr/>
+          <a:lstStyle/>
+          <a:p>
+            <a:pPr marL="0" indent="0">
+              <a:buNone/>
+            </a:pPr>
+            <a:r>
+              <a:rPr lang="en-US" dirty="0" smtClean="0"/>
+              <a:t>Questions?</a:t>
+            </a:r>
+            <a:endParaRPr lang="en-US" dirty="0"/>
+          </a:p>
+        </p:txBody>
+      </p:sp>
+    </p:spTree>
+    <p:extLst>
+      <p:ext uri="{BB962C8B-B14F-4D97-AF65-F5344CB8AC3E}">
+        <p14:creationId xmlns:p14="http://schemas.microsoft.com/office/powerpoint/2010/main" val="425418929"/>
+      </p:ext>
+    </p:extLst>
+  </p:cSld>
+  <p:clrMapOvr>
+    <a:masterClrMapping/>
+  </p:clrMapOvr>
+</p:sld>
+</file>
+
 <file path=ppt/slides/slide2.xml><?xml version="1.0" encoding="utf-8"?>
 <p:sld xmlns:a="http://schemas.openxmlformats.org/drawingml/2006/main" xmlns:r="http://schemas.openxmlformats.org/officeDocument/2006/relationships" xmlns:p="http://schemas.openxmlformats.org/presentationml/2006/main">
   <p:cSld>
